--- a/Documents/Illustrations.pptx
+++ b/Documents/Illustrations.pptx
@@ -211,7 +211,7 @@
             <a:fld id="{1C966316-034C-416A-AE06-6FE0DCD4C173}" type="datetimeFigureOut">
               <a:rPr lang="fr-FR" smtClean="0"/>
               <a:pPr/>
-              <a:t>15/09/2014</a:t>
+              <a:t>18/09/2014</a:t>
             </a:fld>
             <a:endParaRPr lang="fr-FR" dirty="0"/>
           </a:p>
@@ -373,7 +373,7 @@
             <a:fld id="{F399C80D-C92A-476A-9551-402BB76F7DC1}" type="datetimeFigureOut">
               <a:rPr lang="fr-FR" smtClean="0"/>
               <a:pPr/>
-              <a:t>15/09/2014</a:t>
+              <a:t>18/09/2014</a:t>
             </a:fld>
             <a:endParaRPr lang="fr-FR"/>
           </a:p>
@@ -821,7 +821,7 @@
             <a:fld id="{6FDB51E0-5E2A-4791-A4C4-EF44FFADB4E1}" type="datetimeFigureOut">
               <a:rPr lang="fr-FR" smtClean="0"/>
               <a:pPr/>
-              <a:t>15/09/2014</a:t>
+              <a:t>18/09/2014</a:t>
             </a:fld>
             <a:endParaRPr lang="fr-FR" dirty="0"/>
           </a:p>
@@ -988,7 +988,7 @@
             <a:fld id="{6FDB51E0-5E2A-4791-A4C4-EF44FFADB4E1}" type="datetimeFigureOut">
               <a:rPr lang="fr-FR" smtClean="0"/>
               <a:pPr/>
-              <a:t>15/09/2014</a:t>
+              <a:t>18/09/2014</a:t>
             </a:fld>
             <a:endParaRPr lang="fr-FR" dirty="0"/>
           </a:p>
@@ -1165,7 +1165,7 @@
             <a:fld id="{6FDB51E0-5E2A-4791-A4C4-EF44FFADB4E1}" type="datetimeFigureOut">
               <a:rPr lang="fr-FR" smtClean="0"/>
               <a:pPr/>
-              <a:t>15/09/2014</a:t>
+              <a:t>18/09/2014</a:t>
             </a:fld>
             <a:endParaRPr lang="fr-FR" dirty="0"/>
           </a:p>
@@ -1337,7 +1337,7 @@
             <a:fld id="{6FDB51E0-5E2A-4791-A4C4-EF44FFADB4E1}" type="datetimeFigureOut">
               <a:rPr lang="fr-FR" smtClean="0"/>
               <a:pPr/>
-              <a:t>15/09/2014</a:t>
+              <a:t>18/09/2014</a:t>
             </a:fld>
             <a:endParaRPr lang="fr-FR" dirty="0"/>
           </a:p>
@@ -1580,7 +1580,7 @@
             <a:fld id="{6FDB51E0-5E2A-4791-A4C4-EF44FFADB4E1}" type="datetimeFigureOut">
               <a:rPr lang="fr-FR" smtClean="0"/>
               <a:pPr/>
-              <a:t>15/09/2014</a:t>
+              <a:t>18/09/2014</a:t>
             </a:fld>
             <a:endParaRPr lang="fr-FR" dirty="0"/>
           </a:p>
@@ -1865,7 +1865,7 @@
             <a:fld id="{6FDB51E0-5E2A-4791-A4C4-EF44FFADB4E1}" type="datetimeFigureOut">
               <a:rPr lang="fr-FR" smtClean="0"/>
               <a:pPr/>
-              <a:t>15/09/2014</a:t>
+              <a:t>18/09/2014</a:t>
             </a:fld>
             <a:endParaRPr lang="fr-FR" dirty="0"/>
           </a:p>
@@ -2284,7 +2284,7 @@
             <a:fld id="{6FDB51E0-5E2A-4791-A4C4-EF44FFADB4E1}" type="datetimeFigureOut">
               <a:rPr lang="fr-FR" smtClean="0"/>
               <a:pPr/>
-              <a:t>15/09/2014</a:t>
+              <a:t>18/09/2014</a:t>
             </a:fld>
             <a:endParaRPr lang="fr-FR" dirty="0"/>
           </a:p>
@@ -2404,7 +2404,7 @@
             <a:fld id="{6FDB51E0-5E2A-4791-A4C4-EF44FFADB4E1}" type="datetimeFigureOut">
               <a:rPr lang="fr-FR" smtClean="0"/>
               <a:pPr/>
-              <a:t>15/09/2014</a:t>
+              <a:t>18/09/2014</a:t>
             </a:fld>
             <a:endParaRPr lang="fr-FR" dirty="0"/>
           </a:p>
@@ -2496,7 +2496,7 @@
             <a:fld id="{6FDB51E0-5E2A-4791-A4C4-EF44FFADB4E1}" type="datetimeFigureOut">
               <a:rPr lang="fr-FR" smtClean="0"/>
               <a:pPr/>
-              <a:t>15/09/2014</a:t>
+              <a:t>18/09/2014</a:t>
             </a:fld>
             <a:endParaRPr lang="fr-FR" dirty="0"/>
           </a:p>
@@ -2770,7 +2770,7 @@
             <a:fld id="{6FDB51E0-5E2A-4791-A4C4-EF44FFADB4E1}" type="datetimeFigureOut">
               <a:rPr lang="fr-FR" smtClean="0"/>
               <a:pPr/>
-              <a:t>15/09/2014</a:t>
+              <a:t>18/09/2014</a:t>
             </a:fld>
             <a:endParaRPr lang="fr-FR" dirty="0"/>
           </a:p>
@@ -3020,7 +3020,7 @@
             <a:fld id="{6FDB51E0-5E2A-4791-A4C4-EF44FFADB4E1}" type="datetimeFigureOut">
               <a:rPr lang="fr-FR" smtClean="0"/>
               <a:pPr/>
-              <a:t>15/09/2014</a:t>
+              <a:t>18/09/2014</a:t>
             </a:fld>
             <a:endParaRPr lang="fr-FR" dirty="0"/>
           </a:p>
@@ -3230,7 +3230,7 @@
             <a:fld id="{6FDB51E0-5E2A-4791-A4C4-EF44FFADB4E1}" type="datetimeFigureOut">
               <a:rPr lang="fr-FR" smtClean="0"/>
               <a:pPr/>
-              <a:t>15/09/2014</a:t>
+              <a:t>18/09/2014</a:t>
             </a:fld>
             <a:endParaRPr lang="fr-FR" dirty="0"/>
           </a:p>
@@ -9639,15 +9639,7 @@
                   <a:schemeClr val="tx1"/>
                 </a:solidFill>
               </a:rPr>
-              <a:t>Initialiser le fichier </a:t>
-            </a:r>
-            <a:r>
-              <a:rPr lang="fr-FR" sz="1100" dirty="0" smtClean="0">
-                <a:solidFill>
-                  <a:schemeClr val="tx1"/>
-                </a:solidFill>
-              </a:rPr>
-              <a:t>CSV</a:t>
+              <a:t>Initialiser le fichier CSV</a:t>
             </a:r>
             <a:endParaRPr lang="fr-FR" sz="1100" dirty="0">
               <a:solidFill>
@@ -9777,15 +9769,7 @@
                   <a:schemeClr val="tx1"/>
                 </a:solidFill>
               </a:rPr>
-              <a:t>Créer/Ouvrir le fichier </a:t>
-            </a:r>
-            <a:r>
-              <a:rPr lang="fr-FR" sz="1100" dirty="0" smtClean="0">
-                <a:solidFill>
-                  <a:schemeClr val="tx1"/>
-                </a:solidFill>
-              </a:rPr>
-              <a:t>CSV</a:t>
+              <a:t>Créer/Ouvrir le fichier CSV</a:t>
             </a:r>
             <a:endParaRPr lang="fr-FR" sz="1100" dirty="0">
               <a:solidFill>
@@ -9999,88 +9983,72 @@
                   <a:schemeClr val="tx1"/>
                 </a:solidFill>
               </a:rPr>
-              <a:t>Fermer le fichier </a:t>
-            </a:r>
+              <a:t>Fermer le fichier CSV</a:t>
+            </a:r>
+            <a:endParaRPr lang="fr-FR" sz="1100" dirty="0">
+              <a:solidFill>
+                <a:schemeClr val="tx1"/>
+              </a:solidFill>
+            </a:endParaRPr>
+          </a:p>
+        </p:txBody>
+      </p:sp>
+      <p:sp>
+        <p:nvSpPr>
+          <p:cNvPr id="20" name="Rectangle à coins arrondis 19"/>
+          <p:cNvSpPr/>
+          <p:nvPr/>
+        </p:nvSpPr>
+        <p:spPr>
+          <a:xfrm>
+            <a:off x="6068882" y="7138502"/>
+            <a:ext cx="1800000" cy="216000"/>
+          </a:xfrm>
+          <a:prstGeom prst="roundRect">
+            <a:avLst/>
+          </a:prstGeom>
+          <a:solidFill>
+            <a:schemeClr val="accent3">
+              <a:lumMod val="40000"/>
+              <a:lumOff val="60000"/>
+            </a:schemeClr>
+          </a:solidFill>
+          <a:ln>
+            <a:solidFill>
+              <a:schemeClr val="accent3">
+                <a:lumMod val="50000"/>
+              </a:schemeClr>
+            </a:solidFill>
+          </a:ln>
+        </p:spPr>
+        <p:style>
+          <a:lnRef idx="2">
+            <a:schemeClr val="accent1">
+              <a:shade val="50000"/>
+            </a:schemeClr>
+          </a:lnRef>
+          <a:fillRef idx="1">
+            <a:schemeClr val="accent1"/>
+          </a:fillRef>
+          <a:effectRef idx="0">
+            <a:schemeClr val="accent1"/>
+          </a:effectRef>
+          <a:fontRef idx="minor">
+            <a:schemeClr val="lt1"/>
+          </a:fontRef>
+        </p:style>
+        <p:txBody>
+          <a:bodyPr rtlCol="0" anchor="ctr"/>
+          <a:lstStyle/>
+          <a:p>
+            <a:pPr algn="ctr"/>
             <a:r>
               <a:rPr lang="fr-FR" sz="1100" dirty="0" smtClean="0">
                 <a:solidFill>
                   <a:schemeClr val="tx1"/>
                 </a:solidFill>
               </a:rPr>
-              <a:t>CSV</a:t>
-            </a:r>
-            <a:endParaRPr lang="fr-FR" sz="1100" dirty="0">
-              <a:solidFill>
-                <a:schemeClr val="tx1"/>
-              </a:solidFill>
-            </a:endParaRPr>
-          </a:p>
-        </p:txBody>
-      </p:sp>
-      <p:sp>
-        <p:nvSpPr>
-          <p:cNvPr id="20" name="Rectangle à coins arrondis 19"/>
-          <p:cNvSpPr/>
-          <p:nvPr/>
-        </p:nvSpPr>
-        <p:spPr>
-          <a:xfrm>
-            <a:off x="6068882" y="7138502"/>
-            <a:ext cx="1800000" cy="216000"/>
-          </a:xfrm>
-          <a:prstGeom prst="roundRect">
-            <a:avLst/>
-          </a:prstGeom>
-          <a:solidFill>
-            <a:schemeClr val="accent3">
-              <a:lumMod val="40000"/>
-              <a:lumOff val="60000"/>
-            </a:schemeClr>
-          </a:solidFill>
-          <a:ln>
-            <a:solidFill>
-              <a:schemeClr val="accent3">
-                <a:lumMod val="50000"/>
-              </a:schemeClr>
-            </a:solidFill>
-          </a:ln>
-        </p:spPr>
-        <p:style>
-          <a:lnRef idx="2">
-            <a:schemeClr val="accent1">
-              <a:shade val="50000"/>
-            </a:schemeClr>
-          </a:lnRef>
-          <a:fillRef idx="1">
-            <a:schemeClr val="accent1"/>
-          </a:fillRef>
-          <a:effectRef idx="0">
-            <a:schemeClr val="accent1"/>
-          </a:effectRef>
-          <a:fontRef idx="minor">
-            <a:schemeClr val="lt1"/>
-          </a:fontRef>
-        </p:style>
-        <p:txBody>
-          <a:bodyPr rtlCol="0" anchor="ctr"/>
-          <a:lstStyle/>
-          <a:p>
-            <a:pPr algn="ctr"/>
-            <a:r>
-              <a:rPr lang="fr-FR" sz="1100" dirty="0" smtClean="0">
-                <a:solidFill>
-                  <a:schemeClr val="tx1"/>
-                </a:solidFill>
-              </a:rPr>
-              <a:t>Ouvrir le fichier </a:t>
-            </a:r>
-            <a:r>
-              <a:rPr lang="fr-FR" sz="1100" dirty="0" smtClean="0">
-                <a:solidFill>
-                  <a:schemeClr val="tx1"/>
-                </a:solidFill>
-              </a:rPr>
-              <a:t>CSV</a:t>
+              <a:t>Ouvrir le fichier CSV</a:t>
             </a:r>
             <a:endParaRPr lang="fr-FR" sz="1100" dirty="0">
               <a:solidFill>
@@ -10213,15 +10181,7 @@
                   <a:schemeClr val="tx1"/>
                 </a:solidFill>
               </a:rPr>
-              <a:t>Fermer le fichier </a:t>
-            </a:r>
-            <a:r>
-              <a:rPr lang="fr-FR" sz="1100" dirty="0" smtClean="0">
-                <a:solidFill>
-                  <a:schemeClr val="tx1"/>
-                </a:solidFill>
-              </a:rPr>
-              <a:t>CSV</a:t>
+              <a:t>Fermer le fichier CSV</a:t>
             </a:r>
             <a:endParaRPr lang="fr-FR" sz="1100" dirty="0">
               <a:solidFill>
@@ -12831,15 +12791,7 @@
                   <a:schemeClr val="tx1"/>
                 </a:solidFill>
               </a:rPr>
-              <a:t>Initialiser le fichier </a:t>
-            </a:r>
-            <a:r>
-              <a:rPr lang="fr-FR" sz="1100" dirty="0" smtClean="0">
-                <a:solidFill>
-                  <a:schemeClr val="tx1"/>
-                </a:solidFill>
-              </a:rPr>
-              <a:t>CSV</a:t>
+              <a:t>Initialiser le fichier CSV</a:t>
             </a:r>
             <a:endParaRPr lang="fr-FR" sz="1100" dirty="0">
               <a:solidFill>
@@ -12969,15 +12921,7 @@
                   <a:schemeClr val="tx1"/>
                 </a:solidFill>
               </a:rPr>
-              <a:t>Créer/Ouvrir le fichier </a:t>
-            </a:r>
-            <a:r>
-              <a:rPr lang="fr-FR" sz="1100" dirty="0" smtClean="0">
-                <a:solidFill>
-                  <a:schemeClr val="tx1"/>
-                </a:solidFill>
-              </a:rPr>
-              <a:t>CSV</a:t>
+              <a:t>Créer/Ouvrir le fichier CSV</a:t>
             </a:r>
             <a:endParaRPr lang="fr-FR" sz="1100" dirty="0">
               <a:solidFill>
@@ -13191,88 +13135,72 @@
                   <a:schemeClr val="tx1"/>
                 </a:solidFill>
               </a:rPr>
-              <a:t>Fermer le fichier </a:t>
-            </a:r>
+              <a:t>Fermer le fichier CSV</a:t>
+            </a:r>
+            <a:endParaRPr lang="fr-FR" sz="1100" dirty="0">
+              <a:solidFill>
+                <a:schemeClr val="tx1"/>
+              </a:solidFill>
+            </a:endParaRPr>
+          </a:p>
+        </p:txBody>
+      </p:sp>
+      <p:sp>
+        <p:nvSpPr>
+          <p:cNvPr id="20" name="Rectangle à coins arrondis 19"/>
+          <p:cNvSpPr/>
+          <p:nvPr/>
+        </p:nvSpPr>
+        <p:spPr>
+          <a:xfrm>
+            <a:off x="6068882" y="7978191"/>
+            <a:ext cx="1800000" cy="216000"/>
+          </a:xfrm>
+          <a:prstGeom prst="roundRect">
+            <a:avLst/>
+          </a:prstGeom>
+          <a:solidFill>
+            <a:schemeClr val="accent3">
+              <a:lumMod val="40000"/>
+              <a:lumOff val="60000"/>
+            </a:schemeClr>
+          </a:solidFill>
+          <a:ln>
+            <a:solidFill>
+              <a:schemeClr val="accent3">
+                <a:lumMod val="50000"/>
+              </a:schemeClr>
+            </a:solidFill>
+          </a:ln>
+        </p:spPr>
+        <p:style>
+          <a:lnRef idx="2">
+            <a:schemeClr val="accent1">
+              <a:shade val="50000"/>
+            </a:schemeClr>
+          </a:lnRef>
+          <a:fillRef idx="1">
+            <a:schemeClr val="accent1"/>
+          </a:fillRef>
+          <a:effectRef idx="0">
+            <a:schemeClr val="accent1"/>
+          </a:effectRef>
+          <a:fontRef idx="minor">
+            <a:schemeClr val="lt1"/>
+          </a:fontRef>
+        </p:style>
+        <p:txBody>
+          <a:bodyPr rtlCol="0" anchor="ctr"/>
+          <a:lstStyle/>
+          <a:p>
+            <a:pPr algn="ctr"/>
             <a:r>
               <a:rPr lang="fr-FR" sz="1100" dirty="0" smtClean="0">
                 <a:solidFill>
                   <a:schemeClr val="tx1"/>
                 </a:solidFill>
               </a:rPr>
-              <a:t>CSV</a:t>
-            </a:r>
-            <a:endParaRPr lang="fr-FR" sz="1100" dirty="0">
-              <a:solidFill>
-                <a:schemeClr val="tx1"/>
-              </a:solidFill>
-            </a:endParaRPr>
-          </a:p>
-        </p:txBody>
-      </p:sp>
-      <p:sp>
-        <p:nvSpPr>
-          <p:cNvPr id="20" name="Rectangle à coins arrondis 19"/>
-          <p:cNvSpPr/>
-          <p:nvPr/>
-        </p:nvSpPr>
-        <p:spPr>
-          <a:xfrm>
-            <a:off x="6068882" y="7978191"/>
-            <a:ext cx="1800000" cy="216000"/>
-          </a:xfrm>
-          <a:prstGeom prst="roundRect">
-            <a:avLst/>
-          </a:prstGeom>
-          <a:solidFill>
-            <a:schemeClr val="accent3">
-              <a:lumMod val="40000"/>
-              <a:lumOff val="60000"/>
-            </a:schemeClr>
-          </a:solidFill>
-          <a:ln>
-            <a:solidFill>
-              <a:schemeClr val="accent3">
-                <a:lumMod val="50000"/>
-              </a:schemeClr>
-            </a:solidFill>
-          </a:ln>
-        </p:spPr>
-        <p:style>
-          <a:lnRef idx="2">
-            <a:schemeClr val="accent1">
-              <a:shade val="50000"/>
-            </a:schemeClr>
-          </a:lnRef>
-          <a:fillRef idx="1">
-            <a:schemeClr val="accent1"/>
-          </a:fillRef>
-          <a:effectRef idx="0">
-            <a:schemeClr val="accent1"/>
-          </a:effectRef>
-          <a:fontRef idx="minor">
-            <a:schemeClr val="lt1"/>
-          </a:fontRef>
-        </p:style>
-        <p:txBody>
-          <a:bodyPr rtlCol="0" anchor="ctr"/>
-          <a:lstStyle/>
-          <a:p>
-            <a:pPr algn="ctr"/>
-            <a:r>
-              <a:rPr lang="fr-FR" sz="1100" dirty="0" smtClean="0">
-                <a:solidFill>
-                  <a:schemeClr val="tx1"/>
-                </a:solidFill>
-              </a:rPr>
-              <a:t>Ouvrir le fichier </a:t>
-            </a:r>
-            <a:r>
-              <a:rPr lang="fr-FR" sz="1100" dirty="0" smtClean="0">
-                <a:solidFill>
-                  <a:schemeClr val="tx1"/>
-                </a:solidFill>
-              </a:rPr>
-              <a:t>CSV</a:t>
+              <a:t>Ouvrir le fichier CSV</a:t>
             </a:r>
             <a:endParaRPr lang="fr-FR" sz="1100" dirty="0">
               <a:solidFill>
@@ -13405,15 +13333,7 @@
                   <a:schemeClr val="tx1"/>
                 </a:solidFill>
               </a:rPr>
-              <a:t>Fermer le fichier </a:t>
-            </a:r>
-            <a:r>
-              <a:rPr lang="fr-FR" sz="1100" dirty="0" smtClean="0">
-                <a:solidFill>
-                  <a:schemeClr val="tx1"/>
-                </a:solidFill>
-              </a:rPr>
-              <a:t>CSV</a:t>
+              <a:t>Fermer le fichier CSV</a:t>
             </a:r>
             <a:endParaRPr lang="fr-FR" sz="1100" dirty="0">
               <a:solidFill>
@@ -15438,7 +15358,15 @@
                   <a:schemeClr val="tx1"/>
                 </a:solidFill>
               </a:rPr>
-              <a:t>ET Base</a:t>
+              <a:t>ET </a:t>
+            </a:r>
+            <a:r>
+              <a:rPr lang="fr-FR" sz="1100" dirty="0" smtClean="0">
+                <a:solidFill>
+                  <a:schemeClr val="tx1"/>
+                </a:solidFill>
+              </a:rPr>
+              <a:t>Papp</a:t>
             </a:r>
             <a:endParaRPr lang="fr-FR" sz="1100" dirty="0">
               <a:solidFill>
@@ -15877,7 +15805,7 @@
         </p:nvGraphicFramePr>
         <p:xfrm>
           <a:off x="3703572" y="4113715"/>
-          <a:ext cx="4684851" cy="648072"/>
+          <a:ext cx="4684852" cy="648072"/>
         </p:xfrm>
         <a:graphic>
           <a:graphicData uri="http://schemas.openxmlformats.org/drawingml/2006/table">
@@ -15886,10 +15814,9 @@
                 <a:tableStyleId>{5C22544A-7EE6-4342-B048-85BDC9FD1C3A}</a:tableStyleId>
               </a:tblPr>
               <a:tblGrid>
-                <a:gridCol w="1084452"/>
-                <a:gridCol w="1008112"/>
-                <a:gridCol w="1440160"/>
-                <a:gridCol w="1152127"/>
+                <a:gridCol w="1300476"/>
+                <a:gridCol w="1512168"/>
+                <a:gridCol w="1872208"/>
               </a:tblGrid>
               <a:tr h="648072">
                 <a:tc>
@@ -15973,33 +15900,6 @@
                     </a:solidFill>
                   </a:tcPr>
                 </a:tc>
-                <a:tc>
-                  <a:txBody>
-                    <a:bodyPr/>
-                    <a:lstStyle/>
-                    <a:p>
-                      <a:pPr algn="ctr"/>
-                      <a:r>
-                        <a:rPr lang="fr-FR" b="1" dirty="0" smtClean="0">
-                          <a:solidFill>
-                            <a:schemeClr val="tx1"/>
-                          </a:solidFill>
-                        </a:rPr>
-                        <a:t>[Invalide]</a:t>
-                      </a:r>
-                      <a:endParaRPr lang="fr-FR" b="1" dirty="0">
-                        <a:solidFill>
-                          <a:schemeClr val="tx1"/>
-                        </a:solidFill>
-                      </a:endParaRPr>
-                    </a:p>
-                  </a:txBody>
-                  <a:tcPr anchor="ctr">
-                    <a:solidFill>
-                      <a:schemeClr val="accent6"/>
-                    </a:solidFill>
-                  </a:tcPr>
-                </a:tc>
               </a:tr>
             </a:tbl>
           </a:graphicData>
@@ -16015,7 +15915,7 @@
         </p:nvGraphicFramePr>
         <p:xfrm>
           <a:off x="3703572" y="2331929"/>
-          <a:ext cx="4698301" cy="1552269"/>
+          <a:ext cx="4684852" cy="1552269"/>
         </p:xfrm>
         <a:graphic>
           <a:graphicData uri="http://schemas.openxmlformats.org/drawingml/2006/table">
@@ -16024,13 +15924,12 @@
                 <a:tableStyleId>{5C22544A-7EE6-4342-B048-85BDC9FD1C3A}</a:tableStyleId>
               </a:tblPr>
               <a:tblGrid>
-                <a:gridCol w="1062118"/>
-                <a:gridCol w="1062118"/>
-                <a:gridCol w="1363599"/>
-                <a:gridCol w="1210466"/>
+                <a:gridCol w="1300476"/>
+                <a:gridCol w="1512168"/>
+                <a:gridCol w="1872208"/>
               </a:tblGrid>
               <a:tr h="395503">
-                <a:tc gridSpan="4">
+                <a:tc gridSpan="3">
                   <a:txBody>
                     <a:bodyPr/>
                     <a:lstStyle/>
@@ -16085,19 +15984,9 @@
                   </a:txBody>
                   <a:tcPr/>
                 </a:tc>
-                <a:tc hMerge="1">
-                  <a:txBody>
-                    <a:bodyPr/>
-                    <a:lstStyle/>
-                    <a:p>
-                      <a:endParaRPr lang="fr-FR"/>
-                    </a:p>
-                  </a:txBody>
-                  <a:tcPr/>
-                </a:tc>
               </a:tr>
               <a:tr h="395503">
-                <a:tc gridSpan="4">
+                <a:tc gridSpan="3">
                   <a:txBody>
                     <a:bodyPr/>
                     <a:lstStyle/>
@@ -16144,19 +16033,9 @@
                   </a:txBody>
                   <a:tcPr/>
                 </a:tc>
-                <a:tc hMerge="1">
-                  <a:txBody>
-                    <a:bodyPr/>
-                    <a:lstStyle/>
-                    <a:p>
-                      <a:endParaRPr lang="fr-FR"/>
-                    </a:p>
-                  </a:txBody>
-                  <a:tcPr/>
-                </a:tc>
               </a:tr>
               <a:tr h="395503">
-                <a:tc gridSpan="4">
+                <a:tc gridSpan="3">
                   <a:txBody>
                     <a:bodyPr/>
                     <a:lstStyle/>
@@ -16174,16 +16053,6 @@
                       <a:schemeClr val="accent1"/>
                     </a:solidFill>
                   </a:tcPr>
-                </a:tc>
-                <a:tc hMerge="1">
-                  <a:txBody>
-                    <a:bodyPr/>
-                    <a:lstStyle/>
-                    <a:p>
-                      <a:endParaRPr lang="fr-FR"/>
-                    </a:p>
-                  </a:txBody>
-                  <a:tcPr/>
                 </a:tc>
                 <a:tc hMerge="1">
                   <a:txBody>
@@ -16276,12 +16145,12 @@
                         <a:t>[</a:t>
                       </a:r>
                       <a:r>
-                        <a:rPr lang="fr-FR" b="1" dirty="0" err="1" smtClean="0">
+                        <a:rPr lang="fr-FR" b="1" dirty="0" smtClean="0">
                           <a:solidFill>
                             <a:schemeClr val="bg1"/>
                           </a:solidFill>
                         </a:rPr>
-                        <a:t>NomIndex</a:t>
+                        <a:t>Nom Index</a:t>
                       </a:r>
                       <a:r>
                         <a:rPr lang="fr-FR" b="1" dirty="0" smtClean="0">
@@ -16290,33 +16159,6 @@
                           </a:solidFill>
                         </a:rPr>
                         <a:t>]</a:t>
-                      </a:r>
-                      <a:endParaRPr lang="fr-FR" b="1" dirty="0">
-                        <a:solidFill>
-                          <a:schemeClr val="bg1"/>
-                        </a:solidFill>
-                      </a:endParaRPr>
-                    </a:p>
-                  </a:txBody>
-                  <a:tcPr anchor="ctr">
-                    <a:solidFill>
-                      <a:schemeClr val="accent1"/>
-                    </a:solidFill>
-                  </a:tcPr>
-                </a:tc>
-                <a:tc>
-                  <a:txBody>
-                    <a:bodyPr/>
-                    <a:lstStyle/>
-                    <a:p>
-                      <a:pPr algn="ctr"/>
-                      <a:r>
-                        <a:rPr lang="fr-FR" b="1" dirty="0" smtClean="0">
-                          <a:solidFill>
-                            <a:schemeClr val="bg1"/>
-                          </a:solidFill>
-                        </a:rPr>
-                        <a:t>Invalide</a:t>
                       </a:r>
                       <a:endParaRPr lang="fr-FR" b="1" dirty="0">
                         <a:solidFill>
@@ -19090,23 +18932,7 @@
                   <a:schemeClr val="tx1"/>
                 </a:solidFill>
               </a:rPr>
-              <a:t>Choisir un fichier </a:t>
-            </a:r>
-            <a:r>
-              <a:rPr lang="fr-FR" sz="1100" dirty="0" smtClean="0">
-                <a:solidFill>
-                  <a:schemeClr val="tx1"/>
-                </a:solidFill>
-              </a:rPr>
-              <a:t>CSV </a:t>
-            </a:r>
-            <a:r>
-              <a:rPr lang="fr-FR" sz="1100" dirty="0" smtClean="0">
-                <a:solidFill>
-                  <a:schemeClr val="tx1"/>
-                </a:solidFill>
-              </a:rPr>
-              <a:t>[A41]</a:t>
+              <a:t>Choisir un fichier CSV [A41]</a:t>
             </a:r>
             <a:endParaRPr lang="fr-FR" sz="1100" dirty="0">
               <a:solidFill>
@@ -21879,11 +21705,7 @@
             <a:pPr algn="ctr"/>
             <a:r>
               <a:rPr lang="fr-FR" dirty="0" smtClean="0"/>
-              <a:t>Fichier </a:t>
-            </a:r>
-            <a:r>
-              <a:rPr lang="fr-FR" dirty="0" smtClean="0"/>
-              <a:t>CSV</a:t>
+              <a:t>Fichier CSV</a:t>
             </a:r>
             <a:endParaRPr lang="fr-FR" dirty="0"/>
           </a:p>
@@ -22957,11 +22779,7 @@
             <a:pPr algn="ctr"/>
             <a:r>
               <a:rPr lang="fr-FR" dirty="0" smtClean="0"/>
-              <a:t>Fichier </a:t>
-            </a:r>
-            <a:r>
-              <a:rPr lang="fr-FR" dirty="0" smtClean="0"/>
-              <a:t>CSV</a:t>
+              <a:t>Fichier CSV</a:t>
             </a:r>
             <a:endParaRPr lang="fr-FR" dirty="0"/>
           </a:p>
@@ -23336,11 +23154,7 @@
             <a:pPr algn="ctr"/>
             <a:r>
               <a:rPr lang="fr-FR" dirty="0" smtClean="0"/>
-              <a:t>Fichier </a:t>
-            </a:r>
-            <a:r>
-              <a:rPr lang="fr-FR" dirty="0" smtClean="0"/>
-              <a:t>CSV</a:t>
+              <a:t>Fichier CSV</a:t>
             </a:r>
             <a:endParaRPr lang="fr-FR" dirty="0"/>
           </a:p>
@@ -23863,11 +23677,7 @@
             <a:pPr algn="ctr"/>
             <a:r>
               <a:rPr lang="fr-FR" dirty="0" smtClean="0"/>
-              <a:t>Fichier </a:t>
-            </a:r>
-            <a:r>
-              <a:rPr lang="fr-FR" dirty="0" smtClean="0"/>
-              <a:t>CSV</a:t>
+              <a:t>Fichier CSV</a:t>
             </a:r>
             <a:endParaRPr lang="fr-FR" dirty="0"/>
           </a:p>
@@ -24910,11 +24720,7 @@
             <a:pPr algn="ctr"/>
             <a:r>
               <a:rPr lang="fr-FR" dirty="0" smtClean="0"/>
-              <a:t>Fichier </a:t>
-            </a:r>
-            <a:r>
-              <a:rPr lang="fr-FR" dirty="0" smtClean="0"/>
-              <a:t>CSV</a:t>
+              <a:t>Fichier CSV</a:t>
             </a:r>
             <a:endParaRPr lang="fr-FR" dirty="0"/>
           </a:p>
@@ -25213,15 +25019,7 @@
                   <a:schemeClr val="bg1"/>
                 </a:solidFill>
               </a:rPr>
-              <a:t>Importer le fichier </a:t>
-            </a:r>
-            <a:r>
-              <a:rPr lang="fr-FR" dirty="0" smtClean="0">
-                <a:solidFill>
-                  <a:schemeClr val="bg1"/>
-                </a:solidFill>
-              </a:rPr>
-              <a:t>CSV</a:t>
+              <a:t>Importer le fichier CSV</a:t>
             </a:r>
             <a:endParaRPr lang="fr-FR" dirty="0">
               <a:solidFill>

--- a/Documents/Illustrations.pptx
+++ b/Documents/Illustrations.pptx
@@ -211,7 +211,7 @@
             <a:fld id="{1C966316-034C-416A-AE06-6FE0DCD4C173}" type="datetimeFigureOut">
               <a:rPr lang="fr-FR" smtClean="0"/>
               <a:pPr/>
-              <a:t>18/09/2014</a:t>
+              <a:t>05/12/2014</a:t>
             </a:fld>
             <a:endParaRPr lang="fr-FR" dirty="0"/>
           </a:p>
@@ -285,6 +285,11 @@
         </p:txBody>
       </p:sp>
     </p:spTree>
+    <p:extLst>
+      <p:ext uri="{BB962C8B-B14F-4D97-AF65-F5344CB8AC3E}">
+        <p14:creationId xmlns:p14="http://schemas.microsoft.com/office/powerpoint/2010/main" val="3664962748"/>
+      </p:ext>
+    </p:extLst>
   </p:cSld>
   <p:clrMap bg1="lt1" tx1="dk1" bg2="lt2" tx2="dk2" accent1="accent1" accent2="accent2" accent3="accent3" accent4="accent4" accent5="accent5" accent6="accent6" hlink="hlink" folHlink="folHlink"/>
 </p:handoutMaster>
@@ -373,7 +378,7 @@
             <a:fld id="{F399C80D-C92A-476A-9551-402BB76F7DC1}" type="datetimeFigureOut">
               <a:rPr lang="fr-FR" smtClean="0"/>
               <a:pPr/>
-              <a:t>18/09/2014</a:t>
+              <a:t>05/12/2014</a:t>
             </a:fld>
             <a:endParaRPr lang="fr-FR"/>
           </a:p>
@@ -542,6 +547,11 @@
         </p:txBody>
       </p:sp>
     </p:spTree>
+    <p:extLst>
+      <p:ext uri="{BB962C8B-B14F-4D97-AF65-F5344CB8AC3E}">
+        <p14:creationId xmlns:p14="http://schemas.microsoft.com/office/powerpoint/2010/main" val="1632555383"/>
+      </p:ext>
+    </p:extLst>
   </p:cSld>
   <p:clrMap bg1="lt1" tx1="dk1" bg2="lt2" tx2="dk2" accent1="accent1" accent2="accent2" accent3="accent3" accent4="accent4" accent5="accent5" accent6="accent6" hlink="hlink" folHlink="folHlink"/>
   <p:notesStyle>
@@ -821,7 +831,7 @@
             <a:fld id="{6FDB51E0-5E2A-4791-A4C4-EF44FFADB4E1}" type="datetimeFigureOut">
               <a:rPr lang="fr-FR" smtClean="0"/>
               <a:pPr/>
-              <a:t>18/09/2014</a:t>
+              <a:t>05/12/2014</a:t>
             </a:fld>
             <a:endParaRPr lang="fr-FR" dirty="0"/>
           </a:p>
@@ -988,7 +998,7 @@
             <a:fld id="{6FDB51E0-5E2A-4791-A4C4-EF44FFADB4E1}" type="datetimeFigureOut">
               <a:rPr lang="fr-FR" smtClean="0"/>
               <a:pPr/>
-              <a:t>18/09/2014</a:t>
+              <a:t>05/12/2014</a:t>
             </a:fld>
             <a:endParaRPr lang="fr-FR" dirty="0"/>
           </a:p>
@@ -1165,7 +1175,7 @@
             <a:fld id="{6FDB51E0-5E2A-4791-A4C4-EF44FFADB4E1}" type="datetimeFigureOut">
               <a:rPr lang="fr-FR" smtClean="0"/>
               <a:pPr/>
-              <a:t>18/09/2014</a:t>
+              <a:t>05/12/2014</a:t>
             </a:fld>
             <a:endParaRPr lang="fr-FR" dirty="0"/>
           </a:p>
@@ -1337,7 +1347,7 @@
             <a:fld id="{6FDB51E0-5E2A-4791-A4C4-EF44FFADB4E1}" type="datetimeFigureOut">
               <a:rPr lang="fr-FR" smtClean="0"/>
               <a:pPr/>
-              <a:t>18/09/2014</a:t>
+              <a:t>05/12/2014</a:t>
             </a:fld>
             <a:endParaRPr lang="fr-FR" dirty="0"/>
           </a:p>
@@ -1580,7 +1590,7 @@
             <a:fld id="{6FDB51E0-5E2A-4791-A4C4-EF44FFADB4E1}" type="datetimeFigureOut">
               <a:rPr lang="fr-FR" smtClean="0"/>
               <a:pPr/>
-              <a:t>18/09/2014</a:t>
+              <a:t>05/12/2014</a:t>
             </a:fld>
             <a:endParaRPr lang="fr-FR" dirty="0"/>
           </a:p>
@@ -1865,7 +1875,7 @@
             <a:fld id="{6FDB51E0-5E2A-4791-A4C4-EF44FFADB4E1}" type="datetimeFigureOut">
               <a:rPr lang="fr-FR" smtClean="0"/>
               <a:pPr/>
-              <a:t>18/09/2014</a:t>
+              <a:t>05/12/2014</a:t>
             </a:fld>
             <a:endParaRPr lang="fr-FR" dirty="0"/>
           </a:p>
@@ -2284,7 +2294,7 @@
             <a:fld id="{6FDB51E0-5E2A-4791-A4C4-EF44FFADB4E1}" type="datetimeFigureOut">
               <a:rPr lang="fr-FR" smtClean="0"/>
               <a:pPr/>
-              <a:t>18/09/2014</a:t>
+              <a:t>05/12/2014</a:t>
             </a:fld>
             <a:endParaRPr lang="fr-FR" dirty="0"/>
           </a:p>
@@ -2404,7 +2414,7 @@
             <a:fld id="{6FDB51E0-5E2A-4791-A4C4-EF44FFADB4E1}" type="datetimeFigureOut">
               <a:rPr lang="fr-FR" smtClean="0"/>
               <a:pPr/>
-              <a:t>18/09/2014</a:t>
+              <a:t>05/12/2014</a:t>
             </a:fld>
             <a:endParaRPr lang="fr-FR" dirty="0"/>
           </a:p>
@@ -2496,7 +2506,7 @@
             <a:fld id="{6FDB51E0-5E2A-4791-A4C4-EF44FFADB4E1}" type="datetimeFigureOut">
               <a:rPr lang="fr-FR" smtClean="0"/>
               <a:pPr/>
-              <a:t>18/09/2014</a:t>
+              <a:t>05/12/2014</a:t>
             </a:fld>
             <a:endParaRPr lang="fr-FR" dirty="0"/>
           </a:p>
@@ -2770,7 +2780,7 @@
             <a:fld id="{6FDB51E0-5E2A-4791-A4C4-EF44FFADB4E1}" type="datetimeFigureOut">
               <a:rPr lang="fr-FR" smtClean="0"/>
               <a:pPr/>
-              <a:t>18/09/2014</a:t>
+              <a:t>05/12/2014</a:t>
             </a:fld>
             <a:endParaRPr lang="fr-FR" dirty="0"/>
           </a:p>
@@ -3020,7 +3030,7 @@
             <a:fld id="{6FDB51E0-5E2A-4791-A4C4-EF44FFADB4E1}" type="datetimeFigureOut">
               <a:rPr lang="fr-FR" smtClean="0"/>
               <a:pPr/>
-              <a:t>18/09/2014</a:t>
+              <a:t>05/12/2014</a:t>
             </a:fld>
             <a:endParaRPr lang="fr-FR" dirty="0"/>
           </a:p>
@@ -3230,7 +3240,7 @@
             <a:fld id="{6FDB51E0-5E2A-4791-A4C4-EF44FFADB4E1}" type="datetimeFigureOut">
               <a:rPr lang="fr-FR" smtClean="0"/>
               <a:pPr/>
-              <a:t>18/09/2014</a:t>
+              <a:t>05/12/2014</a:t>
             </a:fld>
             <a:endParaRPr lang="fr-FR" dirty="0"/>
           </a:p>
@@ -4939,6 +4949,54 @@
       </p:grpSpPr>
       <p:sp>
         <p:nvSpPr>
+          <p:cNvPr id="84" name="Rectangle à coins arrondis 83"/>
+          <p:cNvSpPr/>
+          <p:nvPr/>
+        </p:nvSpPr>
+        <p:spPr>
+          <a:xfrm>
+            <a:off x="7461845" y="3284985"/>
+            <a:ext cx="1620000" cy="3275872"/>
+          </a:xfrm>
+          <a:prstGeom prst="roundRect">
+            <a:avLst/>
+          </a:prstGeom>
+          <a:solidFill>
+            <a:schemeClr val="accent1">
+              <a:lumMod val="20000"/>
+              <a:lumOff val="80000"/>
+            </a:schemeClr>
+          </a:solidFill>
+        </p:spPr>
+        <p:style>
+          <a:lnRef idx="2">
+            <a:schemeClr val="accent1"/>
+          </a:lnRef>
+          <a:fillRef idx="1">
+            <a:schemeClr val="lt1"/>
+          </a:fillRef>
+          <a:effectRef idx="0">
+            <a:schemeClr val="accent1"/>
+          </a:effectRef>
+          <a:fontRef idx="minor">
+            <a:schemeClr val="dk1"/>
+          </a:fontRef>
+        </p:style>
+        <p:txBody>
+          <a:bodyPr lIns="91429" tIns="45715" rIns="91429" bIns="45715" rtlCol="0" anchor="t" anchorCtr="0"/>
+          <a:lstStyle/>
+          <a:p>
+            <a:pPr algn="ctr"/>
+            <a:r>
+              <a:rPr lang="fr-FR" b="1" dirty="0" smtClean="0"/>
+              <a:t>ACQUISITION - STOCKAGE</a:t>
+            </a:r>
+            <a:endParaRPr lang="fr-FR" b="1" dirty="0"/>
+          </a:p>
+        </p:txBody>
+      </p:sp>
+      <p:sp>
+        <p:nvSpPr>
           <p:cNvPr id="85" name="Rectangle à coins arrondis 84"/>
           <p:cNvSpPr/>
           <p:nvPr/>
@@ -5056,7 +5114,7 @@
         </p:nvCxnSpPr>
         <p:spPr>
           <a:xfrm>
-            <a:off x="5610035" y="3212976"/>
+            <a:off x="5610035" y="3203740"/>
             <a:ext cx="0" cy="1224136"/>
           </a:xfrm>
           <a:prstGeom prst="line">
@@ -5188,7 +5246,7 @@
         </p:nvSpPr>
         <p:spPr>
           <a:xfrm>
-            <a:off x="5502035" y="3429000"/>
+            <a:off x="5502035" y="3419764"/>
             <a:ext cx="216000" cy="792000"/>
           </a:xfrm>
           <a:prstGeom prst="rect">
@@ -5236,8 +5294,8 @@
         </p:nvGrpSpPr>
         <p:grpSpPr>
           <a:xfrm>
-            <a:off x="6319203" y="4437112"/>
-            <a:ext cx="792088" cy="1416345"/>
+            <a:off x="6444208" y="4437112"/>
+            <a:ext cx="629006" cy="1416345"/>
             <a:chOff x="3779912" y="2564904"/>
             <a:chExt cx="792088" cy="1287760"/>
           </a:xfrm>
@@ -6249,8 +6307,44 @@
         </p:nvCxnSpPr>
         <p:spPr>
           <a:xfrm>
-            <a:off x="1645923" y="4434449"/>
-            <a:ext cx="2052000" cy="0"/>
+            <a:off x="1194006" y="4428100"/>
+            <a:ext cx="972000" cy="0"/>
+          </a:xfrm>
+          <a:prstGeom prst="line">
+            <a:avLst/>
+          </a:prstGeom>
+          <a:ln w="28575">
+            <a:solidFill>
+              <a:schemeClr val="tx1"/>
+            </a:solidFill>
+            <a:headEnd type="oval"/>
+          </a:ln>
+        </p:spPr>
+        <p:style>
+          <a:lnRef idx="1">
+            <a:schemeClr val="accent1"/>
+          </a:lnRef>
+          <a:fillRef idx="0">
+            <a:schemeClr val="accent1"/>
+          </a:fillRef>
+          <a:effectRef idx="0">
+            <a:schemeClr val="accent1"/>
+          </a:effectRef>
+          <a:fontRef idx="minor">
+            <a:schemeClr val="tx1"/>
+          </a:fontRef>
+        </p:style>
+      </p:cxnSp>
+      <p:cxnSp>
+        <p:nvCxnSpPr>
+          <p:cNvPr id="62" name="Connecteur droit 61"/>
+          <p:cNvCxnSpPr/>
+          <p:nvPr/>
+        </p:nvCxnSpPr>
+        <p:spPr>
+          <a:xfrm>
+            <a:off x="764812" y="4434873"/>
+            <a:ext cx="432048" cy="144016"/>
           </a:xfrm>
           <a:prstGeom prst="line">
             <a:avLst/>
@@ -6278,14 +6372,50 @@
       </p:cxnSp>
       <p:cxnSp>
         <p:nvCxnSpPr>
-          <p:cNvPr id="62" name="Connecteur droit 61"/>
+          <p:cNvPr id="63" name="Connecteur droit 62"/>
           <p:cNvCxnSpPr/>
           <p:nvPr/>
         </p:nvCxnSpPr>
         <p:spPr>
-          <a:xfrm flipH="1">
-            <a:off x="1223120" y="4437113"/>
-            <a:ext cx="432048" cy="144016"/>
+          <a:xfrm>
+            <a:off x="528440" y="4434449"/>
+            <a:ext cx="252000" cy="0"/>
+          </a:xfrm>
+          <a:prstGeom prst="line">
+            <a:avLst/>
+          </a:prstGeom>
+          <a:ln w="28575">
+            <a:solidFill>
+              <a:schemeClr val="tx1"/>
+            </a:solidFill>
+            <a:tailEnd type="none"/>
+          </a:ln>
+        </p:spPr>
+        <p:style>
+          <a:lnRef idx="1">
+            <a:schemeClr val="accent1"/>
+          </a:lnRef>
+          <a:fillRef idx="0">
+            <a:schemeClr val="accent1"/>
+          </a:fillRef>
+          <a:effectRef idx="0">
+            <a:schemeClr val="accent1"/>
+          </a:effectRef>
+          <a:fontRef idx="minor">
+            <a:schemeClr val="tx1"/>
+          </a:fontRef>
+        </p:style>
+      </p:cxnSp>
+      <p:cxnSp>
+        <p:nvCxnSpPr>
+          <p:cNvPr id="66" name="Connecteur droit 65"/>
+          <p:cNvCxnSpPr/>
+          <p:nvPr/>
+        </p:nvCxnSpPr>
+        <p:spPr>
+          <a:xfrm>
+            <a:off x="541140" y="4437112"/>
+            <a:ext cx="0" cy="1404000"/>
           </a:xfrm>
           <a:prstGeom prst="line">
             <a:avLst/>
@@ -6313,50 +6443,14 @@
       </p:cxnSp>
       <p:cxnSp>
         <p:nvCxnSpPr>
-          <p:cNvPr id="63" name="Connecteur droit 62"/>
+          <p:cNvPr id="69" name="Connecteur droit 68"/>
           <p:cNvCxnSpPr/>
           <p:nvPr/>
         </p:nvCxnSpPr>
         <p:spPr>
-          <a:xfrm>
-            <a:off x="528440" y="4434449"/>
-            <a:ext cx="720000" cy="0"/>
-          </a:xfrm>
-          <a:prstGeom prst="line">
-            <a:avLst/>
-          </a:prstGeom>
-          <a:ln w="28575">
-            <a:solidFill>
-              <a:schemeClr val="tx1"/>
-            </a:solidFill>
-            <a:tailEnd type="oval"/>
-          </a:ln>
-        </p:spPr>
-        <p:style>
-          <a:lnRef idx="1">
-            <a:schemeClr val="accent1"/>
-          </a:lnRef>
-          <a:fillRef idx="0">
-            <a:schemeClr val="accent1"/>
-          </a:fillRef>
-          <a:effectRef idx="0">
-            <a:schemeClr val="accent1"/>
-          </a:effectRef>
-          <a:fontRef idx="minor">
-            <a:schemeClr val="tx1"/>
-          </a:fontRef>
-        </p:style>
-      </p:cxnSp>
-      <p:cxnSp>
-        <p:nvCxnSpPr>
-          <p:cNvPr id="66" name="Connecteur droit 65"/>
-          <p:cNvCxnSpPr/>
-          <p:nvPr/>
-        </p:nvCxnSpPr>
-        <p:spPr>
-          <a:xfrm>
-            <a:off x="541140" y="4437112"/>
-            <a:ext cx="0" cy="1404000"/>
+          <a:xfrm flipV="1">
+            <a:off x="518915" y="5842663"/>
+            <a:ext cx="1656000" cy="1589"/>
           </a:xfrm>
           <a:prstGeom prst="line">
             <a:avLst/>
@@ -6382,158 +6476,18 @@
           </a:fontRef>
         </p:style>
       </p:cxnSp>
-      <p:cxnSp>
-        <p:nvCxnSpPr>
-          <p:cNvPr id="69" name="Connecteur droit 68"/>
-          <p:cNvCxnSpPr/>
-          <p:nvPr/>
-        </p:nvCxnSpPr>
-        <p:spPr>
-          <a:xfrm>
-            <a:off x="528440" y="5844252"/>
-            <a:ext cx="3132000" cy="0"/>
-          </a:xfrm>
-          <a:prstGeom prst="line">
-            <a:avLst/>
-          </a:prstGeom>
-          <a:ln w="28575">
-            <a:solidFill>
-              <a:schemeClr val="tx1"/>
-            </a:solidFill>
-          </a:ln>
-        </p:spPr>
-        <p:style>
-          <a:lnRef idx="1">
-            <a:schemeClr val="accent1"/>
-          </a:lnRef>
-          <a:fillRef idx="0">
-            <a:schemeClr val="accent1"/>
-          </a:fillRef>
-          <a:effectRef idx="0">
-            <a:schemeClr val="accent1"/>
-          </a:effectRef>
-          <a:fontRef idx="minor">
-            <a:schemeClr val="tx1"/>
-          </a:fontRef>
-        </p:style>
-      </p:cxnSp>
-      <p:grpSp>
-        <p:nvGrpSpPr>
-          <p:cNvPr id="60" name="Groupe 59"/>
-          <p:cNvGrpSpPr/>
-          <p:nvPr/>
-        </p:nvGrpSpPr>
-        <p:grpSpPr>
+      <p:sp>
+        <p:nvSpPr>
+          <p:cNvPr id="58" name="Ellipse 57"/>
+          <p:cNvSpPr/>
+          <p:nvPr/>
+        </p:nvSpPr>
+        <p:spPr>
           <a:xfrm>
             <a:off x="179512" y="4725147"/>
-            <a:ext cx="720080" cy="850047"/>
-            <a:chOff x="539552" y="4221088"/>
-            <a:chExt cx="720080" cy="850047"/>
-          </a:xfrm>
-        </p:grpSpPr>
-        <p:sp>
-          <p:nvSpPr>
-            <p:cNvPr id="58" name="Ellipse 57"/>
-            <p:cNvSpPr/>
-            <p:nvPr/>
-          </p:nvSpPr>
-          <p:spPr>
-            <a:xfrm>
-              <a:off x="539552" y="4221088"/>
-              <a:ext cx="720080" cy="720080"/>
-            </a:xfrm>
-            <a:prstGeom prst="ellipse">
-              <a:avLst/>
-            </a:prstGeom>
-            <a:solidFill>
-              <a:schemeClr val="bg1"/>
-            </a:solidFill>
-            <a:ln>
-              <a:solidFill>
-                <a:schemeClr val="tx1"/>
-              </a:solidFill>
-            </a:ln>
-          </p:spPr>
-          <p:style>
-            <a:lnRef idx="2">
-              <a:schemeClr val="accent1">
-                <a:shade val="50000"/>
-              </a:schemeClr>
-            </a:lnRef>
-            <a:fillRef idx="1">
-              <a:schemeClr val="accent1"/>
-            </a:fillRef>
-            <a:effectRef idx="0">
-              <a:schemeClr val="accent1"/>
-            </a:effectRef>
-            <a:fontRef idx="minor">
-              <a:schemeClr val="lt1"/>
-            </a:fontRef>
-          </p:style>
-          <p:txBody>
-            <a:bodyPr rtlCol="0" anchor="b" anchorCtr="0"/>
-            <a:lstStyle/>
-            <a:p>
-              <a:pPr algn="ctr">
-                <a:spcBef>
-                  <a:spcPts val="600"/>
-                </a:spcBef>
-              </a:pPr>
-              <a:endParaRPr lang="fr-FR" sz="4400" b="1" dirty="0">
-                <a:solidFill>
-                  <a:schemeClr val="tx1"/>
-                </a:solidFill>
-              </a:endParaRPr>
-            </a:p>
-          </p:txBody>
-        </p:sp>
-        <p:sp>
-          <p:nvSpPr>
-            <p:cNvPr id="59" name="Rectangle 58"/>
-            <p:cNvSpPr/>
-            <p:nvPr/>
-          </p:nvSpPr>
-          <p:spPr>
-            <a:xfrm>
-              <a:off x="654172" y="4240138"/>
-              <a:ext cx="490839" cy="830997"/>
-            </a:xfrm>
-            <a:prstGeom prst="rect">
-              <a:avLst/>
-            </a:prstGeom>
-          </p:spPr>
-          <p:txBody>
-            <a:bodyPr wrap="none">
-              <a:spAutoFit/>
-            </a:bodyPr>
-            <a:lstStyle/>
-            <a:p>
-              <a:pPr algn="ctr">
-                <a:spcBef>
-                  <a:spcPts val="600"/>
-                </a:spcBef>
-              </a:pPr>
-              <a:r>
-                <a:rPr lang="fr-FR" sz="4800" b="1" dirty="0" smtClean="0"/>
-                <a:t>~</a:t>
-              </a:r>
-              <a:endParaRPr lang="fr-FR" sz="4800" b="1" dirty="0"/>
-            </a:p>
-          </p:txBody>
-        </p:sp>
-      </p:grpSp>
-      <p:sp>
-        <p:nvSpPr>
-          <p:cNvPr id="4" name="Rectangle 3"/>
-          <p:cNvSpPr/>
-          <p:nvPr/>
-        </p:nvSpPr>
-        <p:spPr>
-          <a:xfrm>
-            <a:off x="2493293" y="4326437"/>
-            <a:ext cx="792088" cy="216024"/>
-          </a:xfrm>
-          <a:prstGeom prst="rect">
+            <a:ext cx="720080" cy="720080"/>
+          </a:xfrm>
+          <a:prstGeom prst="ellipse">
             <a:avLst/>
           </a:prstGeom>
           <a:solidFill>
@@ -6562,11 +6516,19 @@
           </a:fontRef>
         </p:style>
         <p:txBody>
-          <a:bodyPr rtlCol="0" anchor="ctr"/>
+          <a:bodyPr rtlCol="0" anchor="b" anchorCtr="0"/>
           <a:lstStyle/>
           <a:p>
-            <a:pPr algn="ctr"/>
-            <a:endParaRPr lang="fr-FR"/>
+            <a:pPr algn="ctr">
+              <a:spcBef>
+                <a:spcPts val="600"/>
+              </a:spcBef>
+            </a:pPr>
+            <a:endParaRPr lang="fr-FR" sz="4400" b="1" dirty="0">
+              <a:solidFill>
+                <a:schemeClr val="tx1"/>
+              </a:solidFill>
+            </a:endParaRPr>
           </a:p>
         </p:txBody>
       </p:sp>
@@ -6577,8 +6539,8 @@
           <p:nvPr/>
         </p:nvCxnSpPr>
         <p:spPr>
-          <a:xfrm>
-            <a:off x="950963" y="4581128"/>
+          <a:xfrm flipH="1">
+            <a:off x="1467181" y="4581128"/>
             <a:ext cx="0" cy="1260000"/>
           </a:xfrm>
           <a:prstGeom prst="line">
@@ -6613,8 +6575,8 @@
           <p:nvPr/>
         </p:nvCxnSpPr>
         <p:spPr>
-          <a:xfrm>
-            <a:off x="939849" y="4585891"/>
+          <a:xfrm flipH="1">
+            <a:off x="1194006" y="4585891"/>
             <a:ext cx="288000" cy="0"/>
           </a:xfrm>
           <a:prstGeom prst="line">
@@ -6650,7 +6612,7 @@
         </p:nvCxnSpPr>
         <p:spPr>
           <a:xfrm>
-            <a:off x="5148344" y="4430762"/>
+            <a:off x="5148344" y="4421526"/>
             <a:ext cx="2520000" cy="0"/>
           </a:xfrm>
           <a:prstGeom prst="line">
@@ -6760,54 +6722,6 @@
           </a:p>
         </p:txBody>
       </p:sp>
-      <p:sp>
-        <p:nvSpPr>
-          <p:cNvPr id="84" name="Rectangle à coins arrondis 83"/>
-          <p:cNvSpPr/>
-          <p:nvPr/>
-        </p:nvSpPr>
-        <p:spPr>
-          <a:xfrm>
-            <a:off x="7461845" y="3284985"/>
-            <a:ext cx="1620000" cy="3275872"/>
-          </a:xfrm>
-          <a:prstGeom prst="roundRect">
-            <a:avLst/>
-          </a:prstGeom>
-          <a:solidFill>
-            <a:schemeClr val="accent1">
-              <a:lumMod val="20000"/>
-              <a:lumOff val="80000"/>
-            </a:schemeClr>
-          </a:solidFill>
-        </p:spPr>
-        <p:style>
-          <a:lnRef idx="2">
-            <a:schemeClr val="accent1"/>
-          </a:lnRef>
-          <a:fillRef idx="1">
-            <a:schemeClr val="lt1"/>
-          </a:fillRef>
-          <a:effectRef idx="0">
-            <a:schemeClr val="accent1"/>
-          </a:effectRef>
-          <a:fontRef idx="minor">
-            <a:schemeClr val="dk1"/>
-          </a:fontRef>
-        </p:style>
-        <p:txBody>
-          <a:bodyPr lIns="91429" tIns="45715" rIns="91429" bIns="45715" rtlCol="0" anchor="t" anchorCtr="0"/>
-          <a:lstStyle/>
-          <a:p>
-            <a:pPr algn="ctr"/>
-            <a:r>
-              <a:rPr lang="fr-FR" b="1" dirty="0" smtClean="0"/>
-              <a:t>ACQUISITION - STOCKAGE</a:t>
-            </a:r>
-            <a:endParaRPr lang="fr-FR" b="1" dirty="0"/>
-          </a:p>
-        </p:txBody>
-      </p:sp>
       <p:grpSp>
         <p:nvGrpSpPr>
           <p:cNvPr id="90" name="Groupe 89"/>
@@ -6816,7 +6730,7 @@
         </p:nvGrpSpPr>
         <p:grpSpPr>
           <a:xfrm>
-            <a:off x="5272988" y="2675012"/>
+            <a:off x="5263752" y="2665776"/>
             <a:ext cx="678391" cy="532398"/>
             <a:chOff x="5292080" y="1384434"/>
             <a:chExt cx="678392" cy="532398"/>
@@ -7134,8 +7048,8 @@
         </p:nvGrpSpPr>
         <p:grpSpPr>
           <a:xfrm>
-            <a:off x="6444165" y="1873400"/>
-            <a:ext cx="792088" cy="1907067"/>
+            <a:off x="6569170" y="1873400"/>
+            <a:ext cx="629006" cy="1907067"/>
             <a:chOff x="6732240" y="1412776"/>
             <a:chExt cx="792088" cy="1907067"/>
           </a:xfrm>
@@ -7620,7 +7534,7 @@
         </p:nvSpPr>
         <p:spPr>
           <a:xfrm>
-            <a:off x="2673573" y="3933056"/>
+            <a:off x="2959070" y="4518569"/>
             <a:ext cx="431528" cy="369332"/>
           </a:xfrm>
           <a:prstGeom prst="rect">
@@ -7642,16 +7556,53 @@
           </a:p>
         </p:txBody>
       </p:sp>
-      <p:sp>
-        <p:nvSpPr>
-          <p:cNvPr id="120" name="Rectangle 119"/>
+      <p:cxnSp>
+        <p:nvCxnSpPr>
+          <p:cNvPr id="122" name="Connecteur droit 121"/>
+          <p:cNvCxnSpPr/>
+          <p:nvPr/>
+        </p:nvCxnSpPr>
+        <p:spPr>
+          <a:xfrm>
+            <a:off x="3441535" y="4437112"/>
+            <a:ext cx="0" cy="1404000"/>
+          </a:xfrm>
+          <a:prstGeom prst="line">
+            <a:avLst/>
+          </a:prstGeom>
+          <a:ln w="28575">
+            <a:solidFill>
+              <a:schemeClr val="tx1"/>
+            </a:solidFill>
+            <a:headEnd type="oval"/>
+            <a:tailEnd type="oval"/>
+          </a:ln>
+        </p:spPr>
+        <p:style>
+          <a:lnRef idx="1">
+            <a:schemeClr val="accent1"/>
+          </a:lnRef>
+          <a:fillRef idx="0">
+            <a:schemeClr val="accent1"/>
+          </a:fillRef>
+          <a:effectRef idx="0">
+            <a:schemeClr val="accent1"/>
+          </a:effectRef>
+          <a:fontRef idx="minor">
+            <a:schemeClr val="tx1"/>
+          </a:fontRef>
+        </p:style>
+      </p:cxnSp>
+      <p:sp>
+        <p:nvSpPr>
+          <p:cNvPr id="121" name="Rectangle 120"/>
           <p:cNvSpPr/>
           <p:nvPr/>
         </p:nvSpPr>
         <p:spPr>
           <a:xfrm>
-            <a:off x="2493293" y="5733256"/>
-            <a:ext cx="792088" cy="216024"/>
+            <a:off x="3333535" y="4741859"/>
+            <a:ext cx="216000" cy="792000"/>
           </a:xfrm>
           <a:prstGeom prst="rect">
             <a:avLst/>
@@ -7690,16 +7641,263 @@
           </a:p>
         </p:txBody>
       </p:sp>
+      <p:sp>
+        <p:nvSpPr>
+          <p:cNvPr id="125" name="ZoneTexte 124"/>
+          <p:cNvSpPr txBox="1"/>
+          <p:nvPr/>
+        </p:nvSpPr>
+        <p:spPr>
+          <a:xfrm>
+            <a:off x="3707904" y="3851755"/>
+            <a:ext cx="452368" cy="369332"/>
+          </a:xfrm>
+          <a:prstGeom prst="rect">
+            <a:avLst/>
+          </a:prstGeom>
+          <a:noFill/>
+        </p:spPr>
+        <p:txBody>
+          <a:bodyPr wrap="none" rtlCol="0">
+            <a:spAutoFit/>
+          </a:bodyPr>
+          <a:lstStyle/>
+          <a:p>
+            <a:r>
+              <a:rPr lang="fr-FR" b="1" dirty="0"/>
+              <a:t>U</a:t>
+            </a:r>
+            <a:r>
+              <a:rPr lang="fr-FR" b="1" dirty="0" smtClean="0"/>
+              <a:t>1</a:t>
+            </a:r>
+            <a:endParaRPr lang="fr-FR" b="1" dirty="0"/>
+          </a:p>
+        </p:txBody>
+      </p:sp>
+      <p:sp>
+        <p:nvSpPr>
+          <p:cNvPr id="126" name="ZoneTexte 125"/>
+          <p:cNvSpPr txBox="1"/>
+          <p:nvPr/>
+        </p:nvSpPr>
+        <p:spPr>
+          <a:xfrm>
+            <a:off x="5004048" y="3635788"/>
+            <a:ext cx="431528" cy="369332"/>
+          </a:xfrm>
+          <a:prstGeom prst="rect">
+            <a:avLst/>
+          </a:prstGeom>
+          <a:noFill/>
+        </p:spPr>
+        <p:txBody>
+          <a:bodyPr wrap="none" rtlCol="0">
+            <a:spAutoFit/>
+          </a:bodyPr>
+          <a:lstStyle/>
+          <a:p>
+            <a:r>
+              <a:rPr lang="fr-FR" b="1" dirty="0" smtClean="0"/>
+              <a:t>R2</a:t>
+            </a:r>
+            <a:endParaRPr lang="fr-FR" b="1" dirty="0"/>
+          </a:p>
+        </p:txBody>
+      </p:sp>
+      <p:sp>
+        <p:nvSpPr>
+          <p:cNvPr id="127" name="ZoneTexte 126"/>
+          <p:cNvSpPr txBox="1"/>
+          <p:nvPr/>
+        </p:nvSpPr>
+        <p:spPr>
+          <a:xfrm>
+            <a:off x="5946223" y="3861048"/>
+            <a:ext cx="431528" cy="369332"/>
+          </a:xfrm>
+          <a:prstGeom prst="rect">
+            <a:avLst/>
+          </a:prstGeom>
+          <a:noFill/>
+        </p:spPr>
+        <p:txBody>
+          <a:bodyPr wrap="none" rtlCol="0">
+            <a:spAutoFit/>
+          </a:bodyPr>
+          <a:lstStyle/>
+          <a:p>
+            <a:r>
+              <a:rPr lang="fr-FR" b="1" dirty="0" smtClean="0"/>
+              <a:t>R3</a:t>
+            </a:r>
+            <a:endParaRPr lang="fr-FR" b="1" dirty="0"/>
+          </a:p>
+        </p:txBody>
+      </p:sp>
+      <p:sp>
+        <p:nvSpPr>
+          <p:cNvPr id="128" name="ZoneTexte 127"/>
+          <p:cNvSpPr txBox="1"/>
+          <p:nvPr/>
+        </p:nvSpPr>
+        <p:spPr>
+          <a:xfrm>
+            <a:off x="6175225" y="5301208"/>
+            <a:ext cx="423514" cy="369332"/>
+          </a:xfrm>
+          <a:prstGeom prst="rect">
+            <a:avLst/>
+          </a:prstGeom>
+          <a:noFill/>
+        </p:spPr>
+        <p:txBody>
+          <a:bodyPr wrap="none" rtlCol="0">
+            <a:spAutoFit/>
+          </a:bodyPr>
+          <a:lstStyle/>
+          <a:p>
+            <a:r>
+              <a:rPr lang="fr-FR" b="1" dirty="0" smtClean="0"/>
+              <a:t>C2</a:t>
+            </a:r>
+            <a:endParaRPr lang="fr-FR" b="1" dirty="0"/>
+          </a:p>
+        </p:txBody>
+      </p:sp>
+      <p:sp>
+        <p:nvSpPr>
+          <p:cNvPr id="129" name="ZoneTexte 128"/>
+          <p:cNvSpPr txBox="1"/>
+          <p:nvPr/>
+        </p:nvSpPr>
+        <p:spPr>
+          <a:xfrm>
+            <a:off x="6372200" y="2233439"/>
+            <a:ext cx="423514" cy="369332"/>
+          </a:xfrm>
+          <a:prstGeom prst="rect">
+            <a:avLst/>
+          </a:prstGeom>
+          <a:noFill/>
+        </p:spPr>
+        <p:txBody>
+          <a:bodyPr wrap="none" rtlCol="0">
+            <a:spAutoFit/>
+          </a:bodyPr>
+          <a:lstStyle/>
+          <a:p>
+            <a:r>
+              <a:rPr lang="fr-FR" b="1" dirty="0" smtClean="0"/>
+              <a:t>C1</a:t>
+            </a:r>
+            <a:endParaRPr lang="fr-FR" b="1" dirty="0"/>
+          </a:p>
+        </p:txBody>
+      </p:sp>
+      <p:sp>
+        <p:nvSpPr>
+          <p:cNvPr id="132" name="ZoneTexte 131"/>
+          <p:cNvSpPr txBox="1"/>
+          <p:nvPr/>
+        </p:nvSpPr>
+        <p:spPr>
+          <a:xfrm>
+            <a:off x="1907704" y="5867980"/>
+            <a:ext cx="312906" cy="369332"/>
+          </a:xfrm>
+          <a:prstGeom prst="rect">
+            <a:avLst/>
+          </a:prstGeom>
+          <a:noFill/>
+        </p:spPr>
+        <p:txBody>
+          <a:bodyPr wrap="none" rtlCol="0">
+            <a:spAutoFit/>
+          </a:bodyPr>
+          <a:lstStyle/>
+          <a:p>
+            <a:r>
+              <a:rPr lang="fr-FR" dirty="0" smtClean="0"/>
+              <a:t>I-</a:t>
+            </a:r>
+            <a:endParaRPr lang="fr-FR" dirty="0"/>
+          </a:p>
+        </p:txBody>
+      </p:sp>
+      <p:sp>
+        <p:nvSpPr>
+          <p:cNvPr id="133" name="ZoneTexte 132"/>
+          <p:cNvSpPr txBox="1"/>
+          <p:nvPr/>
+        </p:nvSpPr>
+        <p:spPr>
+          <a:xfrm>
+            <a:off x="1907704" y="3998088"/>
+            <a:ext cx="357790" cy="369332"/>
+          </a:xfrm>
+          <a:prstGeom prst="rect">
+            <a:avLst/>
+          </a:prstGeom>
+          <a:noFill/>
+        </p:spPr>
+        <p:txBody>
+          <a:bodyPr wrap="none" rtlCol="0">
+            <a:spAutoFit/>
+          </a:bodyPr>
+          <a:lstStyle/>
+          <a:p>
+            <a:r>
+              <a:rPr lang="fr-FR" dirty="0" smtClean="0"/>
+              <a:t>I+</a:t>
+            </a:r>
+            <a:endParaRPr lang="fr-FR" dirty="0"/>
+          </a:p>
+        </p:txBody>
+      </p:sp>
+      <p:sp>
+        <p:nvSpPr>
+          <p:cNvPr id="134" name="ZoneTexte 133"/>
+          <p:cNvSpPr txBox="1"/>
+          <p:nvPr/>
+        </p:nvSpPr>
+        <p:spPr>
+          <a:xfrm>
+            <a:off x="6895308" y="4096355"/>
+            <a:ext cx="395749" cy="369332"/>
+          </a:xfrm>
+          <a:prstGeom prst="rect">
+            <a:avLst/>
+          </a:prstGeom>
+          <a:noFill/>
+        </p:spPr>
+        <p:txBody>
+          <a:bodyPr wrap="none" rtlCol="0">
+            <a:spAutoFit/>
+          </a:bodyPr>
+          <a:lstStyle/>
+          <a:p>
+            <a:r>
+              <a:rPr lang="fr-FR" dirty="0" smtClean="0"/>
+              <a:t>Vs</a:t>
+            </a:r>
+            <a:endParaRPr lang="fr-FR" dirty="0"/>
+          </a:p>
+        </p:txBody>
+      </p:sp>
       <p:cxnSp>
         <p:nvCxnSpPr>
-          <p:cNvPr id="122" name="Connecteur droit 121"/>
-          <p:cNvCxnSpPr/>
+          <p:cNvPr id="6" name="Connecteur droit 5"/>
+          <p:cNvCxnSpPr>
+            <a:stCxn id="58" idx="2"/>
+            <a:endCxn id="58" idx="6"/>
+          </p:cNvCxnSpPr>
           <p:nvPr/>
         </p:nvCxnSpPr>
         <p:spPr>
           <a:xfrm>
-            <a:off x="3441535" y="4437112"/>
-            <a:ext cx="0" cy="1404000"/>
+            <a:off x="179512" y="5085187"/>
+            <a:ext cx="720080" cy="0"/>
           </a:xfrm>
           <a:prstGeom prst="line">
             <a:avLst/>
@@ -7708,8 +7906,6 @@
             <a:solidFill>
               <a:schemeClr val="tx1"/>
             </a:solidFill>
-            <a:headEnd type="oval"/>
-            <a:tailEnd type="oval"/>
           </a:ln>
         </p:spPr>
         <p:style>
@@ -7727,64 +7923,4965 @@
           </a:fontRef>
         </p:style>
       </p:cxnSp>
-      <p:sp>
-        <p:nvSpPr>
-          <p:cNvPr id="121" name="Rectangle 120"/>
-          <p:cNvSpPr/>
-          <p:nvPr/>
-        </p:nvSpPr>
-        <p:spPr>
-          <a:xfrm>
-            <a:off x="3333535" y="4741859"/>
-            <a:ext cx="216000" cy="792000"/>
-          </a:xfrm>
-          <a:prstGeom prst="rect">
-            <a:avLst/>
-          </a:prstGeom>
-          <a:solidFill>
-            <a:schemeClr val="bg1"/>
-          </a:solidFill>
-          <a:ln>
+      <p:grpSp>
+        <p:nvGrpSpPr>
+          <p:cNvPr id="36" name="Groupe 35"/>
+          <p:cNvGrpSpPr/>
+          <p:nvPr/>
+        </p:nvGrpSpPr>
+        <p:grpSpPr>
+          <a:xfrm>
+            <a:off x="2094440" y="4769007"/>
+            <a:ext cx="870478" cy="639633"/>
+            <a:chOff x="292199" y="2058066"/>
+            <a:chExt cx="870478" cy="639633"/>
+          </a:xfrm>
+        </p:grpSpPr>
+        <p:sp>
+          <p:nvSpPr>
+            <p:cNvPr id="21" name="Forme libre 20"/>
+            <p:cNvSpPr/>
+            <p:nvPr/>
+          </p:nvSpPr>
+          <p:spPr>
+            <a:xfrm flipV="1">
+              <a:off x="346438" y="2058066"/>
+              <a:ext cx="762001" cy="190514"/>
+            </a:xfrm>
+            <a:custGeom>
+              <a:avLst/>
+              <a:gdLst>
+                <a:gd name="connsiteX0" fmla="*/ 0 w 719137"/>
+                <a:gd name="connsiteY0" fmla="*/ 185737 h 229048"/>
+                <a:gd name="connsiteX1" fmla="*/ 90487 w 719137"/>
+                <a:gd name="connsiteY1" fmla="*/ 180975 h 229048"/>
+                <a:gd name="connsiteX2" fmla="*/ 95250 w 719137"/>
+                <a:gd name="connsiteY2" fmla="*/ 100012 h 229048"/>
+                <a:gd name="connsiteX3" fmla="*/ 109537 w 719137"/>
+                <a:gd name="connsiteY3" fmla="*/ 66675 h 229048"/>
+                <a:gd name="connsiteX4" fmla="*/ 123825 w 719137"/>
+                <a:gd name="connsiteY4" fmla="*/ 33337 h 229048"/>
+                <a:gd name="connsiteX5" fmla="*/ 152400 w 719137"/>
+                <a:gd name="connsiteY5" fmla="*/ 14287 h 229048"/>
+                <a:gd name="connsiteX6" fmla="*/ 180975 w 719137"/>
+                <a:gd name="connsiteY6" fmla="*/ 0 h 229048"/>
+                <a:gd name="connsiteX7" fmla="*/ 223837 w 719137"/>
+                <a:gd name="connsiteY7" fmla="*/ 4762 h 229048"/>
+                <a:gd name="connsiteX8" fmla="*/ 238125 w 719137"/>
+                <a:gd name="connsiteY8" fmla="*/ 9525 h 229048"/>
+                <a:gd name="connsiteX9" fmla="*/ 242887 w 719137"/>
+                <a:gd name="connsiteY9" fmla="*/ 23812 h 229048"/>
+                <a:gd name="connsiteX10" fmla="*/ 252412 w 719137"/>
+                <a:gd name="connsiteY10" fmla="*/ 42862 h 229048"/>
+                <a:gd name="connsiteX11" fmla="*/ 261937 w 719137"/>
+                <a:gd name="connsiteY11" fmla="*/ 71437 h 229048"/>
+                <a:gd name="connsiteX12" fmla="*/ 266700 w 719137"/>
+                <a:gd name="connsiteY12" fmla="*/ 104775 h 229048"/>
+                <a:gd name="connsiteX13" fmla="*/ 276225 w 719137"/>
+                <a:gd name="connsiteY13" fmla="*/ 190500 h 229048"/>
+                <a:gd name="connsiteX14" fmla="*/ 328612 w 719137"/>
+                <a:gd name="connsiteY14" fmla="*/ 185737 h 229048"/>
+                <a:gd name="connsiteX15" fmla="*/ 333375 w 719137"/>
+                <a:gd name="connsiteY15" fmla="*/ 119062 h 229048"/>
+                <a:gd name="connsiteX16" fmla="*/ 342900 w 719137"/>
+                <a:gd name="connsiteY16" fmla="*/ 90487 h 229048"/>
+                <a:gd name="connsiteX17" fmla="*/ 357187 w 719137"/>
+                <a:gd name="connsiteY17" fmla="*/ 61912 h 229048"/>
+                <a:gd name="connsiteX18" fmla="*/ 371475 w 719137"/>
+                <a:gd name="connsiteY18" fmla="*/ 52387 h 229048"/>
+                <a:gd name="connsiteX19" fmla="*/ 381000 w 719137"/>
+                <a:gd name="connsiteY19" fmla="*/ 38100 h 229048"/>
+                <a:gd name="connsiteX20" fmla="*/ 409575 w 719137"/>
+                <a:gd name="connsiteY20" fmla="*/ 28575 h 229048"/>
+                <a:gd name="connsiteX21" fmla="*/ 438150 w 719137"/>
+                <a:gd name="connsiteY21" fmla="*/ 33337 h 229048"/>
+                <a:gd name="connsiteX22" fmla="*/ 452437 w 719137"/>
+                <a:gd name="connsiteY22" fmla="*/ 38100 h 229048"/>
+                <a:gd name="connsiteX23" fmla="*/ 457200 w 719137"/>
+                <a:gd name="connsiteY23" fmla="*/ 52387 h 229048"/>
+                <a:gd name="connsiteX24" fmla="*/ 476250 w 719137"/>
+                <a:gd name="connsiteY24" fmla="*/ 80962 h 229048"/>
+                <a:gd name="connsiteX25" fmla="*/ 485775 w 719137"/>
+                <a:gd name="connsiteY25" fmla="*/ 109537 h 229048"/>
+                <a:gd name="connsiteX26" fmla="*/ 490537 w 719137"/>
+                <a:gd name="connsiteY26" fmla="*/ 123825 h 229048"/>
+                <a:gd name="connsiteX27" fmla="*/ 485775 w 719137"/>
+                <a:gd name="connsiteY27" fmla="*/ 195262 h 229048"/>
+                <a:gd name="connsiteX28" fmla="*/ 481012 w 719137"/>
+                <a:gd name="connsiteY28" fmla="*/ 171450 h 229048"/>
+                <a:gd name="connsiteX29" fmla="*/ 485775 w 719137"/>
+                <a:gd name="connsiteY29" fmla="*/ 123825 h 229048"/>
+                <a:gd name="connsiteX30" fmla="*/ 495300 w 719137"/>
+                <a:gd name="connsiteY30" fmla="*/ 95250 h 229048"/>
+                <a:gd name="connsiteX31" fmla="*/ 523875 w 719137"/>
+                <a:gd name="connsiteY31" fmla="*/ 80962 h 229048"/>
+                <a:gd name="connsiteX32" fmla="*/ 590550 w 719137"/>
+                <a:gd name="connsiteY32" fmla="*/ 85725 h 229048"/>
+                <a:gd name="connsiteX33" fmla="*/ 609600 w 719137"/>
+                <a:gd name="connsiteY33" fmla="*/ 114300 h 229048"/>
+                <a:gd name="connsiteX34" fmla="*/ 614362 w 719137"/>
+                <a:gd name="connsiteY34" fmla="*/ 138112 h 229048"/>
+                <a:gd name="connsiteX35" fmla="*/ 619125 w 719137"/>
+                <a:gd name="connsiteY35" fmla="*/ 157162 h 229048"/>
+                <a:gd name="connsiteX36" fmla="*/ 623887 w 719137"/>
+                <a:gd name="connsiteY36" fmla="*/ 180975 h 229048"/>
+                <a:gd name="connsiteX37" fmla="*/ 633412 w 719137"/>
+                <a:gd name="connsiteY37" fmla="*/ 223837 h 229048"/>
+                <a:gd name="connsiteX38" fmla="*/ 719137 w 719137"/>
+                <a:gd name="connsiteY38" fmla="*/ 223837 h 229048"/>
+                <a:gd name="connsiteX0" fmla="*/ 0 w 719137"/>
+                <a:gd name="connsiteY0" fmla="*/ 185737 h 229048"/>
+                <a:gd name="connsiteX1" fmla="*/ 90487 w 719137"/>
+                <a:gd name="connsiteY1" fmla="*/ 180975 h 229048"/>
+                <a:gd name="connsiteX2" fmla="*/ 109537 w 719137"/>
+                <a:gd name="connsiteY2" fmla="*/ 66675 h 229048"/>
+                <a:gd name="connsiteX3" fmla="*/ 123825 w 719137"/>
+                <a:gd name="connsiteY3" fmla="*/ 33337 h 229048"/>
+                <a:gd name="connsiteX4" fmla="*/ 152400 w 719137"/>
+                <a:gd name="connsiteY4" fmla="*/ 14287 h 229048"/>
+                <a:gd name="connsiteX5" fmla="*/ 180975 w 719137"/>
+                <a:gd name="connsiteY5" fmla="*/ 0 h 229048"/>
+                <a:gd name="connsiteX6" fmla="*/ 223837 w 719137"/>
+                <a:gd name="connsiteY6" fmla="*/ 4762 h 229048"/>
+                <a:gd name="connsiteX7" fmla="*/ 238125 w 719137"/>
+                <a:gd name="connsiteY7" fmla="*/ 9525 h 229048"/>
+                <a:gd name="connsiteX8" fmla="*/ 242887 w 719137"/>
+                <a:gd name="connsiteY8" fmla="*/ 23812 h 229048"/>
+                <a:gd name="connsiteX9" fmla="*/ 252412 w 719137"/>
+                <a:gd name="connsiteY9" fmla="*/ 42862 h 229048"/>
+                <a:gd name="connsiteX10" fmla="*/ 261937 w 719137"/>
+                <a:gd name="connsiteY10" fmla="*/ 71437 h 229048"/>
+                <a:gd name="connsiteX11" fmla="*/ 266700 w 719137"/>
+                <a:gd name="connsiteY11" fmla="*/ 104775 h 229048"/>
+                <a:gd name="connsiteX12" fmla="*/ 276225 w 719137"/>
+                <a:gd name="connsiteY12" fmla="*/ 190500 h 229048"/>
+                <a:gd name="connsiteX13" fmla="*/ 328612 w 719137"/>
+                <a:gd name="connsiteY13" fmla="*/ 185737 h 229048"/>
+                <a:gd name="connsiteX14" fmla="*/ 333375 w 719137"/>
+                <a:gd name="connsiteY14" fmla="*/ 119062 h 229048"/>
+                <a:gd name="connsiteX15" fmla="*/ 342900 w 719137"/>
+                <a:gd name="connsiteY15" fmla="*/ 90487 h 229048"/>
+                <a:gd name="connsiteX16" fmla="*/ 357187 w 719137"/>
+                <a:gd name="connsiteY16" fmla="*/ 61912 h 229048"/>
+                <a:gd name="connsiteX17" fmla="*/ 371475 w 719137"/>
+                <a:gd name="connsiteY17" fmla="*/ 52387 h 229048"/>
+                <a:gd name="connsiteX18" fmla="*/ 381000 w 719137"/>
+                <a:gd name="connsiteY18" fmla="*/ 38100 h 229048"/>
+                <a:gd name="connsiteX19" fmla="*/ 409575 w 719137"/>
+                <a:gd name="connsiteY19" fmla="*/ 28575 h 229048"/>
+                <a:gd name="connsiteX20" fmla="*/ 438150 w 719137"/>
+                <a:gd name="connsiteY20" fmla="*/ 33337 h 229048"/>
+                <a:gd name="connsiteX21" fmla="*/ 452437 w 719137"/>
+                <a:gd name="connsiteY21" fmla="*/ 38100 h 229048"/>
+                <a:gd name="connsiteX22" fmla="*/ 457200 w 719137"/>
+                <a:gd name="connsiteY22" fmla="*/ 52387 h 229048"/>
+                <a:gd name="connsiteX23" fmla="*/ 476250 w 719137"/>
+                <a:gd name="connsiteY23" fmla="*/ 80962 h 229048"/>
+                <a:gd name="connsiteX24" fmla="*/ 485775 w 719137"/>
+                <a:gd name="connsiteY24" fmla="*/ 109537 h 229048"/>
+                <a:gd name="connsiteX25" fmla="*/ 490537 w 719137"/>
+                <a:gd name="connsiteY25" fmla="*/ 123825 h 229048"/>
+                <a:gd name="connsiteX26" fmla="*/ 485775 w 719137"/>
+                <a:gd name="connsiteY26" fmla="*/ 195262 h 229048"/>
+                <a:gd name="connsiteX27" fmla="*/ 481012 w 719137"/>
+                <a:gd name="connsiteY27" fmla="*/ 171450 h 229048"/>
+                <a:gd name="connsiteX28" fmla="*/ 485775 w 719137"/>
+                <a:gd name="connsiteY28" fmla="*/ 123825 h 229048"/>
+                <a:gd name="connsiteX29" fmla="*/ 495300 w 719137"/>
+                <a:gd name="connsiteY29" fmla="*/ 95250 h 229048"/>
+                <a:gd name="connsiteX30" fmla="*/ 523875 w 719137"/>
+                <a:gd name="connsiteY30" fmla="*/ 80962 h 229048"/>
+                <a:gd name="connsiteX31" fmla="*/ 590550 w 719137"/>
+                <a:gd name="connsiteY31" fmla="*/ 85725 h 229048"/>
+                <a:gd name="connsiteX32" fmla="*/ 609600 w 719137"/>
+                <a:gd name="connsiteY32" fmla="*/ 114300 h 229048"/>
+                <a:gd name="connsiteX33" fmla="*/ 614362 w 719137"/>
+                <a:gd name="connsiteY33" fmla="*/ 138112 h 229048"/>
+                <a:gd name="connsiteX34" fmla="*/ 619125 w 719137"/>
+                <a:gd name="connsiteY34" fmla="*/ 157162 h 229048"/>
+                <a:gd name="connsiteX35" fmla="*/ 623887 w 719137"/>
+                <a:gd name="connsiteY35" fmla="*/ 180975 h 229048"/>
+                <a:gd name="connsiteX36" fmla="*/ 633412 w 719137"/>
+                <a:gd name="connsiteY36" fmla="*/ 223837 h 229048"/>
+                <a:gd name="connsiteX37" fmla="*/ 719137 w 719137"/>
+                <a:gd name="connsiteY37" fmla="*/ 223837 h 229048"/>
+                <a:gd name="connsiteX0" fmla="*/ 0 w 719137"/>
+                <a:gd name="connsiteY0" fmla="*/ 185737 h 229048"/>
+                <a:gd name="connsiteX1" fmla="*/ 90487 w 719137"/>
+                <a:gd name="connsiteY1" fmla="*/ 180975 h 229048"/>
+                <a:gd name="connsiteX2" fmla="*/ 123825 w 719137"/>
+                <a:gd name="connsiteY2" fmla="*/ 33337 h 229048"/>
+                <a:gd name="connsiteX3" fmla="*/ 152400 w 719137"/>
+                <a:gd name="connsiteY3" fmla="*/ 14287 h 229048"/>
+                <a:gd name="connsiteX4" fmla="*/ 180975 w 719137"/>
+                <a:gd name="connsiteY4" fmla="*/ 0 h 229048"/>
+                <a:gd name="connsiteX5" fmla="*/ 223837 w 719137"/>
+                <a:gd name="connsiteY5" fmla="*/ 4762 h 229048"/>
+                <a:gd name="connsiteX6" fmla="*/ 238125 w 719137"/>
+                <a:gd name="connsiteY6" fmla="*/ 9525 h 229048"/>
+                <a:gd name="connsiteX7" fmla="*/ 242887 w 719137"/>
+                <a:gd name="connsiteY7" fmla="*/ 23812 h 229048"/>
+                <a:gd name="connsiteX8" fmla="*/ 252412 w 719137"/>
+                <a:gd name="connsiteY8" fmla="*/ 42862 h 229048"/>
+                <a:gd name="connsiteX9" fmla="*/ 261937 w 719137"/>
+                <a:gd name="connsiteY9" fmla="*/ 71437 h 229048"/>
+                <a:gd name="connsiteX10" fmla="*/ 266700 w 719137"/>
+                <a:gd name="connsiteY10" fmla="*/ 104775 h 229048"/>
+                <a:gd name="connsiteX11" fmla="*/ 276225 w 719137"/>
+                <a:gd name="connsiteY11" fmla="*/ 190500 h 229048"/>
+                <a:gd name="connsiteX12" fmla="*/ 328612 w 719137"/>
+                <a:gd name="connsiteY12" fmla="*/ 185737 h 229048"/>
+                <a:gd name="connsiteX13" fmla="*/ 333375 w 719137"/>
+                <a:gd name="connsiteY13" fmla="*/ 119062 h 229048"/>
+                <a:gd name="connsiteX14" fmla="*/ 342900 w 719137"/>
+                <a:gd name="connsiteY14" fmla="*/ 90487 h 229048"/>
+                <a:gd name="connsiteX15" fmla="*/ 357187 w 719137"/>
+                <a:gd name="connsiteY15" fmla="*/ 61912 h 229048"/>
+                <a:gd name="connsiteX16" fmla="*/ 371475 w 719137"/>
+                <a:gd name="connsiteY16" fmla="*/ 52387 h 229048"/>
+                <a:gd name="connsiteX17" fmla="*/ 381000 w 719137"/>
+                <a:gd name="connsiteY17" fmla="*/ 38100 h 229048"/>
+                <a:gd name="connsiteX18" fmla="*/ 409575 w 719137"/>
+                <a:gd name="connsiteY18" fmla="*/ 28575 h 229048"/>
+                <a:gd name="connsiteX19" fmla="*/ 438150 w 719137"/>
+                <a:gd name="connsiteY19" fmla="*/ 33337 h 229048"/>
+                <a:gd name="connsiteX20" fmla="*/ 452437 w 719137"/>
+                <a:gd name="connsiteY20" fmla="*/ 38100 h 229048"/>
+                <a:gd name="connsiteX21" fmla="*/ 457200 w 719137"/>
+                <a:gd name="connsiteY21" fmla="*/ 52387 h 229048"/>
+                <a:gd name="connsiteX22" fmla="*/ 476250 w 719137"/>
+                <a:gd name="connsiteY22" fmla="*/ 80962 h 229048"/>
+                <a:gd name="connsiteX23" fmla="*/ 485775 w 719137"/>
+                <a:gd name="connsiteY23" fmla="*/ 109537 h 229048"/>
+                <a:gd name="connsiteX24" fmla="*/ 490537 w 719137"/>
+                <a:gd name="connsiteY24" fmla="*/ 123825 h 229048"/>
+                <a:gd name="connsiteX25" fmla="*/ 485775 w 719137"/>
+                <a:gd name="connsiteY25" fmla="*/ 195262 h 229048"/>
+                <a:gd name="connsiteX26" fmla="*/ 481012 w 719137"/>
+                <a:gd name="connsiteY26" fmla="*/ 171450 h 229048"/>
+                <a:gd name="connsiteX27" fmla="*/ 485775 w 719137"/>
+                <a:gd name="connsiteY27" fmla="*/ 123825 h 229048"/>
+                <a:gd name="connsiteX28" fmla="*/ 495300 w 719137"/>
+                <a:gd name="connsiteY28" fmla="*/ 95250 h 229048"/>
+                <a:gd name="connsiteX29" fmla="*/ 523875 w 719137"/>
+                <a:gd name="connsiteY29" fmla="*/ 80962 h 229048"/>
+                <a:gd name="connsiteX30" fmla="*/ 590550 w 719137"/>
+                <a:gd name="connsiteY30" fmla="*/ 85725 h 229048"/>
+                <a:gd name="connsiteX31" fmla="*/ 609600 w 719137"/>
+                <a:gd name="connsiteY31" fmla="*/ 114300 h 229048"/>
+                <a:gd name="connsiteX32" fmla="*/ 614362 w 719137"/>
+                <a:gd name="connsiteY32" fmla="*/ 138112 h 229048"/>
+                <a:gd name="connsiteX33" fmla="*/ 619125 w 719137"/>
+                <a:gd name="connsiteY33" fmla="*/ 157162 h 229048"/>
+                <a:gd name="connsiteX34" fmla="*/ 623887 w 719137"/>
+                <a:gd name="connsiteY34" fmla="*/ 180975 h 229048"/>
+                <a:gd name="connsiteX35" fmla="*/ 633412 w 719137"/>
+                <a:gd name="connsiteY35" fmla="*/ 223837 h 229048"/>
+                <a:gd name="connsiteX36" fmla="*/ 719137 w 719137"/>
+                <a:gd name="connsiteY36" fmla="*/ 223837 h 229048"/>
+                <a:gd name="connsiteX0" fmla="*/ 0 w 719137"/>
+                <a:gd name="connsiteY0" fmla="*/ 187666 h 230977"/>
+                <a:gd name="connsiteX1" fmla="*/ 90487 w 719137"/>
+                <a:gd name="connsiteY1" fmla="*/ 182904 h 230977"/>
+                <a:gd name="connsiteX2" fmla="*/ 152400 w 719137"/>
+                <a:gd name="connsiteY2" fmla="*/ 16216 h 230977"/>
+                <a:gd name="connsiteX3" fmla="*/ 180975 w 719137"/>
+                <a:gd name="connsiteY3" fmla="*/ 1929 h 230977"/>
+                <a:gd name="connsiteX4" fmla="*/ 223837 w 719137"/>
+                <a:gd name="connsiteY4" fmla="*/ 6691 h 230977"/>
+                <a:gd name="connsiteX5" fmla="*/ 238125 w 719137"/>
+                <a:gd name="connsiteY5" fmla="*/ 11454 h 230977"/>
+                <a:gd name="connsiteX6" fmla="*/ 242887 w 719137"/>
+                <a:gd name="connsiteY6" fmla="*/ 25741 h 230977"/>
+                <a:gd name="connsiteX7" fmla="*/ 252412 w 719137"/>
+                <a:gd name="connsiteY7" fmla="*/ 44791 h 230977"/>
+                <a:gd name="connsiteX8" fmla="*/ 261937 w 719137"/>
+                <a:gd name="connsiteY8" fmla="*/ 73366 h 230977"/>
+                <a:gd name="connsiteX9" fmla="*/ 266700 w 719137"/>
+                <a:gd name="connsiteY9" fmla="*/ 106704 h 230977"/>
+                <a:gd name="connsiteX10" fmla="*/ 276225 w 719137"/>
+                <a:gd name="connsiteY10" fmla="*/ 192429 h 230977"/>
+                <a:gd name="connsiteX11" fmla="*/ 328612 w 719137"/>
+                <a:gd name="connsiteY11" fmla="*/ 187666 h 230977"/>
+                <a:gd name="connsiteX12" fmla="*/ 333375 w 719137"/>
+                <a:gd name="connsiteY12" fmla="*/ 120991 h 230977"/>
+                <a:gd name="connsiteX13" fmla="*/ 342900 w 719137"/>
+                <a:gd name="connsiteY13" fmla="*/ 92416 h 230977"/>
+                <a:gd name="connsiteX14" fmla="*/ 357187 w 719137"/>
+                <a:gd name="connsiteY14" fmla="*/ 63841 h 230977"/>
+                <a:gd name="connsiteX15" fmla="*/ 371475 w 719137"/>
+                <a:gd name="connsiteY15" fmla="*/ 54316 h 230977"/>
+                <a:gd name="connsiteX16" fmla="*/ 381000 w 719137"/>
+                <a:gd name="connsiteY16" fmla="*/ 40029 h 230977"/>
+                <a:gd name="connsiteX17" fmla="*/ 409575 w 719137"/>
+                <a:gd name="connsiteY17" fmla="*/ 30504 h 230977"/>
+                <a:gd name="connsiteX18" fmla="*/ 438150 w 719137"/>
+                <a:gd name="connsiteY18" fmla="*/ 35266 h 230977"/>
+                <a:gd name="connsiteX19" fmla="*/ 452437 w 719137"/>
+                <a:gd name="connsiteY19" fmla="*/ 40029 h 230977"/>
+                <a:gd name="connsiteX20" fmla="*/ 457200 w 719137"/>
+                <a:gd name="connsiteY20" fmla="*/ 54316 h 230977"/>
+                <a:gd name="connsiteX21" fmla="*/ 476250 w 719137"/>
+                <a:gd name="connsiteY21" fmla="*/ 82891 h 230977"/>
+                <a:gd name="connsiteX22" fmla="*/ 485775 w 719137"/>
+                <a:gd name="connsiteY22" fmla="*/ 111466 h 230977"/>
+                <a:gd name="connsiteX23" fmla="*/ 490537 w 719137"/>
+                <a:gd name="connsiteY23" fmla="*/ 125754 h 230977"/>
+                <a:gd name="connsiteX24" fmla="*/ 485775 w 719137"/>
+                <a:gd name="connsiteY24" fmla="*/ 197191 h 230977"/>
+                <a:gd name="connsiteX25" fmla="*/ 481012 w 719137"/>
+                <a:gd name="connsiteY25" fmla="*/ 173379 h 230977"/>
+                <a:gd name="connsiteX26" fmla="*/ 485775 w 719137"/>
+                <a:gd name="connsiteY26" fmla="*/ 125754 h 230977"/>
+                <a:gd name="connsiteX27" fmla="*/ 495300 w 719137"/>
+                <a:gd name="connsiteY27" fmla="*/ 97179 h 230977"/>
+                <a:gd name="connsiteX28" fmla="*/ 523875 w 719137"/>
+                <a:gd name="connsiteY28" fmla="*/ 82891 h 230977"/>
+                <a:gd name="connsiteX29" fmla="*/ 590550 w 719137"/>
+                <a:gd name="connsiteY29" fmla="*/ 87654 h 230977"/>
+                <a:gd name="connsiteX30" fmla="*/ 609600 w 719137"/>
+                <a:gd name="connsiteY30" fmla="*/ 116229 h 230977"/>
+                <a:gd name="connsiteX31" fmla="*/ 614362 w 719137"/>
+                <a:gd name="connsiteY31" fmla="*/ 140041 h 230977"/>
+                <a:gd name="connsiteX32" fmla="*/ 619125 w 719137"/>
+                <a:gd name="connsiteY32" fmla="*/ 159091 h 230977"/>
+                <a:gd name="connsiteX33" fmla="*/ 623887 w 719137"/>
+                <a:gd name="connsiteY33" fmla="*/ 182904 h 230977"/>
+                <a:gd name="connsiteX34" fmla="*/ 633412 w 719137"/>
+                <a:gd name="connsiteY34" fmla="*/ 225766 h 230977"/>
+                <a:gd name="connsiteX35" fmla="*/ 719137 w 719137"/>
+                <a:gd name="connsiteY35" fmla="*/ 225766 h 230977"/>
+                <a:gd name="connsiteX0" fmla="*/ 0 w 719137"/>
+                <a:gd name="connsiteY0" fmla="*/ 185737 h 229048"/>
+                <a:gd name="connsiteX1" fmla="*/ 90487 w 719137"/>
+                <a:gd name="connsiteY1" fmla="*/ 180975 h 229048"/>
+                <a:gd name="connsiteX2" fmla="*/ 180975 w 719137"/>
+                <a:gd name="connsiteY2" fmla="*/ 0 h 229048"/>
+                <a:gd name="connsiteX3" fmla="*/ 223837 w 719137"/>
+                <a:gd name="connsiteY3" fmla="*/ 4762 h 229048"/>
+                <a:gd name="connsiteX4" fmla="*/ 238125 w 719137"/>
+                <a:gd name="connsiteY4" fmla="*/ 9525 h 229048"/>
+                <a:gd name="connsiteX5" fmla="*/ 242887 w 719137"/>
+                <a:gd name="connsiteY5" fmla="*/ 23812 h 229048"/>
+                <a:gd name="connsiteX6" fmla="*/ 252412 w 719137"/>
+                <a:gd name="connsiteY6" fmla="*/ 42862 h 229048"/>
+                <a:gd name="connsiteX7" fmla="*/ 261937 w 719137"/>
+                <a:gd name="connsiteY7" fmla="*/ 71437 h 229048"/>
+                <a:gd name="connsiteX8" fmla="*/ 266700 w 719137"/>
+                <a:gd name="connsiteY8" fmla="*/ 104775 h 229048"/>
+                <a:gd name="connsiteX9" fmla="*/ 276225 w 719137"/>
+                <a:gd name="connsiteY9" fmla="*/ 190500 h 229048"/>
+                <a:gd name="connsiteX10" fmla="*/ 328612 w 719137"/>
+                <a:gd name="connsiteY10" fmla="*/ 185737 h 229048"/>
+                <a:gd name="connsiteX11" fmla="*/ 333375 w 719137"/>
+                <a:gd name="connsiteY11" fmla="*/ 119062 h 229048"/>
+                <a:gd name="connsiteX12" fmla="*/ 342900 w 719137"/>
+                <a:gd name="connsiteY12" fmla="*/ 90487 h 229048"/>
+                <a:gd name="connsiteX13" fmla="*/ 357187 w 719137"/>
+                <a:gd name="connsiteY13" fmla="*/ 61912 h 229048"/>
+                <a:gd name="connsiteX14" fmla="*/ 371475 w 719137"/>
+                <a:gd name="connsiteY14" fmla="*/ 52387 h 229048"/>
+                <a:gd name="connsiteX15" fmla="*/ 381000 w 719137"/>
+                <a:gd name="connsiteY15" fmla="*/ 38100 h 229048"/>
+                <a:gd name="connsiteX16" fmla="*/ 409575 w 719137"/>
+                <a:gd name="connsiteY16" fmla="*/ 28575 h 229048"/>
+                <a:gd name="connsiteX17" fmla="*/ 438150 w 719137"/>
+                <a:gd name="connsiteY17" fmla="*/ 33337 h 229048"/>
+                <a:gd name="connsiteX18" fmla="*/ 452437 w 719137"/>
+                <a:gd name="connsiteY18" fmla="*/ 38100 h 229048"/>
+                <a:gd name="connsiteX19" fmla="*/ 457200 w 719137"/>
+                <a:gd name="connsiteY19" fmla="*/ 52387 h 229048"/>
+                <a:gd name="connsiteX20" fmla="*/ 476250 w 719137"/>
+                <a:gd name="connsiteY20" fmla="*/ 80962 h 229048"/>
+                <a:gd name="connsiteX21" fmla="*/ 485775 w 719137"/>
+                <a:gd name="connsiteY21" fmla="*/ 109537 h 229048"/>
+                <a:gd name="connsiteX22" fmla="*/ 490537 w 719137"/>
+                <a:gd name="connsiteY22" fmla="*/ 123825 h 229048"/>
+                <a:gd name="connsiteX23" fmla="*/ 485775 w 719137"/>
+                <a:gd name="connsiteY23" fmla="*/ 195262 h 229048"/>
+                <a:gd name="connsiteX24" fmla="*/ 481012 w 719137"/>
+                <a:gd name="connsiteY24" fmla="*/ 171450 h 229048"/>
+                <a:gd name="connsiteX25" fmla="*/ 485775 w 719137"/>
+                <a:gd name="connsiteY25" fmla="*/ 123825 h 229048"/>
+                <a:gd name="connsiteX26" fmla="*/ 495300 w 719137"/>
+                <a:gd name="connsiteY26" fmla="*/ 95250 h 229048"/>
+                <a:gd name="connsiteX27" fmla="*/ 523875 w 719137"/>
+                <a:gd name="connsiteY27" fmla="*/ 80962 h 229048"/>
+                <a:gd name="connsiteX28" fmla="*/ 590550 w 719137"/>
+                <a:gd name="connsiteY28" fmla="*/ 85725 h 229048"/>
+                <a:gd name="connsiteX29" fmla="*/ 609600 w 719137"/>
+                <a:gd name="connsiteY29" fmla="*/ 114300 h 229048"/>
+                <a:gd name="connsiteX30" fmla="*/ 614362 w 719137"/>
+                <a:gd name="connsiteY30" fmla="*/ 138112 h 229048"/>
+                <a:gd name="connsiteX31" fmla="*/ 619125 w 719137"/>
+                <a:gd name="connsiteY31" fmla="*/ 157162 h 229048"/>
+                <a:gd name="connsiteX32" fmla="*/ 623887 w 719137"/>
+                <a:gd name="connsiteY32" fmla="*/ 180975 h 229048"/>
+                <a:gd name="connsiteX33" fmla="*/ 633412 w 719137"/>
+                <a:gd name="connsiteY33" fmla="*/ 223837 h 229048"/>
+                <a:gd name="connsiteX34" fmla="*/ 719137 w 719137"/>
+                <a:gd name="connsiteY34" fmla="*/ 223837 h 229048"/>
+                <a:gd name="connsiteX0" fmla="*/ 0 w 719137"/>
+                <a:gd name="connsiteY0" fmla="*/ 197041 h 240352"/>
+                <a:gd name="connsiteX1" fmla="*/ 90487 w 719137"/>
+                <a:gd name="connsiteY1" fmla="*/ 192279 h 240352"/>
+                <a:gd name="connsiteX2" fmla="*/ 180975 w 719137"/>
+                <a:gd name="connsiteY2" fmla="*/ 11304 h 240352"/>
+                <a:gd name="connsiteX3" fmla="*/ 238125 w 719137"/>
+                <a:gd name="connsiteY3" fmla="*/ 20829 h 240352"/>
+                <a:gd name="connsiteX4" fmla="*/ 242887 w 719137"/>
+                <a:gd name="connsiteY4" fmla="*/ 35116 h 240352"/>
+                <a:gd name="connsiteX5" fmla="*/ 252412 w 719137"/>
+                <a:gd name="connsiteY5" fmla="*/ 54166 h 240352"/>
+                <a:gd name="connsiteX6" fmla="*/ 261937 w 719137"/>
+                <a:gd name="connsiteY6" fmla="*/ 82741 h 240352"/>
+                <a:gd name="connsiteX7" fmla="*/ 266700 w 719137"/>
+                <a:gd name="connsiteY7" fmla="*/ 116079 h 240352"/>
+                <a:gd name="connsiteX8" fmla="*/ 276225 w 719137"/>
+                <a:gd name="connsiteY8" fmla="*/ 201804 h 240352"/>
+                <a:gd name="connsiteX9" fmla="*/ 328612 w 719137"/>
+                <a:gd name="connsiteY9" fmla="*/ 197041 h 240352"/>
+                <a:gd name="connsiteX10" fmla="*/ 333375 w 719137"/>
+                <a:gd name="connsiteY10" fmla="*/ 130366 h 240352"/>
+                <a:gd name="connsiteX11" fmla="*/ 342900 w 719137"/>
+                <a:gd name="connsiteY11" fmla="*/ 101791 h 240352"/>
+                <a:gd name="connsiteX12" fmla="*/ 357187 w 719137"/>
+                <a:gd name="connsiteY12" fmla="*/ 73216 h 240352"/>
+                <a:gd name="connsiteX13" fmla="*/ 371475 w 719137"/>
+                <a:gd name="connsiteY13" fmla="*/ 63691 h 240352"/>
+                <a:gd name="connsiteX14" fmla="*/ 381000 w 719137"/>
+                <a:gd name="connsiteY14" fmla="*/ 49404 h 240352"/>
+                <a:gd name="connsiteX15" fmla="*/ 409575 w 719137"/>
+                <a:gd name="connsiteY15" fmla="*/ 39879 h 240352"/>
+                <a:gd name="connsiteX16" fmla="*/ 438150 w 719137"/>
+                <a:gd name="connsiteY16" fmla="*/ 44641 h 240352"/>
+                <a:gd name="connsiteX17" fmla="*/ 452437 w 719137"/>
+                <a:gd name="connsiteY17" fmla="*/ 49404 h 240352"/>
+                <a:gd name="connsiteX18" fmla="*/ 457200 w 719137"/>
+                <a:gd name="connsiteY18" fmla="*/ 63691 h 240352"/>
+                <a:gd name="connsiteX19" fmla="*/ 476250 w 719137"/>
+                <a:gd name="connsiteY19" fmla="*/ 92266 h 240352"/>
+                <a:gd name="connsiteX20" fmla="*/ 485775 w 719137"/>
+                <a:gd name="connsiteY20" fmla="*/ 120841 h 240352"/>
+                <a:gd name="connsiteX21" fmla="*/ 490537 w 719137"/>
+                <a:gd name="connsiteY21" fmla="*/ 135129 h 240352"/>
+                <a:gd name="connsiteX22" fmla="*/ 485775 w 719137"/>
+                <a:gd name="connsiteY22" fmla="*/ 206566 h 240352"/>
+                <a:gd name="connsiteX23" fmla="*/ 481012 w 719137"/>
+                <a:gd name="connsiteY23" fmla="*/ 182754 h 240352"/>
+                <a:gd name="connsiteX24" fmla="*/ 485775 w 719137"/>
+                <a:gd name="connsiteY24" fmla="*/ 135129 h 240352"/>
+                <a:gd name="connsiteX25" fmla="*/ 495300 w 719137"/>
+                <a:gd name="connsiteY25" fmla="*/ 106554 h 240352"/>
+                <a:gd name="connsiteX26" fmla="*/ 523875 w 719137"/>
+                <a:gd name="connsiteY26" fmla="*/ 92266 h 240352"/>
+                <a:gd name="connsiteX27" fmla="*/ 590550 w 719137"/>
+                <a:gd name="connsiteY27" fmla="*/ 97029 h 240352"/>
+                <a:gd name="connsiteX28" fmla="*/ 609600 w 719137"/>
+                <a:gd name="connsiteY28" fmla="*/ 125604 h 240352"/>
+                <a:gd name="connsiteX29" fmla="*/ 614362 w 719137"/>
+                <a:gd name="connsiteY29" fmla="*/ 149416 h 240352"/>
+                <a:gd name="connsiteX30" fmla="*/ 619125 w 719137"/>
+                <a:gd name="connsiteY30" fmla="*/ 168466 h 240352"/>
+                <a:gd name="connsiteX31" fmla="*/ 623887 w 719137"/>
+                <a:gd name="connsiteY31" fmla="*/ 192279 h 240352"/>
+                <a:gd name="connsiteX32" fmla="*/ 633412 w 719137"/>
+                <a:gd name="connsiteY32" fmla="*/ 235141 h 240352"/>
+                <a:gd name="connsiteX33" fmla="*/ 719137 w 719137"/>
+                <a:gd name="connsiteY33" fmla="*/ 235141 h 240352"/>
+                <a:gd name="connsiteX0" fmla="*/ 0 w 719137"/>
+                <a:gd name="connsiteY0" fmla="*/ 197041 h 240352"/>
+                <a:gd name="connsiteX1" fmla="*/ 90487 w 719137"/>
+                <a:gd name="connsiteY1" fmla="*/ 192279 h 240352"/>
+                <a:gd name="connsiteX2" fmla="*/ 180975 w 719137"/>
+                <a:gd name="connsiteY2" fmla="*/ 11304 h 240352"/>
+                <a:gd name="connsiteX3" fmla="*/ 238125 w 719137"/>
+                <a:gd name="connsiteY3" fmla="*/ 20829 h 240352"/>
+                <a:gd name="connsiteX4" fmla="*/ 252412 w 719137"/>
+                <a:gd name="connsiteY4" fmla="*/ 54166 h 240352"/>
+                <a:gd name="connsiteX5" fmla="*/ 261937 w 719137"/>
+                <a:gd name="connsiteY5" fmla="*/ 82741 h 240352"/>
+                <a:gd name="connsiteX6" fmla="*/ 266700 w 719137"/>
+                <a:gd name="connsiteY6" fmla="*/ 116079 h 240352"/>
+                <a:gd name="connsiteX7" fmla="*/ 276225 w 719137"/>
+                <a:gd name="connsiteY7" fmla="*/ 201804 h 240352"/>
+                <a:gd name="connsiteX8" fmla="*/ 328612 w 719137"/>
+                <a:gd name="connsiteY8" fmla="*/ 197041 h 240352"/>
+                <a:gd name="connsiteX9" fmla="*/ 333375 w 719137"/>
+                <a:gd name="connsiteY9" fmla="*/ 130366 h 240352"/>
+                <a:gd name="connsiteX10" fmla="*/ 342900 w 719137"/>
+                <a:gd name="connsiteY10" fmla="*/ 101791 h 240352"/>
+                <a:gd name="connsiteX11" fmla="*/ 357187 w 719137"/>
+                <a:gd name="connsiteY11" fmla="*/ 73216 h 240352"/>
+                <a:gd name="connsiteX12" fmla="*/ 371475 w 719137"/>
+                <a:gd name="connsiteY12" fmla="*/ 63691 h 240352"/>
+                <a:gd name="connsiteX13" fmla="*/ 381000 w 719137"/>
+                <a:gd name="connsiteY13" fmla="*/ 49404 h 240352"/>
+                <a:gd name="connsiteX14" fmla="*/ 409575 w 719137"/>
+                <a:gd name="connsiteY14" fmla="*/ 39879 h 240352"/>
+                <a:gd name="connsiteX15" fmla="*/ 438150 w 719137"/>
+                <a:gd name="connsiteY15" fmla="*/ 44641 h 240352"/>
+                <a:gd name="connsiteX16" fmla="*/ 452437 w 719137"/>
+                <a:gd name="connsiteY16" fmla="*/ 49404 h 240352"/>
+                <a:gd name="connsiteX17" fmla="*/ 457200 w 719137"/>
+                <a:gd name="connsiteY17" fmla="*/ 63691 h 240352"/>
+                <a:gd name="connsiteX18" fmla="*/ 476250 w 719137"/>
+                <a:gd name="connsiteY18" fmla="*/ 92266 h 240352"/>
+                <a:gd name="connsiteX19" fmla="*/ 485775 w 719137"/>
+                <a:gd name="connsiteY19" fmla="*/ 120841 h 240352"/>
+                <a:gd name="connsiteX20" fmla="*/ 490537 w 719137"/>
+                <a:gd name="connsiteY20" fmla="*/ 135129 h 240352"/>
+                <a:gd name="connsiteX21" fmla="*/ 485775 w 719137"/>
+                <a:gd name="connsiteY21" fmla="*/ 206566 h 240352"/>
+                <a:gd name="connsiteX22" fmla="*/ 481012 w 719137"/>
+                <a:gd name="connsiteY22" fmla="*/ 182754 h 240352"/>
+                <a:gd name="connsiteX23" fmla="*/ 485775 w 719137"/>
+                <a:gd name="connsiteY23" fmla="*/ 135129 h 240352"/>
+                <a:gd name="connsiteX24" fmla="*/ 495300 w 719137"/>
+                <a:gd name="connsiteY24" fmla="*/ 106554 h 240352"/>
+                <a:gd name="connsiteX25" fmla="*/ 523875 w 719137"/>
+                <a:gd name="connsiteY25" fmla="*/ 92266 h 240352"/>
+                <a:gd name="connsiteX26" fmla="*/ 590550 w 719137"/>
+                <a:gd name="connsiteY26" fmla="*/ 97029 h 240352"/>
+                <a:gd name="connsiteX27" fmla="*/ 609600 w 719137"/>
+                <a:gd name="connsiteY27" fmla="*/ 125604 h 240352"/>
+                <a:gd name="connsiteX28" fmla="*/ 614362 w 719137"/>
+                <a:gd name="connsiteY28" fmla="*/ 149416 h 240352"/>
+                <a:gd name="connsiteX29" fmla="*/ 619125 w 719137"/>
+                <a:gd name="connsiteY29" fmla="*/ 168466 h 240352"/>
+                <a:gd name="connsiteX30" fmla="*/ 623887 w 719137"/>
+                <a:gd name="connsiteY30" fmla="*/ 192279 h 240352"/>
+                <a:gd name="connsiteX31" fmla="*/ 633412 w 719137"/>
+                <a:gd name="connsiteY31" fmla="*/ 235141 h 240352"/>
+                <a:gd name="connsiteX32" fmla="*/ 719137 w 719137"/>
+                <a:gd name="connsiteY32" fmla="*/ 235141 h 240352"/>
+                <a:gd name="connsiteX0" fmla="*/ 0 w 719137"/>
+                <a:gd name="connsiteY0" fmla="*/ 191388 h 234699"/>
+                <a:gd name="connsiteX1" fmla="*/ 90487 w 719137"/>
+                <a:gd name="connsiteY1" fmla="*/ 186626 h 234699"/>
+                <a:gd name="connsiteX2" fmla="*/ 180975 w 719137"/>
+                <a:gd name="connsiteY2" fmla="*/ 5651 h 234699"/>
+                <a:gd name="connsiteX3" fmla="*/ 252412 w 719137"/>
+                <a:gd name="connsiteY3" fmla="*/ 48513 h 234699"/>
+                <a:gd name="connsiteX4" fmla="*/ 261937 w 719137"/>
+                <a:gd name="connsiteY4" fmla="*/ 77088 h 234699"/>
+                <a:gd name="connsiteX5" fmla="*/ 266700 w 719137"/>
+                <a:gd name="connsiteY5" fmla="*/ 110426 h 234699"/>
+                <a:gd name="connsiteX6" fmla="*/ 276225 w 719137"/>
+                <a:gd name="connsiteY6" fmla="*/ 196151 h 234699"/>
+                <a:gd name="connsiteX7" fmla="*/ 328612 w 719137"/>
+                <a:gd name="connsiteY7" fmla="*/ 191388 h 234699"/>
+                <a:gd name="connsiteX8" fmla="*/ 333375 w 719137"/>
+                <a:gd name="connsiteY8" fmla="*/ 124713 h 234699"/>
+                <a:gd name="connsiteX9" fmla="*/ 342900 w 719137"/>
+                <a:gd name="connsiteY9" fmla="*/ 96138 h 234699"/>
+                <a:gd name="connsiteX10" fmla="*/ 357187 w 719137"/>
+                <a:gd name="connsiteY10" fmla="*/ 67563 h 234699"/>
+                <a:gd name="connsiteX11" fmla="*/ 371475 w 719137"/>
+                <a:gd name="connsiteY11" fmla="*/ 58038 h 234699"/>
+                <a:gd name="connsiteX12" fmla="*/ 381000 w 719137"/>
+                <a:gd name="connsiteY12" fmla="*/ 43751 h 234699"/>
+                <a:gd name="connsiteX13" fmla="*/ 409575 w 719137"/>
+                <a:gd name="connsiteY13" fmla="*/ 34226 h 234699"/>
+                <a:gd name="connsiteX14" fmla="*/ 438150 w 719137"/>
+                <a:gd name="connsiteY14" fmla="*/ 38988 h 234699"/>
+                <a:gd name="connsiteX15" fmla="*/ 452437 w 719137"/>
+                <a:gd name="connsiteY15" fmla="*/ 43751 h 234699"/>
+                <a:gd name="connsiteX16" fmla="*/ 457200 w 719137"/>
+                <a:gd name="connsiteY16" fmla="*/ 58038 h 234699"/>
+                <a:gd name="connsiteX17" fmla="*/ 476250 w 719137"/>
+                <a:gd name="connsiteY17" fmla="*/ 86613 h 234699"/>
+                <a:gd name="connsiteX18" fmla="*/ 485775 w 719137"/>
+                <a:gd name="connsiteY18" fmla="*/ 115188 h 234699"/>
+                <a:gd name="connsiteX19" fmla="*/ 490537 w 719137"/>
+                <a:gd name="connsiteY19" fmla="*/ 129476 h 234699"/>
+                <a:gd name="connsiteX20" fmla="*/ 485775 w 719137"/>
+                <a:gd name="connsiteY20" fmla="*/ 200913 h 234699"/>
+                <a:gd name="connsiteX21" fmla="*/ 481012 w 719137"/>
+                <a:gd name="connsiteY21" fmla="*/ 177101 h 234699"/>
+                <a:gd name="connsiteX22" fmla="*/ 485775 w 719137"/>
+                <a:gd name="connsiteY22" fmla="*/ 129476 h 234699"/>
+                <a:gd name="connsiteX23" fmla="*/ 495300 w 719137"/>
+                <a:gd name="connsiteY23" fmla="*/ 100901 h 234699"/>
+                <a:gd name="connsiteX24" fmla="*/ 523875 w 719137"/>
+                <a:gd name="connsiteY24" fmla="*/ 86613 h 234699"/>
+                <a:gd name="connsiteX25" fmla="*/ 590550 w 719137"/>
+                <a:gd name="connsiteY25" fmla="*/ 91376 h 234699"/>
+                <a:gd name="connsiteX26" fmla="*/ 609600 w 719137"/>
+                <a:gd name="connsiteY26" fmla="*/ 119951 h 234699"/>
+                <a:gd name="connsiteX27" fmla="*/ 614362 w 719137"/>
+                <a:gd name="connsiteY27" fmla="*/ 143763 h 234699"/>
+                <a:gd name="connsiteX28" fmla="*/ 619125 w 719137"/>
+                <a:gd name="connsiteY28" fmla="*/ 162813 h 234699"/>
+                <a:gd name="connsiteX29" fmla="*/ 623887 w 719137"/>
+                <a:gd name="connsiteY29" fmla="*/ 186626 h 234699"/>
+                <a:gd name="connsiteX30" fmla="*/ 633412 w 719137"/>
+                <a:gd name="connsiteY30" fmla="*/ 229488 h 234699"/>
+                <a:gd name="connsiteX31" fmla="*/ 719137 w 719137"/>
+                <a:gd name="connsiteY31" fmla="*/ 229488 h 234699"/>
+                <a:gd name="connsiteX0" fmla="*/ 0 w 719137"/>
+                <a:gd name="connsiteY0" fmla="*/ 188671 h 231982"/>
+                <a:gd name="connsiteX1" fmla="*/ 90487 w 719137"/>
+                <a:gd name="connsiteY1" fmla="*/ 183909 h 231982"/>
+                <a:gd name="connsiteX2" fmla="*/ 180975 w 719137"/>
+                <a:gd name="connsiteY2" fmla="*/ 2934 h 231982"/>
+                <a:gd name="connsiteX3" fmla="*/ 261937 w 719137"/>
+                <a:gd name="connsiteY3" fmla="*/ 74371 h 231982"/>
+                <a:gd name="connsiteX4" fmla="*/ 266700 w 719137"/>
+                <a:gd name="connsiteY4" fmla="*/ 107709 h 231982"/>
+                <a:gd name="connsiteX5" fmla="*/ 276225 w 719137"/>
+                <a:gd name="connsiteY5" fmla="*/ 193434 h 231982"/>
+                <a:gd name="connsiteX6" fmla="*/ 328612 w 719137"/>
+                <a:gd name="connsiteY6" fmla="*/ 188671 h 231982"/>
+                <a:gd name="connsiteX7" fmla="*/ 333375 w 719137"/>
+                <a:gd name="connsiteY7" fmla="*/ 121996 h 231982"/>
+                <a:gd name="connsiteX8" fmla="*/ 342900 w 719137"/>
+                <a:gd name="connsiteY8" fmla="*/ 93421 h 231982"/>
+                <a:gd name="connsiteX9" fmla="*/ 357187 w 719137"/>
+                <a:gd name="connsiteY9" fmla="*/ 64846 h 231982"/>
+                <a:gd name="connsiteX10" fmla="*/ 371475 w 719137"/>
+                <a:gd name="connsiteY10" fmla="*/ 55321 h 231982"/>
+                <a:gd name="connsiteX11" fmla="*/ 381000 w 719137"/>
+                <a:gd name="connsiteY11" fmla="*/ 41034 h 231982"/>
+                <a:gd name="connsiteX12" fmla="*/ 409575 w 719137"/>
+                <a:gd name="connsiteY12" fmla="*/ 31509 h 231982"/>
+                <a:gd name="connsiteX13" fmla="*/ 438150 w 719137"/>
+                <a:gd name="connsiteY13" fmla="*/ 36271 h 231982"/>
+                <a:gd name="connsiteX14" fmla="*/ 452437 w 719137"/>
+                <a:gd name="connsiteY14" fmla="*/ 41034 h 231982"/>
+                <a:gd name="connsiteX15" fmla="*/ 457200 w 719137"/>
+                <a:gd name="connsiteY15" fmla="*/ 55321 h 231982"/>
+                <a:gd name="connsiteX16" fmla="*/ 476250 w 719137"/>
+                <a:gd name="connsiteY16" fmla="*/ 83896 h 231982"/>
+                <a:gd name="connsiteX17" fmla="*/ 485775 w 719137"/>
+                <a:gd name="connsiteY17" fmla="*/ 112471 h 231982"/>
+                <a:gd name="connsiteX18" fmla="*/ 490537 w 719137"/>
+                <a:gd name="connsiteY18" fmla="*/ 126759 h 231982"/>
+                <a:gd name="connsiteX19" fmla="*/ 485775 w 719137"/>
+                <a:gd name="connsiteY19" fmla="*/ 198196 h 231982"/>
+                <a:gd name="connsiteX20" fmla="*/ 481012 w 719137"/>
+                <a:gd name="connsiteY20" fmla="*/ 174384 h 231982"/>
+                <a:gd name="connsiteX21" fmla="*/ 485775 w 719137"/>
+                <a:gd name="connsiteY21" fmla="*/ 126759 h 231982"/>
+                <a:gd name="connsiteX22" fmla="*/ 495300 w 719137"/>
+                <a:gd name="connsiteY22" fmla="*/ 98184 h 231982"/>
+                <a:gd name="connsiteX23" fmla="*/ 523875 w 719137"/>
+                <a:gd name="connsiteY23" fmla="*/ 83896 h 231982"/>
+                <a:gd name="connsiteX24" fmla="*/ 590550 w 719137"/>
+                <a:gd name="connsiteY24" fmla="*/ 88659 h 231982"/>
+                <a:gd name="connsiteX25" fmla="*/ 609600 w 719137"/>
+                <a:gd name="connsiteY25" fmla="*/ 117234 h 231982"/>
+                <a:gd name="connsiteX26" fmla="*/ 614362 w 719137"/>
+                <a:gd name="connsiteY26" fmla="*/ 141046 h 231982"/>
+                <a:gd name="connsiteX27" fmla="*/ 619125 w 719137"/>
+                <a:gd name="connsiteY27" fmla="*/ 160096 h 231982"/>
+                <a:gd name="connsiteX28" fmla="*/ 623887 w 719137"/>
+                <a:gd name="connsiteY28" fmla="*/ 183909 h 231982"/>
+                <a:gd name="connsiteX29" fmla="*/ 633412 w 719137"/>
+                <a:gd name="connsiteY29" fmla="*/ 226771 h 231982"/>
+                <a:gd name="connsiteX30" fmla="*/ 719137 w 719137"/>
+                <a:gd name="connsiteY30" fmla="*/ 226771 h 231982"/>
+                <a:gd name="connsiteX0" fmla="*/ 0 w 719137"/>
+                <a:gd name="connsiteY0" fmla="*/ 187011 h 230322"/>
+                <a:gd name="connsiteX1" fmla="*/ 90487 w 719137"/>
+                <a:gd name="connsiteY1" fmla="*/ 182249 h 230322"/>
+                <a:gd name="connsiteX2" fmla="*/ 180975 w 719137"/>
+                <a:gd name="connsiteY2" fmla="*/ 1274 h 230322"/>
+                <a:gd name="connsiteX3" fmla="*/ 266700 w 719137"/>
+                <a:gd name="connsiteY3" fmla="*/ 106049 h 230322"/>
+                <a:gd name="connsiteX4" fmla="*/ 276225 w 719137"/>
+                <a:gd name="connsiteY4" fmla="*/ 191774 h 230322"/>
+                <a:gd name="connsiteX5" fmla="*/ 328612 w 719137"/>
+                <a:gd name="connsiteY5" fmla="*/ 187011 h 230322"/>
+                <a:gd name="connsiteX6" fmla="*/ 333375 w 719137"/>
+                <a:gd name="connsiteY6" fmla="*/ 120336 h 230322"/>
+                <a:gd name="connsiteX7" fmla="*/ 342900 w 719137"/>
+                <a:gd name="connsiteY7" fmla="*/ 91761 h 230322"/>
+                <a:gd name="connsiteX8" fmla="*/ 357187 w 719137"/>
+                <a:gd name="connsiteY8" fmla="*/ 63186 h 230322"/>
+                <a:gd name="connsiteX9" fmla="*/ 371475 w 719137"/>
+                <a:gd name="connsiteY9" fmla="*/ 53661 h 230322"/>
+                <a:gd name="connsiteX10" fmla="*/ 381000 w 719137"/>
+                <a:gd name="connsiteY10" fmla="*/ 39374 h 230322"/>
+                <a:gd name="connsiteX11" fmla="*/ 409575 w 719137"/>
+                <a:gd name="connsiteY11" fmla="*/ 29849 h 230322"/>
+                <a:gd name="connsiteX12" fmla="*/ 438150 w 719137"/>
+                <a:gd name="connsiteY12" fmla="*/ 34611 h 230322"/>
+                <a:gd name="connsiteX13" fmla="*/ 452437 w 719137"/>
+                <a:gd name="connsiteY13" fmla="*/ 39374 h 230322"/>
+                <a:gd name="connsiteX14" fmla="*/ 457200 w 719137"/>
+                <a:gd name="connsiteY14" fmla="*/ 53661 h 230322"/>
+                <a:gd name="connsiteX15" fmla="*/ 476250 w 719137"/>
+                <a:gd name="connsiteY15" fmla="*/ 82236 h 230322"/>
+                <a:gd name="connsiteX16" fmla="*/ 485775 w 719137"/>
+                <a:gd name="connsiteY16" fmla="*/ 110811 h 230322"/>
+                <a:gd name="connsiteX17" fmla="*/ 490537 w 719137"/>
+                <a:gd name="connsiteY17" fmla="*/ 125099 h 230322"/>
+                <a:gd name="connsiteX18" fmla="*/ 485775 w 719137"/>
+                <a:gd name="connsiteY18" fmla="*/ 196536 h 230322"/>
+                <a:gd name="connsiteX19" fmla="*/ 481012 w 719137"/>
+                <a:gd name="connsiteY19" fmla="*/ 172724 h 230322"/>
+                <a:gd name="connsiteX20" fmla="*/ 485775 w 719137"/>
+                <a:gd name="connsiteY20" fmla="*/ 125099 h 230322"/>
+                <a:gd name="connsiteX21" fmla="*/ 495300 w 719137"/>
+                <a:gd name="connsiteY21" fmla="*/ 96524 h 230322"/>
+                <a:gd name="connsiteX22" fmla="*/ 523875 w 719137"/>
+                <a:gd name="connsiteY22" fmla="*/ 82236 h 230322"/>
+                <a:gd name="connsiteX23" fmla="*/ 590550 w 719137"/>
+                <a:gd name="connsiteY23" fmla="*/ 86999 h 230322"/>
+                <a:gd name="connsiteX24" fmla="*/ 609600 w 719137"/>
+                <a:gd name="connsiteY24" fmla="*/ 115574 h 230322"/>
+                <a:gd name="connsiteX25" fmla="*/ 614362 w 719137"/>
+                <a:gd name="connsiteY25" fmla="*/ 139386 h 230322"/>
+                <a:gd name="connsiteX26" fmla="*/ 619125 w 719137"/>
+                <a:gd name="connsiteY26" fmla="*/ 158436 h 230322"/>
+                <a:gd name="connsiteX27" fmla="*/ 623887 w 719137"/>
+                <a:gd name="connsiteY27" fmla="*/ 182249 h 230322"/>
+                <a:gd name="connsiteX28" fmla="*/ 633412 w 719137"/>
+                <a:gd name="connsiteY28" fmla="*/ 225111 h 230322"/>
+                <a:gd name="connsiteX29" fmla="*/ 719137 w 719137"/>
+                <a:gd name="connsiteY29" fmla="*/ 225111 h 230322"/>
+                <a:gd name="connsiteX0" fmla="*/ 0 w 719137"/>
+                <a:gd name="connsiteY0" fmla="*/ 185737 h 229048"/>
+                <a:gd name="connsiteX1" fmla="*/ 90487 w 719137"/>
+                <a:gd name="connsiteY1" fmla="*/ 180975 h 229048"/>
+                <a:gd name="connsiteX2" fmla="*/ 180975 w 719137"/>
+                <a:gd name="connsiteY2" fmla="*/ 0 h 229048"/>
+                <a:gd name="connsiteX3" fmla="*/ 276225 w 719137"/>
+                <a:gd name="connsiteY3" fmla="*/ 190500 h 229048"/>
+                <a:gd name="connsiteX4" fmla="*/ 328612 w 719137"/>
+                <a:gd name="connsiteY4" fmla="*/ 185737 h 229048"/>
+                <a:gd name="connsiteX5" fmla="*/ 333375 w 719137"/>
+                <a:gd name="connsiteY5" fmla="*/ 119062 h 229048"/>
+                <a:gd name="connsiteX6" fmla="*/ 342900 w 719137"/>
+                <a:gd name="connsiteY6" fmla="*/ 90487 h 229048"/>
+                <a:gd name="connsiteX7" fmla="*/ 357187 w 719137"/>
+                <a:gd name="connsiteY7" fmla="*/ 61912 h 229048"/>
+                <a:gd name="connsiteX8" fmla="*/ 371475 w 719137"/>
+                <a:gd name="connsiteY8" fmla="*/ 52387 h 229048"/>
+                <a:gd name="connsiteX9" fmla="*/ 381000 w 719137"/>
+                <a:gd name="connsiteY9" fmla="*/ 38100 h 229048"/>
+                <a:gd name="connsiteX10" fmla="*/ 409575 w 719137"/>
+                <a:gd name="connsiteY10" fmla="*/ 28575 h 229048"/>
+                <a:gd name="connsiteX11" fmla="*/ 438150 w 719137"/>
+                <a:gd name="connsiteY11" fmla="*/ 33337 h 229048"/>
+                <a:gd name="connsiteX12" fmla="*/ 452437 w 719137"/>
+                <a:gd name="connsiteY12" fmla="*/ 38100 h 229048"/>
+                <a:gd name="connsiteX13" fmla="*/ 457200 w 719137"/>
+                <a:gd name="connsiteY13" fmla="*/ 52387 h 229048"/>
+                <a:gd name="connsiteX14" fmla="*/ 476250 w 719137"/>
+                <a:gd name="connsiteY14" fmla="*/ 80962 h 229048"/>
+                <a:gd name="connsiteX15" fmla="*/ 485775 w 719137"/>
+                <a:gd name="connsiteY15" fmla="*/ 109537 h 229048"/>
+                <a:gd name="connsiteX16" fmla="*/ 490537 w 719137"/>
+                <a:gd name="connsiteY16" fmla="*/ 123825 h 229048"/>
+                <a:gd name="connsiteX17" fmla="*/ 485775 w 719137"/>
+                <a:gd name="connsiteY17" fmla="*/ 195262 h 229048"/>
+                <a:gd name="connsiteX18" fmla="*/ 481012 w 719137"/>
+                <a:gd name="connsiteY18" fmla="*/ 171450 h 229048"/>
+                <a:gd name="connsiteX19" fmla="*/ 485775 w 719137"/>
+                <a:gd name="connsiteY19" fmla="*/ 123825 h 229048"/>
+                <a:gd name="connsiteX20" fmla="*/ 495300 w 719137"/>
+                <a:gd name="connsiteY20" fmla="*/ 95250 h 229048"/>
+                <a:gd name="connsiteX21" fmla="*/ 523875 w 719137"/>
+                <a:gd name="connsiteY21" fmla="*/ 80962 h 229048"/>
+                <a:gd name="connsiteX22" fmla="*/ 590550 w 719137"/>
+                <a:gd name="connsiteY22" fmla="*/ 85725 h 229048"/>
+                <a:gd name="connsiteX23" fmla="*/ 609600 w 719137"/>
+                <a:gd name="connsiteY23" fmla="*/ 114300 h 229048"/>
+                <a:gd name="connsiteX24" fmla="*/ 614362 w 719137"/>
+                <a:gd name="connsiteY24" fmla="*/ 138112 h 229048"/>
+                <a:gd name="connsiteX25" fmla="*/ 619125 w 719137"/>
+                <a:gd name="connsiteY25" fmla="*/ 157162 h 229048"/>
+                <a:gd name="connsiteX26" fmla="*/ 623887 w 719137"/>
+                <a:gd name="connsiteY26" fmla="*/ 180975 h 229048"/>
+                <a:gd name="connsiteX27" fmla="*/ 633412 w 719137"/>
+                <a:gd name="connsiteY27" fmla="*/ 223837 h 229048"/>
+                <a:gd name="connsiteX28" fmla="*/ 719137 w 719137"/>
+                <a:gd name="connsiteY28" fmla="*/ 223837 h 229048"/>
+                <a:gd name="connsiteX0" fmla="*/ 0 w 719137"/>
+                <a:gd name="connsiteY0" fmla="*/ 185737 h 229048"/>
+                <a:gd name="connsiteX1" fmla="*/ 90487 w 719137"/>
+                <a:gd name="connsiteY1" fmla="*/ 180975 h 229048"/>
+                <a:gd name="connsiteX2" fmla="*/ 180975 w 719137"/>
+                <a:gd name="connsiteY2" fmla="*/ 0 h 229048"/>
+                <a:gd name="connsiteX3" fmla="*/ 276225 w 719137"/>
+                <a:gd name="connsiteY3" fmla="*/ 190500 h 229048"/>
+                <a:gd name="connsiteX4" fmla="*/ 333375 w 719137"/>
+                <a:gd name="connsiteY4" fmla="*/ 119062 h 229048"/>
+                <a:gd name="connsiteX5" fmla="*/ 342900 w 719137"/>
+                <a:gd name="connsiteY5" fmla="*/ 90487 h 229048"/>
+                <a:gd name="connsiteX6" fmla="*/ 357187 w 719137"/>
+                <a:gd name="connsiteY6" fmla="*/ 61912 h 229048"/>
+                <a:gd name="connsiteX7" fmla="*/ 371475 w 719137"/>
+                <a:gd name="connsiteY7" fmla="*/ 52387 h 229048"/>
+                <a:gd name="connsiteX8" fmla="*/ 381000 w 719137"/>
+                <a:gd name="connsiteY8" fmla="*/ 38100 h 229048"/>
+                <a:gd name="connsiteX9" fmla="*/ 409575 w 719137"/>
+                <a:gd name="connsiteY9" fmla="*/ 28575 h 229048"/>
+                <a:gd name="connsiteX10" fmla="*/ 438150 w 719137"/>
+                <a:gd name="connsiteY10" fmla="*/ 33337 h 229048"/>
+                <a:gd name="connsiteX11" fmla="*/ 452437 w 719137"/>
+                <a:gd name="connsiteY11" fmla="*/ 38100 h 229048"/>
+                <a:gd name="connsiteX12" fmla="*/ 457200 w 719137"/>
+                <a:gd name="connsiteY12" fmla="*/ 52387 h 229048"/>
+                <a:gd name="connsiteX13" fmla="*/ 476250 w 719137"/>
+                <a:gd name="connsiteY13" fmla="*/ 80962 h 229048"/>
+                <a:gd name="connsiteX14" fmla="*/ 485775 w 719137"/>
+                <a:gd name="connsiteY14" fmla="*/ 109537 h 229048"/>
+                <a:gd name="connsiteX15" fmla="*/ 490537 w 719137"/>
+                <a:gd name="connsiteY15" fmla="*/ 123825 h 229048"/>
+                <a:gd name="connsiteX16" fmla="*/ 485775 w 719137"/>
+                <a:gd name="connsiteY16" fmla="*/ 195262 h 229048"/>
+                <a:gd name="connsiteX17" fmla="*/ 481012 w 719137"/>
+                <a:gd name="connsiteY17" fmla="*/ 171450 h 229048"/>
+                <a:gd name="connsiteX18" fmla="*/ 485775 w 719137"/>
+                <a:gd name="connsiteY18" fmla="*/ 123825 h 229048"/>
+                <a:gd name="connsiteX19" fmla="*/ 495300 w 719137"/>
+                <a:gd name="connsiteY19" fmla="*/ 95250 h 229048"/>
+                <a:gd name="connsiteX20" fmla="*/ 523875 w 719137"/>
+                <a:gd name="connsiteY20" fmla="*/ 80962 h 229048"/>
+                <a:gd name="connsiteX21" fmla="*/ 590550 w 719137"/>
+                <a:gd name="connsiteY21" fmla="*/ 85725 h 229048"/>
+                <a:gd name="connsiteX22" fmla="*/ 609600 w 719137"/>
+                <a:gd name="connsiteY22" fmla="*/ 114300 h 229048"/>
+                <a:gd name="connsiteX23" fmla="*/ 614362 w 719137"/>
+                <a:gd name="connsiteY23" fmla="*/ 138112 h 229048"/>
+                <a:gd name="connsiteX24" fmla="*/ 619125 w 719137"/>
+                <a:gd name="connsiteY24" fmla="*/ 157162 h 229048"/>
+                <a:gd name="connsiteX25" fmla="*/ 623887 w 719137"/>
+                <a:gd name="connsiteY25" fmla="*/ 180975 h 229048"/>
+                <a:gd name="connsiteX26" fmla="*/ 633412 w 719137"/>
+                <a:gd name="connsiteY26" fmla="*/ 223837 h 229048"/>
+                <a:gd name="connsiteX27" fmla="*/ 719137 w 719137"/>
+                <a:gd name="connsiteY27" fmla="*/ 223837 h 229048"/>
+                <a:gd name="connsiteX0" fmla="*/ 0 w 719137"/>
+                <a:gd name="connsiteY0" fmla="*/ 185737 h 229048"/>
+                <a:gd name="connsiteX1" fmla="*/ 90487 w 719137"/>
+                <a:gd name="connsiteY1" fmla="*/ 180975 h 229048"/>
+                <a:gd name="connsiteX2" fmla="*/ 180975 w 719137"/>
+                <a:gd name="connsiteY2" fmla="*/ 0 h 229048"/>
+                <a:gd name="connsiteX3" fmla="*/ 276225 w 719137"/>
+                <a:gd name="connsiteY3" fmla="*/ 190500 h 229048"/>
+                <a:gd name="connsiteX4" fmla="*/ 342900 w 719137"/>
+                <a:gd name="connsiteY4" fmla="*/ 90487 h 229048"/>
+                <a:gd name="connsiteX5" fmla="*/ 357187 w 719137"/>
+                <a:gd name="connsiteY5" fmla="*/ 61912 h 229048"/>
+                <a:gd name="connsiteX6" fmla="*/ 371475 w 719137"/>
+                <a:gd name="connsiteY6" fmla="*/ 52387 h 229048"/>
+                <a:gd name="connsiteX7" fmla="*/ 381000 w 719137"/>
+                <a:gd name="connsiteY7" fmla="*/ 38100 h 229048"/>
+                <a:gd name="connsiteX8" fmla="*/ 409575 w 719137"/>
+                <a:gd name="connsiteY8" fmla="*/ 28575 h 229048"/>
+                <a:gd name="connsiteX9" fmla="*/ 438150 w 719137"/>
+                <a:gd name="connsiteY9" fmla="*/ 33337 h 229048"/>
+                <a:gd name="connsiteX10" fmla="*/ 452437 w 719137"/>
+                <a:gd name="connsiteY10" fmla="*/ 38100 h 229048"/>
+                <a:gd name="connsiteX11" fmla="*/ 457200 w 719137"/>
+                <a:gd name="connsiteY11" fmla="*/ 52387 h 229048"/>
+                <a:gd name="connsiteX12" fmla="*/ 476250 w 719137"/>
+                <a:gd name="connsiteY12" fmla="*/ 80962 h 229048"/>
+                <a:gd name="connsiteX13" fmla="*/ 485775 w 719137"/>
+                <a:gd name="connsiteY13" fmla="*/ 109537 h 229048"/>
+                <a:gd name="connsiteX14" fmla="*/ 490537 w 719137"/>
+                <a:gd name="connsiteY14" fmla="*/ 123825 h 229048"/>
+                <a:gd name="connsiteX15" fmla="*/ 485775 w 719137"/>
+                <a:gd name="connsiteY15" fmla="*/ 195262 h 229048"/>
+                <a:gd name="connsiteX16" fmla="*/ 481012 w 719137"/>
+                <a:gd name="connsiteY16" fmla="*/ 171450 h 229048"/>
+                <a:gd name="connsiteX17" fmla="*/ 485775 w 719137"/>
+                <a:gd name="connsiteY17" fmla="*/ 123825 h 229048"/>
+                <a:gd name="connsiteX18" fmla="*/ 495300 w 719137"/>
+                <a:gd name="connsiteY18" fmla="*/ 95250 h 229048"/>
+                <a:gd name="connsiteX19" fmla="*/ 523875 w 719137"/>
+                <a:gd name="connsiteY19" fmla="*/ 80962 h 229048"/>
+                <a:gd name="connsiteX20" fmla="*/ 590550 w 719137"/>
+                <a:gd name="connsiteY20" fmla="*/ 85725 h 229048"/>
+                <a:gd name="connsiteX21" fmla="*/ 609600 w 719137"/>
+                <a:gd name="connsiteY21" fmla="*/ 114300 h 229048"/>
+                <a:gd name="connsiteX22" fmla="*/ 614362 w 719137"/>
+                <a:gd name="connsiteY22" fmla="*/ 138112 h 229048"/>
+                <a:gd name="connsiteX23" fmla="*/ 619125 w 719137"/>
+                <a:gd name="connsiteY23" fmla="*/ 157162 h 229048"/>
+                <a:gd name="connsiteX24" fmla="*/ 623887 w 719137"/>
+                <a:gd name="connsiteY24" fmla="*/ 180975 h 229048"/>
+                <a:gd name="connsiteX25" fmla="*/ 633412 w 719137"/>
+                <a:gd name="connsiteY25" fmla="*/ 223837 h 229048"/>
+                <a:gd name="connsiteX26" fmla="*/ 719137 w 719137"/>
+                <a:gd name="connsiteY26" fmla="*/ 223837 h 229048"/>
+                <a:gd name="connsiteX0" fmla="*/ 0 w 719137"/>
+                <a:gd name="connsiteY0" fmla="*/ 185737 h 229048"/>
+                <a:gd name="connsiteX1" fmla="*/ 90487 w 719137"/>
+                <a:gd name="connsiteY1" fmla="*/ 180975 h 229048"/>
+                <a:gd name="connsiteX2" fmla="*/ 180975 w 719137"/>
+                <a:gd name="connsiteY2" fmla="*/ 0 h 229048"/>
+                <a:gd name="connsiteX3" fmla="*/ 276225 w 719137"/>
+                <a:gd name="connsiteY3" fmla="*/ 190500 h 229048"/>
+                <a:gd name="connsiteX4" fmla="*/ 357187 w 719137"/>
+                <a:gd name="connsiteY4" fmla="*/ 61912 h 229048"/>
+                <a:gd name="connsiteX5" fmla="*/ 371475 w 719137"/>
+                <a:gd name="connsiteY5" fmla="*/ 52387 h 229048"/>
+                <a:gd name="connsiteX6" fmla="*/ 381000 w 719137"/>
+                <a:gd name="connsiteY6" fmla="*/ 38100 h 229048"/>
+                <a:gd name="connsiteX7" fmla="*/ 409575 w 719137"/>
+                <a:gd name="connsiteY7" fmla="*/ 28575 h 229048"/>
+                <a:gd name="connsiteX8" fmla="*/ 438150 w 719137"/>
+                <a:gd name="connsiteY8" fmla="*/ 33337 h 229048"/>
+                <a:gd name="connsiteX9" fmla="*/ 452437 w 719137"/>
+                <a:gd name="connsiteY9" fmla="*/ 38100 h 229048"/>
+                <a:gd name="connsiteX10" fmla="*/ 457200 w 719137"/>
+                <a:gd name="connsiteY10" fmla="*/ 52387 h 229048"/>
+                <a:gd name="connsiteX11" fmla="*/ 476250 w 719137"/>
+                <a:gd name="connsiteY11" fmla="*/ 80962 h 229048"/>
+                <a:gd name="connsiteX12" fmla="*/ 485775 w 719137"/>
+                <a:gd name="connsiteY12" fmla="*/ 109537 h 229048"/>
+                <a:gd name="connsiteX13" fmla="*/ 490537 w 719137"/>
+                <a:gd name="connsiteY13" fmla="*/ 123825 h 229048"/>
+                <a:gd name="connsiteX14" fmla="*/ 485775 w 719137"/>
+                <a:gd name="connsiteY14" fmla="*/ 195262 h 229048"/>
+                <a:gd name="connsiteX15" fmla="*/ 481012 w 719137"/>
+                <a:gd name="connsiteY15" fmla="*/ 171450 h 229048"/>
+                <a:gd name="connsiteX16" fmla="*/ 485775 w 719137"/>
+                <a:gd name="connsiteY16" fmla="*/ 123825 h 229048"/>
+                <a:gd name="connsiteX17" fmla="*/ 495300 w 719137"/>
+                <a:gd name="connsiteY17" fmla="*/ 95250 h 229048"/>
+                <a:gd name="connsiteX18" fmla="*/ 523875 w 719137"/>
+                <a:gd name="connsiteY18" fmla="*/ 80962 h 229048"/>
+                <a:gd name="connsiteX19" fmla="*/ 590550 w 719137"/>
+                <a:gd name="connsiteY19" fmla="*/ 85725 h 229048"/>
+                <a:gd name="connsiteX20" fmla="*/ 609600 w 719137"/>
+                <a:gd name="connsiteY20" fmla="*/ 114300 h 229048"/>
+                <a:gd name="connsiteX21" fmla="*/ 614362 w 719137"/>
+                <a:gd name="connsiteY21" fmla="*/ 138112 h 229048"/>
+                <a:gd name="connsiteX22" fmla="*/ 619125 w 719137"/>
+                <a:gd name="connsiteY22" fmla="*/ 157162 h 229048"/>
+                <a:gd name="connsiteX23" fmla="*/ 623887 w 719137"/>
+                <a:gd name="connsiteY23" fmla="*/ 180975 h 229048"/>
+                <a:gd name="connsiteX24" fmla="*/ 633412 w 719137"/>
+                <a:gd name="connsiteY24" fmla="*/ 223837 h 229048"/>
+                <a:gd name="connsiteX25" fmla="*/ 719137 w 719137"/>
+                <a:gd name="connsiteY25" fmla="*/ 223837 h 229048"/>
+                <a:gd name="connsiteX0" fmla="*/ 0 w 719137"/>
+                <a:gd name="connsiteY0" fmla="*/ 185737 h 229048"/>
+                <a:gd name="connsiteX1" fmla="*/ 90487 w 719137"/>
+                <a:gd name="connsiteY1" fmla="*/ 180975 h 229048"/>
+                <a:gd name="connsiteX2" fmla="*/ 180975 w 719137"/>
+                <a:gd name="connsiteY2" fmla="*/ 0 h 229048"/>
+                <a:gd name="connsiteX3" fmla="*/ 276225 w 719137"/>
+                <a:gd name="connsiteY3" fmla="*/ 190500 h 229048"/>
+                <a:gd name="connsiteX4" fmla="*/ 371475 w 719137"/>
+                <a:gd name="connsiteY4" fmla="*/ 52387 h 229048"/>
+                <a:gd name="connsiteX5" fmla="*/ 381000 w 719137"/>
+                <a:gd name="connsiteY5" fmla="*/ 38100 h 229048"/>
+                <a:gd name="connsiteX6" fmla="*/ 409575 w 719137"/>
+                <a:gd name="connsiteY6" fmla="*/ 28575 h 229048"/>
+                <a:gd name="connsiteX7" fmla="*/ 438150 w 719137"/>
+                <a:gd name="connsiteY7" fmla="*/ 33337 h 229048"/>
+                <a:gd name="connsiteX8" fmla="*/ 452437 w 719137"/>
+                <a:gd name="connsiteY8" fmla="*/ 38100 h 229048"/>
+                <a:gd name="connsiteX9" fmla="*/ 457200 w 719137"/>
+                <a:gd name="connsiteY9" fmla="*/ 52387 h 229048"/>
+                <a:gd name="connsiteX10" fmla="*/ 476250 w 719137"/>
+                <a:gd name="connsiteY10" fmla="*/ 80962 h 229048"/>
+                <a:gd name="connsiteX11" fmla="*/ 485775 w 719137"/>
+                <a:gd name="connsiteY11" fmla="*/ 109537 h 229048"/>
+                <a:gd name="connsiteX12" fmla="*/ 490537 w 719137"/>
+                <a:gd name="connsiteY12" fmla="*/ 123825 h 229048"/>
+                <a:gd name="connsiteX13" fmla="*/ 485775 w 719137"/>
+                <a:gd name="connsiteY13" fmla="*/ 195262 h 229048"/>
+                <a:gd name="connsiteX14" fmla="*/ 481012 w 719137"/>
+                <a:gd name="connsiteY14" fmla="*/ 171450 h 229048"/>
+                <a:gd name="connsiteX15" fmla="*/ 485775 w 719137"/>
+                <a:gd name="connsiteY15" fmla="*/ 123825 h 229048"/>
+                <a:gd name="connsiteX16" fmla="*/ 495300 w 719137"/>
+                <a:gd name="connsiteY16" fmla="*/ 95250 h 229048"/>
+                <a:gd name="connsiteX17" fmla="*/ 523875 w 719137"/>
+                <a:gd name="connsiteY17" fmla="*/ 80962 h 229048"/>
+                <a:gd name="connsiteX18" fmla="*/ 590550 w 719137"/>
+                <a:gd name="connsiteY18" fmla="*/ 85725 h 229048"/>
+                <a:gd name="connsiteX19" fmla="*/ 609600 w 719137"/>
+                <a:gd name="connsiteY19" fmla="*/ 114300 h 229048"/>
+                <a:gd name="connsiteX20" fmla="*/ 614362 w 719137"/>
+                <a:gd name="connsiteY20" fmla="*/ 138112 h 229048"/>
+                <a:gd name="connsiteX21" fmla="*/ 619125 w 719137"/>
+                <a:gd name="connsiteY21" fmla="*/ 157162 h 229048"/>
+                <a:gd name="connsiteX22" fmla="*/ 623887 w 719137"/>
+                <a:gd name="connsiteY22" fmla="*/ 180975 h 229048"/>
+                <a:gd name="connsiteX23" fmla="*/ 633412 w 719137"/>
+                <a:gd name="connsiteY23" fmla="*/ 223837 h 229048"/>
+                <a:gd name="connsiteX24" fmla="*/ 719137 w 719137"/>
+                <a:gd name="connsiteY24" fmla="*/ 223837 h 229048"/>
+                <a:gd name="connsiteX0" fmla="*/ 0 w 719137"/>
+                <a:gd name="connsiteY0" fmla="*/ 185737 h 229048"/>
+                <a:gd name="connsiteX1" fmla="*/ 90487 w 719137"/>
+                <a:gd name="connsiteY1" fmla="*/ 180975 h 229048"/>
+                <a:gd name="connsiteX2" fmla="*/ 180975 w 719137"/>
+                <a:gd name="connsiteY2" fmla="*/ 0 h 229048"/>
+                <a:gd name="connsiteX3" fmla="*/ 276225 w 719137"/>
+                <a:gd name="connsiteY3" fmla="*/ 190500 h 229048"/>
+                <a:gd name="connsiteX4" fmla="*/ 381000 w 719137"/>
+                <a:gd name="connsiteY4" fmla="*/ 38100 h 229048"/>
+                <a:gd name="connsiteX5" fmla="*/ 409575 w 719137"/>
+                <a:gd name="connsiteY5" fmla="*/ 28575 h 229048"/>
+                <a:gd name="connsiteX6" fmla="*/ 438150 w 719137"/>
+                <a:gd name="connsiteY6" fmla="*/ 33337 h 229048"/>
+                <a:gd name="connsiteX7" fmla="*/ 452437 w 719137"/>
+                <a:gd name="connsiteY7" fmla="*/ 38100 h 229048"/>
+                <a:gd name="connsiteX8" fmla="*/ 457200 w 719137"/>
+                <a:gd name="connsiteY8" fmla="*/ 52387 h 229048"/>
+                <a:gd name="connsiteX9" fmla="*/ 476250 w 719137"/>
+                <a:gd name="connsiteY9" fmla="*/ 80962 h 229048"/>
+                <a:gd name="connsiteX10" fmla="*/ 485775 w 719137"/>
+                <a:gd name="connsiteY10" fmla="*/ 109537 h 229048"/>
+                <a:gd name="connsiteX11" fmla="*/ 490537 w 719137"/>
+                <a:gd name="connsiteY11" fmla="*/ 123825 h 229048"/>
+                <a:gd name="connsiteX12" fmla="*/ 485775 w 719137"/>
+                <a:gd name="connsiteY12" fmla="*/ 195262 h 229048"/>
+                <a:gd name="connsiteX13" fmla="*/ 481012 w 719137"/>
+                <a:gd name="connsiteY13" fmla="*/ 171450 h 229048"/>
+                <a:gd name="connsiteX14" fmla="*/ 485775 w 719137"/>
+                <a:gd name="connsiteY14" fmla="*/ 123825 h 229048"/>
+                <a:gd name="connsiteX15" fmla="*/ 495300 w 719137"/>
+                <a:gd name="connsiteY15" fmla="*/ 95250 h 229048"/>
+                <a:gd name="connsiteX16" fmla="*/ 523875 w 719137"/>
+                <a:gd name="connsiteY16" fmla="*/ 80962 h 229048"/>
+                <a:gd name="connsiteX17" fmla="*/ 590550 w 719137"/>
+                <a:gd name="connsiteY17" fmla="*/ 85725 h 229048"/>
+                <a:gd name="connsiteX18" fmla="*/ 609600 w 719137"/>
+                <a:gd name="connsiteY18" fmla="*/ 114300 h 229048"/>
+                <a:gd name="connsiteX19" fmla="*/ 614362 w 719137"/>
+                <a:gd name="connsiteY19" fmla="*/ 138112 h 229048"/>
+                <a:gd name="connsiteX20" fmla="*/ 619125 w 719137"/>
+                <a:gd name="connsiteY20" fmla="*/ 157162 h 229048"/>
+                <a:gd name="connsiteX21" fmla="*/ 623887 w 719137"/>
+                <a:gd name="connsiteY21" fmla="*/ 180975 h 229048"/>
+                <a:gd name="connsiteX22" fmla="*/ 633412 w 719137"/>
+                <a:gd name="connsiteY22" fmla="*/ 223837 h 229048"/>
+                <a:gd name="connsiteX23" fmla="*/ 719137 w 719137"/>
+                <a:gd name="connsiteY23" fmla="*/ 223837 h 229048"/>
+                <a:gd name="connsiteX0" fmla="*/ 0 w 719137"/>
+                <a:gd name="connsiteY0" fmla="*/ 185737 h 229048"/>
+                <a:gd name="connsiteX1" fmla="*/ 90487 w 719137"/>
+                <a:gd name="connsiteY1" fmla="*/ 180975 h 229048"/>
+                <a:gd name="connsiteX2" fmla="*/ 180975 w 719137"/>
+                <a:gd name="connsiteY2" fmla="*/ 0 h 229048"/>
+                <a:gd name="connsiteX3" fmla="*/ 276225 w 719137"/>
+                <a:gd name="connsiteY3" fmla="*/ 190500 h 229048"/>
+                <a:gd name="connsiteX4" fmla="*/ 409575 w 719137"/>
+                <a:gd name="connsiteY4" fmla="*/ 28575 h 229048"/>
+                <a:gd name="connsiteX5" fmla="*/ 438150 w 719137"/>
+                <a:gd name="connsiteY5" fmla="*/ 33337 h 229048"/>
+                <a:gd name="connsiteX6" fmla="*/ 452437 w 719137"/>
+                <a:gd name="connsiteY6" fmla="*/ 38100 h 229048"/>
+                <a:gd name="connsiteX7" fmla="*/ 457200 w 719137"/>
+                <a:gd name="connsiteY7" fmla="*/ 52387 h 229048"/>
+                <a:gd name="connsiteX8" fmla="*/ 476250 w 719137"/>
+                <a:gd name="connsiteY8" fmla="*/ 80962 h 229048"/>
+                <a:gd name="connsiteX9" fmla="*/ 485775 w 719137"/>
+                <a:gd name="connsiteY9" fmla="*/ 109537 h 229048"/>
+                <a:gd name="connsiteX10" fmla="*/ 490537 w 719137"/>
+                <a:gd name="connsiteY10" fmla="*/ 123825 h 229048"/>
+                <a:gd name="connsiteX11" fmla="*/ 485775 w 719137"/>
+                <a:gd name="connsiteY11" fmla="*/ 195262 h 229048"/>
+                <a:gd name="connsiteX12" fmla="*/ 481012 w 719137"/>
+                <a:gd name="connsiteY12" fmla="*/ 171450 h 229048"/>
+                <a:gd name="connsiteX13" fmla="*/ 485775 w 719137"/>
+                <a:gd name="connsiteY13" fmla="*/ 123825 h 229048"/>
+                <a:gd name="connsiteX14" fmla="*/ 495300 w 719137"/>
+                <a:gd name="connsiteY14" fmla="*/ 95250 h 229048"/>
+                <a:gd name="connsiteX15" fmla="*/ 523875 w 719137"/>
+                <a:gd name="connsiteY15" fmla="*/ 80962 h 229048"/>
+                <a:gd name="connsiteX16" fmla="*/ 590550 w 719137"/>
+                <a:gd name="connsiteY16" fmla="*/ 85725 h 229048"/>
+                <a:gd name="connsiteX17" fmla="*/ 609600 w 719137"/>
+                <a:gd name="connsiteY17" fmla="*/ 114300 h 229048"/>
+                <a:gd name="connsiteX18" fmla="*/ 614362 w 719137"/>
+                <a:gd name="connsiteY18" fmla="*/ 138112 h 229048"/>
+                <a:gd name="connsiteX19" fmla="*/ 619125 w 719137"/>
+                <a:gd name="connsiteY19" fmla="*/ 157162 h 229048"/>
+                <a:gd name="connsiteX20" fmla="*/ 623887 w 719137"/>
+                <a:gd name="connsiteY20" fmla="*/ 180975 h 229048"/>
+                <a:gd name="connsiteX21" fmla="*/ 633412 w 719137"/>
+                <a:gd name="connsiteY21" fmla="*/ 223837 h 229048"/>
+                <a:gd name="connsiteX22" fmla="*/ 719137 w 719137"/>
+                <a:gd name="connsiteY22" fmla="*/ 223837 h 229048"/>
+                <a:gd name="connsiteX0" fmla="*/ 0 w 719137"/>
+                <a:gd name="connsiteY0" fmla="*/ 185737 h 229048"/>
+                <a:gd name="connsiteX1" fmla="*/ 90487 w 719137"/>
+                <a:gd name="connsiteY1" fmla="*/ 180975 h 229048"/>
+                <a:gd name="connsiteX2" fmla="*/ 180975 w 719137"/>
+                <a:gd name="connsiteY2" fmla="*/ 0 h 229048"/>
+                <a:gd name="connsiteX3" fmla="*/ 276225 w 719137"/>
+                <a:gd name="connsiteY3" fmla="*/ 190500 h 229048"/>
+                <a:gd name="connsiteX4" fmla="*/ 409575 w 719137"/>
+                <a:gd name="connsiteY4" fmla="*/ 28575 h 229048"/>
+                <a:gd name="connsiteX5" fmla="*/ 452437 w 719137"/>
+                <a:gd name="connsiteY5" fmla="*/ 38100 h 229048"/>
+                <a:gd name="connsiteX6" fmla="*/ 457200 w 719137"/>
+                <a:gd name="connsiteY6" fmla="*/ 52387 h 229048"/>
+                <a:gd name="connsiteX7" fmla="*/ 476250 w 719137"/>
+                <a:gd name="connsiteY7" fmla="*/ 80962 h 229048"/>
+                <a:gd name="connsiteX8" fmla="*/ 485775 w 719137"/>
+                <a:gd name="connsiteY8" fmla="*/ 109537 h 229048"/>
+                <a:gd name="connsiteX9" fmla="*/ 490537 w 719137"/>
+                <a:gd name="connsiteY9" fmla="*/ 123825 h 229048"/>
+                <a:gd name="connsiteX10" fmla="*/ 485775 w 719137"/>
+                <a:gd name="connsiteY10" fmla="*/ 195262 h 229048"/>
+                <a:gd name="connsiteX11" fmla="*/ 481012 w 719137"/>
+                <a:gd name="connsiteY11" fmla="*/ 171450 h 229048"/>
+                <a:gd name="connsiteX12" fmla="*/ 485775 w 719137"/>
+                <a:gd name="connsiteY12" fmla="*/ 123825 h 229048"/>
+                <a:gd name="connsiteX13" fmla="*/ 495300 w 719137"/>
+                <a:gd name="connsiteY13" fmla="*/ 95250 h 229048"/>
+                <a:gd name="connsiteX14" fmla="*/ 523875 w 719137"/>
+                <a:gd name="connsiteY14" fmla="*/ 80962 h 229048"/>
+                <a:gd name="connsiteX15" fmla="*/ 590550 w 719137"/>
+                <a:gd name="connsiteY15" fmla="*/ 85725 h 229048"/>
+                <a:gd name="connsiteX16" fmla="*/ 609600 w 719137"/>
+                <a:gd name="connsiteY16" fmla="*/ 114300 h 229048"/>
+                <a:gd name="connsiteX17" fmla="*/ 614362 w 719137"/>
+                <a:gd name="connsiteY17" fmla="*/ 138112 h 229048"/>
+                <a:gd name="connsiteX18" fmla="*/ 619125 w 719137"/>
+                <a:gd name="connsiteY18" fmla="*/ 157162 h 229048"/>
+                <a:gd name="connsiteX19" fmla="*/ 623887 w 719137"/>
+                <a:gd name="connsiteY19" fmla="*/ 180975 h 229048"/>
+                <a:gd name="connsiteX20" fmla="*/ 633412 w 719137"/>
+                <a:gd name="connsiteY20" fmla="*/ 223837 h 229048"/>
+                <a:gd name="connsiteX21" fmla="*/ 719137 w 719137"/>
+                <a:gd name="connsiteY21" fmla="*/ 223837 h 229048"/>
+                <a:gd name="connsiteX0" fmla="*/ 0 w 719137"/>
+                <a:gd name="connsiteY0" fmla="*/ 185737 h 229048"/>
+                <a:gd name="connsiteX1" fmla="*/ 90487 w 719137"/>
+                <a:gd name="connsiteY1" fmla="*/ 180975 h 229048"/>
+                <a:gd name="connsiteX2" fmla="*/ 180975 w 719137"/>
+                <a:gd name="connsiteY2" fmla="*/ 0 h 229048"/>
+                <a:gd name="connsiteX3" fmla="*/ 276225 w 719137"/>
+                <a:gd name="connsiteY3" fmla="*/ 190500 h 229048"/>
+                <a:gd name="connsiteX4" fmla="*/ 409575 w 719137"/>
+                <a:gd name="connsiteY4" fmla="*/ 28575 h 229048"/>
+                <a:gd name="connsiteX5" fmla="*/ 457200 w 719137"/>
+                <a:gd name="connsiteY5" fmla="*/ 52387 h 229048"/>
+                <a:gd name="connsiteX6" fmla="*/ 476250 w 719137"/>
+                <a:gd name="connsiteY6" fmla="*/ 80962 h 229048"/>
+                <a:gd name="connsiteX7" fmla="*/ 485775 w 719137"/>
+                <a:gd name="connsiteY7" fmla="*/ 109537 h 229048"/>
+                <a:gd name="connsiteX8" fmla="*/ 490537 w 719137"/>
+                <a:gd name="connsiteY8" fmla="*/ 123825 h 229048"/>
+                <a:gd name="connsiteX9" fmla="*/ 485775 w 719137"/>
+                <a:gd name="connsiteY9" fmla="*/ 195262 h 229048"/>
+                <a:gd name="connsiteX10" fmla="*/ 481012 w 719137"/>
+                <a:gd name="connsiteY10" fmla="*/ 171450 h 229048"/>
+                <a:gd name="connsiteX11" fmla="*/ 485775 w 719137"/>
+                <a:gd name="connsiteY11" fmla="*/ 123825 h 229048"/>
+                <a:gd name="connsiteX12" fmla="*/ 495300 w 719137"/>
+                <a:gd name="connsiteY12" fmla="*/ 95250 h 229048"/>
+                <a:gd name="connsiteX13" fmla="*/ 523875 w 719137"/>
+                <a:gd name="connsiteY13" fmla="*/ 80962 h 229048"/>
+                <a:gd name="connsiteX14" fmla="*/ 590550 w 719137"/>
+                <a:gd name="connsiteY14" fmla="*/ 85725 h 229048"/>
+                <a:gd name="connsiteX15" fmla="*/ 609600 w 719137"/>
+                <a:gd name="connsiteY15" fmla="*/ 114300 h 229048"/>
+                <a:gd name="connsiteX16" fmla="*/ 614362 w 719137"/>
+                <a:gd name="connsiteY16" fmla="*/ 138112 h 229048"/>
+                <a:gd name="connsiteX17" fmla="*/ 619125 w 719137"/>
+                <a:gd name="connsiteY17" fmla="*/ 157162 h 229048"/>
+                <a:gd name="connsiteX18" fmla="*/ 623887 w 719137"/>
+                <a:gd name="connsiteY18" fmla="*/ 180975 h 229048"/>
+                <a:gd name="connsiteX19" fmla="*/ 633412 w 719137"/>
+                <a:gd name="connsiteY19" fmla="*/ 223837 h 229048"/>
+                <a:gd name="connsiteX20" fmla="*/ 719137 w 719137"/>
+                <a:gd name="connsiteY20" fmla="*/ 223837 h 229048"/>
+                <a:gd name="connsiteX0" fmla="*/ 0 w 719137"/>
+                <a:gd name="connsiteY0" fmla="*/ 185737 h 229048"/>
+                <a:gd name="connsiteX1" fmla="*/ 90487 w 719137"/>
+                <a:gd name="connsiteY1" fmla="*/ 180975 h 229048"/>
+                <a:gd name="connsiteX2" fmla="*/ 180975 w 719137"/>
+                <a:gd name="connsiteY2" fmla="*/ 0 h 229048"/>
+                <a:gd name="connsiteX3" fmla="*/ 276225 w 719137"/>
+                <a:gd name="connsiteY3" fmla="*/ 190500 h 229048"/>
+                <a:gd name="connsiteX4" fmla="*/ 409575 w 719137"/>
+                <a:gd name="connsiteY4" fmla="*/ 28575 h 229048"/>
+                <a:gd name="connsiteX5" fmla="*/ 476250 w 719137"/>
+                <a:gd name="connsiteY5" fmla="*/ 80962 h 229048"/>
+                <a:gd name="connsiteX6" fmla="*/ 485775 w 719137"/>
+                <a:gd name="connsiteY6" fmla="*/ 109537 h 229048"/>
+                <a:gd name="connsiteX7" fmla="*/ 490537 w 719137"/>
+                <a:gd name="connsiteY7" fmla="*/ 123825 h 229048"/>
+                <a:gd name="connsiteX8" fmla="*/ 485775 w 719137"/>
+                <a:gd name="connsiteY8" fmla="*/ 195262 h 229048"/>
+                <a:gd name="connsiteX9" fmla="*/ 481012 w 719137"/>
+                <a:gd name="connsiteY9" fmla="*/ 171450 h 229048"/>
+                <a:gd name="connsiteX10" fmla="*/ 485775 w 719137"/>
+                <a:gd name="connsiteY10" fmla="*/ 123825 h 229048"/>
+                <a:gd name="connsiteX11" fmla="*/ 495300 w 719137"/>
+                <a:gd name="connsiteY11" fmla="*/ 95250 h 229048"/>
+                <a:gd name="connsiteX12" fmla="*/ 523875 w 719137"/>
+                <a:gd name="connsiteY12" fmla="*/ 80962 h 229048"/>
+                <a:gd name="connsiteX13" fmla="*/ 590550 w 719137"/>
+                <a:gd name="connsiteY13" fmla="*/ 85725 h 229048"/>
+                <a:gd name="connsiteX14" fmla="*/ 609600 w 719137"/>
+                <a:gd name="connsiteY14" fmla="*/ 114300 h 229048"/>
+                <a:gd name="connsiteX15" fmla="*/ 614362 w 719137"/>
+                <a:gd name="connsiteY15" fmla="*/ 138112 h 229048"/>
+                <a:gd name="connsiteX16" fmla="*/ 619125 w 719137"/>
+                <a:gd name="connsiteY16" fmla="*/ 157162 h 229048"/>
+                <a:gd name="connsiteX17" fmla="*/ 623887 w 719137"/>
+                <a:gd name="connsiteY17" fmla="*/ 180975 h 229048"/>
+                <a:gd name="connsiteX18" fmla="*/ 633412 w 719137"/>
+                <a:gd name="connsiteY18" fmla="*/ 223837 h 229048"/>
+                <a:gd name="connsiteX19" fmla="*/ 719137 w 719137"/>
+                <a:gd name="connsiteY19" fmla="*/ 223837 h 229048"/>
+                <a:gd name="connsiteX0" fmla="*/ 0 w 719137"/>
+                <a:gd name="connsiteY0" fmla="*/ 185737 h 229048"/>
+                <a:gd name="connsiteX1" fmla="*/ 90487 w 719137"/>
+                <a:gd name="connsiteY1" fmla="*/ 180975 h 229048"/>
+                <a:gd name="connsiteX2" fmla="*/ 180975 w 719137"/>
+                <a:gd name="connsiteY2" fmla="*/ 0 h 229048"/>
+                <a:gd name="connsiteX3" fmla="*/ 276225 w 719137"/>
+                <a:gd name="connsiteY3" fmla="*/ 190500 h 229048"/>
+                <a:gd name="connsiteX4" fmla="*/ 409575 w 719137"/>
+                <a:gd name="connsiteY4" fmla="*/ 28575 h 229048"/>
+                <a:gd name="connsiteX5" fmla="*/ 485775 w 719137"/>
+                <a:gd name="connsiteY5" fmla="*/ 109537 h 229048"/>
+                <a:gd name="connsiteX6" fmla="*/ 490537 w 719137"/>
+                <a:gd name="connsiteY6" fmla="*/ 123825 h 229048"/>
+                <a:gd name="connsiteX7" fmla="*/ 485775 w 719137"/>
+                <a:gd name="connsiteY7" fmla="*/ 195262 h 229048"/>
+                <a:gd name="connsiteX8" fmla="*/ 481012 w 719137"/>
+                <a:gd name="connsiteY8" fmla="*/ 171450 h 229048"/>
+                <a:gd name="connsiteX9" fmla="*/ 485775 w 719137"/>
+                <a:gd name="connsiteY9" fmla="*/ 123825 h 229048"/>
+                <a:gd name="connsiteX10" fmla="*/ 495300 w 719137"/>
+                <a:gd name="connsiteY10" fmla="*/ 95250 h 229048"/>
+                <a:gd name="connsiteX11" fmla="*/ 523875 w 719137"/>
+                <a:gd name="connsiteY11" fmla="*/ 80962 h 229048"/>
+                <a:gd name="connsiteX12" fmla="*/ 590550 w 719137"/>
+                <a:gd name="connsiteY12" fmla="*/ 85725 h 229048"/>
+                <a:gd name="connsiteX13" fmla="*/ 609600 w 719137"/>
+                <a:gd name="connsiteY13" fmla="*/ 114300 h 229048"/>
+                <a:gd name="connsiteX14" fmla="*/ 614362 w 719137"/>
+                <a:gd name="connsiteY14" fmla="*/ 138112 h 229048"/>
+                <a:gd name="connsiteX15" fmla="*/ 619125 w 719137"/>
+                <a:gd name="connsiteY15" fmla="*/ 157162 h 229048"/>
+                <a:gd name="connsiteX16" fmla="*/ 623887 w 719137"/>
+                <a:gd name="connsiteY16" fmla="*/ 180975 h 229048"/>
+                <a:gd name="connsiteX17" fmla="*/ 633412 w 719137"/>
+                <a:gd name="connsiteY17" fmla="*/ 223837 h 229048"/>
+                <a:gd name="connsiteX18" fmla="*/ 719137 w 719137"/>
+                <a:gd name="connsiteY18" fmla="*/ 223837 h 229048"/>
+                <a:gd name="connsiteX0" fmla="*/ 0 w 719137"/>
+                <a:gd name="connsiteY0" fmla="*/ 185737 h 229048"/>
+                <a:gd name="connsiteX1" fmla="*/ 90487 w 719137"/>
+                <a:gd name="connsiteY1" fmla="*/ 180975 h 229048"/>
+                <a:gd name="connsiteX2" fmla="*/ 180975 w 719137"/>
+                <a:gd name="connsiteY2" fmla="*/ 0 h 229048"/>
+                <a:gd name="connsiteX3" fmla="*/ 276225 w 719137"/>
+                <a:gd name="connsiteY3" fmla="*/ 190500 h 229048"/>
+                <a:gd name="connsiteX4" fmla="*/ 409575 w 719137"/>
+                <a:gd name="connsiteY4" fmla="*/ 28575 h 229048"/>
+                <a:gd name="connsiteX5" fmla="*/ 490537 w 719137"/>
+                <a:gd name="connsiteY5" fmla="*/ 123825 h 229048"/>
+                <a:gd name="connsiteX6" fmla="*/ 485775 w 719137"/>
+                <a:gd name="connsiteY6" fmla="*/ 195262 h 229048"/>
+                <a:gd name="connsiteX7" fmla="*/ 481012 w 719137"/>
+                <a:gd name="connsiteY7" fmla="*/ 171450 h 229048"/>
+                <a:gd name="connsiteX8" fmla="*/ 485775 w 719137"/>
+                <a:gd name="connsiteY8" fmla="*/ 123825 h 229048"/>
+                <a:gd name="connsiteX9" fmla="*/ 495300 w 719137"/>
+                <a:gd name="connsiteY9" fmla="*/ 95250 h 229048"/>
+                <a:gd name="connsiteX10" fmla="*/ 523875 w 719137"/>
+                <a:gd name="connsiteY10" fmla="*/ 80962 h 229048"/>
+                <a:gd name="connsiteX11" fmla="*/ 590550 w 719137"/>
+                <a:gd name="connsiteY11" fmla="*/ 85725 h 229048"/>
+                <a:gd name="connsiteX12" fmla="*/ 609600 w 719137"/>
+                <a:gd name="connsiteY12" fmla="*/ 114300 h 229048"/>
+                <a:gd name="connsiteX13" fmla="*/ 614362 w 719137"/>
+                <a:gd name="connsiteY13" fmla="*/ 138112 h 229048"/>
+                <a:gd name="connsiteX14" fmla="*/ 619125 w 719137"/>
+                <a:gd name="connsiteY14" fmla="*/ 157162 h 229048"/>
+                <a:gd name="connsiteX15" fmla="*/ 623887 w 719137"/>
+                <a:gd name="connsiteY15" fmla="*/ 180975 h 229048"/>
+                <a:gd name="connsiteX16" fmla="*/ 633412 w 719137"/>
+                <a:gd name="connsiteY16" fmla="*/ 223837 h 229048"/>
+                <a:gd name="connsiteX17" fmla="*/ 719137 w 719137"/>
+                <a:gd name="connsiteY17" fmla="*/ 223837 h 229048"/>
+                <a:gd name="connsiteX0" fmla="*/ 0 w 719137"/>
+                <a:gd name="connsiteY0" fmla="*/ 185737 h 229048"/>
+                <a:gd name="connsiteX1" fmla="*/ 90487 w 719137"/>
+                <a:gd name="connsiteY1" fmla="*/ 180975 h 229048"/>
+                <a:gd name="connsiteX2" fmla="*/ 180975 w 719137"/>
+                <a:gd name="connsiteY2" fmla="*/ 0 h 229048"/>
+                <a:gd name="connsiteX3" fmla="*/ 276225 w 719137"/>
+                <a:gd name="connsiteY3" fmla="*/ 190500 h 229048"/>
+                <a:gd name="connsiteX4" fmla="*/ 409575 w 719137"/>
+                <a:gd name="connsiteY4" fmla="*/ 28575 h 229048"/>
+                <a:gd name="connsiteX5" fmla="*/ 490537 w 719137"/>
+                <a:gd name="connsiteY5" fmla="*/ 123825 h 229048"/>
+                <a:gd name="connsiteX6" fmla="*/ 485775 w 719137"/>
+                <a:gd name="connsiteY6" fmla="*/ 195262 h 229048"/>
+                <a:gd name="connsiteX7" fmla="*/ 481012 w 719137"/>
+                <a:gd name="connsiteY7" fmla="*/ 171450 h 229048"/>
+                <a:gd name="connsiteX8" fmla="*/ 495300 w 719137"/>
+                <a:gd name="connsiteY8" fmla="*/ 95250 h 229048"/>
+                <a:gd name="connsiteX9" fmla="*/ 523875 w 719137"/>
+                <a:gd name="connsiteY9" fmla="*/ 80962 h 229048"/>
+                <a:gd name="connsiteX10" fmla="*/ 590550 w 719137"/>
+                <a:gd name="connsiteY10" fmla="*/ 85725 h 229048"/>
+                <a:gd name="connsiteX11" fmla="*/ 609600 w 719137"/>
+                <a:gd name="connsiteY11" fmla="*/ 114300 h 229048"/>
+                <a:gd name="connsiteX12" fmla="*/ 614362 w 719137"/>
+                <a:gd name="connsiteY12" fmla="*/ 138112 h 229048"/>
+                <a:gd name="connsiteX13" fmla="*/ 619125 w 719137"/>
+                <a:gd name="connsiteY13" fmla="*/ 157162 h 229048"/>
+                <a:gd name="connsiteX14" fmla="*/ 623887 w 719137"/>
+                <a:gd name="connsiteY14" fmla="*/ 180975 h 229048"/>
+                <a:gd name="connsiteX15" fmla="*/ 633412 w 719137"/>
+                <a:gd name="connsiteY15" fmla="*/ 223837 h 229048"/>
+                <a:gd name="connsiteX16" fmla="*/ 719137 w 719137"/>
+                <a:gd name="connsiteY16" fmla="*/ 223837 h 229048"/>
+                <a:gd name="connsiteX0" fmla="*/ 0 w 719137"/>
+                <a:gd name="connsiteY0" fmla="*/ 185737 h 229048"/>
+                <a:gd name="connsiteX1" fmla="*/ 90487 w 719137"/>
+                <a:gd name="connsiteY1" fmla="*/ 180975 h 229048"/>
+                <a:gd name="connsiteX2" fmla="*/ 180975 w 719137"/>
+                <a:gd name="connsiteY2" fmla="*/ 0 h 229048"/>
+                <a:gd name="connsiteX3" fmla="*/ 276225 w 719137"/>
+                <a:gd name="connsiteY3" fmla="*/ 190500 h 229048"/>
+                <a:gd name="connsiteX4" fmla="*/ 409575 w 719137"/>
+                <a:gd name="connsiteY4" fmla="*/ 28575 h 229048"/>
+                <a:gd name="connsiteX5" fmla="*/ 490537 w 719137"/>
+                <a:gd name="connsiteY5" fmla="*/ 123825 h 229048"/>
+                <a:gd name="connsiteX6" fmla="*/ 485775 w 719137"/>
+                <a:gd name="connsiteY6" fmla="*/ 195262 h 229048"/>
+                <a:gd name="connsiteX7" fmla="*/ 495300 w 719137"/>
+                <a:gd name="connsiteY7" fmla="*/ 95250 h 229048"/>
+                <a:gd name="connsiteX8" fmla="*/ 523875 w 719137"/>
+                <a:gd name="connsiteY8" fmla="*/ 80962 h 229048"/>
+                <a:gd name="connsiteX9" fmla="*/ 590550 w 719137"/>
+                <a:gd name="connsiteY9" fmla="*/ 85725 h 229048"/>
+                <a:gd name="connsiteX10" fmla="*/ 609600 w 719137"/>
+                <a:gd name="connsiteY10" fmla="*/ 114300 h 229048"/>
+                <a:gd name="connsiteX11" fmla="*/ 614362 w 719137"/>
+                <a:gd name="connsiteY11" fmla="*/ 138112 h 229048"/>
+                <a:gd name="connsiteX12" fmla="*/ 619125 w 719137"/>
+                <a:gd name="connsiteY12" fmla="*/ 157162 h 229048"/>
+                <a:gd name="connsiteX13" fmla="*/ 623887 w 719137"/>
+                <a:gd name="connsiteY13" fmla="*/ 180975 h 229048"/>
+                <a:gd name="connsiteX14" fmla="*/ 633412 w 719137"/>
+                <a:gd name="connsiteY14" fmla="*/ 223837 h 229048"/>
+                <a:gd name="connsiteX15" fmla="*/ 719137 w 719137"/>
+                <a:gd name="connsiteY15" fmla="*/ 223837 h 229048"/>
+                <a:gd name="connsiteX0" fmla="*/ 0 w 719137"/>
+                <a:gd name="connsiteY0" fmla="*/ 185737 h 229048"/>
+                <a:gd name="connsiteX1" fmla="*/ 90487 w 719137"/>
+                <a:gd name="connsiteY1" fmla="*/ 180975 h 229048"/>
+                <a:gd name="connsiteX2" fmla="*/ 180975 w 719137"/>
+                <a:gd name="connsiteY2" fmla="*/ 0 h 229048"/>
+                <a:gd name="connsiteX3" fmla="*/ 276225 w 719137"/>
+                <a:gd name="connsiteY3" fmla="*/ 190500 h 229048"/>
+                <a:gd name="connsiteX4" fmla="*/ 409575 w 719137"/>
+                <a:gd name="connsiteY4" fmla="*/ 28575 h 229048"/>
+                <a:gd name="connsiteX5" fmla="*/ 485775 w 719137"/>
+                <a:gd name="connsiteY5" fmla="*/ 195262 h 229048"/>
+                <a:gd name="connsiteX6" fmla="*/ 495300 w 719137"/>
+                <a:gd name="connsiteY6" fmla="*/ 95250 h 229048"/>
+                <a:gd name="connsiteX7" fmla="*/ 523875 w 719137"/>
+                <a:gd name="connsiteY7" fmla="*/ 80962 h 229048"/>
+                <a:gd name="connsiteX8" fmla="*/ 590550 w 719137"/>
+                <a:gd name="connsiteY8" fmla="*/ 85725 h 229048"/>
+                <a:gd name="connsiteX9" fmla="*/ 609600 w 719137"/>
+                <a:gd name="connsiteY9" fmla="*/ 114300 h 229048"/>
+                <a:gd name="connsiteX10" fmla="*/ 614362 w 719137"/>
+                <a:gd name="connsiteY10" fmla="*/ 138112 h 229048"/>
+                <a:gd name="connsiteX11" fmla="*/ 619125 w 719137"/>
+                <a:gd name="connsiteY11" fmla="*/ 157162 h 229048"/>
+                <a:gd name="connsiteX12" fmla="*/ 623887 w 719137"/>
+                <a:gd name="connsiteY12" fmla="*/ 180975 h 229048"/>
+                <a:gd name="connsiteX13" fmla="*/ 633412 w 719137"/>
+                <a:gd name="connsiteY13" fmla="*/ 223837 h 229048"/>
+                <a:gd name="connsiteX14" fmla="*/ 719137 w 719137"/>
+                <a:gd name="connsiteY14" fmla="*/ 223837 h 229048"/>
+                <a:gd name="connsiteX0" fmla="*/ 0 w 719137"/>
+                <a:gd name="connsiteY0" fmla="*/ 185737 h 229048"/>
+                <a:gd name="connsiteX1" fmla="*/ 90487 w 719137"/>
+                <a:gd name="connsiteY1" fmla="*/ 180975 h 229048"/>
+                <a:gd name="connsiteX2" fmla="*/ 180975 w 719137"/>
+                <a:gd name="connsiteY2" fmla="*/ 0 h 229048"/>
+                <a:gd name="connsiteX3" fmla="*/ 276225 w 719137"/>
+                <a:gd name="connsiteY3" fmla="*/ 190500 h 229048"/>
+                <a:gd name="connsiteX4" fmla="*/ 409575 w 719137"/>
+                <a:gd name="connsiteY4" fmla="*/ 28575 h 229048"/>
+                <a:gd name="connsiteX5" fmla="*/ 485775 w 719137"/>
+                <a:gd name="connsiteY5" fmla="*/ 195262 h 229048"/>
+                <a:gd name="connsiteX6" fmla="*/ 523875 w 719137"/>
+                <a:gd name="connsiteY6" fmla="*/ 80962 h 229048"/>
+                <a:gd name="connsiteX7" fmla="*/ 590550 w 719137"/>
+                <a:gd name="connsiteY7" fmla="*/ 85725 h 229048"/>
+                <a:gd name="connsiteX8" fmla="*/ 609600 w 719137"/>
+                <a:gd name="connsiteY8" fmla="*/ 114300 h 229048"/>
+                <a:gd name="connsiteX9" fmla="*/ 614362 w 719137"/>
+                <a:gd name="connsiteY9" fmla="*/ 138112 h 229048"/>
+                <a:gd name="connsiteX10" fmla="*/ 619125 w 719137"/>
+                <a:gd name="connsiteY10" fmla="*/ 157162 h 229048"/>
+                <a:gd name="connsiteX11" fmla="*/ 623887 w 719137"/>
+                <a:gd name="connsiteY11" fmla="*/ 180975 h 229048"/>
+                <a:gd name="connsiteX12" fmla="*/ 633412 w 719137"/>
+                <a:gd name="connsiteY12" fmla="*/ 223837 h 229048"/>
+                <a:gd name="connsiteX13" fmla="*/ 719137 w 719137"/>
+                <a:gd name="connsiteY13" fmla="*/ 223837 h 229048"/>
+                <a:gd name="connsiteX0" fmla="*/ 0 w 719137"/>
+                <a:gd name="connsiteY0" fmla="*/ 185737 h 229048"/>
+                <a:gd name="connsiteX1" fmla="*/ 90487 w 719137"/>
+                <a:gd name="connsiteY1" fmla="*/ 180975 h 229048"/>
+                <a:gd name="connsiteX2" fmla="*/ 180975 w 719137"/>
+                <a:gd name="connsiteY2" fmla="*/ 0 h 229048"/>
+                <a:gd name="connsiteX3" fmla="*/ 276225 w 719137"/>
+                <a:gd name="connsiteY3" fmla="*/ 190500 h 229048"/>
+                <a:gd name="connsiteX4" fmla="*/ 409575 w 719137"/>
+                <a:gd name="connsiteY4" fmla="*/ 28575 h 229048"/>
+                <a:gd name="connsiteX5" fmla="*/ 485775 w 719137"/>
+                <a:gd name="connsiteY5" fmla="*/ 195262 h 229048"/>
+                <a:gd name="connsiteX6" fmla="*/ 523875 w 719137"/>
+                <a:gd name="connsiteY6" fmla="*/ 80962 h 229048"/>
+                <a:gd name="connsiteX7" fmla="*/ 609600 w 719137"/>
+                <a:gd name="connsiteY7" fmla="*/ 114300 h 229048"/>
+                <a:gd name="connsiteX8" fmla="*/ 614362 w 719137"/>
+                <a:gd name="connsiteY8" fmla="*/ 138112 h 229048"/>
+                <a:gd name="connsiteX9" fmla="*/ 619125 w 719137"/>
+                <a:gd name="connsiteY9" fmla="*/ 157162 h 229048"/>
+                <a:gd name="connsiteX10" fmla="*/ 623887 w 719137"/>
+                <a:gd name="connsiteY10" fmla="*/ 180975 h 229048"/>
+                <a:gd name="connsiteX11" fmla="*/ 633412 w 719137"/>
+                <a:gd name="connsiteY11" fmla="*/ 223837 h 229048"/>
+                <a:gd name="connsiteX12" fmla="*/ 719137 w 719137"/>
+                <a:gd name="connsiteY12" fmla="*/ 223837 h 229048"/>
+                <a:gd name="connsiteX0" fmla="*/ 0 w 719137"/>
+                <a:gd name="connsiteY0" fmla="*/ 185737 h 229048"/>
+                <a:gd name="connsiteX1" fmla="*/ 90487 w 719137"/>
+                <a:gd name="connsiteY1" fmla="*/ 180975 h 229048"/>
+                <a:gd name="connsiteX2" fmla="*/ 180975 w 719137"/>
+                <a:gd name="connsiteY2" fmla="*/ 0 h 229048"/>
+                <a:gd name="connsiteX3" fmla="*/ 276225 w 719137"/>
+                <a:gd name="connsiteY3" fmla="*/ 190500 h 229048"/>
+                <a:gd name="connsiteX4" fmla="*/ 409575 w 719137"/>
+                <a:gd name="connsiteY4" fmla="*/ 28575 h 229048"/>
+                <a:gd name="connsiteX5" fmla="*/ 485775 w 719137"/>
+                <a:gd name="connsiteY5" fmla="*/ 195262 h 229048"/>
+                <a:gd name="connsiteX6" fmla="*/ 523875 w 719137"/>
+                <a:gd name="connsiteY6" fmla="*/ 80962 h 229048"/>
+                <a:gd name="connsiteX7" fmla="*/ 614362 w 719137"/>
+                <a:gd name="connsiteY7" fmla="*/ 138112 h 229048"/>
+                <a:gd name="connsiteX8" fmla="*/ 619125 w 719137"/>
+                <a:gd name="connsiteY8" fmla="*/ 157162 h 229048"/>
+                <a:gd name="connsiteX9" fmla="*/ 623887 w 719137"/>
+                <a:gd name="connsiteY9" fmla="*/ 180975 h 229048"/>
+                <a:gd name="connsiteX10" fmla="*/ 633412 w 719137"/>
+                <a:gd name="connsiteY10" fmla="*/ 223837 h 229048"/>
+                <a:gd name="connsiteX11" fmla="*/ 719137 w 719137"/>
+                <a:gd name="connsiteY11" fmla="*/ 223837 h 229048"/>
+                <a:gd name="connsiteX0" fmla="*/ 0 w 719137"/>
+                <a:gd name="connsiteY0" fmla="*/ 185737 h 229048"/>
+                <a:gd name="connsiteX1" fmla="*/ 90487 w 719137"/>
+                <a:gd name="connsiteY1" fmla="*/ 180975 h 229048"/>
+                <a:gd name="connsiteX2" fmla="*/ 180975 w 719137"/>
+                <a:gd name="connsiteY2" fmla="*/ 0 h 229048"/>
+                <a:gd name="connsiteX3" fmla="*/ 276225 w 719137"/>
+                <a:gd name="connsiteY3" fmla="*/ 190500 h 229048"/>
+                <a:gd name="connsiteX4" fmla="*/ 409575 w 719137"/>
+                <a:gd name="connsiteY4" fmla="*/ 28575 h 229048"/>
+                <a:gd name="connsiteX5" fmla="*/ 485775 w 719137"/>
+                <a:gd name="connsiteY5" fmla="*/ 195262 h 229048"/>
+                <a:gd name="connsiteX6" fmla="*/ 523875 w 719137"/>
+                <a:gd name="connsiteY6" fmla="*/ 80962 h 229048"/>
+                <a:gd name="connsiteX7" fmla="*/ 619125 w 719137"/>
+                <a:gd name="connsiteY7" fmla="*/ 157162 h 229048"/>
+                <a:gd name="connsiteX8" fmla="*/ 623887 w 719137"/>
+                <a:gd name="connsiteY8" fmla="*/ 180975 h 229048"/>
+                <a:gd name="connsiteX9" fmla="*/ 633412 w 719137"/>
+                <a:gd name="connsiteY9" fmla="*/ 223837 h 229048"/>
+                <a:gd name="connsiteX10" fmla="*/ 719137 w 719137"/>
+                <a:gd name="connsiteY10" fmla="*/ 223837 h 229048"/>
+                <a:gd name="connsiteX0" fmla="*/ 0 w 719137"/>
+                <a:gd name="connsiteY0" fmla="*/ 185737 h 229048"/>
+                <a:gd name="connsiteX1" fmla="*/ 90487 w 719137"/>
+                <a:gd name="connsiteY1" fmla="*/ 180975 h 229048"/>
+                <a:gd name="connsiteX2" fmla="*/ 180975 w 719137"/>
+                <a:gd name="connsiteY2" fmla="*/ 0 h 229048"/>
+                <a:gd name="connsiteX3" fmla="*/ 276225 w 719137"/>
+                <a:gd name="connsiteY3" fmla="*/ 190500 h 229048"/>
+                <a:gd name="connsiteX4" fmla="*/ 409575 w 719137"/>
+                <a:gd name="connsiteY4" fmla="*/ 28575 h 229048"/>
+                <a:gd name="connsiteX5" fmla="*/ 485775 w 719137"/>
+                <a:gd name="connsiteY5" fmla="*/ 195262 h 229048"/>
+                <a:gd name="connsiteX6" fmla="*/ 523875 w 719137"/>
+                <a:gd name="connsiteY6" fmla="*/ 80962 h 229048"/>
+                <a:gd name="connsiteX7" fmla="*/ 623887 w 719137"/>
+                <a:gd name="connsiteY7" fmla="*/ 180975 h 229048"/>
+                <a:gd name="connsiteX8" fmla="*/ 633412 w 719137"/>
+                <a:gd name="connsiteY8" fmla="*/ 223837 h 229048"/>
+                <a:gd name="connsiteX9" fmla="*/ 719137 w 719137"/>
+                <a:gd name="connsiteY9" fmla="*/ 223837 h 229048"/>
+                <a:gd name="connsiteX0" fmla="*/ 0 w 719137"/>
+                <a:gd name="connsiteY0" fmla="*/ 185737 h 234420"/>
+                <a:gd name="connsiteX1" fmla="*/ 90487 w 719137"/>
+                <a:gd name="connsiteY1" fmla="*/ 180975 h 234420"/>
+                <a:gd name="connsiteX2" fmla="*/ 180975 w 719137"/>
+                <a:gd name="connsiteY2" fmla="*/ 0 h 234420"/>
+                <a:gd name="connsiteX3" fmla="*/ 276225 w 719137"/>
+                <a:gd name="connsiteY3" fmla="*/ 190500 h 234420"/>
+                <a:gd name="connsiteX4" fmla="*/ 409575 w 719137"/>
+                <a:gd name="connsiteY4" fmla="*/ 28575 h 234420"/>
+                <a:gd name="connsiteX5" fmla="*/ 485775 w 719137"/>
+                <a:gd name="connsiteY5" fmla="*/ 195262 h 234420"/>
+                <a:gd name="connsiteX6" fmla="*/ 523875 w 719137"/>
+                <a:gd name="connsiteY6" fmla="*/ 80962 h 234420"/>
+                <a:gd name="connsiteX7" fmla="*/ 633412 w 719137"/>
+                <a:gd name="connsiteY7" fmla="*/ 223837 h 234420"/>
+                <a:gd name="connsiteX8" fmla="*/ 719137 w 719137"/>
+                <a:gd name="connsiteY8" fmla="*/ 223837 h 234420"/>
+                <a:gd name="connsiteX0" fmla="*/ 0 w 719137"/>
+                <a:gd name="connsiteY0" fmla="*/ 185737 h 234420"/>
+                <a:gd name="connsiteX1" fmla="*/ 90487 w 719137"/>
+                <a:gd name="connsiteY1" fmla="*/ 180975 h 234420"/>
+                <a:gd name="connsiteX2" fmla="*/ 180975 w 719137"/>
+                <a:gd name="connsiteY2" fmla="*/ 0 h 234420"/>
+                <a:gd name="connsiteX3" fmla="*/ 276225 w 719137"/>
+                <a:gd name="connsiteY3" fmla="*/ 190500 h 234420"/>
+                <a:gd name="connsiteX4" fmla="*/ 409575 w 719137"/>
+                <a:gd name="connsiteY4" fmla="*/ 28575 h 234420"/>
+                <a:gd name="connsiteX5" fmla="*/ 485775 w 719137"/>
+                <a:gd name="connsiteY5" fmla="*/ 195262 h 234420"/>
+                <a:gd name="connsiteX6" fmla="*/ 523875 w 719137"/>
+                <a:gd name="connsiteY6" fmla="*/ 80962 h 234420"/>
+                <a:gd name="connsiteX7" fmla="*/ 633412 w 719137"/>
+                <a:gd name="connsiteY7" fmla="*/ 223837 h 234420"/>
+                <a:gd name="connsiteX8" fmla="*/ 719137 w 719137"/>
+                <a:gd name="connsiteY8" fmla="*/ 223837 h 234420"/>
+                <a:gd name="connsiteX0" fmla="*/ 0 w 719137"/>
+                <a:gd name="connsiteY0" fmla="*/ 185737 h 234420"/>
+                <a:gd name="connsiteX1" fmla="*/ 90487 w 719137"/>
+                <a:gd name="connsiteY1" fmla="*/ 180975 h 234420"/>
+                <a:gd name="connsiteX2" fmla="*/ 180975 w 719137"/>
+                <a:gd name="connsiteY2" fmla="*/ 0 h 234420"/>
+                <a:gd name="connsiteX3" fmla="*/ 276225 w 719137"/>
+                <a:gd name="connsiteY3" fmla="*/ 190500 h 234420"/>
+                <a:gd name="connsiteX4" fmla="*/ 409575 w 719137"/>
+                <a:gd name="connsiteY4" fmla="*/ 28575 h 234420"/>
+                <a:gd name="connsiteX5" fmla="*/ 485775 w 719137"/>
+                <a:gd name="connsiteY5" fmla="*/ 195262 h 234420"/>
+                <a:gd name="connsiteX6" fmla="*/ 523875 w 719137"/>
+                <a:gd name="connsiteY6" fmla="*/ 80962 h 234420"/>
+                <a:gd name="connsiteX7" fmla="*/ 633412 w 719137"/>
+                <a:gd name="connsiteY7" fmla="*/ 223837 h 234420"/>
+                <a:gd name="connsiteX8" fmla="*/ 719137 w 719137"/>
+                <a:gd name="connsiteY8" fmla="*/ 223837 h 234420"/>
+                <a:gd name="connsiteX0" fmla="*/ 0 w 719137"/>
+                <a:gd name="connsiteY0" fmla="*/ 185737 h 234420"/>
+                <a:gd name="connsiteX1" fmla="*/ 90487 w 719137"/>
+                <a:gd name="connsiteY1" fmla="*/ 180975 h 234420"/>
+                <a:gd name="connsiteX2" fmla="*/ 180975 w 719137"/>
+                <a:gd name="connsiteY2" fmla="*/ 0 h 234420"/>
+                <a:gd name="connsiteX3" fmla="*/ 276225 w 719137"/>
+                <a:gd name="connsiteY3" fmla="*/ 190500 h 234420"/>
+                <a:gd name="connsiteX4" fmla="*/ 409575 w 719137"/>
+                <a:gd name="connsiteY4" fmla="*/ 28575 h 234420"/>
+                <a:gd name="connsiteX5" fmla="*/ 485775 w 719137"/>
+                <a:gd name="connsiteY5" fmla="*/ 195262 h 234420"/>
+                <a:gd name="connsiteX6" fmla="*/ 523875 w 719137"/>
+                <a:gd name="connsiteY6" fmla="*/ 80962 h 234420"/>
+                <a:gd name="connsiteX7" fmla="*/ 633412 w 719137"/>
+                <a:gd name="connsiteY7" fmla="*/ 223837 h 234420"/>
+                <a:gd name="connsiteX8" fmla="*/ 719137 w 719137"/>
+                <a:gd name="connsiteY8" fmla="*/ 223837 h 234420"/>
+                <a:gd name="connsiteX0" fmla="*/ 0 w 719137"/>
+                <a:gd name="connsiteY0" fmla="*/ 185750 h 234433"/>
+                <a:gd name="connsiteX1" fmla="*/ 90487 w 719137"/>
+                <a:gd name="connsiteY1" fmla="*/ 180988 h 234433"/>
+                <a:gd name="connsiteX2" fmla="*/ 180975 w 719137"/>
+                <a:gd name="connsiteY2" fmla="*/ 13 h 234433"/>
+                <a:gd name="connsiteX3" fmla="*/ 276225 w 719137"/>
+                <a:gd name="connsiteY3" fmla="*/ 190513 h 234433"/>
+                <a:gd name="connsiteX4" fmla="*/ 409575 w 719137"/>
+                <a:gd name="connsiteY4" fmla="*/ 28588 h 234433"/>
+                <a:gd name="connsiteX5" fmla="*/ 485775 w 719137"/>
+                <a:gd name="connsiteY5" fmla="*/ 195275 h 234433"/>
+                <a:gd name="connsiteX6" fmla="*/ 523875 w 719137"/>
+                <a:gd name="connsiteY6" fmla="*/ 80975 h 234433"/>
+                <a:gd name="connsiteX7" fmla="*/ 633412 w 719137"/>
+                <a:gd name="connsiteY7" fmla="*/ 223850 h 234433"/>
+                <a:gd name="connsiteX8" fmla="*/ 719137 w 719137"/>
+                <a:gd name="connsiteY8" fmla="*/ 223850 h 234433"/>
+                <a:gd name="connsiteX0" fmla="*/ 0 w 719137"/>
+                <a:gd name="connsiteY0" fmla="*/ 185750 h 234433"/>
+                <a:gd name="connsiteX1" fmla="*/ 90487 w 719137"/>
+                <a:gd name="connsiteY1" fmla="*/ 180988 h 234433"/>
+                <a:gd name="connsiteX2" fmla="*/ 180975 w 719137"/>
+                <a:gd name="connsiteY2" fmla="*/ 13 h 234433"/>
+                <a:gd name="connsiteX3" fmla="*/ 276225 w 719137"/>
+                <a:gd name="connsiteY3" fmla="*/ 190513 h 234433"/>
+                <a:gd name="connsiteX4" fmla="*/ 409575 w 719137"/>
+                <a:gd name="connsiteY4" fmla="*/ 28588 h 234433"/>
+                <a:gd name="connsiteX5" fmla="*/ 485775 w 719137"/>
+                <a:gd name="connsiteY5" fmla="*/ 195275 h 234433"/>
+                <a:gd name="connsiteX6" fmla="*/ 523875 w 719137"/>
+                <a:gd name="connsiteY6" fmla="*/ 80975 h 234433"/>
+                <a:gd name="connsiteX7" fmla="*/ 633412 w 719137"/>
+                <a:gd name="connsiteY7" fmla="*/ 223850 h 234433"/>
+                <a:gd name="connsiteX8" fmla="*/ 719137 w 719137"/>
+                <a:gd name="connsiteY8" fmla="*/ 223850 h 234433"/>
+                <a:gd name="connsiteX0" fmla="*/ 0 w 719137"/>
+                <a:gd name="connsiteY0" fmla="*/ 185750 h 234433"/>
+                <a:gd name="connsiteX1" fmla="*/ 90487 w 719137"/>
+                <a:gd name="connsiteY1" fmla="*/ 180988 h 234433"/>
+                <a:gd name="connsiteX2" fmla="*/ 180975 w 719137"/>
+                <a:gd name="connsiteY2" fmla="*/ 13 h 234433"/>
+                <a:gd name="connsiteX3" fmla="*/ 276225 w 719137"/>
+                <a:gd name="connsiteY3" fmla="*/ 190513 h 234433"/>
+                <a:gd name="connsiteX4" fmla="*/ 409575 w 719137"/>
+                <a:gd name="connsiteY4" fmla="*/ 28588 h 234433"/>
+                <a:gd name="connsiteX5" fmla="*/ 485775 w 719137"/>
+                <a:gd name="connsiteY5" fmla="*/ 195275 h 234433"/>
+                <a:gd name="connsiteX6" fmla="*/ 523875 w 719137"/>
+                <a:gd name="connsiteY6" fmla="*/ 80975 h 234433"/>
+                <a:gd name="connsiteX7" fmla="*/ 633412 w 719137"/>
+                <a:gd name="connsiteY7" fmla="*/ 223850 h 234433"/>
+                <a:gd name="connsiteX8" fmla="*/ 719137 w 719137"/>
+                <a:gd name="connsiteY8" fmla="*/ 223850 h 234433"/>
+                <a:gd name="connsiteX0" fmla="*/ 0 w 719137"/>
+                <a:gd name="connsiteY0" fmla="*/ 185750 h 234433"/>
+                <a:gd name="connsiteX1" fmla="*/ 90487 w 719137"/>
+                <a:gd name="connsiteY1" fmla="*/ 180988 h 234433"/>
+                <a:gd name="connsiteX2" fmla="*/ 180975 w 719137"/>
+                <a:gd name="connsiteY2" fmla="*/ 13 h 234433"/>
+                <a:gd name="connsiteX3" fmla="*/ 276225 w 719137"/>
+                <a:gd name="connsiteY3" fmla="*/ 190513 h 234433"/>
+                <a:gd name="connsiteX4" fmla="*/ 409575 w 719137"/>
+                <a:gd name="connsiteY4" fmla="*/ 28588 h 234433"/>
+                <a:gd name="connsiteX5" fmla="*/ 485775 w 719137"/>
+                <a:gd name="connsiteY5" fmla="*/ 195275 h 234433"/>
+                <a:gd name="connsiteX6" fmla="*/ 523875 w 719137"/>
+                <a:gd name="connsiteY6" fmla="*/ 80975 h 234433"/>
+                <a:gd name="connsiteX7" fmla="*/ 633412 w 719137"/>
+                <a:gd name="connsiteY7" fmla="*/ 223850 h 234433"/>
+                <a:gd name="connsiteX8" fmla="*/ 719137 w 719137"/>
+                <a:gd name="connsiteY8" fmla="*/ 223850 h 234433"/>
+                <a:gd name="connsiteX0" fmla="*/ 0 w 719137"/>
+                <a:gd name="connsiteY0" fmla="*/ 185750 h 234433"/>
+                <a:gd name="connsiteX1" fmla="*/ 90487 w 719137"/>
+                <a:gd name="connsiteY1" fmla="*/ 180988 h 234433"/>
+                <a:gd name="connsiteX2" fmla="*/ 180975 w 719137"/>
+                <a:gd name="connsiteY2" fmla="*/ 13 h 234433"/>
+                <a:gd name="connsiteX3" fmla="*/ 276225 w 719137"/>
+                <a:gd name="connsiteY3" fmla="*/ 190513 h 234433"/>
+                <a:gd name="connsiteX4" fmla="*/ 409575 w 719137"/>
+                <a:gd name="connsiteY4" fmla="*/ 28588 h 234433"/>
+                <a:gd name="connsiteX5" fmla="*/ 485775 w 719137"/>
+                <a:gd name="connsiteY5" fmla="*/ 195275 h 234433"/>
+                <a:gd name="connsiteX6" fmla="*/ 523875 w 719137"/>
+                <a:gd name="connsiteY6" fmla="*/ 80975 h 234433"/>
+                <a:gd name="connsiteX7" fmla="*/ 633412 w 719137"/>
+                <a:gd name="connsiteY7" fmla="*/ 223850 h 234433"/>
+                <a:gd name="connsiteX8" fmla="*/ 719137 w 719137"/>
+                <a:gd name="connsiteY8" fmla="*/ 223850 h 234433"/>
+                <a:gd name="connsiteX0" fmla="*/ 0 w 719137"/>
+                <a:gd name="connsiteY0" fmla="*/ 185750 h 234433"/>
+                <a:gd name="connsiteX1" fmla="*/ 90487 w 719137"/>
+                <a:gd name="connsiteY1" fmla="*/ 180988 h 234433"/>
+                <a:gd name="connsiteX2" fmla="*/ 180975 w 719137"/>
+                <a:gd name="connsiteY2" fmla="*/ 13 h 234433"/>
+                <a:gd name="connsiteX3" fmla="*/ 276225 w 719137"/>
+                <a:gd name="connsiteY3" fmla="*/ 190513 h 234433"/>
+                <a:gd name="connsiteX4" fmla="*/ 390525 w 719137"/>
+                <a:gd name="connsiteY4" fmla="*/ 13 h 234433"/>
+                <a:gd name="connsiteX5" fmla="*/ 485775 w 719137"/>
+                <a:gd name="connsiteY5" fmla="*/ 195275 h 234433"/>
+                <a:gd name="connsiteX6" fmla="*/ 523875 w 719137"/>
+                <a:gd name="connsiteY6" fmla="*/ 80975 h 234433"/>
+                <a:gd name="connsiteX7" fmla="*/ 633412 w 719137"/>
+                <a:gd name="connsiteY7" fmla="*/ 223850 h 234433"/>
+                <a:gd name="connsiteX8" fmla="*/ 719137 w 719137"/>
+                <a:gd name="connsiteY8" fmla="*/ 223850 h 234433"/>
+                <a:gd name="connsiteX0" fmla="*/ 0 w 719137"/>
+                <a:gd name="connsiteY0" fmla="*/ 185796 h 234479"/>
+                <a:gd name="connsiteX1" fmla="*/ 90487 w 719137"/>
+                <a:gd name="connsiteY1" fmla="*/ 181034 h 234479"/>
+                <a:gd name="connsiteX2" fmla="*/ 180975 w 719137"/>
+                <a:gd name="connsiteY2" fmla="*/ 59 h 234479"/>
+                <a:gd name="connsiteX3" fmla="*/ 276225 w 719137"/>
+                <a:gd name="connsiteY3" fmla="*/ 190559 h 234479"/>
+                <a:gd name="connsiteX4" fmla="*/ 390525 w 719137"/>
+                <a:gd name="connsiteY4" fmla="*/ 59 h 234479"/>
+                <a:gd name="connsiteX5" fmla="*/ 485775 w 719137"/>
+                <a:gd name="connsiteY5" fmla="*/ 195321 h 234479"/>
+                <a:gd name="connsiteX6" fmla="*/ 523875 w 719137"/>
+                <a:gd name="connsiteY6" fmla="*/ 81021 h 234479"/>
+                <a:gd name="connsiteX7" fmla="*/ 633412 w 719137"/>
+                <a:gd name="connsiteY7" fmla="*/ 223896 h 234479"/>
+                <a:gd name="connsiteX8" fmla="*/ 719137 w 719137"/>
+                <a:gd name="connsiteY8" fmla="*/ 223896 h 234479"/>
+                <a:gd name="connsiteX0" fmla="*/ 0 w 719137"/>
+                <a:gd name="connsiteY0" fmla="*/ 185751 h 234434"/>
+                <a:gd name="connsiteX1" fmla="*/ 90487 w 719137"/>
+                <a:gd name="connsiteY1" fmla="*/ 180989 h 234434"/>
+                <a:gd name="connsiteX2" fmla="*/ 180975 w 719137"/>
+                <a:gd name="connsiteY2" fmla="*/ 14 h 234434"/>
+                <a:gd name="connsiteX3" fmla="*/ 276225 w 719137"/>
+                <a:gd name="connsiteY3" fmla="*/ 190514 h 234434"/>
+                <a:gd name="connsiteX4" fmla="*/ 390525 w 719137"/>
+                <a:gd name="connsiteY4" fmla="*/ 14 h 234434"/>
+                <a:gd name="connsiteX5" fmla="*/ 485775 w 719137"/>
+                <a:gd name="connsiteY5" fmla="*/ 195276 h 234434"/>
+                <a:gd name="connsiteX6" fmla="*/ 523875 w 719137"/>
+                <a:gd name="connsiteY6" fmla="*/ 80976 h 234434"/>
+                <a:gd name="connsiteX7" fmla="*/ 633412 w 719137"/>
+                <a:gd name="connsiteY7" fmla="*/ 223851 h 234434"/>
+                <a:gd name="connsiteX8" fmla="*/ 719137 w 719137"/>
+                <a:gd name="connsiteY8" fmla="*/ 223851 h 234434"/>
+                <a:gd name="connsiteX0" fmla="*/ 0 w 719137"/>
+                <a:gd name="connsiteY0" fmla="*/ 185751 h 239549"/>
+                <a:gd name="connsiteX1" fmla="*/ 90487 w 719137"/>
+                <a:gd name="connsiteY1" fmla="*/ 180989 h 239549"/>
+                <a:gd name="connsiteX2" fmla="*/ 180975 w 719137"/>
+                <a:gd name="connsiteY2" fmla="*/ 14 h 239549"/>
+                <a:gd name="connsiteX3" fmla="*/ 276225 w 719137"/>
+                <a:gd name="connsiteY3" fmla="*/ 190514 h 239549"/>
+                <a:gd name="connsiteX4" fmla="*/ 390525 w 719137"/>
+                <a:gd name="connsiteY4" fmla="*/ 14 h 239549"/>
+                <a:gd name="connsiteX5" fmla="*/ 485775 w 719137"/>
+                <a:gd name="connsiteY5" fmla="*/ 195276 h 239549"/>
+                <a:gd name="connsiteX6" fmla="*/ 547687 w 719137"/>
+                <a:gd name="connsiteY6" fmla="*/ 11920 h 239549"/>
+                <a:gd name="connsiteX7" fmla="*/ 633412 w 719137"/>
+                <a:gd name="connsiteY7" fmla="*/ 223851 h 239549"/>
+                <a:gd name="connsiteX8" fmla="*/ 719137 w 719137"/>
+                <a:gd name="connsiteY8" fmla="*/ 223851 h 239549"/>
+                <a:gd name="connsiteX0" fmla="*/ 0 w 719137"/>
+                <a:gd name="connsiteY0" fmla="*/ 185751 h 239549"/>
+                <a:gd name="connsiteX1" fmla="*/ 90487 w 719137"/>
+                <a:gd name="connsiteY1" fmla="*/ 180989 h 239549"/>
+                <a:gd name="connsiteX2" fmla="*/ 180975 w 719137"/>
+                <a:gd name="connsiteY2" fmla="*/ 14 h 239549"/>
+                <a:gd name="connsiteX3" fmla="*/ 276225 w 719137"/>
+                <a:gd name="connsiteY3" fmla="*/ 190514 h 239549"/>
+                <a:gd name="connsiteX4" fmla="*/ 390525 w 719137"/>
+                <a:gd name="connsiteY4" fmla="*/ 14 h 239549"/>
+                <a:gd name="connsiteX5" fmla="*/ 485775 w 719137"/>
+                <a:gd name="connsiteY5" fmla="*/ 195276 h 239549"/>
+                <a:gd name="connsiteX6" fmla="*/ 547687 w 719137"/>
+                <a:gd name="connsiteY6" fmla="*/ 11920 h 239549"/>
+                <a:gd name="connsiteX7" fmla="*/ 633412 w 719137"/>
+                <a:gd name="connsiteY7" fmla="*/ 223851 h 239549"/>
+                <a:gd name="connsiteX8" fmla="*/ 719137 w 719137"/>
+                <a:gd name="connsiteY8" fmla="*/ 223851 h 239549"/>
+                <a:gd name="connsiteX0" fmla="*/ 0 w 719137"/>
+                <a:gd name="connsiteY0" fmla="*/ 185751 h 239549"/>
+                <a:gd name="connsiteX1" fmla="*/ 90487 w 719137"/>
+                <a:gd name="connsiteY1" fmla="*/ 180989 h 239549"/>
+                <a:gd name="connsiteX2" fmla="*/ 180975 w 719137"/>
+                <a:gd name="connsiteY2" fmla="*/ 14 h 239549"/>
+                <a:gd name="connsiteX3" fmla="*/ 276225 w 719137"/>
+                <a:gd name="connsiteY3" fmla="*/ 190514 h 239549"/>
+                <a:gd name="connsiteX4" fmla="*/ 390525 w 719137"/>
+                <a:gd name="connsiteY4" fmla="*/ 14 h 239549"/>
+                <a:gd name="connsiteX5" fmla="*/ 485775 w 719137"/>
+                <a:gd name="connsiteY5" fmla="*/ 195276 h 239549"/>
+                <a:gd name="connsiteX6" fmla="*/ 547687 w 719137"/>
+                <a:gd name="connsiteY6" fmla="*/ 11920 h 239549"/>
+                <a:gd name="connsiteX7" fmla="*/ 633412 w 719137"/>
+                <a:gd name="connsiteY7" fmla="*/ 223851 h 239549"/>
+                <a:gd name="connsiteX8" fmla="*/ 719137 w 719137"/>
+                <a:gd name="connsiteY8" fmla="*/ 223851 h 239549"/>
+                <a:gd name="connsiteX0" fmla="*/ 0 w 719137"/>
+                <a:gd name="connsiteY0" fmla="*/ 185751 h 239549"/>
+                <a:gd name="connsiteX1" fmla="*/ 90487 w 719137"/>
+                <a:gd name="connsiteY1" fmla="*/ 180989 h 239549"/>
+                <a:gd name="connsiteX2" fmla="*/ 180975 w 719137"/>
+                <a:gd name="connsiteY2" fmla="*/ 14 h 239549"/>
+                <a:gd name="connsiteX3" fmla="*/ 276225 w 719137"/>
+                <a:gd name="connsiteY3" fmla="*/ 190514 h 239549"/>
+                <a:gd name="connsiteX4" fmla="*/ 390525 w 719137"/>
+                <a:gd name="connsiteY4" fmla="*/ 14 h 239549"/>
+                <a:gd name="connsiteX5" fmla="*/ 485775 w 719137"/>
+                <a:gd name="connsiteY5" fmla="*/ 195276 h 239549"/>
+                <a:gd name="connsiteX6" fmla="*/ 547687 w 719137"/>
+                <a:gd name="connsiteY6" fmla="*/ 11920 h 239549"/>
+                <a:gd name="connsiteX7" fmla="*/ 633412 w 719137"/>
+                <a:gd name="connsiteY7" fmla="*/ 223851 h 239549"/>
+                <a:gd name="connsiteX8" fmla="*/ 719137 w 719137"/>
+                <a:gd name="connsiteY8" fmla="*/ 223851 h 239549"/>
+                <a:gd name="connsiteX0" fmla="*/ 0 w 719137"/>
+                <a:gd name="connsiteY0" fmla="*/ 185751 h 239902"/>
+                <a:gd name="connsiteX1" fmla="*/ 90487 w 719137"/>
+                <a:gd name="connsiteY1" fmla="*/ 180989 h 239902"/>
+                <a:gd name="connsiteX2" fmla="*/ 180975 w 719137"/>
+                <a:gd name="connsiteY2" fmla="*/ 14 h 239902"/>
+                <a:gd name="connsiteX3" fmla="*/ 276225 w 719137"/>
+                <a:gd name="connsiteY3" fmla="*/ 190514 h 239902"/>
+                <a:gd name="connsiteX4" fmla="*/ 390525 w 719137"/>
+                <a:gd name="connsiteY4" fmla="*/ 14 h 239902"/>
+                <a:gd name="connsiteX5" fmla="*/ 485775 w 719137"/>
+                <a:gd name="connsiteY5" fmla="*/ 195276 h 239902"/>
+                <a:gd name="connsiteX6" fmla="*/ 573881 w 719137"/>
+                <a:gd name="connsiteY6" fmla="*/ 7158 h 239902"/>
+                <a:gd name="connsiteX7" fmla="*/ 633412 w 719137"/>
+                <a:gd name="connsiteY7" fmla="*/ 223851 h 239902"/>
+                <a:gd name="connsiteX8" fmla="*/ 719137 w 719137"/>
+                <a:gd name="connsiteY8" fmla="*/ 223851 h 239902"/>
+                <a:gd name="connsiteX0" fmla="*/ 0 w 719137"/>
+                <a:gd name="connsiteY0" fmla="*/ 185751 h 239902"/>
+                <a:gd name="connsiteX1" fmla="*/ 90487 w 719137"/>
+                <a:gd name="connsiteY1" fmla="*/ 180989 h 239902"/>
+                <a:gd name="connsiteX2" fmla="*/ 180975 w 719137"/>
+                <a:gd name="connsiteY2" fmla="*/ 14 h 239902"/>
+                <a:gd name="connsiteX3" fmla="*/ 276225 w 719137"/>
+                <a:gd name="connsiteY3" fmla="*/ 190514 h 239902"/>
+                <a:gd name="connsiteX4" fmla="*/ 390525 w 719137"/>
+                <a:gd name="connsiteY4" fmla="*/ 14 h 239902"/>
+                <a:gd name="connsiteX5" fmla="*/ 485775 w 719137"/>
+                <a:gd name="connsiteY5" fmla="*/ 195276 h 239902"/>
+                <a:gd name="connsiteX6" fmla="*/ 573881 w 719137"/>
+                <a:gd name="connsiteY6" fmla="*/ 7158 h 239902"/>
+                <a:gd name="connsiteX7" fmla="*/ 633412 w 719137"/>
+                <a:gd name="connsiteY7" fmla="*/ 223851 h 239902"/>
+                <a:gd name="connsiteX8" fmla="*/ 719137 w 719137"/>
+                <a:gd name="connsiteY8" fmla="*/ 223851 h 239902"/>
+                <a:gd name="connsiteX0" fmla="*/ 0 w 719137"/>
+                <a:gd name="connsiteY0" fmla="*/ 185751 h 239902"/>
+                <a:gd name="connsiteX1" fmla="*/ 90487 w 719137"/>
+                <a:gd name="connsiteY1" fmla="*/ 180989 h 239902"/>
+                <a:gd name="connsiteX2" fmla="*/ 180975 w 719137"/>
+                <a:gd name="connsiteY2" fmla="*/ 14 h 239902"/>
+                <a:gd name="connsiteX3" fmla="*/ 276225 w 719137"/>
+                <a:gd name="connsiteY3" fmla="*/ 190514 h 239902"/>
+                <a:gd name="connsiteX4" fmla="*/ 390525 w 719137"/>
+                <a:gd name="connsiteY4" fmla="*/ 14 h 239902"/>
+                <a:gd name="connsiteX5" fmla="*/ 485775 w 719137"/>
+                <a:gd name="connsiteY5" fmla="*/ 195276 h 239902"/>
+                <a:gd name="connsiteX6" fmla="*/ 573881 w 719137"/>
+                <a:gd name="connsiteY6" fmla="*/ 7158 h 239902"/>
+                <a:gd name="connsiteX7" fmla="*/ 633412 w 719137"/>
+                <a:gd name="connsiteY7" fmla="*/ 223851 h 239902"/>
+                <a:gd name="connsiteX8" fmla="*/ 719137 w 719137"/>
+                <a:gd name="connsiteY8" fmla="*/ 223851 h 239902"/>
+                <a:gd name="connsiteX0" fmla="*/ 0 w 719137"/>
+                <a:gd name="connsiteY0" fmla="*/ 185751 h 239902"/>
+                <a:gd name="connsiteX1" fmla="*/ 90487 w 719137"/>
+                <a:gd name="connsiteY1" fmla="*/ 180989 h 239902"/>
+                <a:gd name="connsiteX2" fmla="*/ 180975 w 719137"/>
+                <a:gd name="connsiteY2" fmla="*/ 14 h 239902"/>
+                <a:gd name="connsiteX3" fmla="*/ 276225 w 719137"/>
+                <a:gd name="connsiteY3" fmla="*/ 190514 h 239902"/>
+                <a:gd name="connsiteX4" fmla="*/ 390525 w 719137"/>
+                <a:gd name="connsiteY4" fmla="*/ 14 h 239902"/>
+                <a:gd name="connsiteX5" fmla="*/ 485775 w 719137"/>
+                <a:gd name="connsiteY5" fmla="*/ 195276 h 239902"/>
+                <a:gd name="connsiteX6" fmla="*/ 573881 w 719137"/>
+                <a:gd name="connsiteY6" fmla="*/ 7158 h 239902"/>
+                <a:gd name="connsiteX7" fmla="*/ 633412 w 719137"/>
+                <a:gd name="connsiteY7" fmla="*/ 223851 h 239902"/>
+                <a:gd name="connsiteX8" fmla="*/ 719137 w 719137"/>
+                <a:gd name="connsiteY8" fmla="*/ 223851 h 239902"/>
+                <a:gd name="connsiteX0" fmla="*/ 0 w 719137"/>
+                <a:gd name="connsiteY0" fmla="*/ 185751 h 225870"/>
+                <a:gd name="connsiteX1" fmla="*/ 90487 w 719137"/>
+                <a:gd name="connsiteY1" fmla="*/ 180989 h 225870"/>
+                <a:gd name="connsiteX2" fmla="*/ 180975 w 719137"/>
+                <a:gd name="connsiteY2" fmla="*/ 14 h 225870"/>
+                <a:gd name="connsiteX3" fmla="*/ 276225 w 719137"/>
+                <a:gd name="connsiteY3" fmla="*/ 190514 h 225870"/>
+                <a:gd name="connsiteX4" fmla="*/ 390525 w 719137"/>
+                <a:gd name="connsiteY4" fmla="*/ 14 h 225870"/>
+                <a:gd name="connsiteX5" fmla="*/ 485775 w 719137"/>
+                <a:gd name="connsiteY5" fmla="*/ 195276 h 225870"/>
+                <a:gd name="connsiteX6" fmla="*/ 573881 w 719137"/>
+                <a:gd name="connsiteY6" fmla="*/ 7158 h 225870"/>
+                <a:gd name="connsiteX7" fmla="*/ 659606 w 719137"/>
+                <a:gd name="connsiteY7" fmla="*/ 200038 h 225870"/>
+                <a:gd name="connsiteX8" fmla="*/ 719137 w 719137"/>
+                <a:gd name="connsiteY8" fmla="*/ 223851 h 225870"/>
+                <a:gd name="connsiteX0" fmla="*/ 0 w 719137"/>
+                <a:gd name="connsiteY0" fmla="*/ 185751 h 225870"/>
+                <a:gd name="connsiteX1" fmla="*/ 90487 w 719137"/>
+                <a:gd name="connsiteY1" fmla="*/ 180989 h 225870"/>
+                <a:gd name="connsiteX2" fmla="*/ 180975 w 719137"/>
+                <a:gd name="connsiteY2" fmla="*/ 14 h 225870"/>
+                <a:gd name="connsiteX3" fmla="*/ 276225 w 719137"/>
+                <a:gd name="connsiteY3" fmla="*/ 190514 h 225870"/>
+                <a:gd name="connsiteX4" fmla="*/ 390525 w 719137"/>
+                <a:gd name="connsiteY4" fmla="*/ 14 h 225870"/>
+                <a:gd name="connsiteX5" fmla="*/ 485775 w 719137"/>
+                <a:gd name="connsiteY5" fmla="*/ 195276 h 225870"/>
+                <a:gd name="connsiteX6" fmla="*/ 573881 w 719137"/>
+                <a:gd name="connsiteY6" fmla="*/ 7158 h 225870"/>
+                <a:gd name="connsiteX7" fmla="*/ 659606 w 719137"/>
+                <a:gd name="connsiteY7" fmla="*/ 200038 h 225870"/>
+                <a:gd name="connsiteX8" fmla="*/ 719137 w 719137"/>
+                <a:gd name="connsiteY8" fmla="*/ 223851 h 225870"/>
+                <a:gd name="connsiteX0" fmla="*/ 0 w 719137"/>
+                <a:gd name="connsiteY0" fmla="*/ 185751 h 225870"/>
+                <a:gd name="connsiteX1" fmla="*/ 90487 w 719137"/>
+                <a:gd name="connsiteY1" fmla="*/ 180989 h 225870"/>
+                <a:gd name="connsiteX2" fmla="*/ 180975 w 719137"/>
+                <a:gd name="connsiteY2" fmla="*/ 14 h 225870"/>
+                <a:gd name="connsiteX3" fmla="*/ 276225 w 719137"/>
+                <a:gd name="connsiteY3" fmla="*/ 190514 h 225870"/>
+                <a:gd name="connsiteX4" fmla="*/ 390525 w 719137"/>
+                <a:gd name="connsiteY4" fmla="*/ 14 h 225870"/>
+                <a:gd name="connsiteX5" fmla="*/ 485775 w 719137"/>
+                <a:gd name="connsiteY5" fmla="*/ 195276 h 225870"/>
+                <a:gd name="connsiteX6" fmla="*/ 573881 w 719137"/>
+                <a:gd name="connsiteY6" fmla="*/ 7158 h 225870"/>
+                <a:gd name="connsiteX7" fmla="*/ 659606 w 719137"/>
+                <a:gd name="connsiteY7" fmla="*/ 200038 h 225870"/>
+                <a:gd name="connsiteX8" fmla="*/ 719137 w 719137"/>
+                <a:gd name="connsiteY8" fmla="*/ 223851 h 225870"/>
+                <a:gd name="connsiteX0" fmla="*/ 0 w 719137"/>
+                <a:gd name="connsiteY0" fmla="*/ 185751 h 223851"/>
+                <a:gd name="connsiteX1" fmla="*/ 90487 w 719137"/>
+                <a:gd name="connsiteY1" fmla="*/ 180989 h 223851"/>
+                <a:gd name="connsiteX2" fmla="*/ 180975 w 719137"/>
+                <a:gd name="connsiteY2" fmla="*/ 14 h 223851"/>
+                <a:gd name="connsiteX3" fmla="*/ 276225 w 719137"/>
+                <a:gd name="connsiteY3" fmla="*/ 190514 h 223851"/>
+                <a:gd name="connsiteX4" fmla="*/ 390525 w 719137"/>
+                <a:gd name="connsiteY4" fmla="*/ 14 h 223851"/>
+                <a:gd name="connsiteX5" fmla="*/ 485775 w 719137"/>
+                <a:gd name="connsiteY5" fmla="*/ 195276 h 223851"/>
+                <a:gd name="connsiteX6" fmla="*/ 573881 w 719137"/>
+                <a:gd name="connsiteY6" fmla="*/ 7158 h 223851"/>
+                <a:gd name="connsiteX7" fmla="*/ 659606 w 719137"/>
+                <a:gd name="connsiteY7" fmla="*/ 200038 h 223851"/>
+                <a:gd name="connsiteX8" fmla="*/ 719137 w 719137"/>
+                <a:gd name="connsiteY8" fmla="*/ 223851 h 223851"/>
+                <a:gd name="connsiteX0" fmla="*/ 0 w 754856"/>
+                <a:gd name="connsiteY0" fmla="*/ 185751 h 200038"/>
+                <a:gd name="connsiteX1" fmla="*/ 90487 w 754856"/>
+                <a:gd name="connsiteY1" fmla="*/ 180989 h 200038"/>
+                <a:gd name="connsiteX2" fmla="*/ 180975 w 754856"/>
+                <a:gd name="connsiteY2" fmla="*/ 14 h 200038"/>
+                <a:gd name="connsiteX3" fmla="*/ 276225 w 754856"/>
+                <a:gd name="connsiteY3" fmla="*/ 190514 h 200038"/>
+                <a:gd name="connsiteX4" fmla="*/ 390525 w 754856"/>
+                <a:gd name="connsiteY4" fmla="*/ 14 h 200038"/>
+                <a:gd name="connsiteX5" fmla="*/ 485775 w 754856"/>
+                <a:gd name="connsiteY5" fmla="*/ 195276 h 200038"/>
+                <a:gd name="connsiteX6" fmla="*/ 573881 w 754856"/>
+                <a:gd name="connsiteY6" fmla="*/ 7158 h 200038"/>
+                <a:gd name="connsiteX7" fmla="*/ 659606 w 754856"/>
+                <a:gd name="connsiteY7" fmla="*/ 200038 h 200038"/>
+                <a:gd name="connsiteX8" fmla="*/ 754856 w 754856"/>
+                <a:gd name="connsiteY8" fmla="*/ 200038 h 200038"/>
+                <a:gd name="connsiteX0" fmla="*/ 0 w 754856"/>
+                <a:gd name="connsiteY0" fmla="*/ 185751 h 200038"/>
+                <a:gd name="connsiteX1" fmla="*/ 90487 w 754856"/>
+                <a:gd name="connsiteY1" fmla="*/ 180989 h 200038"/>
+                <a:gd name="connsiteX2" fmla="*/ 180975 w 754856"/>
+                <a:gd name="connsiteY2" fmla="*/ 14 h 200038"/>
+                <a:gd name="connsiteX3" fmla="*/ 276225 w 754856"/>
+                <a:gd name="connsiteY3" fmla="*/ 190514 h 200038"/>
+                <a:gd name="connsiteX4" fmla="*/ 390525 w 754856"/>
+                <a:gd name="connsiteY4" fmla="*/ 14 h 200038"/>
+                <a:gd name="connsiteX5" fmla="*/ 485775 w 754856"/>
+                <a:gd name="connsiteY5" fmla="*/ 195276 h 200038"/>
+                <a:gd name="connsiteX6" fmla="*/ 573881 w 754856"/>
+                <a:gd name="connsiteY6" fmla="*/ 7158 h 200038"/>
+                <a:gd name="connsiteX7" fmla="*/ 659606 w 754856"/>
+                <a:gd name="connsiteY7" fmla="*/ 200038 h 200038"/>
+                <a:gd name="connsiteX8" fmla="*/ 754856 w 754856"/>
+                <a:gd name="connsiteY8" fmla="*/ 200038 h 200038"/>
+                <a:gd name="connsiteX0" fmla="*/ 0 w 754856"/>
+                <a:gd name="connsiteY0" fmla="*/ 185751 h 200038"/>
+                <a:gd name="connsiteX1" fmla="*/ 90487 w 754856"/>
+                <a:gd name="connsiteY1" fmla="*/ 180989 h 200038"/>
+                <a:gd name="connsiteX2" fmla="*/ 180975 w 754856"/>
+                <a:gd name="connsiteY2" fmla="*/ 14 h 200038"/>
+                <a:gd name="connsiteX3" fmla="*/ 288132 w 754856"/>
+                <a:gd name="connsiteY3" fmla="*/ 190514 h 200038"/>
+                <a:gd name="connsiteX4" fmla="*/ 390525 w 754856"/>
+                <a:gd name="connsiteY4" fmla="*/ 14 h 200038"/>
+                <a:gd name="connsiteX5" fmla="*/ 485775 w 754856"/>
+                <a:gd name="connsiteY5" fmla="*/ 195276 h 200038"/>
+                <a:gd name="connsiteX6" fmla="*/ 573881 w 754856"/>
+                <a:gd name="connsiteY6" fmla="*/ 7158 h 200038"/>
+                <a:gd name="connsiteX7" fmla="*/ 659606 w 754856"/>
+                <a:gd name="connsiteY7" fmla="*/ 200038 h 200038"/>
+                <a:gd name="connsiteX8" fmla="*/ 754856 w 754856"/>
+                <a:gd name="connsiteY8" fmla="*/ 200038 h 200038"/>
+                <a:gd name="connsiteX0" fmla="*/ 0 w 754856"/>
+                <a:gd name="connsiteY0" fmla="*/ 185751 h 200038"/>
+                <a:gd name="connsiteX1" fmla="*/ 90487 w 754856"/>
+                <a:gd name="connsiteY1" fmla="*/ 180989 h 200038"/>
+                <a:gd name="connsiteX2" fmla="*/ 180975 w 754856"/>
+                <a:gd name="connsiteY2" fmla="*/ 14 h 200038"/>
+                <a:gd name="connsiteX3" fmla="*/ 288132 w 754856"/>
+                <a:gd name="connsiteY3" fmla="*/ 190514 h 200038"/>
+                <a:gd name="connsiteX4" fmla="*/ 390525 w 754856"/>
+                <a:gd name="connsiteY4" fmla="*/ 14 h 200038"/>
+                <a:gd name="connsiteX5" fmla="*/ 485775 w 754856"/>
+                <a:gd name="connsiteY5" fmla="*/ 195276 h 200038"/>
+                <a:gd name="connsiteX6" fmla="*/ 573881 w 754856"/>
+                <a:gd name="connsiteY6" fmla="*/ 7158 h 200038"/>
+                <a:gd name="connsiteX7" fmla="*/ 659606 w 754856"/>
+                <a:gd name="connsiteY7" fmla="*/ 200038 h 200038"/>
+                <a:gd name="connsiteX8" fmla="*/ 754856 w 754856"/>
+                <a:gd name="connsiteY8" fmla="*/ 200038 h 200038"/>
+                <a:gd name="connsiteX0" fmla="*/ 0 w 754856"/>
+                <a:gd name="connsiteY0" fmla="*/ 185759 h 200046"/>
+                <a:gd name="connsiteX1" fmla="*/ 90487 w 754856"/>
+                <a:gd name="connsiteY1" fmla="*/ 180997 h 200046"/>
+                <a:gd name="connsiteX2" fmla="*/ 180975 w 754856"/>
+                <a:gd name="connsiteY2" fmla="*/ 22 h 200046"/>
+                <a:gd name="connsiteX3" fmla="*/ 288132 w 754856"/>
+                <a:gd name="connsiteY3" fmla="*/ 190522 h 200046"/>
+                <a:gd name="connsiteX4" fmla="*/ 390525 w 754856"/>
+                <a:gd name="connsiteY4" fmla="*/ 22 h 200046"/>
+                <a:gd name="connsiteX5" fmla="*/ 485775 w 754856"/>
+                <a:gd name="connsiteY5" fmla="*/ 195284 h 200046"/>
+                <a:gd name="connsiteX6" fmla="*/ 573881 w 754856"/>
+                <a:gd name="connsiteY6" fmla="*/ 7166 h 200046"/>
+                <a:gd name="connsiteX7" fmla="*/ 659606 w 754856"/>
+                <a:gd name="connsiteY7" fmla="*/ 200046 h 200046"/>
+                <a:gd name="connsiteX8" fmla="*/ 754856 w 754856"/>
+                <a:gd name="connsiteY8" fmla="*/ 200046 h 200046"/>
+                <a:gd name="connsiteX0" fmla="*/ 0 w 754856"/>
+                <a:gd name="connsiteY0" fmla="*/ 185751 h 200038"/>
+                <a:gd name="connsiteX1" fmla="*/ 90487 w 754856"/>
+                <a:gd name="connsiteY1" fmla="*/ 180989 h 200038"/>
+                <a:gd name="connsiteX2" fmla="*/ 180975 w 754856"/>
+                <a:gd name="connsiteY2" fmla="*/ 14 h 200038"/>
+                <a:gd name="connsiteX3" fmla="*/ 288132 w 754856"/>
+                <a:gd name="connsiteY3" fmla="*/ 190514 h 200038"/>
+                <a:gd name="connsiteX4" fmla="*/ 390525 w 754856"/>
+                <a:gd name="connsiteY4" fmla="*/ 14 h 200038"/>
+                <a:gd name="connsiteX5" fmla="*/ 485775 w 754856"/>
+                <a:gd name="connsiteY5" fmla="*/ 185751 h 200038"/>
+                <a:gd name="connsiteX6" fmla="*/ 573881 w 754856"/>
+                <a:gd name="connsiteY6" fmla="*/ 7158 h 200038"/>
+                <a:gd name="connsiteX7" fmla="*/ 659606 w 754856"/>
+                <a:gd name="connsiteY7" fmla="*/ 200038 h 200038"/>
+                <a:gd name="connsiteX8" fmla="*/ 754856 w 754856"/>
+                <a:gd name="connsiteY8" fmla="*/ 200038 h 200038"/>
+                <a:gd name="connsiteX0" fmla="*/ 0 w 754856"/>
+                <a:gd name="connsiteY0" fmla="*/ 185751 h 200038"/>
+                <a:gd name="connsiteX1" fmla="*/ 90487 w 754856"/>
+                <a:gd name="connsiteY1" fmla="*/ 180989 h 200038"/>
+                <a:gd name="connsiteX2" fmla="*/ 180975 w 754856"/>
+                <a:gd name="connsiteY2" fmla="*/ 14 h 200038"/>
+                <a:gd name="connsiteX3" fmla="*/ 288132 w 754856"/>
+                <a:gd name="connsiteY3" fmla="*/ 190514 h 200038"/>
+                <a:gd name="connsiteX4" fmla="*/ 390525 w 754856"/>
+                <a:gd name="connsiteY4" fmla="*/ 14 h 200038"/>
+                <a:gd name="connsiteX5" fmla="*/ 485775 w 754856"/>
+                <a:gd name="connsiteY5" fmla="*/ 185751 h 200038"/>
+                <a:gd name="connsiteX6" fmla="*/ 573881 w 754856"/>
+                <a:gd name="connsiteY6" fmla="*/ 7158 h 200038"/>
+                <a:gd name="connsiteX7" fmla="*/ 659606 w 754856"/>
+                <a:gd name="connsiteY7" fmla="*/ 200038 h 200038"/>
+                <a:gd name="connsiteX8" fmla="*/ 754856 w 754856"/>
+                <a:gd name="connsiteY8" fmla="*/ 200038 h 200038"/>
+                <a:gd name="connsiteX0" fmla="*/ 0 w 754856"/>
+                <a:gd name="connsiteY0" fmla="*/ 185751 h 200038"/>
+                <a:gd name="connsiteX1" fmla="*/ 90487 w 754856"/>
+                <a:gd name="connsiteY1" fmla="*/ 180989 h 200038"/>
+                <a:gd name="connsiteX2" fmla="*/ 180975 w 754856"/>
+                <a:gd name="connsiteY2" fmla="*/ 14 h 200038"/>
+                <a:gd name="connsiteX3" fmla="*/ 288132 w 754856"/>
+                <a:gd name="connsiteY3" fmla="*/ 190514 h 200038"/>
+                <a:gd name="connsiteX4" fmla="*/ 390525 w 754856"/>
+                <a:gd name="connsiteY4" fmla="*/ 14 h 200038"/>
+                <a:gd name="connsiteX5" fmla="*/ 485775 w 754856"/>
+                <a:gd name="connsiteY5" fmla="*/ 185751 h 200038"/>
+                <a:gd name="connsiteX6" fmla="*/ 573881 w 754856"/>
+                <a:gd name="connsiteY6" fmla="*/ 7158 h 200038"/>
+                <a:gd name="connsiteX7" fmla="*/ 659606 w 754856"/>
+                <a:gd name="connsiteY7" fmla="*/ 200038 h 200038"/>
+                <a:gd name="connsiteX8" fmla="*/ 754856 w 754856"/>
+                <a:gd name="connsiteY8" fmla="*/ 200038 h 200038"/>
+                <a:gd name="connsiteX0" fmla="*/ 0 w 754856"/>
+                <a:gd name="connsiteY0" fmla="*/ 185751 h 200038"/>
+                <a:gd name="connsiteX1" fmla="*/ 90487 w 754856"/>
+                <a:gd name="connsiteY1" fmla="*/ 180989 h 200038"/>
+                <a:gd name="connsiteX2" fmla="*/ 180975 w 754856"/>
+                <a:gd name="connsiteY2" fmla="*/ 14 h 200038"/>
+                <a:gd name="connsiteX3" fmla="*/ 288132 w 754856"/>
+                <a:gd name="connsiteY3" fmla="*/ 190514 h 200038"/>
+                <a:gd name="connsiteX4" fmla="*/ 390525 w 754856"/>
+                <a:gd name="connsiteY4" fmla="*/ 14 h 200038"/>
+                <a:gd name="connsiteX5" fmla="*/ 485775 w 754856"/>
+                <a:gd name="connsiteY5" fmla="*/ 185751 h 200038"/>
+                <a:gd name="connsiteX6" fmla="*/ 573881 w 754856"/>
+                <a:gd name="connsiteY6" fmla="*/ 7158 h 200038"/>
+                <a:gd name="connsiteX7" fmla="*/ 664369 w 754856"/>
+                <a:gd name="connsiteY7" fmla="*/ 188131 h 200038"/>
+                <a:gd name="connsiteX8" fmla="*/ 754856 w 754856"/>
+                <a:gd name="connsiteY8" fmla="*/ 200038 h 200038"/>
+                <a:gd name="connsiteX0" fmla="*/ 0 w 757238"/>
+                <a:gd name="connsiteY0" fmla="*/ 185751 h 190514"/>
+                <a:gd name="connsiteX1" fmla="*/ 90487 w 757238"/>
+                <a:gd name="connsiteY1" fmla="*/ 180989 h 190514"/>
+                <a:gd name="connsiteX2" fmla="*/ 180975 w 757238"/>
+                <a:gd name="connsiteY2" fmla="*/ 14 h 190514"/>
+                <a:gd name="connsiteX3" fmla="*/ 288132 w 757238"/>
+                <a:gd name="connsiteY3" fmla="*/ 190514 h 190514"/>
+                <a:gd name="connsiteX4" fmla="*/ 390525 w 757238"/>
+                <a:gd name="connsiteY4" fmla="*/ 14 h 190514"/>
+                <a:gd name="connsiteX5" fmla="*/ 485775 w 757238"/>
+                <a:gd name="connsiteY5" fmla="*/ 185751 h 190514"/>
+                <a:gd name="connsiteX6" fmla="*/ 573881 w 757238"/>
+                <a:gd name="connsiteY6" fmla="*/ 7158 h 190514"/>
+                <a:gd name="connsiteX7" fmla="*/ 664369 w 757238"/>
+                <a:gd name="connsiteY7" fmla="*/ 188131 h 190514"/>
+                <a:gd name="connsiteX8" fmla="*/ 757238 w 757238"/>
+                <a:gd name="connsiteY8" fmla="*/ 185750 h 190514"/>
+                <a:gd name="connsiteX0" fmla="*/ 0 w 762001"/>
+                <a:gd name="connsiteY0" fmla="*/ 180988 h 190514"/>
+                <a:gd name="connsiteX1" fmla="*/ 95250 w 762001"/>
+                <a:gd name="connsiteY1" fmla="*/ 180989 h 190514"/>
+                <a:gd name="connsiteX2" fmla="*/ 185738 w 762001"/>
+                <a:gd name="connsiteY2" fmla="*/ 14 h 190514"/>
+                <a:gd name="connsiteX3" fmla="*/ 292895 w 762001"/>
+                <a:gd name="connsiteY3" fmla="*/ 190514 h 190514"/>
+                <a:gd name="connsiteX4" fmla="*/ 395288 w 762001"/>
+                <a:gd name="connsiteY4" fmla="*/ 14 h 190514"/>
+                <a:gd name="connsiteX5" fmla="*/ 490538 w 762001"/>
+                <a:gd name="connsiteY5" fmla="*/ 185751 h 190514"/>
+                <a:gd name="connsiteX6" fmla="*/ 578644 w 762001"/>
+                <a:gd name="connsiteY6" fmla="*/ 7158 h 190514"/>
+                <a:gd name="connsiteX7" fmla="*/ 669132 w 762001"/>
+                <a:gd name="connsiteY7" fmla="*/ 188131 h 190514"/>
+                <a:gd name="connsiteX8" fmla="*/ 762001 w 762001"/>
+                <a:gd name="connsiteY8" fmla="*/ 185750 h 190514"/>
+                <a:gd name="connsiteX0" fmla="*/ 0 w 762001"/>
+                <a:gd name="connsiteY0" fmla="*/ 180988 h 190514"/>
+                <a:gd name="connsiteX1" fmla="*/ 95250 w 762001"/>
+                <a:gd name="connsiteY1" fmla="*/ 180989 h 190514"/>
+                <a:gd name="connsiteX2" fmla="*/ 185738 w 762001"/>
+                <a:gd name="connsiteY2" fmla="*/ 14 h 190514"/>
+                <a:gd name="connsiteX3" fmla="*/ 292895 w 762001"/>
+                <a:gd name="connsiteY3" fmla="*/ 190514 h 190514"/>
+                <a:gd name="connsiteX4" fmla="*/ 395288 w 762001"/>
+                <a:gd name="connsiteY4" fmla="*/ 14 h 190514"/>
+                <a:gd name="connsiteX5" fmla="*/ 490538 w 762001"/>
+                <a:gd name="connsiteY5" fmla="*/ 185751 h 190514"/>
+                <a:gd name="connsiteX6" fmla="*/ 578644 w 762001"/>
+                <a:gd name="connsiteY6" fmla="*/ 7158 h 190514"/>
+                <a:gd name="connsiteX7" fmla="*/ 669132 w 762001"/>
+                <a:gd name="connsiteY7" fmla="*/ 188131 h 190514"/>
+                <a:gd name="connsiteX8" fmla="*/ 762001 w 762001"/>
+                <a:gd name="connsiteY8" fmla="*/ 185750 h 190514"/>
+                <a:gd name="connsiteX0" fmla="*/ 0 w 762001"/>
+                <a:gd name="connsiteY0" fmla="*/ 180988 h 190514"/>
+                <a:gd name="connsiteX1" fmla="*/ 95250 w 762001"/>
+                <a:gd name="connsiteY1" fmla="*/ 180989 h 190514"/>
+                <a:gd name="connsiteX2" fmla="*/ 185738 w 762001"/>
+                <a:gd name="connsiteY2" fmla="*/ 14 h 190514"/>
+                <a:gd name="connsiteX3" fmla="*/ 292895 w 762001"/>
+                <a:gd name="connsiteY3" fmla="*/ 190514 h 190514"/>
+                <a:gd name="connsiteX4" fmla="*/ 395288 w 762001"/>
+                <a:gd name="connsiteY4" fmla="*/ 14 h 190514"/>
+                <a:gd name="connsiteX5" fmla="*/ 490538 w 762001"/>
+                <a:gd name="connsiteY5" fmla="*/ 185751 h 190514"/>
+                <a:gd name="connsiteX6" fmla="*/ 578644 w 762001"/>
+                <a:gd name="connsiteY6" fmla="*/ 7158 h 190514"/>
+                <a:gd name="connsiteX7" fmla="*/ 669132 w 762001"/>
+                <a:gd name="connsiteY7" fmla="*/ 188131 h 190514"/>
+                <a:gd name="connsiteX8" fmla="*/ 762001 w 762001"/>
+                <a:gd name="connsiteY8" fmla="*/ 185750 h 190514"/>
+                <a:gd name="connsiteX0" fmla="*/ 0 w 762001"/>
+                <a:gd name="connsiteY0" fmla="*/ 180988 h 190514"/>
+                <a:gd name="connsiteX1" fmla="*/ 95250 w 762001"/>
+                <a:gd name="connsiteY1" fmla="*/ 180989 h 190514"/>
+                <a:gd name="connsiteX2" fmla="*/ 185738 w 762001"/>
+                <a:gd name="connsiteY2" fmla="*/ 14 h 190514"/>
+                <a:gd name="connsiteX3" fmla="*/ 292895 w 762001"/>
+                <a:gd name="connsiteY3" fmla="*/ 190514 h 190514"/>
+                <a:gd name="connsiteX4" fmla="*/ 395288 w 762001"/>
+                <a:gd name="connsiteY4" fmla="*/ 14 h 190514"/>
+                <a:gd name="connsiteX5" fmla="*/ 490538 w 762001"/>
+                <a:gd name="connsiteY5" fmla="*/ 185751 h 190514"/>
+                <a:gd name="connsiteX6" fmla="*/ 590550 w 762001"/>
+                <a:gd name="connsiteY6" fmla="*/ 4777 h 190514"/>
+                <a:gd name="connsiteX7" fmla="*/ 669132 w 762001"/>
+                <a:gd name="connsiteY7" fmla="*/ 188131 h 190514"/>
+                <a:gd name="connsiteX8" fmla="*/ 762001 w 762001"/>
+                <a:gd name="connsiteY8" fmla="*/ 185750 h 190514"/>
+              </a:gdLst>
+              <a:ahLst/>
+              <a:cxnLst>
+                <a:cxn ang="0">
+                  <a:pos x="connsiteX0" y="connsiteY0"/>
+                </a:cxn>
+                <a:cxn ang="0">
+                  <a:pos x="connsiteX1" y="connsiteY1"/>
+                </a:cxn>
+                <a:cxn ang="0">
+                  <a:pos x="connsiteX2" y="connsiteY2"/>
+                </a:cxn>
+                <a:cxn ang="0">
+                  <a:pos x="connsiteX3" y="connsiteY3"/>
+                </a:cxn>
+                <a:cxn ang="0">
+                  <a:pos x="connsiteX4" y="connsiteY4"/>
+                </a:cxn>
+                <a:cxn ang="0">
+                  <a:pos x="connsiteX5" y="connsiteY5"/>
+                </a:cxn>
+                <a:cxn ang="0">
+                  <a:pos x="connsiteX6" y="connsiteY6"/>
+                </a:cxn>
+                <a:cxn ang="0">
+                  <a:pos x="connsiteX7" y="connsiteY7"/>
+                </a:cxn>
+                <a:cxn ang="0">
+                  <a:pos x="connsiteX8" y="connsiteY8"/>
+                </a:cxn>
+              </a:cxnLst>
+              <a:rect l="l" t="t" r="r" b="b"/>
+              <a:pathLst>
+                <a:path w="762001" h="190514">
+                  <a:moveTo>
+                    <a:pt x="0" y="180988"/>
+                  </a:moveTo>
+                  <a:cubicBezTo>
+                    <a:pt x="82550" y="184164"/>
+                    <a:pt x="7938" y="178608"/>
+                    <a:pt x="95250" y="180989"/>
+                  </a:cubicBezTo>
+                  <a:cubicBezTo>
+                    <a:pt x="99219" y="133364"/>
+                    <a:pt x="111125" y="-1574"/>
+                    <a:pt x="185738" y="14"/>
+                  </a:cubicBezTo>
+                  <a:cubicBezTo>
+                    <a:pt x="269081" y="-780"/>
+                    <a:pt x="266702" y="119077"/>
+                    <a:pt x="292895" y="190514"/>
+                  </a:cubicBezTo>
+                  <a:cubicBezTo>
+                    <a:pt x="308494" y="121789"/>
+                    <a:pt x="295664" y="265"/>
+                    <a:pt x="395288" y="14"/>
+                  </a:cubicBezTo>
+                  <a:cubicBezTo>
+                    <a:pt x="499668" y="-249"/>
+                    <a:pt x="464344" y="133761"/>
+                    <a:pt x="490538" y="185751"/>
+                  </a:cubicBezTo>
+                  <a:cubicBezTo>
+                    <a:pt x="511969" y="140110"/>
+                    <a:pt x="506413" y="6364"/>
+                    <a:pt x="590550" y="4777"/>
+                  </a:cubicBezTo>
+                  <a:cubicBezTo>
+                    <a:pt x="684212" y="4777"/>
+                    <a:pt x="661592" y="132966"/>
+                    <a:pt x="669132" y="188131"/>
+                  </a:cubicBezTo>
+                  <a:lnTo>
+                    <a:pt x="762001" y="185750"/>
+                  </a:lnTo>
+                </a:path>
+              </a:pathLst>
+            </a:custGeom>
+            <a:noFill/>
+            <a:ln w="28575">
+              <a:solidFill>
+                <a:schemeClr val="tx1"/>
+              </a:solidFill>
+            </a:ln>
+          </p:spPr>
+          <p:style>
+            <a:lnRef idx="2">
+              <a:schemeClr val="accent1">
+                <a:shade val="50000"/>
+              </a:schemeClr>
+            </a:lnRef>
+            <a:fillRef idx="1">
+              <a:schemeClr val="accent1"/>
+            </a:fillRef>
+            <a:effectRef idx="0">
+              <a:schemeClr val="accent1"/>
+            </a:effectRef>
+            <a:fontRef idx="minor">
+              <a:schemeClr val="lt1"/>
+            </a:fontRef>
+          </p:style>
+          <p:txBody>
+            <a:bodyPr rtlCol="0" anchor="ctr"/>
+            <a:lstStyle/>
+            <a:p>
+              <a:pPr algn="ctr"/>
+              <a:endParaRPr lang="fr-FR"/>
+            </a:p>
+          </p:txBody>
+        </p:sp>
+        <p:sp>
+          <p:nvSpPr>
+            <p:cNvPr id="105" name="Forme libre 104"/>
+            <p:cNvSpPr/>
+            <p:nvPr/>
+          </p:nvSpPr>
+          <p:spPr>
+            <a:xfrm>
+              <a:off x="346438" y="2507185"/>
+              <a:ext cx="762001" cy="190514"/>
+            </a:xfrm>
+            <a:custGeom>
+              <a:avLst/>
+              <a:gdLst>
+                <a:gd name="connsiteX0" fmla="*/ 0 w 719137"/>
+                <a:gd name="connsiteY0" fmla="*/ 185737 h 229048"/>
+                <a:gd name="connsiteX1" fmla="*/ 90487 w 719137"/>
+                <a:gd name="connsiteY1" fmla="*/ 180975 h 229048"/>
+                <a:gd name="connsiteX2" fmla="*/ 95250 w 719137"/>
+                <a:gd name="connsiteY2" fmla="*/ 100012 h 229048"/>
+                <a:gd name="connsiteX3" fmla="*/ 109537 w 719137"/>
+                <a:gd name="connsiteY3" fmla="*/ 66675 h 229048"/>
+                <a:gd name="connsiteX4" fmla="*/ 123825 w 719137"/>
+                <a:gd name="connsiteY4" fmla="*/ 33337 h 229048"/>
+                <a:gd name="connsiteX5" fmla="*/ 152400 w 719137"/>
+                <a:gd name="connsiteY5" fmla="*/ 14287 h 229048"/>
+                <a:gd name="connsiteX6" fmla="*/ 180975 w 719137"/>
+                <a:gd name="connsiteY6" fmla="*/ 0 h 229048"/>
+                <a:gd name="connsiteX7" fmla="*/ 223837 w 719137"/>
+                <a:gd name="connsiteY7" fmla="*/ 4762 h 229048"/>
+                <a:gd name="connsiteX8" fmla="*/ 238125 w 719137"/>
+                <a:gd name="connsiteY8" fmla="*/ 9525 h 229048"/>
+                <a:gd name="connsiteX9" fmla="*/ 242887 w 719137"/>
+                <a:gd name="connsiteY9" fmla="*/ 23812 h 229048"/>
+                <a:gd name="connsiteX10" fmla="*/ 252412 w 719137"/>
+                <a:gd name="connsiteY10" fmla="*/ 42862 h 229048"/>
+                <a:gd name="connsiteX11" fmla="*/ 261937 w 719137"/>
+                <a:gd name="connsiteY11" fmla="*/ 71437 h 229048"/>
+                <a:gd name="connsiteX12" fmla="*/ 266700 w 719137"/>
+                <a:gd name="connsiteY12" fmla="*/ 104775 h 229048"/>
+                <a:gd name="connsiteX13" fmla="*/ 276225 w 719137"/>
+                <a:gd name="connsiteY13" fmla="*/ 190500 h 229048"/>
+                <a:gd name="connsiteX14" fmla="*/ 328612 w 719137"/>
+                <a:gd name="connsiteY14" fmla="*/ 185737 h 229048"/>
+                <a:gd name="connsiteX15" fmla="*/ 333375 w 719137"/>
+                <a:gd name="connsiteY15" fmla="*/ 119062 h 229048"/>
+                <a:gd name="connsiteX16" fmla="*/ 342900 w 719137"/>
+                <a:gd name="connsiteY16" fmla="*/ 90487 h 229048"/>
+                <a:gd name="connsiteX17" fmla="*/ 357187 w 719137"/>
+                <a:gd name="connsiteY17" fmla="*/ 61912 h 229048"/>
+                <a:gd name="connsiteX18" fmla="*/ 371475 w 719137"/>
+                <a:gd name="connsiteY18" fmla="*/ 52387 h 229048"/>
+                <a:gd name="connsiteX19" fmla="*/ 381000 w 719137"/>
+                <a:gd name="connsiteY19" fmla="*/ 38100 h 229048"/>
+                <a:gd name="connsiteX20" fmla="*/ 409575 w 719137"/>
+                <a:gd name="connsiteY20" fmla="*/ 28575 h 229048"/>
+                <a:gd name="connsiteX21" fmla="*/ 438150 w 719137"/>
+                <a:gd name="connsiteY21" fmla="*/ 33337 h 229048"/>
+                <a:gd name="connsiteX22" fmla="*/ 452437 w 719137"/>
+                <a:gd name="connsiteY22" fmla="*/ 38100 h 229048"/>
+                <a:gd name="connsiteX23" fmla="*/ 457200 w 719137"/>
+                <a:gd name="connsiteY23" fmla="*/ 52387 h 229048"/>
+                <a:gd name="connsiteX24" fmla="*/ 476250 w 719137"/>
+                <a:gd name="connsiteY24" fmla="*/ 80962 h 229048"/>
+                <a:gd name="connsiteX25" fmla="*/ 485775 w 719137"/>
+                <a:gd name="connsiteY25" fmla="*/ 109537 h 229048"/>
+                <a:gd name="connsiteX26" fmla="*/ 490537 w 719137"/>
+                <a:gd name="connsiteY26" fmla="*/ 123825 h 229048"/>
+                <a:gd name="connsiteX27" fmla="*/ 485775 w 719137"/>
+                <a:gd name="connsiteY27" fmla="*/ 195262 h 229048"/>
+                <a:gd name="connsiteX28" fmla="*/ 481012 w 719137"/>
+                <a:gd name="connsiteY28" fmla="*/ 171450 h 229048"/>
+                <a:gd name="connsiteX29" fmla="*/ 485775 w 719137"/>
+                <a:gd name="connsiteY29" fmla="*/ 123825 h 229048"/>
+                <a:gd name="connsiteX30" fmla="*/ 495300 w 719137"/>
+                <a:gd name="connsiteY30" fmla="*/ 95250 h 229048"/>
+                <a:gd name="connsiteX31" fmla="*/ 523875 w 719137"/>
+                <a:gd name="connsiteY31" fmla="*/ 80962 h 229048"/>
+                <a:gd name="connsiteX32" fmla="*/ 590550 w 719137"/>
+                <a:gd name="connsiteY32" fmla="*/ 85725 h 229048"/>
+                <a:gd name="connsiteX33" fmla="*/ 609600 w 719137"/>
+                <a:gd name="connsiteY33" fmla="*/ 114300 h 229048"/>
+                <a:gd name="connsiteX34" fmla="*/ 614362 w 719137"/>
+                <a:gd name="connsiteY34" fmla="*/ 138112 h 229048"/>
+                <a:gd name="connsiteX35" fmla="*/ 619125 w 719137"/>
+                <a:gd name="connsiteY35" fmla="*/ 157162 h 229048"/>
+                <a:gd name="connsiteX36" fmla="*/ 623887 w 719137"/>
+                <a:gd name="connsiteY36" fmla="*/ 180975 h 229048"/>
+                <a:gd name="connsiteX37" fmla="*/ 633412 w 719137"/>
+                <a:gd name="connsiteY37" fmla="*/ 223837 h 229048"/>
+                <a:gd name="connsiteX38" fmla="*/ 719137 w 719137"/>
+                <a:gd name="connsiteY38" fmla="*/ 223837 h 229048"/>
+                <a:gd name="connsiteX0" fmla="*/ 0 w 719137"/>
+                <a:gd name="connsiteY0" fmla="*/ 185737 h 229048"/>
+                <a:gd name="connsiteX1" fmla="*/ 90487 w 719137"/>
+                <a:gd name="connsiteY1" fmla="*/ 180975 h 229048"/>
+                <a:gd name="connsiteX2" fmla="*/ 109537 w 719137"/>
+                <a:gd name="connsiteY2" fmla="*/ 66675 h 229048"/>
+                <a:gd name="connsiteX3" fmla="*/ 123825 w 719137"/>
+                <a:gd name="connsiteY3" fmla="*/ 33337 h 229048"/>
+                <a:gd name="connsiteX4" fmla="*/ 152400 w 719137"/>
+                <a:gd name="connsiteY4" fmla="*/ 14287 h 229048"/>
+                <a:gd name="connsiteX5" fmla="*/ 180975 w 719137"/>
+                <a:gd name="connsiteY5" fmla="*/ 0 h 229048"/>
+                <a:gd name="connsiteX6" fmla="*/ 223837 w 719137"/>
+                <a:gd name="connsiteY6" fmla="*/ 4762 h 229048"/>
+                <a:gd name="connsiteX7" fmla="*/ 238125 w 719137"/>
+                <a:gd name="connsiteY7" fmla="*/ 9525 h 229048"/>
+                <a:gd name="connsiteX8" fmla="*/ 242887 w 719137"/>
+                <a:gd name="connsiteY8" fmla="*/ 23812 h 229048"/>
+                <a:gd name="connsiteX9" fmla="*/ 252412 w 719137"/>
+                <a:gd name="connsiteY9" fmla="*/ 42862 h 229048"/>
+                <a:gd name="connsiteX10" fmla="*/ 261937 w 719137"/>
+                <a:gd name="connsiteY10" fmla="*/ 71437 h 229048"/>
+                <a:gd name="connsiteX11" fmla="*/ 266700 w 719137"/>
+                <a:gd name="connsiteY11" fmla="*/ 104775 h 229048"/>
+                <a:gd name="connsiteX12" fmla="*/ 276225 w 719137"/>
+                <a:gd name="connsiteY12" fmla="*/ 190500 h 229048"/>
+                <a:gd name="connsiteX13" fmla="*/ 328612 w 719137"/>
+                <a:gd name="connsiteY13" fmla="*/ 185737 h 229048"/>
+                <a:gd name="connsiteX14" fmla="*/ 333375 w 719137"/>
+                <a:gd name="connsiteY14" fmla="*/ 119062 h 229048"/>
+                <a:gd name="connsiteX15" fmla="*/ 342900 w 719137"/>
+                <a:gd name="connsiteY15" fmla="*/ 90487 h 229048"/>
+                <a:gd name="connsiteX16" fmla="*/ 357187 w 719137"/>
+                <a:gd name="connsiteY16" fmla="*/ 61912 h 229048"/>
+                <a:gd name="connsiteX17" fmla="*/ 371475 w 719137"/>
+                <a:gd name="connsiteY17" fmla="*/ 52387 h 229048"/>
+                <a:gd name="connsiteX18" fmla="*/ 381000 w 719137"/>
+                <a:gd name="connsiteY18" fmla="*/ 38100 h 229048"/>
+                <a:gd name="connsiteX19" fmla="*/ 409575 w 719137"/>
+                <a:gd name="connsiteY19" fmla="*/ 28575 h 229048"/>
+                <a:gd name="connsiteX20" fmla="*/ 438150 w 719137"/>
+                <a:gd name="connsiteY20" fmla="*/ 33337 h 229048"/>
+                <a:gd name="connsiteX21" fmla="*/ 452437 w 719137"/>
+                <a:gd name="connsiteY21" fmla="*/ 38100 h 229048"/>
+                <a:gd name="connsiteX22" fmla="*/ 457200 w 719137"/>
+                <a:gd name="connsiteY22" fmla="*/ 52387 h 229048"/>
+                <a:gd name="connsiteX23" fmla="*/ 476250 w 719137"/>
+                <a:gd name="connsiteY23" fmla="*/ 80962 h 229048"/>
+                <a:gd name="connsiteX24" fmla="*/ 485775 w 719137"/>
+                <a:gd name="connsiteY24" fmla="*/ 109537 h 229048"/>
+                <a:gd name="connsiteX25" fmla="*/ 490537 w 719137"/>
+                <a:gd name="connsiteY25" fmla="*/ 123825 h 229048"/>
+                <a:gd name="connsiteX26" fmla="*/ 485775 w 719137"/>
+                <a:gd name="connsiteY26" fmla="*/ 195262 h 229048"/>
+                <a:gd name="connsiteX27" fmla="*/ 481012 w 719137"/>
+                <a:gd name="connsiteY27" fmla="*/ 171450 h 229048"/>
+                <a:gd name="connsiteX28" fmla="*/ 485775 w 719137"/>
+                <a:gd name="connsiteY28" fmla="*/ 123825 h 229048"/>
+                <a:gd name="connsiteX29" fmla="*/ 495300 w 719137"/>
+                <a:gd name="connsiteY29" fmla="*/ 95250 h 229048"/>
+                <a:gd name="connsiteX30" fmla="*/ 523875 w 719137"/>
+                <a:gd name="connsiteY30" fmla="*/ 80962 h 229048"/>
+                <a:gd name="connsiteX31" fmla="*/ 590550 w 719137"/>
+                <a:gd name="connsiteY31" fmla="*/ 85725 h 229048"/>
+                <a:gd name="connsiteX32" fmla="*/ 609600 w 719137"/>
+                <a:gd name="connsiteY32" fmla="*/ 114300 h 229048"/>
+                <a:gd name="connsiteX33" fmla="*/ 614362 w 719137"/>
+                <a:gd name="connsiteY33" fmla="*/ 138112 h 229048"/>
+                <a:gd name="connsiteX34" fmla="*/ 619125 w 719137"/>
+                <a:gd name="connsiteY34" fmla="*/ 157162 h 229048"/>
+                <a:gd name="connsiteX35" fmla="*/ 623887 w 719137"/>
+                <a:gd name="connsiteY35" fmla="*/ 180975 h 229048"/>
+                <a:gd name="connsiteX36" fmla="*/ 633412 w 719137"/>
+                <a:gd name="connsiteY36" fmla="*/ 223837 h 229048"/>
+                <a:gd name="connsiteX37" fmla="*/ 719137 w 719137"/>
+                <a:gd name="connsiteY37" fmla="*/ 223837 h 229048"/>
+                <a:gd name="connsiteX0" fmla="*/ 0 w 719137"/>
+                <a:gd name="connsiteY0" fmla="*/ 185737 h 229048"/>
+                <a:gd name="connsiteX1" fmla="*/ 90487 w 719137"/>
+                <a:gd name="connsiteY1" fmla="*/ 180975 h 229048"/>
+                <a:gd name="connsiteX2" fmla="*/ 123825 w 719137"/>
+                <a:gd name="connsiteY2" fmla="*/ 33337 h 229048"/>
+                <a:gd name="connsiteX3" fmla="*/ 152400 w 719137"/>
+                <a:gd name="connsiteY3" fmla="*/ 14287 h 229048"/>
+                <a:gd name="connsiteX4" fmla="*/ 180975 w 719137"/>
+                <a:gd name="connsiteY4" fmla="*/ 0 h 229048"/>
+                <a:gd name="connsiteX5" fmla="*/ 223837 w 719137"/>
+                <a:gd name="connsiteY5" fmla="*/ 4762 h 229048"/>
+                <a:gd name="connsiteX6" fmla="*/ 238125 w 719137"/>
+                <a:gd name="connsiteY6" fmla="*/ 9525 h 229048"/>
+                <a:gd name="connsiteX7" fmla="*/ 242887 w 719137"/>
+                <a:gd name="connsiteY7" fmla="*/ 23812 h 229048"/>
+                <a:gd name="connsiteX8" fmla="*/ 252412 w 719137"/>
+                <a:gd name="connsiteY8" fmla="*/ 42862 h 229048"/>
+                <a:gd name="connsiteX9" fmla="*/ 261937 w 719137"/>
+                <a:gd name="connsiteY9" fmla="*/ 71437 h 229048"/>
+                <a:gd name="connsiteX10" fmla="*/ 266700 w 719137"/>
+                <a:gd name="connsiteY10" fmla="*/ 104775 h 229048"/>
+                <a:gd name="connsiteX11" fmla="*/ 276225 w 719137"/>
+                <a:gd name="connsiteY11" fmla="*/ 190500 h 229048"/>
+                <a:gd name="connsiteX12" fmla="*/ 328612 w 719137"/>
+                <a:gd name="connsiteY12" fmla="*/ 185737 h 229048"/>
+                <a:gd name="connsiteX13" fmla="*/ 333375 w 719137"/>
+                <a:gd name="connsiteY13" fmla="*/ 119062 h 229048"/>
+                <a:gd name="connsiteX14" fmla="*/ 342900 w 719137"/>
+                <a:gd name="connsiteY14" fmla="*/ 90487 h 229048"/>
+                <a:gd name="connsiteX15" fmla="*/ 357187 w 719137"/>
+                <a:gd name="connsiteY15" fmla="*/ 61912 h 229048"/>
+                <a:gd name="connsiteX16" fmla="*/ 371475 w 719137"/>
+                <a:gd name="connsiteY16" fmla="*/ 52387 h 229048"/>
+                <a:gd name="connsiteX17" fmla="*/ 381000 w 719137"/>
+                <a:gd name="connsiteY17" fmla="*/ 38100 h 229048"/>
+                <a:gd name="connsiteX18" fmla="*/ 409575 w 719137"/>
+                <a:gd name="connsiteY18" fmla="*/ 28575 h 229048"/>
+                <a:gd name="connsiteX19" fmla="*/ 438150 w 719137"/>
+                <a:gd name="connsiteY19" fmla="*/ 33337 h 229048"/>
+                <a:gd name="connsiteX20" fmla="*/ 452437 w 719137"/>
+                <a:gd name="connsiteY20" fmla="*/ 38100 h 229048"/>
+                <a:gd name="connsiteX21" fmla="*/ 457200 w 719137"/>
+                <a:gd name="connsiteY21" fmla="*/ 52387 h 229048"/>
+                <a:gd name="connsiteX22" fmla="*/ 476250 w 719137"/>
+                <a:gd name="connsiteY22" fmla="*/ 80962 h 229048"/>
+                <a:gd name="connsiteX23" fmla="*/ 485775 w 719137"/>
+                <a:gd name="connsiteY23" fmla="*/ 109537 h 229048"/>
+                <a:gd name="connsiteX24" fmla="*/ 490537 w 719137"/>
+                <a:gd name="connsiteY24" fmla="*/ 123825 h 229048"/>
+                <a:gd name="connsiteX25" fmla="*/ 485775 w 719137"/>
+                <a:gd name="connsiteY25" fmla="*/ 195262 h 229048"/>
+                <a:gd name="connsiteX26" fmla="*/ 481012 w 719137"/>
+                <a:gd name="connsiteY26" fmla="*/ 171450 h 229048"/>
+                <a:gd name="connsiteX27" fmla="*/ 485775 w 719137"/>
+                <a:gd name="connsiteY27" fmla="*/ 123825 h 229048"/>
+                <a:gd name="connsiteX28" fmla="*/ 495300 w 719137"/>
+                <a:gd name="connsiteY28" fmla="*/ 95250 h 229048"/>
+                <a:gd name="connsiteX29" fmla="*/ 523875 w 719137"/>
+                <a:gd name="connsiteY29" fmla="*/ 80962 h 229048"/>
+                <a:gd name="connsiteX30" fmla="*/ 590550 w 719137"/>
+                <a:gd name="connsiteY30" fmla="*/ 85725 h 229048"/>
+                <a:gd name="connsiteX31" fmla="*/ 609600 w 719137"/>
+                <a:gd name="connsiteY31" fmla="*/ 114300 h 229048"/>
+                <a:gd name="connsiteX32" fmla="*/ 614362 w 719137"/>
+                <a:gd name="connsiteY32" fmla="*/ 138112 h 229048"/>
+                <a:gd name="connsiteX33" fmla="*/ 619125 w 719137"/>
+                <a:gd name="connsiteY33" fmla="*/ 157162 h 229048"/>
+                <a:gd name="connsiteX34" fmla="*/ 623887 w 719137"/>
+                <a:gd name="connsiteY34" fmla="*/ 180975 h 229048"/>
+                <a:gd name="connsiteX35" fmla="*/ 633412 w 719137"/>
+                <a:gd name="connsiteY35" fmla="*/ 223837 h 229048"/>
+                <a:gd name="connsiteX36" fmla="*/ 719137 w 719137"/>
+                <a:gd name="connsiteY36" fmla="*/ 223837 h 229048"/>
+                <a:gd name="connsiteX0" fmla="*/ 0 w 719137"/>
+                <a:gd name="connsiteY0" fmla="*/ 187666 h 230977"/>
+                <a:gd name="connsiteX1" fmla="*/ 90487 w 719137"/>
+                <a:gd name="connsiteY1" fmla="*/ 182904 h 230977"/>
+                <a:gd name="connsiteX2" fmla="*/ 152400 w 719137"/>
+                <a:gd name="connsiteY2" fmla="*/ 16216 h 230977"/>
+                <a:gd name="connsiteX3" fmla="*/ 180975 w 719137"/>
+                <a:gd name="connsiteY3" fmla="*/ 1929 h 230977"/>
+                <a:gd name="connsiteX4" fmla="*/ 223837 w 719137"/>
+                <a:gd name="connsiteY4" fmla="*/ 6691 h 230977"/>
+                <a:gd name="connsiteX5" fmla="*/ 238125 w 719137"/>
+                <a:gd name="connsiteY5" fmla="*/ 11454 h 230977"/>
+                <a:gd name="connsiteX6" fmla="*/ 242887 w 719137"/>
+                <a:gd name="connsiteY6" fmla="*/ 25741 h 230977"/>
+                <a:gd name="connsiteX7" fmla="*/ 252412 w 719137"/>
+                <a:gd name="connsiteY7" fmla="*/ 44791 h 230977"/>
+                <a:gd name="connsiteX8" fmla="*/ 261937 w 719137"/>
+                <a:gd name="connsiteY8" fmla="*/ 73366 h 230977"/>
+                <a:gd name="connsiteX9" fmla="*/ 266700 w 719137"/>
+                <a:gd name="connsiteY9" fmla="*/ 106704 h 230977"/>
+                <a:gd name="connsiteX10" fmla="*/ 276225 w 719137"/>
+                <a:gd name="connsiteY10" fmla="*/ 192429 h 230977"/>
+                <a:gd name="connsiteX11" fmla="*/ 328612 w 719137"/>
+                <a:gd name="connsiteY11" fmla="*/ 187666 h 230977"/>
+                <a:gd name="connsiteX12" fmla="*/ 333375 w 719137"/>
+                <a:gd name="connsiteY12" fmla="*/ 120991 h 230977"/>
+                <a:gd name="connsiteX13" fmla="*/ 342900 w 719137"/>
+                <a:gd name="connsiteY13" fmla="*/ 92416 h 230977"/>
+                <a:gd name="connsiteX14" fmla="*/ 357187 w 719137"/>
+                <a:gd name="connsiteY14" fmla="*/ 63841 h 230977"/>
+                <a:gd name="connsiteX15" fmla="*/ 371475 w 719137"/>
+                <a:gd name="connsiteY15" fmla="*/ 54316 h 230977"/>
+                <a:gd name="connsiteX16" fmla="*/ 381000 w 719137"/>
+                <a:gd name="connsiteY16" fmla="*/ 40029 h 230977"/>
+                <a:gd name="connsiteX17" fmla="*/ 409575 w 719137"/>
+                <a:gd name="connsiteY17" fmla="*/ 30504 h 230977"/>
+                <a:gd name="connsiteX18" fmla="*/ 438150 w 719137"/>
+                <a:gd name="connsiteY18" fmla="*/ 35266 h 230977"/>
+                <a:gd name="connsiteX19" fmla="*/ 452437 w 719137"/>
+                <a:gd name="connsiteY19" fmla="*/ 40029 h 230977"/>
+                <a:gd name="connsiteX20" fmla="*/ 457200 w 719137"/>
+                <a:gd name="connsiteY20" fmla="*/ 54316 h 230977"/>
+                <a:gd name="connsiteX21" fmla="*/ 476250 w 719137"/>
+                <a:gd name="connsiteY21" fmla="*/ 82891 h 230977"/>
+                <a:gd name="connsiteX22" fmla="*/ 485775 w 719137"/>
+                <a:gd name="connsiteY22" fmla="*/ 111466 h 230977"/>
+                <a:gd name="connsiteX23" fmla="*/ 490537 w 719137"/>
+                <a:gd name="connsiteY23" fmla="*/ 125754 h 230977"/>
+                <a:gd name="connsiteX24" fmla="*/ 485775 w 719137"/>
+                <a:gd name="connsiteY24" fmla="*/ 197191 h 230977"/>
+                <a:gd name="connsiteX25" fmla="*/ 481012 w 719137"/>
+                <a:gd name="connsiteY25" fmla="*/ 173379 h 230977"/>
+                <a:gd name="connsiteX26" fmla="*/ 485775 w 719137"/>
+                <a:gd name="connsiteY26" fmla="*/ 125754 h 230977"/>
+                <a:gd name="connsiteX27" fmla="*/ 495300 w 719137"/>
+                <a:gd name="connsiteY27" fmla="*/ 97179 h 230977"/>
+                <a:gd name="connsiteX28" fmla="*/ 523875 w 719137"/>
+                <a:gd name="connsiteY28" fmla="*/ 82891 h 230977"/>
+                <a:gd name="connsiteX29" fmla="*/ 590550 w 719137"/>
+                <a:gd name="connsiteY29" fmla="*/ 87654 h 230977"/>
+                <a:gd name="connsiteX30" fmla="*/ 609600 w 719137"/>
+                <a:gd name="connsiteY30" fmla="*/ 116229 h 230977"/>
+                <a:gd name="connsiteX31" fmla="*/ 614362 w 719137"/>
+                <a:gd name="connsiteY31" fmla="*/ 140041 h 230977"/>
+                <a:gd name="connsiteX32" fmla="*/ 619125 w 719137"/>
+                <a:gd name="connsiteY32" fmla="*/ 159091 h 230977"/>
+                <a:gd name="connsiteX33" fmla="*/ 623887 w 719137"/>
+                <a:gd name="connsiteY33" fmla="*/ 182904 h 230977"/>
+                <a:gd name="connsiteX34" fmla="*/ 633412 w 719137"/>
+                <a:gd name="connsiteY34" fmla="*/ 225766 h 230977"/>
+                <a:gd name="connsiteX35" fmla="*/ 719137 w 719137"/>
+                <a:gd name="connsiteY35" fmla="*/ 225766 h 230977"/>
+                <a:gd name="connsiteX0" fmla="*/ 0 w 719137"/>
+                <a:gd name="connsiteY0" fmla="*/ 185737 h 229048"/>
+                <a:gd name="connsiteX1" fmla="*/ 90487 w 719137"/>
+                <a:gd name="connsiteY1" fmla="*/ 180975 h 229048"/>
+                <a:gd name="connsiteX2" fmla="*/ 180975 w 719137"/>
+                <a:gd name="connsiteY2" fmla="*/ 0 h 229048"/>
+                <a:gd name="connsiteX3" fmla="*/ 223837 w 719137"/>
+                <a:gd name="connsiteY3" fmla="*/ 4762 h 229048"/>
+                <a:gd name="connsiteX4" fmla="*/ 238125 w 719137"/>
+                <a:gd name="connsiteY4" fmla="*/ 9525 h 229048"/>
+                <a:gd name="connsiteX5" fmla="*/ 242887 w 719137"/>
+                <a:gd name="connsiteY5" fmla="*/ 23812 h 229048"/>
+                <a:gd name="connsiteX6" fmla="*/ 252412 w 719137"/>
+                <a:gd name="connsiteY6" fmla="*/ 42862 h 229048"/>
+                <a:gd name="connsiteX7" fmla="*/ 261937 w 719137"/>
+                <a:gd name="connsiteY7" fmla="*/ 71437 h 229048"/>
+                <a:gd name="connsiteX8" fmla="*/ 266700 w 719137"/>
+                <a:gd name="connsiteY8" fmla="*/ 104775 h 229048"/>
+                <a:gd name="connsiteX9" fmla="*/ 276225 w 719137"/>
+                <a:gd name="connsiteY9" fmla="*/ 190500 h 229048"/>
+                <a:gd name="connsiteX10" fmla="*/ 328612 w 719137"/>
+                <a:gd name="connsiteY10" fmla="*/ 185737 h 229048"/>
+                <a:gd name="connsiteX11" fmla="*/ 333375 w 719137"/>
+                <a:gd name="connsiteY11" fmla="*/ 119062 h 229048"/>
+                <a:gd name="connsiteX12" fmla="*/ 342900 w 719137"/>
+                <a:gd name="connsiteY12" fmla="*/ 90487 h 229048"/>
+                <a:gd name="connsiteX13" fmla="*/ 357187 w 719137"/>
+                <a:gd name="connsiteY13" fmla="*/ 61912 h 229048"/>
+                <a:gd name="connsiteX14" fmla="*/ 371475 w 719137"/>
+                <a:gd name="connsiteY14" fmla="*/ 52387 h 229048"/>
+                <a:gd name="connsiteX15" fmla="*/ 381000 w 719137"/>
+                <a:gd name="connsiteY15" fmla="*/ 38100 h 229048"/>
+                <a:gd name="connsiteX16" fmla="*/ 409575 w 719137"/>
+                <a:gd name="connsiteY16" fmla="*/ 28575 h 229048"/>
+                <a:gd name="connsiteX17" fmla="*/ 438150 w 719137"/>
+                <a:gd name="connsiteY17" fmla="*/ 33337 h 229048"/>
+                <a:gd name="connsiteX18" fmla="*/ 452437 w 719137"/>
+                <a:gd name="connsiteY18" fmla="*/ 38100 h 229048"/>
+                <a:gd name="connsiteX19" fmla="*/ 457200 w 719137"/>
+                <a:gd name="connsiteY19" fmla="*/ 52387 h 229048"/>
+                <a:gd name="connsiteX20" fmla="*/ 476250 w 719137"/>
+                <a:gd name="connsiteY20" fmla="*/ 80962 h 229048"/>
+                <a:gd name="connsiteX21" fmla="*/ 485775 w 719137"/>
+                <a:gd name="connsiteY21" fmla="*/ 109537 h 229048"/>
+                <a:gd name="connsiteX22" fmla="*/ 490537 w 719137"/>
+                <a:gd name="connsiteY22" fmla="*/ 123825 h 229048"/>
+                <a:gd name="connsiteX23" fmla="*/ 485775 w 719137"/>
+                <a:gd name="connsiteY23" fmla="*/ 195262 h 229048"/>
+                <a:gd name="connsiteX24" fmla="*/ 481012 w 719137"/>
+                <a:gd name="connsiteY24" fmla="*/ 171450 h 229048"/>
+                <a:gd name="connsiteX25" fmla="*/ 485775 w 719137"/>
+                <a:gd name="connsiteY25" fmla="*/ 123825 h 229048"/>
+                <a:gd name="connsiteX26" fmla="*/ 495300 w 719137"/>
+                <a:gd name="connsiteY26" fmla="*/ 95250 h 229048"/>
+                <a:gd name="connsiteX27" fmla="*/ 523875 w 719137"/>
+                <a:gd name="connsiteY27" fmla="*/ 80962 h 229048"/>
+                <a:gd name="connsiteX28" fmla="*/ 590550 w 719137"/>
+                <a:gd name="connsiteY28" fmla="*/ 85725 h 229048"/>
+                <a:gd name="connsiteX29" fmla="*/ 609600 w 719137"/>
+                <a:gd name="connsiteY29" fmla="*/ 114300 h 229048"/>
+                <a:gd name="connsiteX30" fmla="*/ 614362 w 719137"/>
+                <a:gd name="connsiteY30" fmla="*/ 138112 h 229048"/>
+                <a:gd name="connsiteX31" fmla="*/ 619125 w 719137"/>
+                <a:gd name="connsiteY31" fmla="*/ 157162 h 229048"/>
+                <a:gd name="connsiteX32" fmla="*/ 623887 w 719137"/>
+                <a:gd name="connsiteY32" fmla="*/ 180975 h 229048"/>
+                <a:gd name="connsiteX33" fmla="*/ 633412 w 719137"/>
+                <a:gd name="connsiteY33" fmla="*/ 223837 h 229048"/>
+                <a:gd name="connsiteX34" fmla="*/ 719137 w 719137"/>
+                <a:gd name="connsiteY34" fmla="*/ 223837 h 229048"/>
+                <a:gd name="connsiteX0" fmla="*/ 0 w 719137"/>
+                <a:gd name="connsiteY0" fmla="*/ 197041 h 240352"/>
+                <a:gd name="connsiteX1" fmla="*/ 90487 w 719137"/>
+                <a:gd name="connsiteY1" fmla="*/ 192279 h 240352"/>
+                <a:gd name="connsiteX2" fmla="*/ 180975 w 719137"/>
+                <a:gd name="connsiteY2" fmla="*/ 11304 h 240352"/>
+                <a:gd name="connsiteX3" fmla="*/ 238125 w 719137"/>
+                <a:gd name="connsiteY3" fmla="*/ 20829 h 240352"/>
+                <a:gd name="connsiteX4" fmla="*/ 242887 w 719137"/>
+                <a:gd name="connsiteY4" fmla="*/ 35116 h 240352"/>
+                <a:gd name="connsiteX5" fmla="*/ 252412 w 719137"/>
+                <a:gd name="connsiteY5" fmla="*/ 54166 h 240352"/>
+                <a:gd name="connsiteX6" fmla="*/ 261937 w 719137"/>
+                <a:gd name="connsiteY6" fmla="*/ 82741 h 240352"/>
+                <a:gd name="connsiteX7" fmla="*/ 266700 w 719137"/>
+                <a:gd name="connsiteY7" fmla="*/ 116079 h 240352"/>
+                <a:gd name="connsiteX8" fmla="*/ 276225 w 719137"/>
+                <a:gd name="connsiteY8" fmla="*/ 201804 h 240352"/>
+                <a:gd name="connsiteX9" fmla="*/ 328612 w 719137"/>
+                <a:gd name="connsiteY9" fmla="*/ 197041 h 240352"/>
+                <a:gd name="connsiteX10" fmla="*/ 333375 w 719137"/>
+                <a:gd name="connsiteY10" fmla="*/ 130366 h 240352"/>
+                <a:gd name="connsiteX11" fmla="*/ 342900 w 719137"/>
+                <a:gd name="connsiteY11" fmla="*/ 101791 h 240352"/>
+                <a:gd name="connsiteX12" fmla="*/ 357187 w 719137"/>
+                <a:gd name="connsiteY12" fmla="*/ 73216 h 240352"/>
+                <a:gd name="connsiteX13" fmla="*/ 371475 w 719137"/>
+                <a:gd name="connsiteY13" fmla="*/ 63691 h 240352"/>
+                <a:gd name="connsiteX14" fmla="*/ 381000 w 719137"/>
+                <a:gd name="connsiteY14" fmla="*/ 49404 h 240352"/>
+                <a:gd name="connsiteX15" fmla="*/ 409575 w 719137"/>
+                <a:gd name="connsiteY15" fmla="*/ 39879 h 240352"/>
+                <a:gd name="connsiteX16" fmla="*/ 438150 w 719137"/>
+                <a:gd name="connsiteY16" fmla="*/ 44641 h 240352"/>
+                <a:gd name="connsiteX17" fmla="*/ 452437 w 719137"/>
+                <a:gd name="connsiteY17" fmla="*/ 49404 h 240352"/>
+                <a:gd name="connsiteX18" fmla="*/ 457200 w 719137"/>
+                <a:gd name="connsiteY18" fmla="*/ 63691 h 240352"/>
+                <a:gd name="connsiteX19" fmla="*/ 476250 w 719137"/>
+                <a:gd name="connsiteY19" fmla="*/ 92266 h 240352"/>
+                <a:gd name="connsiteX20" fmla="*/ 485775 w 719137"/>
+                <a:gd name="connsiteY20" fmla="*/ 120841 h 240352"/>
+                <a:gd name="connsiteX21" fmla="*/ 490537 w 719137"/>
+                <a:gd name="connsiteY21" fmla="*/ 135129 h 240352"/>
+                <a:gd name="connsiteX22" fmla="*/ 485775 w 719137"/>
+                <a:gd name="connsiteY22" fmla="*/ 206566 h 240352"/>
+                <a:gd name="connsiteX23" fmla="*/ 481012 w 719137"/>
+                <a:gd name="connsiteY23" fmla="*/ 182754 h 240352"/>
+                <a:gd name="connsiteX24" fmla="*/ 485775 w 719137"/>
+                <a:gd name="connsiteY24" fmla="*/ 135129 h 240352"/>
+                <a:gd name="connsiteX25" fmla="*/ 495300 w 719137"/>
+                <a:gd name="connsiteY25" fmla="*/ 106554 h 240352"/>
+                <a:gd name="connsiteX26" fmla="*/ 523875 w 719137"/>
+                <a:gd name="connsiteY26" fmla="*/ 92266 h 240352"/>
+                <a:gd name="connsiteX27" fmla="*/ 590550 w 719137"/>
+                <a:gd name="connsiteY27" fmla="*/ 97029 h 240352"/>
+                <a:gd name="connsiteX28" fmla="*/ 609600 w 719137"/>
+                <a:gd name="connsiteY28" fmla="*/ 125604 h 240352"/>
+                <a:gd name="connsiteX29" fmla="*/ 614362 w 719137"/>
+                <a:gd name="connsiteY29" fmla="*/ 149416 h 240352"/>
+                <a:gd name="connsiteX30" fmla="*/ 619125 w 719137"/>
+                <a:gd name="connsiteY30" fmla="*/ 168466 h 240352"/>
+                <a:gd name="connsiteX31" fmla="*/ 623887 w 719137"/>
+                <a:gd name="connsiteY31" fmla="*/ 192279 h 240352"/>
+                <a:gd name="connsiteX32" fmla="*/ 633412 w 719137"/>
+                <a:gd name="connsiteY32" fmla="*/ 235141 h 240352"/>
+                <a:gd name="connsiteX33" fmla="*/ 719137 w 719137"/>
+                <a:gd name="connsiteY33" fmla="*/ 235141 h 240352"/>
+                <a:gd name="connsiteX0" fmla="*/ 0 w 719137"/>
+                <a:gd name="connsiteY0" fmla="*/ 197041 h 240352"/>
+                <a:gd name="connsiteX1" fmla="*/ 90487 w 719137"/>
+                <a:gd name="connsiteY1" fmla="*/ 192279 h 240352"/>
+                <a:gd name="connsiteX2" fmla="*/ 180975 w 719137"/>
+                <a:gd name="connsiteY2" fmla="*/ 11304 h 240352"/>
+                <a:gd name="connsiteX3" fmla="*/ 238125 w 719137"/>
+                <a:gd name="connsiteY3" fmla="*/ 20829 h 240352"/>
+                <a:gd name="connsiteX4" fmla="*/ 252412 w 719137"/>
+                <a:gd name="connsiteY4" fmla="*/ 54166 h 240352"/>
+                <a:gd name="connsiteX5" fmla="*/ 261937 w 719137"/>
+                <a:gd name="connsiteY5" fmla="*/ 82741 h 240352"/>
+                <a:gd name="connsiteX6" fmla="*/ 266700 w 719137"/>
+                <a:gd name="connsiteY6" fmla="*/ 116079 h 240352"/>
+                <a:gd name="connsiteX7" fmla="*/ 276225 w 719137"/>
+                <a:gd name="connsiteY7" fmla="*/ 201804 h 240352"/>
+                <a:gd name="connsiteX8" fmla="*/ 328612 w 719137"/>
+                <a:gd name="connsiteY8" fmla="*/ 197041 h 240352"/>
+                <a:gd name="connsiteX9" fmla="*/ 333375 w 719137"/>
+                <a:gd name="connsiteY9" fmla="*/ 130366 h 240352"/>
+                <a:gd name="connsiteX10" fmla="*/ 342900 w 719137"/>
+                <a:gd name="connsiteY10" fmla="*/ 101791 h 240352"/>
+                <a:gd name="connsiteX11" fmla="*/ 357187 w 719137"/>
+                <a:gd name="connsiteY11" fmla="*/ 73216 h 240352"/>
+                <a:gd name="connsiteX12" fmla="*/ 371475 w 719137"/>
+                <a:gd name="connsiteY12" fmla="*/ 63691 h 240352"/>
+                <a:gd name="connsiteX13" fmla="*/ 381000 w 719137"/>
+                <a:gd name="connsiteY13" fmla="*/ 49404 h 240352"/>
+                <a:gd name="connsiteX14" fmla="*/ 409575 w 719137"/>
+                <a:gd name="connsiteY14" fmla="*/ 39879 h 240352"/>
+                <a:gd name="connsiteX15" fmla="*/ 438150 w 719137"/>
+                <a:gd name="connsiteY15" fmla="*/ 44641 h 240352"/>
+                <a:gd name="connsiteX16" fmla="*/ 452437 w 719137"/>
+                <a:gd name="connsiteY16" fmla="*/ 49404 h 240352"/>
+                <a:gd name="connsiteX17" fmla="*/ 457200 w 719137"/>
+                <a:gd name="connsiteY17" fmla="*/ 63691 h 240352"/>
+                <a:gd name="connsiteX18" fmla="*/ 476250 w 719137"/>
+                <a:gd name="connsiteY18" fmla="*/ 92266 h 240352"/>
+                <a:gd name="connsiteX19" fmla="*/ 485775 w 719137"/>
+                <a:gd name="connsiteY19" fmla="*/ 120841 h 240352"/>
+                <a:gd name="connsiteX20" fmla="*/ 490537 w 719137"/>
+                <a:gd name="connsiteY20" fmla="*/ 135129 h 240352"/>
+                <a:gd name="connsiteX21" fmla="*/ 485775 w 719137"/>
+                <a:gd name="connsiteY21" fmla="*/ 206566 h 240352"/>
+                <a:gd name="connsiteX22" fmla="*/ 481012 w 719137"/>
+                <a:gd name="connsiteY22" fmla="*/ 182754 h 240352"/>
+                <a:gd name="connsiteX23" fmla="*/ 485775 w 719137"/>
+                <a:gd name="connsiteY23" fmla="*/ 135129 h 240352"/>
+                <a:gd name="connsiteX24" fmla="*/ 495300 w 719137"/>
+                <a:gd name="connsiteY24" fmla="*/ 106554 h 240352"/>
+                <a:gd name="connsiteX25" fmla="*/ 523875 w 719137"/>
+                <a:gd name="connsiteY25" fmla="*/ 92266 h 240352"/>
+                <a:gd name="connsiteX26" fmla="*/ 590550 w 719137"/>
+                <a:gd name="connsiteY26" fmla="*/ 97029 h 240352"/>
+                <a:gd name="connsiteX27" fmla="*/ 609600 w 719137"/>
+                <a:gd name="connsiteY27" fmla="*/ 125604 h 240352"/>
+                <a:gd name="connsiteX28" fmla="*/ 614362 w 719137"/>
+                <a:gd name="connsiteY28" fmla="*/ 149416 h 240352"/>
+                <a:gd name="connsiteX29" fmla="*/ 619125 w 719137"/>
+                <a:gd name="connsiteY29" fmla="*/ 168466 h 240352"/>
+                <a:gd name="connsiteX30" fmla="*/ 623887 w 719137"/>
+                <a:gd name="connsiteY30" fmla="*/ 192279 h 240352"/>
+                <a:gd name="connsiteX31" fmla="*/ 633412 w 719137"/>
+                <a:gd name="connsiteY31" fmla="*/ 235141 h 240352"/>
+                <a:gd name="connsiteX32" fmla="*/ 719137 w 719137"/>
+                <a:gd name="connsiteY32" fmla="*/ 235141 h 240352"/>
+                <a:gd name="connsiteX0" fmla="*/ 0 w 719137"/>
+                <a:gd name="connsiteY0" fmla="*/ 191388 h 234699"/>
+                <a:gd name="connsiteX1" fmla="*/ 90487 w 719137"/>
+                <a:gd name="connsiteY1" fmla="*/ 186626 h 234699"/>
+                <a:gd name="connsiteX2" fmla="*/ 180975 w 719137"/>
+                <a:gd name="connsiteY2" fmla="*/ 5651 h 234699"/>
+                <a:gd name="connsiteX3" fmla="*/ 252412 w 719137"/>
+                <a:gd name="connsiteY3" fmla="*/ 48513 h 234699"/>
+                <a:gd name="connsiteX4" fmla="*/ 261937 w 719137"/>
+                <a:gd name="connsiteY4" fmla="*/ 77088 h 234699"/>
+                <a:gd name="connsiteX5" fmla="*/ 266700 w 719137"/>
+                <a:gd name="connsiteY5" fmla="*/ 110426 h 234699"/>
+                <a:gd name="connsiteX6" fmla="*/ 276225 w 719137"/>
+                <a:gd name="connsiteY6" fmla="*/ 196151 h 234699"/>
+                <a:gd name="connsiteX7" fmla="*/ 328612 w 719137"/>
+                <a:gd name="connsiteY7" fmla="*/ 191388 h 234699"/>
+                <a:gd name="connsiteX8" fmla="*/ 333375 w 719137"/>
+                <a:gd name="connsiteY8" fmla="*/ 124713 h 234699"/>
+                <a:gd name="connsiteX9" fmla="*/ 342900 w 719137"/>
+                <a:gd name="connsiteY9" fmla="*/ 96138 h 234699"/>
+                <a:gd name="connsiteX10" fmla="*/ 357187 w 719137"/>
+                <a:gd name="connsiteY10" fmla="*/ 67563 h 234699"/>
+                <a:gd name="connsiteX11" fmla="*/ 371475 w 719137"/>
+                <a:gd name="connsiteY11" fmla="*/ 58038 h 234699"/>
+                <a:gd name="connsiteX12" fmla="*/ 381000 w 719137"/>
+                <a:gd name="connsiteY12" fmla="*/ 43751 h 234699"/>
+                <a:gd name="connsiteX13" fmla="*/ 409575 w 719137"/>
+                <a:gd name="connsiteY13" fmla="*/ 34226 h 234699"/>
+                <a:gd name="connsiteX14" fmla="*/ 438150 w 719137"/>
+                <a:gd name="connsiteY14" fmla="*/ 38988 h 234699"/>
+                <a:gd name="connsiteX15" fmla="*/ 452437 w 719137"/>
+                <a:gd name="connsiteY15" fmla="*/ 43751 h 234699"/>
+                <a:gd name="connsiteX16" fmla="*/ 457200 w 719137"/>
+                <a:gd name="connsiteY16" fmla="*/ 58038 h 234699"/>
+                <a:gd name="connsiteX17" fmla="*/ 476250 w 719137"/>
+                <a:gd name="connsiteY17" fmla="*/ 86613 h 234699"/>
+                <a:gd name="connsiteX18" fmla="*/ 485775 w 719137"/>
+                <a:gd name="connsiteY18" fmla="*/ 115188 h 234699"/>
+                <a:gd name="connsiteX19" fmla="*/ 490537 w 719137"/>
+                <a:gd name="connsiteY19" fmla="*/ 129476 h 234699"/>
+                <a:gd name="connsiteX20" fmla="*/ 485775 w 719137"/>
+                <a:gd name="connsiteY20" fmla="*/ 200913 h 234699"/>
+                <a:gd name="connsiteX21" fmla="*/ 481012 w 719137"/>
+                <a:gd name="connsiteY21" fmla="*/ 177101 h 234699"/>
+                <a:gd name="connsiteX22" fmla="*/ 485775 w 719137"/>
+                <a:gd name="connsiteY22" fmla="*/ 129476 h 234699"/>
+                <a:gd name="connsiteX23" fmla="*/ 495300 w 719137"/>
+                <a:gd name="connsiteY23" fmla="*/ 100901 h 234699"/>
+                <a:gd name="connsiteX24" fmla="*/ 523875 w 719137"/>
+                <a:gd name="connsiteY24" fmla="*/ 86613 h 234699"/>
+                <a:gd name="connsiteX25" fmla="*/ 590550 w 719137"/>
+                <a:gd name="connsiteY25" fmla="*/ 91376 h 234699"/>
+                <a:gd name="connsiteX26" fmla="*/ 609600 w 719137"/>
+                <a:gd name="connsiteY26" fmla="*/ 119951 h 234699"/>
+                <a:gd name="connsiteX27" fmla="*/ 614362 w 719137"/>
+                <a:gd name="connsiteY27" fmla="*/ 143763 h 234699"/>
+                <a:gd name="connsiteX28" fmla="*/ 619125 w 719137"/>
+                <a:gd name="connsiteY28" fmla="*/ 162813 h 234699"/>
+                <a:gd name="connsiteX29" fmla="*/ 623887 w 719137"/>
+                <a:gd name="connsiteY29" fmla="*/ 186626 h 234699"/>
+                <a:gd name="connsiteX30" fmla="*/ 633412 w 719137"/>
+                <a:gd name="connsiteY30" fmla="*/ 229488 h 234699"/>
+                <a:gd name="connsiteX31" fmla="*/ 719137 w 719137"/>
+                <a:gd name="connsiteY31" fmla="*/ 229488 h 234699"/>
+                <a:gd name="connsiteX0" fmla="*/ 0 w 719137"/>
+                <a:gd name="connsiteY0" fmla="*/ 188671 h 231982"/>
+                <a:gd name="connsiteX1" fmla="*/ 90487 w 719137"/>
+                <a:gd name="connsiteY1" fmla="*/ 183909 h 231982"/>
+                <a:gd name="connsiteX2" fmla="*/ 180975 w 719137"/>
+                <a:gd name="connsiteY2" fmla="*/ 2934 h 231982"/>
+                <a:gd name="connsiteX3" fmla="*/ 261937 w 719137"/>
+                <a:gd name="connsiteY3" fmla="*/ 74371 h 231982"/>
+                <a:gd name="connsiteX4" fmla="*/ 266700 w 719137"/>
+                <a:gd name="connsiteY4" fmla="*/ 107709 h 231982"/>
+                <a:gd name="connsiteX5" fmla="*/ 276225 w 719137"/>
+                <a:gd name="connsiteY5" fmla="*/ 193434 h 231982"/>
+                <a:gd name="connsiteX6" fmla="*/ 328612 w 719137"/>
+                <a:gd name="connsiteY6" fmla="*/ 188671 h 231982"/>
+                <a:gd name="connsiteX7" fmla="*/ 333375 w 719137"/>
+                <a:gd name="connsiteY7" fmla="*/ 121996 h 231982"/>
+                <a:gd name="connsiteX8" fmla="*/ 342900 w 719137"/>
+                <a:gd name="connsiteY8" fmla="*/ 93421 h 231982"/>
+                <a:gd name="connsiteX9" fmla="*/ 357187 w 719137"/>
+                <a:gd name="connsiteY9" fmla="*/ 64846 h 231982"/>
+                <a:gd name="connsiteX10" fmla="*/ 371475 w 719137"/>
+                <a:gd name="connsiteY10" fmla="*/ 55321 h 231982"/>
+                <a:gd name="connsiteX11" fmla="*/ 381000 w 719137"/>
+                <a:gd name="connsiteY11" fmla="*/ 41034 h 231982"/>
+                <a:gd name="connsiteX12" fmla="*/ 409575 w 719137"/>
+                <a:gd name="connsiteY12" fmla="*/ 31509 h 231982"/>
+                <a:gd name="connsiteX13" fmla="*/ 438150 w 719137"/>
+                <a:gd name="connsiteY13" fmla="*/ 36271 h 231982"/>
+                <a:gd name="connsiteX14" fmla="*/ 452437 w 719137"/>
+                <a:gd name="connsiteY14" fmla="*/ 41034 h 231982"/>
+                <a:gd name="connsiteX15" fmla="*/ 457200 w 719137"/>
+                <a:gd name="connsiteY15" fmla="*/ 55321 h 231982"/>
+                <a:gd name="connsiteX16" fmla="*/ 476250 w 719137"/>
+                <a:gd name="connsiteY16" fmla="*/ 83896 h 231982"/>
+                <a:gd name="connsiteX17" fmla="*/ 485775 w 719137"/>
+                <a:gd name="connsiteY17" fmla="*/ 112471 h 231982"/>
+                <a:gd name="connsiteX18" fmla="*/ 490537 w 719137"/>
+                <a:gd name="connsiteY18" fmla="*/ 126759 h 231982"/>
+                <a:gd name="connsiteX19" fmla="*/ 485775 w 719137"/>
+                <a:gd name="connsiteY19" fmla="*/ 198196 h 231982"/>
+                <a:gd name="connsiteX20" fmla="*/ 481012 w 719137"/>
+                <a:gd name="connsiteY20" fmla="*/ 174384 h 231982"/>
+                <a:gd name="connsiteX21" fmla="*/ 485775 w 719137"/>
+                <a:gd name="connsiteY21" fmla="*/ 126759 h 231982"/>
+                <a:gd name="connsiteX22" fmla="*/ 495300 w 719137"/>
+                <a:gd name="connsiteY22" fmla="*/ 98184 h 231982"/>
+                <a:gd name="connsiteX23" fmla="*/ 523875 w 719137"/>
+                <a:gd name="connsiteY23" fmla="*/ 83896 h 231982"/>
+                <a:gd name="connsiteX24" fmla="*/ 590550 w 719137"/>
+                <a:gd name="connsiteY24" fmla="*/ 88659 h 231982"/>
+                <a:gd name="connsiteX25" fmla="*/ 609600 w 719137"/>
+                <a:gd name="connsiteY25" fmla="*/ 117234 h 231982"/>
+                <a:gd name="connsiteX26" fmla="*/ 614362 w 719137"/>
+                <a:gd name="connsiteY26" fmla="*/ 141046 h 231982"/>
+                <a:gd name="connsiteX27" fmla="*/ 619125 w 719137"/>
+                <a:gd name="connsiteY27" fmla="*/ 160096 h 231982"/>
+                <a:gd name="connsiteX28" fmla="*/ 623887 w 719137"/>
+                <a:gd name="connsiteY28" fmla="*/ 183909 h 231982"/>
+                <a:gd name="connsiteX29" fmla="*/ 633412 w 719137"/>
+                <a:gd name="connsiteY29" fmla="*/ 226771 h 231982"/>
+                <a:gd name="connsiteX30" fmla="*/ 719137 w 719137"/>
+                <a:gd name="connsiteY30" fmla="*/ 226771 h 231982"/>
+                <a:gd name="connsiteX0" fmla="*/ 0 w 719137"/>
+                <a:gd name="connsiteY0" fmla="*/ 187011 h 230322"/>
+                <a:gd name="connsiteX1" fmla="*/ 90487 w 719137"/>
+                <a:gd name="connsiteY1" fmla="*/ 182249 h 230322"/>
+                <a:gd name="connsiteX2" fmla="*/ 180975 w 719137"/>
+                <a:gd name="connsiteY2" fmla="*/ 1274 h 230322"/>
+                <a:gd name="connsiteX3" fmla="*/ 266700 w 719137"/>
+                <a:gd name="connsiteY3" fmla="*/ 106049 h 230322"/>
+                <a:gd name="connsiteX4" fmla="*/ 276225 w 719137"/>
+                <a:gd name="connsiteY4" fmla="*/ 191774 h 230322"/>
+                <a:gd name="connsiteX5" fmla="*/ 328612 w 719137"/>
+                <a:gd name="connsiteY5" fmla="*/ 187011 h 230322"/>
+                <a:gd name="connsiteX6" fmla="*/ 333375 w 719137"/>
+                <a:gd name="connsiteY6" fmla="*/ 120336 h 230322"/>
+                <a:gd name="connsiteX7" fmla="*/ 342900 w 719137"/>
+                <a:gd name="connsiteY7" fmla="*/ 91761 h 230322"/>
+                <a:gd name="connsiteX8" fmla="*/ 357187 w 719137"/>
+                <a:gd name="connsiteY8" fmla="*/ 63186 h 230322"/>
+                <a:gd name="connsiteX9" fmla="*/ 371475 w 719137"/>
+                <a:gd name="connsiteY9" fmla="*/ 53661 h 230322"/>
+                <a:gd name="connsiteX10" fmla="*/ 381000 w 719137"/>
+                <a:gd name="connsiteY10" fmla="*/ 39374 h 230322"/>
+                <a:gd name="connsiteX11" fmla="*/ 409575 w 719137"/>
+                <a:gd name="connsiteY11" fmla="*/ 29849 h 230322"/>
+                <a:gd name="connsiteX12" fmla="*/ 438150 w 719137"/>
+                <a:gd name="connsiteY12" fmla="*/ 34611 h 230322"/>
+                <a:gd name="connsiteX13" fmla="*/ 452437 w 719137"/>
+                <a:gd name="connsiteY13" fmla="*/ 39374 h 230322"/>
+                <a:gd name="connsiteX14" fmla="*/ 457200 w 719137"/>
+                <a:gd name="connsiteY14" fmla="*/ 53661 h 230322"/>
+                <a:gd name="connsiteX15" fmla="*/ 476250 w 719137"/>
+                <a:gd name="connsiteY15" fmla="*/ 82236 h 230322"/>
+                <a:gd name="connsiteX16" fmla="*/ 485775 w 719137"/>
+                <a:gd name="connsiteY16" fmla="*/ 110811 h 230322"/>
+                <a:gd name="connsiteX17" fmla="*/ 490537 w 719137"/>
+                <a:gd name="connsiteY17" fmla="*/ 125099 h 230322"/>
+                <a:gd name="connsiteX18" fmla="*/ 485775 w 719137"/>
+                <a:gd name="connsiteY18" fmla="*/ 196536 h 230322"/>
+                <a:gd name="connsiteX19" fmla="*/ 481012 w 719137"/>
+                <a:gd name="connsiteY19" fmla="*/ 172724 h 230322"/>
+                <a:gd name="connsiteX20" fmla="*/ 485775 w 719137"/>
+                <a:gd name="connsiteY20" fmla="*/ 125099 h 230322"/>
+                <a:gd name="connsiteX21" fmla="*/ 495300 w 719137"/>
+                <a:gd name="connsiteY21" fmla="*/ 96524 h 230322"/>
+                <a:gd name="connsiteX22" fmla="*/ 523875 w 719137"/>
+                <a:gd name="connsiteY22" fmla="*/ 82236 h 230322"/>
+                <a:gd name="connsiteX23" fmla="*/ 590550 w 719137"/>
+                <a:gd name="connsiteY23" fmla="*/ 86999 h 230322"/>
+                <a:gd name="connsiteX24" fmla="*/ 609600 w 719137"/>
+                <a:gd name="connsiteY24" fmla="*/ 115574 h 230322"/>
+                <a:gd name="connsiteX25" fmla="*/ 614362 w 719137"/>
+                <a:gd name="connsiteY25" fmla="*/ 139386 h 230322"/>
+                <a:gd name="connsiteX26" fmla="*/ 619125 w 719137"/>
+                <a:gd name="connsiteY26" fmla="*/ 158436 h 230322"/>
+                <a:gd name="connsiteX27" fmla="*/ 623887 w 719137"/>
+                <a:gd name="connsiteY27" fmla="*/ 182249 h 230322"/>
+                <a:gd name="connsiteX28" fmla="*/ 633412 w 719137"/>
+                <a:gd name="connsiteY28" fmla="*/ 225111 h 230322"/>
+                <a:gd name="connsiteX29" fmla="*/ 719137 w 719137"/>
+                <a:gd name="connsiteY29" fmla="*/ 225111 h 230322"/>
+                <a:gd name="connsiteX0" fmla="*/ 0 w 719137"/>
+                <a:gd name="connsiteY0" fmla="*/ 185737 h 229048"/>
+                <a:gd name="connsiteX1" fmla="*/ 90487 w 719137"/>
+                <a:gd name="connsiteY1" fmla="*/ 180975 h 229048"/>
+                <a:gd name="connsiteX2" fmla="*/ 180975 w 719137"/>
+                <a:gd name="connsiteY2" fmla="*/ 0 h 229048"/>
+                <a:gd name="connsiteX3" fmla="*/ 276225 w 719137"/>
+                <a:gd name="connsiteY3" fmla="*/ 190500 h 229048"/>
+                <a:gd name="connsiteX4" fmla="*/ 328612 w 719137"/>
+                <a:gd name="connsiteY4" fmla="*/ 185737 h 229048"/>
+                <a:gd name="connsiteX5" fmla="*/ 333375 w 719137"/>
+                <a:gd name="connsiteY5" fmla="*/ 119062 h 229048"/>
+                <a:gd name="connsiteX6" fmla="*/ 342900 w 719137"/>
+                <a:gd name="connsiteY6" fmla="*/ 90487 h 229048"/>
+                <a:gd name="connsiteX7" fmla="*/ 357187 w 719137"/>
+                <a:gd name="connsiteY7" fmla="*/ 61912 h 229048"/>
+                <a:gd name="connsiteX8" fmla="*/ 371475 w 719137"/>
+                <a:gd name="connsiteY8" fmla="*/ 52387 h 229048"/>
+                <a:gd name="connsiteX9" fmla="*/ 381000 w 719137"/>
+                <a:gd name="connsiteY9" fmla="*/ 38100 h 229048"/>
+                <a:gd name="connsiteX10" fmla="*/ 409575 w 719137"/>
+                <a:gd name="connsiteY10" fmla="*/ 28575 h 229048"/>
+                <a:gd name="connsiteX11" fmla="*/ 438150 w 719137"/>
+                <a:gd name="connsiteY11" fmla="*/ 33337 h 229048"/>
+                <a:gd name="connsiteX12" fmla="*/ 452437 w 719137"/>
+                <a:gd name="connsiteY12" fmla="*/ 38100 h 229048"/>
+                <a:gd name="connsiteX13" fmla="*/ 457200 w 719137"/>
+                <a:gd name="connsiteY13" fmla="*/ 52387 h 229048"/>
+                <a:gd name="connsiteX14" fmla="*/ 476250 w 719137"/>
+                <a:gd name="connsiteY14" fmla="*/ 80962 h 229048"/>
+                <a:gd name="connsiteX15" fmla="*/ 485775 w 719137"/>
+                <a:gd name="connsiteY15" fmla="*/ 109537 h 229048"/>
+                <a:gd name="connsiteX16" fmla="*/ 490537 w 719137"/>
+                <a:gd name="connsiteY16" fmla="*/ 123825 h 229048"/>
+                <a:gd name="connsiteX17" fmla="*/ 485775 w 719137"/>
+                <a:gd name="connsiteY17" fmla="*/ 195262 h 229048"/>
+                <a:gd name="connsiteX18" fmla="*/ 481012 w 719137"/>
+                <a:gd name="connsiteY18" fmla="*/ 171450 h 229048"/>
+                <a:gd name="connsiteX19" fmla="*/ 485775 w 719137"/>
+                <a:gd name="connsiteY19" fmla="*/ 123825 h 229048"/>
+                <a:gd name="connsiteX20" fmla="*/ 495300 w 719137"/>
+                <a:gd name="connsiteY20" fmla="*/ 95250 h 229048"/>
+                <a:gd name="connsiteX21" fmla="*/ 523875 w 719137"/>
+                <a:gd name="connsiteY21" fmla="*/ 80962 h 229048"/>
+                <a:gd name="connsiteX22" fmla="*/ 590550 w 719137"/>
+                <a:gd name="connsiteY22" fmla="*/ 85725 h 229048"/>
+                <a:gd name="connsiteX23" fmla="*/ 609600 w 719137"/>
+                <a:gd name="connsiteY23" fmla="*/ 114300 h 229048"/>
+                <a:gd name="connsiteX24" fmla="*/ 614362 w 719137"/>
+                <a:gd name="connsiteY24" fmla="*/ 138112 h 229048"/>
+                <a:gd name="connsiteX25" fmla="*/ 619125 w 719137"/>
+                <a:gd name="connsiteY25" fmla="*/ 157162 h 229048"/>
+                <a:gd name="connsiteX26" fmla="*/ 623887 w 719137"/>
+                <a:gd name="connsiteY26" fmla="*/ 180975 h 229048"/>
+                <a:gd name="connsiteX27" fmla="*/ 633412 w 719137"/>
+                <a:gd name="connsiteY27" fmla="*/ 223837 h 229048"/>
+                <a:gd name="connsiteX28" fmla="*/ 719137 w 719137"/>
+                <a:gd name="connsiteY28" fmla="*/ 223837 h 229048"/>
+                <a:gd name="connsiteX0" fmla="*/ 0 w 719137"/>
+                <a:gd name="connsiteY0" fmla="*/ 185737 h 229048"/>
+                <a:gd name="connsiteX1" fmla="*/ 90487 w 719137"/>
+                <a:gd name="connsiteY1" fmla="*/ 180975 h 229048"/>
+                <a:gd name="connsiteX2" fmla="*/ 180975 w 719137"/>
+                <a:gd name="connsiteY2" fmla="*/ 0 h 229048"/>
+                <a:gd name="connsiteX3" fmla="*/ 276225 w 719137"/>
+                <a:gd name="connsiteY3" fmla="*/ 190500 h 229048"/>
+                <a:gd name="connsiteX4" fmla="*/ 333375 w 719137"/>
+                <a:gd name="connsiteY4" fmla="*/ 119062 h 229048"/>
+                <a:gd name="connsiteX5" fmla="*/ 342900 w 719137"/>
+                <a:gd name="connsiteY5" fmla="*/ 90487 h 229048"/>
+                <a:gd name="connsiteX6" fmla="*/ 357187 w 719137"/>
+                <a:gd name="connsiteY6" fmla="*/ 61912 h 229048"/>
+                <a:gd name="connsiteX7" fmla="*/ 371475 w 719137"/>
+                <a:gd name="connsiteY7" fmla="*/ 52387 h 229048"/>
+                <a:gd name="connsiteX8" fmla="*/ 381000 w 719137"/>
+                <a:gd name="connsiteY8" fmla="*/ 38100 h 229048"/>
+                <a:gd name="connsiteX9" fmla="*/ 409575 w 719137"/>
+                <a:gd name="connsiteY9" fmla="*/ 28575 h 229048"/>
+                <a:gd name="connsiteX10" fmla="*/ 438150 w 719137"/>
+                <a:gd name="connsiteY10" fmla="*/ 33337 h 229048"/>
+                <a:gd name="connsiteX11" fmla="*/ 452437 w 719137"/>
+                <a:gd name="connsiteY11" fmla="*/ 38100 h 229048"/>
+                <a:gd name="connsiteX12" fmla="*/ 457200 w 719137"/>
+                <a:gd name="connsiteY12" fmla="*/ 52387 h 229048"/>
+                <a:gd name="connsiteX13" fmla="*/ 476250 w 719137"/>
+                <a:gd name="connsiteY13" fmla="*/ 80962 h 229048"/>
+                <a:gd name="connsiteX14" fmla="*/ 485775 w 719137"/>
+                <a:gd name="connsiteY14" fmla="*/ 109537 h 229048"/>
+                <a:gd name="connsiteX15" fmla="*/ 490537 w 719137"/>
+                <a:gd name="connsiteY15" fmla="*/ 123825 h 229048"/>
+                <a:gd name="connsiteX16" fmla="*/ 485775 w 719137"/>
+                <a:gd name="connsiteY16" fmla="*/ 195262 h 229048"/>
+                <a:gd name="connsiteX17" fmla="*/ 481012 w 719137"/>
+                <a:gd name="connsiteY17" fmla="*/ 171450 h 229048"/>
+                <a:gd name="connsiteX18" fmla="*/ 485775 w 719137"/>
+                <a:gd name="connsiteY18" fmla="*/ 123825 h 229048"/>
+                <a:gd name="connsiteX19" fmla="*/ 495300 w 719137"/>
+                <a:gd name="connsiteY19" fmla="*/ 95250 h 229048"/>
+                <a:gd name="connsiteX20" fmla="*/ 523875 w 719137"/>
+                <a:gd name="connsiteY20" fmla="*/ 80962 h 229048"/>
+                <a:gd name="connsiteX21" fmla="*/ 590550 w 719137"/>
+                <a:gd name="connsiteY21" fmla="*/ 85725 h 229048"/>
+                <a:gd name="connsiteX22" fmla="*/ 609600 w 719137"/>
+                <a:gd name="connsiteY22" fmla="*/ 114300 h 229048"/>
+                <a:gd name="connsiteX23" fmla="*/ 614362 w 719137"/>
+                <a:gd name="connsiteY23" fmla="*/ 138112 h 229048"/>
+                <a:gd name="connsiteX24" fmla="*/ 619125 w 719137"/>
+                <a:gd name="connsiteY24" fmla="*/ 157162 h 229048"/>
+                <a:gd name="connsiteX25" fmla="*/ 623887 w 719137"/>
+                <a:gd name="connsiteY25" fmla="*/ 180975 h 229048"/>
+                <a:gd name="connsiteX26" fmla="*/ 633412 w 719137"/>
+                <a:gd name="connsiteY26" fmla="*/ 223837 h 229048"/>
+                <a:gd name="connsiteX27" fmla="*/ 719137 w 719137"/>
+                <a:gd name="connsiteY27" fmla="*/ 223837 h 229048"/>
+                <a:gd name="connsiteX0" fmla="*/ 0 w 719137"/>
+                <a:gd name="connsiteY0" fmla="*/ 185737 h 229048"/>
+                <a:gd name="connsiteX1" fmla="*/ 90487 w 719137"/>
+                <a:gd name="connsiteY1" fmla="*/ 180975 h 229048"/>
+                <a:gd name="connsiteX2" fmla="*/ 180975 w 719137"/>
+                <a:gd name="connsiteY2" fmla="*/ 0 h 229048"/>
+                <a:gd name="connsiteX3" fmla="*/ 276225 w 719137"/>
+                <a:gd name="connsiteY3" fmla="*/ 190500 h 229048"/>
+                <a:gd name="connsiteX4" fmla="*/ 342900 w 719137"/>
+                <a:gd name="connsiteY4" fmla="*/ 90487 h 229048"/>
+                <a:gd name="connsiteX5" fmla="*/ 357187 w 719137"/>
+                <a:gd name="connsiteY5" fmla="*/ 61912 h 229048"/>
+                <a:gd name="connsiteX6" fmla="*/ 371475 w 719137"/>
+                <a:gd name="connsiteY6" fmla="*/ 52387 h 229048"/>
+                <a:gd name="connsiteX7" fmla="*/ 381000 w 719137"/>
+                <a:gd name="connsiteY7" fmla="*/ 38100 h 229048"/>
+                <a:gd name="connsiteX8" fmla="*/ 409575 w 719137"/>
+                <a:gd name="connsiteY8" fmla="*/ 28575 h 229048"/>
+                <a:gd name="connsiteX9" fmla="*/ 438150 w 719137"/>
+                <a:gd name="connsiteY9" fmla="*/ 33337 h 229048"/>
+                <a:gd name="connsiteX10" fmla="*/ 452437 w 719137"/>
+                <a:gd name="connsiteY10" fmla="*/ 38100 h 229048"/>
+                <a:gd name="connsiteX11" fmla="*/ 457200 w 719137"/>
+                <a:gd name="connsiteY11" fmla="*/ 52387 h 229048"/>
+                <a:gd name="connsiteX12" fmla="*/ 476250 w 719137"/>
+                <a:gd name="connsiteY12" fmla="*/ 80962 h 229048"/>
+                <a:gd name="connsiteX13" fmla="*/ 485775 w 719137"/>
+                <a:gd name="connsiteY13" fmla="*/ 109537 h 229048"/>
+                <a:gd name="connsiteX14" fmla="*/ 490537 w 719137"/>
+                <a:gd name="connsiteY14" fmla="*/ 123825 h 229048"/>
+                <a:gd name="connsiteX15" fmla="*/ 485775 w 719137"/>
+                <a:gd name="connsiteY15" fmla="*/ 195262 h 229048"/>
+                <a:gd name="connsiteX16" fmla="*/ 481012 w 719137"/>
+                <a:gd name="connsiteY16" fmla="*/ 171450 h 229048"/>
+                <a:gd name="connsiteX17" fmla="*/ 485775 w 719137"/>
+                <a:gd name="connsiteY17" fmla="*/ 123825 h 229048"/>
+                <a:gd name="connsiteX18" fmla="*/ 495300 w 719137"/>
+                <a:gd name="connsiteY18" fmla="*/ 95250 h 229048"/>
+                <a:gd name="connsiteX19" fmla="*/ 523875 w 719137"/>
+                <a:gd name="connsiteY19" fmla="*/ 80962 h 229048"/>
+                <a:gd name="connsiteX20" fmla="*/ 590550 w 719137"/>
+                <a:gd name="connsiteY20" fmla="*/ 85725 h 229048"/>
+                <a:gd name="connsiteX21" fmla="*/ 609600 w 719137"/>
+                <a:gd name="connsiteY21" fmla="*/ 114300 h 229048"/>
+                <a:gd name="connsiteX22" fmla="*/ 614362 w 719137"/>
+                <a:gd name="connsiteY22" fmla="*/ 138112 h 229048"/>
+                <a:gd name="connsiteX23" fmla="*/ 619125 w 719137"/>
+                <a:gd name="connsiteY23" fmla="*/ 157162 h 229048"/>
+                <a:gd name="connsiteX24" fmla="*/ 623887 w 719137"/>
+                <a:gd name="connsiteY24" fmla="*/ 180975 h 229048"/>
+                <a:gd name="connsiteX25" fmla="*/ 633412 w 719137"/>
+                <a:gd name="connsiteY25" fmla="*/ 223837 h 229048"/>
+                <a:gd name="connsiteX26" fmla="*/ 719137 w 719137"/>
+                <a:gd name="connsiteY26" fmla="*/ 223837 h 229048"/>
+                <a:gd name="connsiteX0" fmla="*/ 0 w 719137"/>
+                <a:gd name="connsiteY0" fmla="*/ 185737 h 229048"/>
+                <a:gd name="connsiteX1" fmla="*/ 90487 w 719137"/>
+                <a:gd name="connsiteY1" fmla="*/ 180975 h 229048"/>
+                <a:gd name="connsiteX2" fmla="*/ 180975 w 719137"/>
+                <a:gd name="connsiteY2" fmla="*/ 0 h 229048"/>
+                <a:gd name="connsiteX3" fmla="*/ 276225 w 719137"/>
+                <a:gd name="connsiteY3" fmla="*/ 190500 h 229048"/>
+                <a:gd name="connsiteX4" fmla="*/ 357187 w 719137"/>
+                <a:gd name="connsiteY4" fmla="*/ 61912 h 229048"/>
+                <a:gd name="connsiteX5" fmla="*/ 371475 w 719137"/>
+                <a:gd name="connsiteY5" fmla="*/ 52387 h 229048"/>
+                <a:gd name="connsiteX6" fmla="*/ 381000 w 719137"/>
+                <a:gd name="connsiteY6" fmla="*/ 38100 h 229048"/>
+                <a:gd name="connsiteX7" fmla="*/ 409575 w 719137"/>
+                <a:gd name="connsiteY7" fmla="*/ 28575 h 229048"/>
+                <a:gd name="connsiteX8" fmla="*/ 438150 w 719137"/>
+                <a:gd name="connsiteY8" fmla="*/ 33337 h 229048"/>
+                <a:gd name="connsiteX9" fmla="*/ 452437 w 719137"/>
+                <a:gd name="connsiteY9" fmla="*/ 38100 h 229048"/>
+                <a:gd name="connsiteX10" fmla="*/ 457200 w 719137"/>
+                <a:gd name="connsiteY10" fmla="*/ 52387 h 229048"/>
+                <a:gd name="connsiteX11" fmla="*/ 476250 w 719137"/>
+                <a:gd name="connsiteY11" fmla="*/ 80962 h 229048"/>
+                <a:gd name="connsiteX12" fmla="*/ 485775 w 719137"/>
+                <a:gd name="connsiteY12" fmla="*/ 109537 h 229048"/>
+                <a:gd name="connsiteX13" fmla="*/ 490537 w 719137"/>
+                <a:gd name="connsiteY13" fmla="*/ 123825 h 229048"/>
+                <a:gd name="connsiteX14" fmla="*/ 485775 w 719137"/>
+                <a:gd name="connsiteY14" fmla="*/ 195262 h 229048"/>
+                <a:gd name="connsiteX15" fmla="*/ 481012 w 719137"/>
+                <a:gd name="connsiteY15" fmla="*/ 171450 h 229048"/>
+                <a:gd name="connsiteX16" fmla="*/ 485775 w 719137"/>
+                <a:gd name="connsiteY16" fmla="*/ 123825 h 229048"/>
+                <a:gd name="connsiteX17" fmla="*/ 495300 w 719137"/>
+                <a:gd name="connsiteY17" fmla="*/ 95250 h 229048"/>
+                <a:gd name="connsiteX18" fmla="*/ 523875 w 719137"/>
+                <a:gd name="connsiteY18" fmla="*/ 80962 h 229048"/>
+                <a:gd name="connsiteX19" fmla="*/ 590550 w 719137"/>
+                <a:gd name="connsiteY19" fmla="*/ 85725 h 229048"/>
+                <a:gd name="connsiteX20" fmla="*/ 609600 w 719137"/>
+                <a:gd name="connsiteY20" fmla="*/ 114300 h 229048"/>
+                <a:gd name="connsiteX21" fmla="*/ 614362 w 719137"/>
+                <a:gd name="connsiteY21" fmla="*/ 138112 h 229048"/>
+                <a:gd name="connsiteX22" fmla="*/ 619125 w 719137"/>
+                <a:gd name="connsiteY22" fmla="*/ 157162 h 229048"/>
+                <a:gd name="connsiteX23" fmla="*/ 623887 w 719137"/>
+                <a:gd name="connsiteY23" fmla="*/ 180975 h 229048"/>
+                <a:gd name="connsiteX24" fmla="*/ 633412 w 719137"/>
+                <a:gd name="connsiteY24" fmla="*/ 223837 h 229048"/>
+                <a:gd name="connsiteX25" fmla="*/ 719137 w 719137"/>
+                <a:gd name="connsiteY25" fmla="*/ 223837 h 229048"/>
+                <a:gd name="connsiteX0" fmla="*/ 0 w 719137"/>
+                <a:gd name="connsiteY0" fmla="*/ 185737 h 229048"/>
+                <a:gd name="connsiteX1" fmla="*/ 90487 w 719137"/>
+                <a:gd name="connsiteY1" fmla="*/ 180975 h 229048"/>
+                <a:gd name="connsiteX2" fmla="*/ 180975 w 719137"/>
+                <a:gd name="connsiteY2" fmla="*/ 0 h 229048"/>
+                <a:gd name="connsiteX3" fmla="*/ 276225 w 719137"/>
+                <a:gd name="connsiteY3" fmla="*/ 190500 h 229048"/>
+                <a:gd name="connsiteX4" fmla="*/ 371475 w 719137"/>
+                <a:gd name="connsiteY4" fmla="*/ 52387 h 229048"/>
+                <a:gd name="connsiteX5" fmla="*/ 381000 w 719137"/>
+                <a:gd name="connsiteY5" fmla="*/ 38100 h 229048"/>
+                <a:gd name="connsiteX6" fmla="*/ 409575 w 719137"/>
+                <a:gd name="connsiteY6" fmla="*/ 28575 h 229048"/>
+                <a:gd name="connsiteX7" fmla="*/ 438150 w 719137"/>
+                <a:gd name="connsiteY7" fmla="*/ 33337 h 229048"/>
+                <a:gd name="connsiteX8" fmla="*/ 452437 w 719137"/>
+                <a:gd name="connsiteY8" fmla="*/ 38100 h 229048"/>
+                <a:gd name="connsiteX9" fmla="*/ 457200 w 719137"/>
+                <a:gd name="connsiteY9" fmla="*/ 52387 h 229048"/>
+                <a:gd name="connsiteX10" fmla="*/ 476250 w 719137"/>
+                <a:gd name="connsiteY10" fmla="*/ 80962 h 229048"/>
+                <a:gd name="connsiteX11" fmla="*/ 485775 w 719137"/>
+                <a:gd name="connsiteY11" fmla="*/ 109537 h 229048"/>
+                <a:gd name="connsiteX12" fmla="*/ 490537 w 719137"/>
+                <a:gd name="connsiteY12" fmla="*/ 123825 h 229048"/>
+                <a:gd name="connsiteX13" fmla="*/ 485775 w 719137"/>
+                <a:gd name="connsiteY13" fmla="*/ 195262 h 229048"/>
+                <a:gd name="connsiteX14" fmla="*/ 481012 w 719137"/>
+                <a:gd name="connsiteY14" fmla="*/ 171450 h 229048"/>
+                <a:gd name="connsiteX15" fmla="*/ 485775 w 719137"/>
+                <a:gd name="connsiteY15" fmla="*/ 123825 h 229048"/>
+                <a:gd name="connsiteX16" fmla="*/ 495300 w 719137"/>
+                <a:gd name="connsiteY16" fmla="*/ 95250 h 229048"/>
+                <a:gd name="connsiteX17" fmla="*/ 523875 w 719137"/>
+                <a:gd name="connsiteY17" fmla="*/ 80962 h 229048"/>
+                <a:gd name="connsiteX18" fmla="*/ 590550 w 719137"/>
+                <a:gd name="connsiteY18" fmla="*/ 85725 h 229048"/>
+                <a:gd name="connsiteX19" fmla="*/ 609600 w 719137"/>
+                <a:gd name="connsiteY19" fmla="*/ 114300 h 229048"/>
+                <a:gd name="connsiteX20" fmla="*/ 614362 w 719137"/>
+                <a:gd name="connsiteY20" fmla="*/ 138112 h 229048"/>
+                <a:gd name="connsiteX21" fmla="*/ 619125 w 719137"/>
+                <a:gd name="connsiteY21" fmla="*/ 157162 h 229048"/>
+                <a:gd name="connsiteX22" fmla="*/ 623887 w 719137"/>
+                <a:gd name="connsiteY22" fmla="*/ 180975 h 229048"/>
+                <a:gd name="connsiteX23" fmla="*/ 633412 w 719137"/>
+                <a:gd name="connsiteY23" fmla="*/ 223837 h 229048"/>
+                <a:gd name="connsiteX24" fmla="*/ 719137 w 719137"/>
+                <a:gd name="connsiteY24" fmla="*/ 223837 h 229048"/>
+                <a:gd name="connsiteX0" fmla="*/ 0 w 719137"/>
+                <a:gd name="connsiteY0" fmla="*/ 185737 h 229048"/>
+                <a:gd name="connsiteX1" fmla="*/ 90487 w 719137"/>
+                <a:gd name="connsiteY1" fmla="*/ 180975 h 229048"/>
+                <a:gd name="connsiteX2" fmla="*/ 180975 w 719137"/>
+                <a:gd name="connsiteY2" fmla="*/ 0 h 229048"/>
+                <a:gd name="connsiteX3" fmla="*/ 276225 w 719137"/>
+                <a:gd name="connsiteY3" fmla="*/ 190500 h 229048"/>
+                <a:gd name="connsiteX4" fmla="*/ 381000 w 719137"/>
+                <a:gd name="connsiteY4" fmla="*/ 38100 h 229048"/>
+                <a:gd name="connsiteX5" fmla="*/ 409575 w 719137"/>
+                <a:gd name="connsiteY5" fmla="*/ 28575 h 229048"/>
+                <a:gd name="connsiteX6" fmla="*/ 438150 w 719137"/>
+                <a:gd name="connsiteY6" fmla="*/ 33337 h 229048"/>
+                <a:gd name="connsiteX7" fmla="*/ 452437 w 719137"/>
+                <a:gd name="connsiteY7" fmla="*/ 38100 h 229048"/>
+                <a:gd name="connsiteX8" fmla="*/ 457200 w 719137"/>
+                <a:gd name="connsiteY8" fmla="*/ 52387 h 229048"/>
+                <a:gd name="connsiteX9" fmla="*/ 476250 w 719137"/>
+                <a:gd name="connsiteY9" fmla="*/ 80962 h 229048"/>
+                <a:gd name="connsiteX10" fmla="*/ 485775 w 719137"/>
+                <a:gd name="connsiteY10" fmla="*/ 109537 h 229048"/>
+                <a:gd name="connsiteX11" fmla="*/ 490537 w 719137"/>
+                <a:gd name="connsiteY11" fmla="*/ 123825 h 229048"/>
+                <a:gd name="connsiteX12" fmla="*/ 485775 w 719137"/>
+                <a:gd name="connsiteY12" fmla="*/ 195262 h 229048"/>
+                <a:gd name="connsiteX13" fmla="*/ 481012 w 719137"/>
+                <a:gd name="connsiteY13" fmla="*/ 171450 h 229048"/>
+                <a:gd name="connsiteX14" fmla="*/ 485775 w 719137"/>
+                <a:gd name="connsiteY14" fmla="*/ 123825 h 229048"/>
+                <a:gd name="connsiteX15" fmla="*/ 495300 w 719137"/>
+                <a:gd name="connsiteY15" fmla="*/ 95250 h 229048"/>
+                <a:gd name="connsiteX16" fmla="*/ 523875 w 719137"/>
+                <a:gd name="connsiteY16" fmla="*/ 80962 h 229048"/>
+                <a:gd name="connsiteX17" fmla="*/ 590550 w 719137"/>
+                <a:gd name="connsiteY17" fmla="*/ 85725 h 229048"/>
+                <a:gd name="connsiteX18" fmla="*/ 609600 w 719137"/>
+                <a:gd name="connsiteY18" fmla="*/ 114300 h 229048"/>
+                <a:gd name="connsiteX19" fmla="*/ 614362 w 719137"/>
+                <a:gd name="connsiteY19" fmla="*/ 138112 h 229048"/>
+                <a:gd name="connsiteX20" fmla="*/ 619125 w 719137"/>
+                <a:gd name="connsiteY20" fmla="*/ 157162 h 229048"/>
+                <a:gd name="connsiteX21" fmla="*/ 623887 w 719137"/>
+                <a:gd name="connsiteY21" fmla="*/ 180975 h 229048"/>
+                <a:gd name="connsiteX22" fmla="*/ 633412 w 719137"/>
+                <a:gd name="connsiteY22" fmla="*/ 223837 h 229048"/>
+                <a:gd name="connsiteX23" fmla="*/ 719137 w 719137"/>
+                <a:gd name="connsiteY23" fmla="*/ 223837 h 229048"/>
+                <a:gd name="connsiteX0" fmla="*/ 0 w 719137"/>
+                <a:gd name="connsiteY0" fmla="*/ 185737 h 229048"/>
+                <a:gd name="connsiteX1" fmla="*/ 90487 w 719137"/>
+                <a:gd name="connsiteY1" fmla="*/ 180975 h 229048"/>
+                <a:gd name="connsiteX2" fmla="*/ 180975 w 719137"/>
+                <a:gd name="connsiteY2" fmla="*/ 0 h 229048"/>
+                <a:gd name="connsiteX3" fmla="*/ 276225 w 719137"/>
+                <a:gd name="connsiteY3" fmla="*/ 190500 h 229048"/>
+                <a:gd name="connsiteX4" fmla="*/ 409575 w 719137"/>
+                <a:gd name="connsiteY4" fmla="*/ 28575 h 229048"/>
+                <a:gd name="connsiteX5" fmla="*/ 438150 w 719137"/>
+                <a:gd name="connsiteY5" fmla="*/ 33337 h 229048"/>
+                <a:gd name="connsiteX6" fmla="*/ 452437 w 719137"/>
+                <a:gd name="connsiteY6" fmla="*/ 38100 h 229048"/>
+                <a:gd name="connsiteX7" fmla="*/ 457200 w 719137"/>
+                <a:gd name="connsiteY7" fmla="*/ 52387 h 229048"/>
+                <a:gd name="connsiteX8" fmla="*/ 476250 w 719137"/>
+                <a:gd name="connsiteY8" fmla="*/ 80962 h 229048"/>
+                <a:gd name="connsiteX9" fmla="*/ 485775 w 719137"/>
+                <a:gd name="connsiteY9" fmla="*/ 109537 h 229048"/>
+                <a:gd name="connsiteX10" fmla="*/ 490537 w 719137"/>
+                <a:gd name="connsiteY10" fmla="*/ 123825 h 229048"/>
+                <a:gd name="connsiteX11" fmla="*/ 485775 w 719137"/>
+                <a:gd name="connsiteY11" fmla="*/ 195262 h 229048"/>
+                <a:gd name="connsiteX12" fmla="*/ 481012 w 719137"/>
+                <a:gd name="connsiteY12" fmla="*/ 171450 h 229048"/>
+                <a:gd name="connsiteX13" fmla="*/ 485775 w 719137"/>
+                <a:gd name="connsiteY13" fmla="*/ 123825 h 229048"/>
+                <a:gd name="connsiteX14" fmla="*/ 495300 w 719137"/>
+                <a:gd name="connsiteY14" fmla="*/ 95250 h 229048"/>
+                <a:gd name="connsiteX15" fmla="*/ 523875 w 719137"/>
+                <a:gd name="connsiteY15" fmla="*/ 80962 h 229048"/>
+                <a:gd name="connsiteX16" fmla="*/ 590550 w 719137"/>
+                <a:gd name="connsiteY16" fmla="*/ 85725 h 229048"/>
+                <a:gd name="connsiteX17" fmla="*/ 609600 w 719137"/>
+                <a:gd name="connsiteY17" fmla="*/ 114300 h 229048"/>
+                <a:gd name="connsiteX18" fmla="*/ 614362 w 719137"/>
+                <a:gd name="connsiteY18" fmla="*/ 138112 h 229048"/>
+                <a:gd name="connsiteX19" fmla="*/ 619125 w 719137"/>
+                <a:gd name="connsiteY19" fmla="*/ 157162 h 229048"/>
+                <a:gd name="connsiteX20" fmla="*/ 623887 w 719137"/>
+                <a:gd name="connsiteY20" fmla="*/ 180975 h 229048"/>
+                <a:gd name="connsiteX21" fmla="*/ 633412 w 719137"/>
+                <a:gd name="connsiteY21" fmla="*/ 223837 h 229048"/>
+                <a:gd name="connsiteX22" fmla="*/ 719137 w 719137"/>
+                <a:gd name="connsiteY22" fmla="*/ 223837 h 229048"/>
+                <a:gd name="connsiteX0" fmla="*/ 0 w 719137"/>
+                <a:gd name="connsiteY0" fmla="*/ 185737 h 229048"/>
+                <a:gd name="connsiteX1" fmla="*/ 90487 w 719137"/>
+                <a:gd name="connsiteY1" fmla="*/ 180975 h 229048"/>
+                <a:gd name="connsiteX2" fmla="*/ 180975 w 719137"/>
+                <a:gd name="connsiteY2" fmla="*/ 0 h 229048"/>
+                <a:gd name="connsiteX3" fmla="*/ 276225 w 719137"/>
+                <a:gd name="connsiteY3" fmla="*/ 190500 h 229048"/>
+                <a:gd name="connsiteX4" fmla="*/ 409575 w 719137"/>
+                <a:gd name="connsiteY4" fmla="*/ 28575 h 229048"/>
+                <a:gd name="connsiteX5" fmla="*/ 452437 w 719137"/>
+                <a:gd name="connsiteY5" fmla="*/ 38100 h 229048"/>
+                <a:gd name="connsiteX6" fmla="*/ 457200 w 719137"/>
+                <a:gd name="connsiteY6" fmla="*/ 52387 h 229048"/>
+                <a:gd name="connsiteX7" fmla="*/ 476250 w 719137"/>
+                <a:gd name="connsiteY7" fmla="*/ 80962 h 229048"/>
+                <a:gd name="connsiteX8" fmla="*/ 485775 w 719137"/>
+                <a:gd name="connsiteY8" fmla="*/ 109537 h 229048"/>
+                <a:gd name="connsiteX9" fmla="*/ 490537 w 719137"/>
+                <a:gd name="connsiteY9" fmla="*/ 123825 h 229048"/>
+                <a:gd name="connsiteX10" fmla="*/ 485775 w 719137"/>
+                <a:gd name="connsiteY10" fmla="*/ 195262 h 229048"/>
+                <a:gd name="connsiteX11" fmla="*/ 481012 w 719137"/>
+                <a:gd name="connsiteY11" fmla="*/ 171450 h 229048"/>
+                <a:gd name="connsiteX12" fmla="*/ 485775 w 719137"/>
+                <a:gd name="connsiteY12" fmla="*/ 123825 h 229048"/>
+                <a:gd name="connsiteX13" fmla="*/ 495300 w 719137"/>
+                <a:gd name="connsiteY13" fmla="*/ 95250 h 229048"/>
+                <a:gd name="connsiteX14" fmla="*/ 523875 w 719137"/>
+                <a:gd name="connsiteY14" fmla="*/ 80962 h 229048"/>
+                <a:gd name="connsiteX15" fmla="*/ 590550 w 719137"/>
+                <a:gd name="connsiteY15" fmla="*/ 85725 h 229048"/>
+                <a:gd name="connsiteX16" fmla="*/ 609600 w 719137"/>
+                <a:gd name="connsiteY16" fmla="*/ 114300 h 229048"/>
+                <a:gd name="connsiteX17" fmla="*/ 614362 w 719137"/>
+                <a:gd name="connsiteY17" fmla="*/ 138112 h 229048"/>
+                <a:gd name="connsiteX18" fmla="*/ 619125 w 719137"/>
+                <a:gd name="connsiteY18" fmla="*/ 157162 h 229048"/>
+                <a:gd name="connsiteX19" fmla="*/ 623887 w 719137"/>
+                <a:gd name="connsiteY19" fmla="*/ 180975 h 229048"/>
+                <a:gd name="connsiteX20" fmla="*/ 633412 w 719137"/>
+                <a:gd name="connsiteY20" fmla="*/ 223837 h 229048"/>
+                <a:gd name="connsiteX21" fmla="*/ 719137 w 719137"/>
+                <a:gd name="connsiteY21" fmla="*/ 223837 h 229048"/>
+                <a:gd name="connsiteX0" fmla="*/ 0 w 719137"/>
+                <a:gd name="connsiteY0" fmla="*/ 185737 h 229048"/>
+                <a:gd name="connsiteX1" fmla="*/ 90487 w 719137"/>
+                <a:gd name="connsiteY1" fmla="*/ 180975 h 229048"/>
+                <a:gd name="connsiteX2" fmla="*/ 180975 w 719137"/>
+                <a:gd name="connsiteY2" fmla="*/ 0 h 229048"/>
+                <a:gd name="connsiteX3" fmla="*/ 276225 w 719137"/>
+                <a:gd name="connsiteY3" fmla="*/ 190500 h 229048"/>
+                <a:gd name="connsiteX4" fmla="*/ 409575 w 719137"/>
+                <a:gd name="connsiteY4" fmla="*/ 28575 h 229048"/>
+                <a:gd name="connsiteX5" fmla="*/ 457200 w 719137"/>
+                <a:gd name="connsiteY5" fmla="*/ 52387 h 229048"/>
+                <a:gd name="connsiteX6" fmla="*/ 476250 w 719137"/>
+                <a:gd name="connsiteY6" fmla="*/ 80962 h 229048"/>
+                <a:gd name="connsiteX7" fmla="*/ 485775 w 719137"/>
+                <a:gd name="connsiteY7" fmla="*/ 109537 h 229048"/>
+                <a:gd name="connsiteX8" fmla="*/ 490537 w 719137"/>
+                <a:gd name="connsiteY8" fmla="*/ 123825 h 229048"/>
+                <a:gd name="connsiteX9" fmla="*/ 485775 w 719137"/>
+                <a:gd name="connsiteY9" fmla="*/ 195262 h 229048"/>
+                <a:gd name="connsiteX10" fmla="*/ 481012 w 719137"/>
+                <a:gd name="connsiteY10" fmla="*/ 171450 h 229048"/>
+                <a:gd name="connsiteX11" fmla="*/ 485775 w 719137"/>
+                <a:gd name="connsiteY11" fmla="*/ 123825 h 229048"/>
+                <a:gd name="connsiteX12" fmla="*/ 495300 w 719137"/>
+                <a:gd name="connsiteY12" fmla="*/ 95250 h 229048"/>
+                <a:gd name="connsiteX13" fmla="*/ 523875 w 719137"/>
+                <a:gd name="connsiteY13" fmla="*/ 80962 h 229048"/>
+                <a:gd name="connsiteX14" fmla="*/ 590550 w 719137"/>
+                <a:gd name="connsiteY14" fmla="*/ 85725 h 229048"/>
+                <a:gd name="connsiteX15" fmla="*/ 609600 w 719137"/>
+                <a:gd name="connsiteY15" fmla="*/ 114300 h 229048"/>
+                <a:gd name="connsiteX16" fmla="*/ 614362 w 719137"/>
+                <a:gd name="connsiteY16" fmla="*/ 138112 h 229048"/>
+                <a:gd name="connsiteX17" fmla="*/ 619125 w 719137"/>
+                <a:gd name="connsiteY17" fmla="*/ 157162 h 229048"/>
+                <a:gd name="connsiteX18" fmla="*/ 623887 w 719137"/>
+                <a:gd name="connsiteY18" fmla="*/ 180975 h 229048"/>
+                <a:gd name="connsiteX19" fmla="*/ 633412 w 719137"/>
+                <a:gd name="connsiteY19" fmla="*/ 223837 h 229048"/>
+                <a:gd name="connsiteX20" fmla="*/ 719137 w 719137"/>
+                <a:gd name="connsiteY20" fmla="*/ 223837 h 229048"/>
+                <a:gd name="connsiteX0" fmla="*/ 0 w 719137"/>
+                <a:gd name="connsiteY0" fmla="*/ 185737 h 229048"/>
+                <a:gd name="connsiteX1" fmla="*/ 90487 w 719137"/>
+                <a:gd name="connsiteY1" fmla="*/ 180975 h 229048"/>
+                <a:gd name="connsiteX2" fmla="*/ 180975 w 719137"/>
+                <a:gd name="connsiteY2" fmla="*/ 0 h 229048"/>
+                <a:gd name="connsiteX3" fmla="*/ 276225 w 719137"/>
+                <a:gd name="connsiteY3" fmla="*/ 190500 h 229048"/>
+                <a:gd name="connsiteX4" fmla="*/ 409575 w 719137"/>
+                <a:gd name="connsiteY4" fmla="*/ 28575 h 229048"/>
+                <a:gd name="connsiteX5" fmla="*/ 476250 w 719137"/>
+                <a:gd name="connsiteY5" fmla="*/ 80962 h 229048"/>
+                <a:gd name="connsiteX6" fmla="*/ 485775 w 719137"/>
+                <a:gd name="connsiteY6" fmla="*/ 109537 h 229048"/>
+                <a:gd name="connsiteX7" fmla="*/ 490537 w 719137"/>
+                <a:gd name="connsiteY7" fmla="*/ 123825 h 229048"/>
+                <a:gd name="connsiteX8" fmla="*/ 485775 w 719137"/>
+                <a:gd name="connsiteY8" fmla="*/ 195262 h 229048"/>
+                <a:gd name="connsiteX9" fmla="*/ 481012 w 719137"/>
+                <a:gd name="connsiteY9" fmla="*/ 171450 h 229048"/>
+                <a:gd name="connsiteX10" fmla="*/ 485775 w 719137"/>
+                <a:gd name="connsiteY10" fmla="*/ 123825 h 229048"/>
+                <a:gd name="connsiteX11" fmla="*/ 495300 w 719137"/>
+                <a:gd name="connsiteY11" fmla="*/ 95250 h 229048"/>
+                <a:gd name="connsiteX12" fmla="*/ 523875 w 719137"/>
+                <a:gd name="connsiteY12" fmla="*/ 80962 h 229048"/>
+                <a:gd name="connsiteX13" fmla="*/ 590550 w 719137"/>
+                <a:gd name="connsiteY13" fmla="*/ 85725 h 229048"/>
+                <a:gd name="connsiteX14" fmla="*/ 609600 w 719137"/>
+                <a:gd name="connsiteY14" fmla="*/ 114300 h 229048"/>
+                <a:gd name="connsiteX15" fmla="*/ 614362 w 719137"/>
+                <a:gd name="connsiteY15" fmla="*/ 138112 h 229048"/>
+                <a:gd name="connsiteX16" fmla="*/ 619125 w 719137"/>
+                <a:gd name="connsiteY16" fmla="*/ 157162 h 229048"/>
+                <a:gd name="connsiteX17" fmla="*/ 623887 w 719137"/>
+                <a:gd name="connsiteY17" fmla="*/ 180975 h 229048"/>
+                <a:gd name="connsiteX18" fmla="*/ 633412 w 719137"/>
+                <a:gd name="connsiteY18" fmla="*/ 223837 h 229048"/>
+                <a:gd name="connsiteX19" fmla="*/ 719137 w 719137"/>
+                <a:gd name="connsiteY19" fmla="*/ 223837 h 229048"/>
+                <a:gd name="connsiteX0" fmla="*/ 0 w 719137"/>
+                <a:gd name="connsiteY0" fmla="*/ 185737 h 229048"/>
+                <a:gd name="connsiteX1" fmla="*/ 90487 w 719137"/>
+                <a:gd name="connsiteY1" fmla="*/ 180975 h 229048"/>
+                <a:gd name="connsiteX2" fmla="*/ 180975 w 719137"/>
+                <a:gd name="connsiteY2" fmla="*/ 0 h 229048"/>
+                <a:gd name="connsiteX3" fmla="*/ 276225 w 719137"/>
+                <a:gd name="connsiteY3" fmla="*/ 190500 h 229048"/>
+                <a:gd name="connsiteX4" fmla="*/ 409575 w 719137"/>
+                <a:gd name="connsiteY4" fmla="*/ 28575 h 229048"/>
+                <a:gd name="connsiteX5" fmla="*/ 485775 w 719137"/>
+                <a:gd name="connsiteY5" fmla="*/ 109537 h 229048"/>
+                <a:gd name="connsiteX6" fmla="*/ 490537 w 719137"/>
+                <a:gd name="connsiteY6" fmla="*/ 123825 h 229048"/>
+                <a:gd name="connsiteX7" fmla="*/ 485775 w 719137"/>
+                <a:gd name="connsiteY7" fmla="*/ 195262 h 229048"/>
+                <a:gd name="connsiteX8" fmla="*/ 481012 w 719137"/>
+                <a:gd name="connsiteY8" fmla="*/ 171450 h 229048"/>
+                <a:gd name="connsiteX9" fmla="*/ 485775 w 719137"/>
+                <a:gd name="connsiteY9" fmla="*/ 123825 h 229048"/>
+                <a:gd name="connsiteX10" fmla="*/ 495300 w 719137"/>
+                <a:gd name="connsiteY10" fmla="*/ 95250 h 229048"/>
+                <a:gd name="connsiteX11" fmla="*/ 523875 w 719137"/>
+                <a:gd name="connsiteY11" fmla="*/ 80962 h 229048"/>
+                <a:gd name="connsiteX12" fmla="*/ 590550 w 719137"/>
+                <a:gd name="connsiteY12" fmla="*/ 85725 h 229048"/>
+                <a:gd name="connsiteX13" fmla="*/ 609600 w 719137"/>
+                <a:gd name="connsiteY13" fmla="*/ 114300 h 229048"/>
+                <a:gd name="connsiteX14" fmla="*/ 614362 w 719137"/>
+                <a:gd name="connsiteY14" fmla="*/ 138112 h 229048"/>
+                <a:gd name="connsiteX15" fmla="*/ 619125 w 719137"/>
+                <a:gd name="connsiteY15" fmla="*/ 157162 h 229048"/>
+                <a:gd name="connsiteX16" fmla="*/ 623887 w 719137"/>
+                <a:gd name="connsiteY16" fmla="*/ 180975 h 229048"/>
+                <a:gd name="connsiteX17" fmla="*/ 633412 w 719137"/>
+                <a:gd name="connsiteY17" fmla="*/ 223837 h 229048"/>
+                <a:gd name="connsiteX18" fmla="*/ 719137 w 719137"/>
+                <a:gd name="connsiteY18" fmla="*/ 223837 h 229048"/>
+                <a:gd name="connsiteX0" fmla="*/ 0 w 719137"/>
+                <a:gd name="connsiteY0" fmla="*/ 185737 h 229048"/>
+                <a:gd name="connsiteX1" fmla="*/ 90487 w 719137"/>
+                <a:gd name="connsiteY1" fmla="*/ 180975 h 229048"/>
+                <a:gd name="connsiteX2" fmla="*/ 180975 w 719137"/>
+                <a:gd name="connsiteY2" fmla="*/ 0 h 229048"/>
+                <a:gd name="connsiteX3" fmla="*/ 276225 w 719137"/>
+                <a:gd name="connsiteY3" fmla="*/ 190500 h 229048"/>
+                <a:gd name="connsiteX4" fmla="*/ 409575 w 719137"/>
+                <a:gd name="connsiteY4" fmla="*/ 28575 h 229048"/>
+                <a:gd name="connsiteX5" fmla="*/ 490537 w 719137"/>
+                <a:gd name="connsiteY5" fmla="*/ 123825 h 229048"/>
+                <a:gd name="connsiteX6" fmla="*/ 485775 w 719137"/>
+                <a:gd name="connsiteY6" fmla="*/ 195262 h 229048"/>
+                <a:gd name="connsiteX7" fmla="*/ 481012 w 719137"/>
+                <a:gd name="connsiteY7" fmla="*/ 171450 h 229048"/>
+                <a:gd name="connsiteX8" fmla="*/ 485775 w 719137"/>
+                <a:gd name="connsiteY8" fmla="*/ 123825 h 229048"/>
+                <a:gd name="connsiteX9" fmla="*/ 495300 w 719137"/>
+                <a:gd name="connsiteY9" fmla="*/ 95250 h 229048"/>
+                <a:gd name="connsiteX10" fmla="*/ 523875 w 719137"/>
+                <a:gd name="connsiteY10" fmla="*/ 80962 h 229048"/>
+                <a:gd name="connsiteX11" fmla="*/ 590550 w 719137"/>
+                <a:gd name="connsiteY11" fmla="*/ 85725 h 229048"/>
+                <a:gd name="connsiteX12" fmla="*/ 609600 w 719137"/>
+                <a:gd name="connsiteY12" fmla="*/ 114300 h 229048"/>
+                <a:gd name="connsiteX13" fmla="*/ 614362 w 719137"/>
+                <a:gd name="connsiteY13" fmla="*/ 138112 h 229048"/>
+                <a:gd name="connsiteX14" fmla="*/ 619125 w 719137"/>
+                <a:gd name="connsiteY14" fmla="*/ 157162 h 229048"/>
+                <a:gd name="connsiteX15" fmla="*/ 623887 w 719137"/>
+                <a:gd name="connsiteY15" fmla="*/ 180975 h 229048"/>
+                <a:gd name="connsiteX16" fmla="*/ 633412 w 719137"/>
+                <a:gd name="connsiteY16" fmla="*/ 223837 h 229048"/>
+                <a:gd name="connsiteX17" fmla="*/ 719137 w 719137"/>
+                <a:gd name="connsiteY17" fmla="*/ 223837 h 229048"/>
+                <a:gd name="connsiteX0" fmla="*/ 0 w 719137"/>
+                <a:gd name="connsiteY0" fmla="*/ 185737 h 229048"/>
+                <a:gd name="connsiteX1" fmla="*/ 90487 w 719137"/>
+                <a:gd name="connsiteY1" fmla="*/ 180975 h 229048"/>
+                <a:gd name="connsiteX2" fmla="*/ 180975 w 719137"/>
+                <a:gd name="connsiteY2" fmla="*/ 0 h 229048"/>
+                <a:gd name="connsiteX3" fmla="*/ 276225 w 719137"/>
+                <a:gd name="connsiteY3" fmla="*/ 190500 h 229048"/>
+                <a:gd name="connsiteX4" fmla="*/ 409575 w 719137"/>
+                <a:gd name="connsiteY4" fmla="*/ 28575 h 229048"/>
+                <a:gd name="connsiteX5" fmla="*/ 490537 w 719137"/>
+                <a:gd name="connsiteY5" fmla="*/ 123825 h 229048"/>
+                <a:gd name="connsiteX6" fmla="*/ 485775 w 719137"/>
+                <a:gd name="connsiteY6" fmla="*/ 195262 h 229048"/>
+                <a:gd name="connsiteX7" fmla="*/ 481012 w 719137"/>
+                <a:gd name="connsiteY7" fmla="*/ 171450 h 229048"/>
+                <a:gd name="connsiteX8" fmla="*/ 495300 w 719137"/>
+                <a:gd name="connsiteY8" fmla="*/ 95250 h 229048"/>
+                <a:gd name="connsiteX9" fmla="*/ 523875 w 719137"/>
+                <a:gd name="connsiteY9" fmla="*/ 80962 h 229048"/>
+                <a:gd name="connsiteX10" fmla="*/ 590550 w 719137"/>
+                <a:gd name="connsiteY10" fmla="*/ 85725 h 229048"/>
+                <a:gd name="connsiteX11" fmla="*/ 609600 w 719137"/>
+                <a:gd name="connsiteY11" fmla="*/ 114300 h 229048"/>
+                <a:gd name="connsiteX12" fmla="*/ 614362 w 719137"/>
+                <a:gd name="connsiteY12" fmla="*/ 138112 h 229048"/>
+                <a:gd name="connsiteX13" fmla="*/ 619125 w 719137"/>
+                <a:gd name="connsiteY13" fmla="*/ 157162 h 229048"/>
+                <a:gd name="connsiteX14" fmla="*/ 623887 w 719137"/>
+                <a:gd name="connsiteY14" fmla="*/ 180975 h 229048"/>
+                <a:gd name="connsiteX15" fmla="*/ 633412 w 719137"/>
+                <a:gd name="connsiteY15" fmla="*/ 223837 h 229048"/>
+                <a:gd name="connsiteX16" fmla="*/ 719137 w 719137"/>
+                <a:gd name="connsiteY16" fmla="*/ 223837 h 229048"/>
+                <a:gd name="connsiteX0" fmla="*/ 0 w 719137"/>
+                <a:gd name="connsiteY0" fmla="*/ 185737 h 229048"/>
+                <a:gd name="connsiteX1" fmla="*/ 90487 w 719137"/>
+                <a:gd name="connsiteY1" fmla="*/ 180975 h 229048"/>
+                <a:gd name="connsiteX2" fmla="*/ 180975 w 719137"/>
+                <a:gd name="connsiteY2" fmla="*/ 0 h 229048"/>
+                <a:gd name="connsiteX3" fmla="*/ 276225 w 719137"/>
+                <a:gd name="connsiteY3" fmla="*/ 190500 h 229048"/>
+                <a:gd name="connsiteX4" fmla="*/ 409575 w 719137"/>
+                <a:gd name="connsiteY4" fmla="*/ 28575 h 229048"/>
+                <a:gd name="connsiteX5" fmla="*/ 490537 w 719137"/>
+                <a:gd name="connsiteY5" fmla="*/ 123825 h 229048"/>
+                <a:gd name="connsiteX6" fmla="*/ 485775 w 719137"/>
+                <a:gd name="connsiteY6" fmla="*/ 195262 h 229048"/>
+                <a:gd name="connsiteX7" fmla="*/ 495300 w 719137"/>
+                <a:gd name="connsiteY7" fmla="*/ 95250 h 229048"/>
+                <a:gd name="connsiteX8" fmla="*/ 523875 w 719137"/>
+                <a:gd name="connsiteY8" fmla="*/ 80962 h 229048"/>
+                <a:gd name="connsiteX9" fmla="*/ 590550 w 719137"/>
+                <a:gd name="connsiteY9" fmla="*/ 85725 h 229048"/>
+                <a:gd name="connsiteX10" fmla="*/ 609600 w 719137"/>
+                <a:gd name="connsiteY10" fmla="*/ 114300 h 229048"/>
+                <a:gd name="connsiteX11" fmla="*/ 614362 w 719137"/>
+                <a:gd name="connsiteY11" fmla="*/ 138112 h 229048"/>
+                <a:gd name="connsiteX12" fmla="*/ 619125 w 719137"/>
+                <a:gd name="connsiteY12" fmla="*/ 157162 h 229048"/>
+                <a:gd name="connsiteX13" fmla="*/ 623887 w 719137"/>
+                <a:gd name="connsiteY13" fmla="*/ 180975 h 229048"/>
+                <a:gd name="connsiteX14" fmla="*/ 633412 w 719137"/>
+                <a:gd name="connsiteY14" fmla="*/ 223837 h 229048"/>
+                <a:gd name="connsiteX15" fmla="*/ 719137 w 719137"/>
+                <a:gd name="connsiteY15" fmla="*/ 223837 h 229048"/>
+                <a:gd name="connsiteX0" fmla="*/ 0 w 719137"/>
+                <a:gd name="connsiteY0" fmla="*/ 185737 h 229048"/>
+                <a:gd name="connsiteX1" fmla="*/ 90487 w 719137"/>
+                <a:gd name="connsiteY1" fmla="*/ 180975 h 229048"/>
+                <a:gd name="connsiteX2" fmla="*/ 180975 w 719137"/>
+                <a:gd name="connsiteY2" fmla="*/ 0 h 229048"/>
+                <a:gd name="connsiteX3" fmla="*/ 276225 w 719137"/>
+                <a:gd name="connsiteY3" fmla="*/ 190500 h 229048"/>
+                <a:gd name="connsiteX4" fmla="*/ 409575 w 719137"/>
+                <a:gd name="connsiteY4" fmla="*/ 28575 h 229048"/>
+                <a:gd name="connsiteX5" fmla="*/ 485775 w 719137"/>
+                <a:gd name="connsiteY5" fmla="*/ 195262 h 229048"/>
+                <a:gd name="connsiteX6" fmla="*/ 495300 w 719137"/>
+                <a:gd name="connsiteY6" fmla="*/ 95250 h 229048"/>
+                <a:gd name="connsiteX7" fmla="*/ 523875 w 719137"/>
+                <a:gd name="connsiteY7" fmla="*/ 80962 h 229048"/>
+                <a:gd name="connsiteX8" fmla="*/ 590550 w 719137"/>
+                <a:gd name="connsiteY8" fmla="*/ 85725 h 229048"/>
+                <a:gd name="connsiteX9" fmla="*/ 609600 w 719137"/>
+                <a:gd name="connsiteY9" fmla="*/ 114300 h 229048"/>
+                <a:gd name="connsiteX10" fmla="*/ 614362 w 719137"/>
+                <a:gd name="connsiteY10" fmla="*/ 138112 h 229048"/>
+                <a:gd name="connsiteX11" fmla="*/ 619125 w 719137"/>
+                <a:gd name="connsiteY11" fmla="*/ 157162 h 229048"/>
+                <a:gd name="connsiteX12" fmla="*/ 623887 w 719137"/>
+                <a:gd name="connsiteY12" fmla="*/ 180975 h 229048"/>
+                <a:gd name="connsiteX13" fmla="*/ 633412 w 719137"/>
+                <a:gd name="connsiteY13" fmla="*/ 223837 h 229048"/>
+                <a:gd name="connsiteX14" fmla="*/ 719137 w 719137"/>
+                <a:gd name="connsiteY14" fmla="*/ 223837 h 229048"/>
+                <a:gd name="connsiteX0" fmla="*/ 0 w 719137"/>
+                <a:gd name="connsiteY0" fmla="*/ 185737 h 229048"/>
+                <a:gd name="connsiteX1" fmla="*/ 90487 w 719137"/>
+                <a:gd name="connsiteY1" fmla="*/ 180975 h 229048"/>
+                <a:gd name="connsiteX2" fmla="*/ 180975 w 719137"/>
+                <a:gd name="connsiteY2" fmla="*/ 0 h 229048"/>
+                <a:gd name="connsiteX3" fmla="*/ 276225 w 719137"/>
+                <a:gd name="connsiteY3" fmla="*/ 190500 h 229048"/>
+                <a:gd name="connsiteX4" fmla="*/ 409575 w 719137"/>
+                <a:gd name="connsiteY4" fmla="*/ 28575 h 229048"/>
+                <a:gd name="connsiteX5" fmla="*/ 485775 w 719137"/>
+                <a:gd name="connsiteY5" fmla="*/ 195262 h 229048"/>
+                <a:gd name="connsiteX6" fmla="*/ 523875 w 719137"/>
+                <a:gd name="connsiteY6" fmla="*/ 80962 h 229048"/>
+                <a:gd name="connsiteX7" fmla="*/ 590550 w 719137"/>
+                <a:gd name="connsiteY7" fmla="*/ 85725 h 229048"/>
+                <a:gd name="connsiteX8" fmla="*/ 609600 w 719137"/>
+                <a:gd name="connsiteY8" fmla="*/ 114300 h 229048"/>
+                <a:gd name="connsiteX9" fmla="*/ 614362 w 719137"/>
+                <a:gd name="connsiteY9" fmla="*/ 138112 h 229048"/>
+                <a:gd name="connsiteX10" fmla="*/ 619125 w 719137"/>
+                <a:gd name="connsiteY10" fmla="*/ 157162 h 229048"/>
+                <a:gd name="connsiteX11" fmla="*/ 623887 w 719137"/>
+                <a:gd name="connsiteY11" fmla="*/ 180975 h 229048"/>
+                <a:gd name="connsiteX12" fmla="*/ 633412 w 719137"/>
+                <a:gd name="connsiteY12" fmla="*/ 223837 h 229048"/>
+                <a:gd name="connsiteX13" fmla="*/ 719137 w 719137"/>
+                <a:gd name="connsiteY13" fmla="*/ 223837 h 229048"/>
+                <a:gd name="connsiteX0" fmla="*/ 0 w 719137"/>
+                <a:gd name="connsiteY0" fmla="*/ 185737 h 229048"/>
+                <a:gd name="connsiteX1" fmla="*/ 90487 w 719137"/>
+                <a:gd name="connsiteY1" fmla="*/ 180975 h 229048"/>
+                <a:gd name="connsiteX2" fmla="*/ 180975 w 719137"/>
+                <a:gd name="connsiteY2" fmla="*/ 0 h 229048"/>
+                <a:gd name="connsiteX3" fmla="*/ 276225 w 719137"/>
+                <a:gd name="connsiteY3" fmla="*/ 190500 h 229048"/>
+                <a:gd name="connsiteX4" fmla="*/ 409575 w 719137"/>
+                <a:gd name="connsiteY4" fmla="*/ 28575 h 229048"/>
+                <a:gd name="connsiteX5" fmla="*/ 485775 w 719137"/>
+                <a:gd name="connsiteY5" fmla="*/ 195262 h 229048"/>
+                <a:gd name="connsiteX6" fmla="*/ 523875 w 719137"/>
+                <a:gd name="connsiteY6" fmla="*/ 80962 h 229048"/>
+                <a:gd name="connsiteX7" fmla="*/ 609600 w 719137"/>
+                <a:gd name="connsiteY7" fmla="*/ 114300 h 229048"/>
+                <a:gd name="connsiteX8" fmla="*/ 614362 w 719137"/>
+                <a:gd name="connsiteY8" fmla="*/ 138112 h 229048"/>
+                <a:gd name="connsiteX9" fmla="*/ 619125 w 719137"/>
+                <a:gd name="connsiteY9" fmla="*/ 157162 h 229048"/>
+                <a:gd name="connsiteX10" fmla="*/ 623887 w 719137"/>
+                <a:gd name="connsiteY10" fmla="*/ 180975 h 229048"/>
+                <a:gd name="connsiteX11" fmla="*/ 633412 w 719137"/>
+                <a:gd name="connsiteY11" fmla="*/ 223837 h 229048"/>
+                <a:gd name="connsiteX12" fmla="*/ 719137 w 719137"/>
+                <a:gd name="connsiteY12" fmla="*/ 223837 h 229048"/>
+                <a:gd name="connsiteX0" fmla="*/ 0 w 719137"/>
+                <a:gd name="connsiteY0" fmla="*/ 185737 h 229048"/>
+                <a:gd name="connsiteX1" fmla="*/ 90487 w 719137"/>
+                <a:gd name="connsiteY1" fmla="*/ 180975 h 229048"/>
+                <a:gd name="connsiteX2" fmla="*/ 180975 w 719137"/>
+                <a:gd name="connsiteY2" fmla="*/ 0 h 229048"/>
+                <a:gd name="connsiteX3" fmla="*/ 276225 w 719137"/>
+                <a:gd name="connsiteY3" fmla="*/ 190500 h 229048"/>
+                <a:gd name="connsiteX4" fmla="*/ 409575 w 719137"/>
+                <a:gd name="connsiteY4" fmla="*/ 28575 h 229048"/>
+                <a:gd name="connsiteX5" fmla="*/ 485775 w 719137"/>
+                <a:gd name="connsiteY5" fmla="*/ 195262 h 229048"/>
+                <a:gd name="connsiteX6" fmla="*/ 523875 w 719137"/>
+                <a:gd name="connsiteY6" fmla="*/ 80962 h 229048"/>
+                <a:gd name="connsiteX7" fmla="*/ 614362 w 719137"/>
+                <a:gd name="connsiteY7" fmla="*/ 138112 h 229048"/>
+                <a:gd name="connsiteX8" fmla="*/ 619125 w 719137"/>
+                <a:gd name="connsiteY8" fmla="*/ 157162 h 229048"/>
+                <a:gd name="connsiteX9" fmla="*/ 623887 w 719137"/>
+                <a:gd name="connsiteY9" fmla="*/ 180975 h 229048"/>
+                <a:gd name="connsiteX10" fmla="*/ 633412 w 719137"/>
+                <a:gd name="connsiteY10" fmla="*/ 223837 h 229048"/>
+                <a:gd name="connsiteX11" fmla="*/ 719137 w 719137"/>
+                <a:gd name="connsiteY11" fmla="*/ 223837 h 229048"/>
+                <a:gd name="connsiteX0" fmla="*/ 0 w 719137"/>
+                <a:gd name="connsiteY0" fmla="*/ 185737 h 229048"/>
+                <a:gd name="connsiteX1" fmla="*/ 90487 w 719137"/>
+                <a:gd name="connsiteY1" fmla="*/ 180975 h 229048"/>
+                <a:gd name="connsiteX2" fmla="*/ 180975 w 719137"/>
+                <a:gd name="connsiteY2" fmla="*/ 0 h 229048"/>
+                <a:gd name="connsiteX3" fmla="*/ 276225 w 719137"/>
+                <a:gd name="connsiteY3" fmla="*/ 190500 h 229048"/>
+                <a:gd name="connsiteX4" fmla="*/ 409575 w 719137"/>
+                <a:gd name="connsiteY4" fmla="*/ 28575 h 229048"/>
+                <a:gd name="connsiteX5" fmla="*/ 485775 w 719137"/>
+                <a:gd name="connsiteY5" fmla="*/ 195262 h 229048"/>
+                <a:gd name="connsiteX6" fmla="*/ 523875 w 719137"/>
+                <a:gd name="connsiteY6" fmla="*/ 80962 h 229048"/>
+                <a:gd name="connsiteX7" fmla="*/ 619125 w 719137"/>
+                <a:gd name="connsiteY7" fmla="*/ 157162 h 229048"/>
+                <a:gd name="connsiteX8" fmla="*/ 623887 w 719137"/>
+                <a:gd name="connsiteY8" fmla="*/ 180975 h 229048"/>
+                <a:gd name="connsiteX9" fmla="*/ 633412 w 719137"/>
+                <a:gd name="connsiteY9" fmla="*/ 223837 h 229048"/>
+                <a:gd name="connsiteX10" fmla="*/ 719137 w 719137"/>
+                <a:gd name="connsiteY10" fmla="*/ 223837 h 229048"/>
+                <a:gd name="connsiteX0" fmla="*/ 0 w 719137"/>
+                <a:gd name="connsiteY0" fmla="*/ 185737 h 229048"/>
+                <a:gd name="connsiteX1" fmla="*/ 90487 w 719137"/>
+                <a:gd name="connsiteY1" fmla="*/ 180975 h 229048"/>
+                <a:gd name="connsiteX2" fmla="*/ 180975 w 719137"/>
+                <a:gd name="connsiteY2" fmla="*/ 0 h 229048"/>
+                <a:gd name="connsiteX3" fmla="*/ 276225 w 719137"/>
+                <a:gd name="connsiteY3" fmla="*/ 190500 h 229048"/>
+                <a:gd name="connsiteX4" fmla="*/ 409575 w 719137"/>
+                <a:gd name="connsiteY4" fmla="*/ 28575 h 229048"/>
+                <a:gd name="connsiteX5" fmla="*/ 485775 w 719137"/>
+                <a:gd name="connsiteY5" fmla="*/ 195262 h 229048"/>
+                <a:gd name="connsiteX6" fmla="*/ 523875 w 719137"/>
+                <a:gd name="connsiteY6" fmla="*/ 80962 h 229048"/>
+                <a:gd name="connsiteX7" fmla="*/ 623887 w 719137"/>
+                <a:gd name="connsiteY7" fmla="*/ 180975 h 229048"/>
+                <a:gd name="connsiteX8" fmla="*/ 633412 w 719137"/>
+                <a:gd name="connsiteY8" fmla="*/ 223837 h 229048"/>
+                <a:gd name="connsiteX9" fmla="*/ 719137 w 719137"/>
+                <a:gd name="connsiteY9" fmla="*/ 223837 h 229048"/>
+                <a:gd name="connsiteX0" fmla="*/ 0 w 719137"/>
+                <a:gd name="connsiteY0" fmla="*/ 185737 h 234420"/>
+                <a:gd name="connsiteX1" fmla="*/ 90487 w 719137"/>
+                <a:gd name="connsiteY1" fmla="*/ 180975 h 234420"/>
+                <a:gd name="connsiteX2" fmla="*/ 180975 w 719137"/>
+                <a:gd name="connsiteY2" fmla="*/ 0 h 234420"/>
+                <a:gd name="connsiteX3" fmla="*/ 276225 w 719137"/>
+                <a:gd name="connsiteY3" fmla="*/ 190500 h 234420"/>
+                <a:gd name="connsiteX4" fmla="*/ 409575 w 719137"/>
+                <a:gd name="connsiteY4" fmla="*/ 28575 h 234420"/>
+                <a:gd name="connsiteX5" fmla="*/ 485775 w 719137"/>
+                <a:gd name="connsiteY5" fmla="*/ 195262 h 234420"/>
+                <a:gd name="connsiteX6" fmla="*/ 523875 w 719137"/>
+                <a:gd name="connsiteY6" fmla="*/ 80962 h 234420"/>
+                <a:gd name="connsiteX7" fmla="*/ 633412 w 719137"/>
+                <a:gd name="connsiteY7" fmla="*/ 223837 h 234420"/>
+                <a:gd name="connsiteX8" fmla="*/ 719137 w 719137"/>
+                <a:gd name="connsiteY8" fmla="*/ 223837 h 234420"/>
+                <a:gd name="connsiteX0" fmla="*/ 0 w 719137"/>
+                <a:gd name="connsiteY0" fmla="*/ 185737 h 234420"/>
+                <a:gd name="connsiteX1" fmla="*/ 90487 w 719137"/>
+                <a:gd name="connsiteY1" fmla="*/ 180975 h 234420"/>
+                <a:gd name="connsiteX2" fmla="*/ 180975 w 719137"/>
+                <a:gd name="connsiteY2" fmla="*/ 0 h 234420"/>
+                <a:gd name="connsiteX3" fmla="*/ 276225 w 719137"/>
+                <a:gd name="connsiteY3" fmla="*/ 190500 h 234420"/>
+                <a:gd name="connsiteX4" fmla="*/ 409575 w 719137"/>
+                <a:gd name="connsiteY4" fmla="*/ 28575 h 234420"/>
+                <a:gd name="connsiteX5" fmla="*/ 485775 w 719137"/>
+                <a:gd name="connsiteY5" fmla="*/ 195262 h 234420"/>
+                <a:gd name="connsiteX6" fmla="*/ 523875 w 719137"/>
+                <a:gd name="connsiteY6" fmla="*/ 80962 h 234420"/>
+                <a:gd name="connsiteX7" fmla="*/ 633412 w 719137"/>
+                <a:gd name="connsiteY7" fmla="*/ 223837 h 234420"/>
+                <a:gd name="connsiteX8" fmla="*/ 719137 w 719137"/>
+                <a:gd name="connsiteY8" fmla="*/ 223837 h 234420"/>
+                <a:gd name="connsiteX0" fmla="*/ 0 w 719137"/>
+                <a:gd name="connsiteY0" fmla="*/ 185737 h 234420"/>
+                <a:gd name="connsiteX1" fmla="*/ 90487 w 719137"/>
+                <a:gd name="connsiteY1" fmla="*/ 180975 h 234420"/>
+                <a:gd name="connsiteX2" fmla="*/ 180975 w 719137"/>
+                <a:gd name="connsiteY2" fmla="*/ 0 h 234420"/>
+                <a:gd name="connsiteX3" fmla="*/ 276225 w 719137"/>
+                <a:gd name="connsiteY3" fmla="*/ 190500 h 234420"/>
+                <a:gd name="connsiteX4" fmla="*/ 409575 w 719137"/>
+                <a:gd name="connsiteY4" fmla="*/ 28575 h 234420"/>
+                <a:gd name="connsiteX5" fmla="*/ 485775 w 719137"/>
+                <a:gd name="connsiteY5" fmla="*/ 195262 h 234420"/>
+                <a:gd name="connsiteX6" fmla="*/ 523875 w 719137"/>
+                <a:gd name="connsiteY6" fmla="*/ 80962 h 234420"/>
+                <a:gd name="connsiteX7" fmla="*/ 633412 w 719137"/>
+                <a:gd name="connsiteY7" fmla="*/ 223837 h 234420"/>
+                <a:gd name="connsiteX8" fmla="*/ 719137 w 719137"/>
+                <a:gd name="connsiteY8" fmla="*/ 223837 h 234420"/>
+                <a:gd name="connsiteX0" fmla="*/ 0 w 719137"/>
+                <a:gd name="connsiteY0" fmla="*/ 185737 h 234420"/>
+                <a:gd name="connsiteX1" fmla="*/ 90487 w 719137"/>
+                <a:gd name="connsiteY1" fmla="*/ 180975 h 234420"/>
+                <a:gd name="connsiteX2" fmla="*/ 180975 w 719137"/>
+                <a:gd name="connsiteY2" fmla="*/ 0 h 234420"/>
+                <a:gd name="connsiteX3" fmla="*/ 276225 w 719137"/>
+                <a:gd name="connsiteY3" fmla="*/ 190500 h 234420"/>
+                <a:gd name="connsiteX4" fmla="*/ 409575 w 719137"/>
+                <a:gd name="connsiteY4" fmla="*/ 28575 h 234420"/>
+                <a:gd name="connsiteX5" fmla="*/ 485775 w 719137"/>
+                <a:gd name="connsiteY5" fmla="*/ 195262 h 234420"/>
+                <a:gd name="connsiteX6" fmla="*/ 523875 w 719137"/>
+                <a:gd name="connsiteY6" fmla="*/ 80962 h 234420"/>
+                <a:gd name="connsiteX7" fmla="*/ 633412 w 719137"/>
+                <a:gd name="connsiteY7" fmla="*/ 223837 h 234420"/>
+                <a:gd name="connsiteX8" fmla="*/ 719137 w 719137"/>
+                <a:gd name="connsiteY8" fmla="*/ 223837 h 234420"/>
+                <a:gd name="connsiteX0" fmla="*/ 0 w 719137"/>
+                <a:gd name="connsiteY0" fmla="*/ 185750 h 234433"/>
+                <a:gd name="connsiteX1" fmla="*/ 90487 w 719137"/>
+                <a:gd name="connsiteY1" fmla="*/ 180988 h 234433"/>
+                <a:gd name="connsiteX2" fmla="*/ 180975 w 719137"/>
+                <a:gd name="connsiteY2" fmla="*/ 13 h 234433"/>
+                <a:gd name="connsiteX3" fmla="*/ 276225 w 719137"/>
+                <a:gd name="connsiteY3" fmla="*/ 190513 h 234433"/>
+                <a:gd name="connsiteX4" fmla="*/ 409575 w 719137"/>
+                <a:gd name="connsiteY4" fmla="*/ 28588 h 234433"/>
+                <a:gd name="connsiteX5" fmla="*/ 485775 w 719137"/>
+                <a:gd name="connsiteY5" fmla="*/ 195275 h 234433"/>
+                <a:gd name="connsiteX6" fmla="*/ 523875 w 719137"/>
+                <a:gd name="connsiteY6" fmla="*/ 80975 h 234433"/>
+                <a:gd name="connsiteX7" fmla="*/ 633412 w 719137"/>
+                <a:gd name="connsiteY7" fmla="*/ 223850 h 234433"/>
+                <a:gd name="connsiteX8" fmla="*/ 719137 w 719137"/>
+                <a:gd name="connsiteY8" fmla="*/ 223850 h 234433"/>
+                <a:gd name="connsiteX0" fmla="*/ 0 w 719137"/>
+                <a:gd name="connsiteY0" fmla="*/ 185750 h 234433"/>
+                <a:gd name="connsiteX1" fmla="*/ 90487 w 719137"/>
+                <a:gd name="connsiteY1" fmla="*/ 180988 h 234433"/>
+                <a:gd name="connsiteX2" fmla="*/ 180975 w 719137"/>
+                <a:gd name="connsiteY2" fmla="*/ 13 h 234433"/>
+                <a:gd name="connsiteX3" fmla="*/ 276225 w 719137"/>
+                <a:gd name="connsiteY3" fmla="*/ 190513 h 234433"/>
+                <a:gd name="connsiteX4" fmla="*/ 409575 w 719137"/>
+                <a:gd name="connsiteY4" fmla="*/ 28588 h 234433"/>
+                <a:gd name="connsiteX5" fmla="*/ 485775 w 719137"/>
+                <a:gd name="connsiteY5" fmla="*/ 195275 h 234433"/>
+                <a:gd name="connsiteX6" fmla="*/ 523875 w 719137"/>
+                <a:gd name="connsiteY6" fmla="*/ 80975 h 234433"/>
+                <a:gd name="connsiteX7" fmla="*/ 633412 w 719137"/>
+                <a:gd name="connsiteY7" fmla="*/ 223850 h 234433"/>
+                <a:gd name="connsiteX8" fmla="*/ 719137 w 719137"/>
+                <a:gd name="connsiteY8" fmla="*/ 223850 h 234433"/>
+                <a:gd name="connsiteX0" fmla="*/ 0 w 719137"/>
+                <a:gd name="connsiteY0" fmla="*/ 185750 h 234433"/>
+                <a:gd name="connsiteX1" fmla="*/ 90487 w 719137"/>
+                <a:gd name="connsiteY1" fmla="*/ 180988 h 234433"/>
+                <a:gd name="connsiteX2" fmla="*/ 180975 w 719137"/>
+                <a:gd name="connsiteY2" fmla="*/ 13 h 234433"/>
+                <a:gd name="connsiteX3" fmla="*/ 276225 w 719137"/>
+                <a:gd name="connsiteY3" fmla="*/ 190513 h 234433"/>
+                <a:gd name="connsiteX4" fmla="*/ 409575 w 719137"/>
+                <a:gd name="connsiteY4" fmla="*/ 28588 h 234433"/>
+                <a:gd name="connsiteX5" fmla="*/ 485775 w 719137"/>
+                <a:gd name="connsiteY5" fmla="*/ 195275 h 234433"/>
+                <a:gd name="connsiteX6" fmla="*/ 523875 w 719137"/>
+                <a:gd name="connsiteY6" fmla="*/ 80975 h 234433"/>
+                <a:gd name="connsiteX7" fmla="*/ 633412 w 719137"/>
+                <a:gd name="connsiteY7" fmla="*/ 223850 h 234433"/>
+                <a:gd name="connsiteX8" fmla="*/ 719137 w 719137"/>
+                <a:gd name="connsiteY8" fmla="*/ 223850 h 234433"/>
+                <a:gd name="connsiteX0" fmla="*/ 0 w 719137"/>
+                <a:gd name="connsiteY0" fmla="*/ 185750 h 234433"/>
+                <a:gd name="connsiteX1" fmla="*/ 90487 w 719137"/>
+                <a:gd name="connsiteY1" fmla="*/ 180988 h 234433"/>
+                <a:gd name="connsiteX2" fmla="*/ 180975 w 719137"/>
+                <a:gd name="connsiteY2" fmla="*/ 13 h 234433"/>
+                <a:gd name="connsiteX3" fmla="*/ 276225 w 719137"/>
+                <a:gd name="connsiteY3" fmla="*/ 190513 h 234433"/>
+                <a:gd name="connsiteX4" fmla="*/ 409575 w 719137"/>
+                <a:gd name="connsiteY4" fmla="*/ 28588 h 234433"/>
+                <a:gd name="connsiteX5" fmla="*/ 485775 w 719137"/>
+                <a:gd name="connsiteY5" fmla="*/ 195275 h 234433"/>
+                <a:gd name="connsiteX6" fmla="*/ 523875 w 719137"/>
+                <a:gd name="connsiteY6" fmla="*/ 80975 h 234433"/>
+                <a:gd name="connsiteX7" fmla="*/ 633412 w 719137"/>
+                <a:gd name="connsiteY7" fmla="*/ 223850 h 234433"/>
+                <a:gd name="connsiteX8" fmla="*/ 719137 w 719137"/>
+                <a:gd name="connsiteY8" fmla="*/ 223850 h 234433"/>
+                <a:gd name="connsiteX0" fmla="*/ 0 w 719137"/>
+                <a:gd name="connsiteY0" fmla="*/ 185750 h 234433"/>
+                <a:gd name="connsiteX1" fmla="*/ 90487 w 719137"/>
+                <a:gd name="connsiteY1" fmla="*/ 180988 h 234433"/>
+                <a:gd name="connsiteX2" fmla="*/ 180975 w 719137"/>
+                <a:gd name="connsiteY2" fmla="*/ 13 h 234433"/>
+                <a:gd name="connsiteX3" fmla="*/ 276225 w 719137"/>
+                <a:gd name="connsiteY3" fmla="*/ 190513 h 234433"/>
+                <a:gd name="connsiteX4" fmla="*/ 409575 w 719137"/>
+                <a:gd name="connsiteY4" fmla="*/ 28588 h 234433"/>
+                <a:gd name="connsiteX5" fmla="*/ 485775 w 719137"/>
+                <a:gd name="connsiteY5" fmla="*/ 195275 h 234433"/>
+                <a:gd name="connsiteX6" fmla="*/ 523875 w 719137"/>
+                <a:gd name="connsiteY6" fmla="*/ 80975 h 234433"/>
+                <a:gd name="connsiteX7" fmla="*/ 633412 w 719137"/>
+                <a:gd name="connsiteY7" fmla="*/ 223850 h 234433"/>
+                <a:gd name="connsiteX8" fmla="*/ 719137 w 719137"/>
+                <a:gd name="connsiteY8" fmla="*/ 223850 h 234433"/>
+                <a:gd name="connsiteX0" fmla="*/ 0 w 719137"/>
+                <a:gd name="connsiteY0" fmla="*/ 185750 h 234433"/>
+                <a:gd name="connsiteX1" fmla="*/ 90487 w 719137"/>
+                <a:gd name="connsiteY1" fmla="*/ 180988 h 234433"/>
+                <a:gd name="connsiteX2" fmla="*/ 180975 w 719137"/>
+                <a:gd name="connsiteY2" fmla="*/ 13 h 234433"/>
+                <a:gd name="connsiteX3" fmla="*/ 276225 w 719137"/>
+                <a:gd name="connsiteY3" fmla="*/ 190513 h 234433"/>
+                <a:gd name="connsiteX4" fmla="*/ 390525 w 719137"/>
+                <a:gd name="connsiteY4" fmla="*/ 13 h 234433"/>
+                <a:gd name="connsiteX5" fmla="*/ 485775 w 719137"/>
+                <a:gd name="connsiteY5" fmla="*/ 195275 h 234433"/>
+                <a:gd name="connsiteX6" fmla="*/ 523875 w 719137"/>
+                <a:gd name="connsiteY6" fmla="*/ 80975 h 234433"/>
+                <a:gd name="connsiteX7" fmla="*/ 633412 w 719137"/>
+                <a:gd name="connsiteY7" fmla="*/ 223850 h 234433"/>
+                <a:gd name="connsiteX8" fmla="*/ 719137 w 719137"/>
+                <a:gd name="connsiteY8" fmla="*/ 223850 h 234433"/>
+                <a:gd name="connsiteX0" fmla="*/ 0 w 719137"/>
+                <a:gd name="connsiteY0" fmla="*/ 185796 h 234479"/>
+                <a:gd name="connsiteX1" fmla="*/ 90487 w 719137"/>
+                <a:gd name="connsiteY1" fmla="*/ 181034 h 234479"/>
+                <a:gd name="connsiteX2" fmla="*/ 180975 w 719137"/>
+                <a:gd name="connsiteY2" fmla="*/ 59 h 234479"/>
+                <a:gd name="connsiteX3" fmla="*/ 276225 w 719137"/>
+                <a:gd name="connsiteY3" fmla="*/ 190559 h 234479"/>
+                <a:gd name="connsiteX4" fmla="*/ 390525 w 719137"/>
+                <a:gd name="connsiteY4" fmla="*/ 59 h 234479"/>
+                <a:gd name="connsiteX5" fmla="*/ 485775 w 719137"/>
+                <a:gd name="connsiteY5" fmla="*/ 195321 h 234479"/>
+                <a:gd name="connsiteX6" fmla="*/ 523875 w 719137"/>
+                <a:gd name="connsiteY6" fmla="*/ 81021 h 234479"/>
+                <a:gd name="connsiteX7" fmla="*/ 633412 w 719137"/>
+                <a:gd name="connsiteY7" fmla="*/ 223896 h 234479"/>
+                <a:gd name="connsiteX8" fmla="*/ 719137 w 719137"/>
+                <a:gd name="connsiteY8" fmla="*/ 223896 h 234479"/>
+                <a:gd name="connsiteX0" fmla="*/ 0 w 719137"/>
+                <a:gd name="connsiteY0" fmla="*/ 185751 h 234434"/>
+                <a:gd name="connsiteX1" fmla="*/ 90487 w 719137"/>
+                <a:gd name="connsiteY1" fmla="*/ 180989 h 234434"/>
+                <a:gd name="connsiteX2" fmla="*/ 180975 w 719137"/>
+                <a:gd name="connsiteY2" fmla="*/ 14 h 234434"/>
+                <a:gd name="connsiteX3" fmla="*/ 276225 w 719137"/>
+                <a:gd name="connsiteY3" fmla="*/ 190514 h 234434"/>
+                <a:gd name="connsiteX4" fmla="*/ 390525 w 719137"/>
+                <a:gd name="connsiteY4" fmla="*/ 14 h 234434"/>
+                <a:gd name="connsiteX5" fmla="*/ 485775 w 719137"/>
+                <a:gd name="connsiteY5" fmla="*/ 195276 h 234434"/>
+                <a:gd name="connsiteX6" fmla="*/ 523875 w 719137"/>
+                <a:gd name="connsiteY6" fmla="*/ 80976 h 234434"/>
+                <a:gd name="connsiteX7" fmla="*/ 633412 w 719137"/>
+                <a:gd name="connsiteY7" fmla="*/ 223851 h 234434"/>
+                <a:gd name="connsiteX8" fmla="*/ 719137 w 719137"/>
+                <a:gd name="connsiteY8" fmla="*/ 223851 h 234434"/>
+                <a:gd name="connsiteX0" fmla="*/ 0 w 719137"/>
+                <a:gd name="connsiteY0" fmla="*/ 185751 h 239549"/>
+                <a:gd name="connsiteX1" fmla="*/ 90487 w 719137"/>
+                <a:gd name="connsiteY1" fmla="*/ 180989 h 239549"/>
+                <a:gd name="connsiteX2" fmla="*/ 180975 w 719137"/>
+                <a:gd name="connsiteY2" fmla="*/ 14 h 239549"/>
+                <a:gd name="connsiteX3" fmla="*/ 276225 w 719137"/>
+                <a:gd name="connsiteY3" fmla="*/ 190514 h 239549"/>
+                <a:gd name="connsiteX4" fmla="*/ 390525 w 719137"/>
+                <a:gd name="connsiteY4" fmla="*/ 14 h 239549"/>
+                <a:gd name="connsiteX5" fmla="*/ 485775 w 719137"/>
+                <a:gd name="connsiteY5" fmla="*/ 195276 h 239549"/>
+                <a:gd name="connsiteX6" fmla="*/ 547687 w 719137"/>
+                <a:gd name="connsiteY6" fmla="*/ 11920 h 239549"/>
+                <a:gd name="connsiteX7" fmla="*/ 633412 w 719137"/>
+                <a:gd name="connsiteY7" fmla="*/ 223851 h 239549"/>
+                <a:gd name="connsiteX8" fmla="*/ 719137 w 719137"/>
+                <a:gd name="connsiteY8" fmla="*/ 223851 h 239549"/>
+                <a:gd name="connsiteX0" fmla="*/ 0 w 719137"/>
+                <a:gd name="connsiteY0" fmla="*/ 185751 h 239549"/>
+                <a:gd name="connsiteX1" fmla="*/ 90487 w 719137"/>
+                <a:gd name="connsiteY1" fmla="*/ 180989 h 239549"/>
+                <a:gd name="connsiteX2" fmla="*/ 180975 w 719137"/>
+                <a:gd name="connsiteY2" fmla="*/ 14 h 239549"/>
+                <a:gd name="connsiteX3" fmla="*/ 276225 w 719137"/>
+                <a:gd name="connsiteY3" fmla="*/ 190514 h 239549"/>
+                <a:gd name="connsiteX4" fmla="*/ 390525 w 719137"/>
+                <a:gd name="connsiteY4" fmla="*/ 14 h 239549"/>
+                <a:gd name="connsiteX5" fmla="*/ 485775 w 719137"/>
+                <a:gd name="connsiteY5" fmla="*/ 195276 h 239549"/>
+                <a:gd name="connsiteX6" fmla="*/ 547687 w 719137"/>
+                <a:gd name="connsiteY6" fmla="*/ 11920 h 239549"/>
+                <a:gd name="connsiteX7" fmla="*/ 633412 w 719137"/>
+                <a:gd name="connsiteY7" fmla="*/ 223851 h 239549"/>
+                <a:gd name="connsiteX8" fmla="*/ 719137 w 719137"/>
+                <a:gd name="connsiteY8" fmla="*/ 223851 h 239549"/>
+                <a:gd name="connsiteX0" fmla="*/ 0 w 719137"/>
+                <a:gd name="connsiteY0" fmla="*/ 185751 h 239549"/>
+                <a:gd name="connsiteX1" fmla="*/ 90487 w 719137"/>
+                <a:gd name="connsiteY1" fmla="*/ 180989 h 239549"/>
+                <a:gd name="connsiteX2" fmla="*/ 180975 w 719137"/>
+                <a:gd name="connsiteY2" fmla="*/ 14 h 239549"/>
+                <a:gd name="connsiteX3" fmla="*/ 276225 w 719137"/>
+                <a:gd name="connsiteY3" fmla="*/ 190514 h 239549"/>
+                <a:gd name="connsiteX4" fmla="*/ 390525 w 719137"/>
+                <a:gd name="connsiteY4" fmla="*/ 14 h 239549"/>
+                <a:gd name="connsiteX5" fmla="*/ 485775 w 719137"/>
+                <a:gd name="connsiteY5" fmla="*/ 195276 h 239549"/>
+                <a:gd name="connsiteX6" fmla="*/ 547687 w 719137"/>
+                <a:gd name="connsiteY6" fmla="*/ 11920 h 239549"/>
+                <a:gd name="connsiteX7" fmla="*/ 633412 w 719137"/>
+                <a:gd name="connsiteY7" fmla="*/ 223851 h 239549"/>
+                <a:gd name="connsiteX8" fmla="*/ 719137 w 719137"/>
+                <a:gd name="connsiteY8" fmla="*/ 223851 h 239549"/>
+                <a:gd name="connsiteX0" fmla="*/ 0 w 719137"/>
+                <a:gd name="connsiteY0" fmla="*/ 185751 h 239549"/>
+                <a:gd name="connsiteX1" fmla="*/ 90487 w 719137"/>
+                <a:gd name="connsiteY1" fmla="*/ 180989 h 239549"/>
+                <a:gd name="connsiteX2" fmla="*/ 180975 w 719137"/>
+                <a:gd name="connsiteY2" fmla="*/ 14 h 239549"/>
+                <a:gd name="connsiteX3" fmla="*/ 276225 w 719137"/>
+                <a:gd name="connsiteY3" fmla="*/ 190514 h 239549"/>
+                <a:gd name="connsiteX4" fmla="*/ 390525 w 719137"/>
+                <a:gd name="connsiteY4" fmla="*/ 14 h 239549"/>
+                <a:gd name="connsiteX5" fmla="*/ 485775 w 719137"/>
+                <a:gd name="connsiteY5" fmla="*/ 195276 h 239549"/>
+                <a:gd name="connsiteX6" fmla="*/ 547687 w 719137"/>
+                <a:gd name="connsiteY6" fmla="*/ 11920 h 239549"/>
+                <a:gd name="connsiteX7" fmla="*/ 633412 w 719137"/>
+                <a:gd name="connsiteY7" fmla="*/ 223851 h 239549"/>
+                <a:gd name="connsiteX8" fmla="*/ 719137 w 719137"/>
+                <a:gd name="connsiteY8" fmla="*/ 223851 h 239549"/>
+                <a:gd name="connsiteX0" fmla="*/ 0 w 719137"/>
+                <a:gd name="connsiteY0" fmla="*/ 185751 h 239902"/>
+                <a:gd name="connsiteX1" fmla="*/ 90487 w 719137"/>
+                <a:gd name="connsiteY1" fmla="*/ 180989 h 239902"/>
+                <a:gd name="connsiteX2" fmla="*/ 180975 w 719137"/>
+                <a:gd name="connsiteY2" fmla="*/ 14 h 239902"/>
+                <a:gd name="connsiteX3" fmla="*/ 276225 w 719137"/>
+                <a:gd name="connsiteY3" fmla="*/ 190514 h 239902"/>
+                <a:gd name="connsiteX4" fmla="*/ 390525 w 719137"/>
+                <a:gd name="connsiteY4" fmla="*/ 14 h 239902"/>
+                <a:gd name="connsiteX5" fmla="*/ 485775 w 719137"/>
+                <a:gd name="connsiteY5" fmla="*/ 195276 h 239902"/>
+                <a:gd name="connsiteX6" fmla="*/ 573881 w 719137"/>
+                <a:gd name="connsiteY6" fmla="*/ 7158 h 239902"/>
+                <a:gd name="connsiteX7" fmla="*/ 633412 w 719137"/>
+                <a:gd name="connsiteY7" fmla="*/ 223851 h 239902"/>
+                <a:gd name="connsiteX8" fmla="*/ 719137 w 719137"/>
+                <a:gd name="connsiteY8" fmla="*/ 223851 h 239902"/>
+                <a:gd name="connsiteX0" fmla="*/ 0 w 719137"/>
+                <a:gd name="connsiteY0" fmla="*/ 185751 h 239902"/>
+                <a:gd name="connsiteX1" fmla="*/ 90487 w 719137"/>
+                <a:gd name="connsiteY1" fmla="*/ 180989 h 239902"/>
+                <a:gd name="connsiteX2" fmla="*/ 180975 w 719137"/>
+                <a:gd name="connsiteY2" fmla="*/ 14 h 239902"/>
+                <a:gd name="connsiteX3" fmla="*/ 276225 w 719137"/>
+                <a:gd name="connsiteY3" fmla="*/ 190514 h 239902"/>
+                <a:gd name="connsiteX4" fmla="*/ 390525 w 719137"/>
+                <a:gd name="connsiteY4" fmla="*/ 14 h 239902"/>
+                <a:gd name="connsiteX5" fmla="*/ 485775 w 719137"/>
+                <a:gd name="connsiteY5" fmla="*/ 195276 h 239902"/>
+                <a:gd name="connsiteX6" fmla="*/ 573881 w 719137"/>
+                <a:gd name="connsiteY6" fmla="*/ 7158 h 239902"/>
+                <a:gd name="connsiteX7" fmla="*/ 633412 w 719137"/>
+                <a:gd name="connsiteY7" fmla="*/ 223851 h 239902"/>
+                <a:gd name="connsiteX8" fmla="*/ 719137 w 719137"/>
+                <a:gd name="connsiteY8" fmla="*/ 223851 h 239902"/>
+                <a:gd name="connsiteX0" fmla="*/ 0 w 719137"/>
+                <a:gd name="connsiteY0" fmla="*/ 185751 h 239902"/>
+                <a:gd name="connsiteX1" fmla="*/ 90487 w 719137"/>
+                <a:gd name="connsiteY1" fmla="*/ 180989 h 239902"/>
+                <a:gd name="connsiteX2" fmla="*/ 180975 w 719137"/>
+                <a:gd name="connsiteY2" fmla="*/ 14 h 239902"/>
+                <a:gd name="connsiteX3" fmla="*/ 276225 w 719137"/>
+                <a:gd name="connsiteY3" fmla="*/ 190514 h 239902"/>
+                <a:gd name="connsiteX4" fmla="*/ 390525 w 719137"/>
+                <a:gd name="connsiteY4" fmla="*/ 14 h 239902"/>
+                <a:gd name="connsiteX5" fmla="*/ 485775 w 719137"/>
+                <a:gd name="connsiteY5" fmla="*/ 195276 h 239902"/>
+                <a:gd name="connsiteX6" fmla="*/ 573881 w 719137"/>
+                <a:gd name="connsiteY6" fmla="*/ 7158 h 239902"/>
+                <a:gd name="connsiteX7" fmla="*/ 633412 w 719137"/>
+                <a:gd name="connsiteY7" fmla="*/ 223851 h 239902"/>
+                <a:gd name="connsiteX8" fmla="*/ 719137 w 719137"/>
+                <a:gd name="connsiteY8" fmla="*/ 223851 h 239902"/>
+                <a:gd name="connsiteX0" fmla="*/ 0 w 719137"/>
+                <a:gd name="connsiteY0" fmla="*/ 185751 h 239902"/>
+                <a:gd name="connsiteX1" fmla="*/ 90487 w 719137"/>
+                <a:gd name="connsiteY1" fmla="*/ 180989 h 239902"/>
+                <a:gd name="connsiteX2" fmla="*/ 180975 w 719137"/>
+                <a:gd name="connsiteY2" fmla="*/ 14 h 239902"/>
+                <a:gd name="connsiteX3" fmla="*/ 276225 w 719137"/>
+                <a:gd name="connsiteY3" fmla="*/ 190514 h 239902"/>
+                <a:gd name="connsiteX4" fmla="*/ 390525 w 719137"/>
+                <a:gd name="connsiteY4" fmla="*/ 14 h 239902"/>
+                <a:gd name="connsiteX5" fmla="*/ 485775 w 719137"/>
+                <a:gd name="connsiteY5" fmla="*/ 195276 h 239902"/>
+                <a:gd name="connsiteX6" fmla="*/ 573881 w 719137"/>
+                <a:gd name="connsiteY6" fmla="*/ 7158 h 239902"/>
+                <a:gd name="connsiteX7" fmla="*/ 633412 w 719137"/>
+                <a:gd name="connsiteY7" fmla="*/ 223851 h 239902"/>
+                <a:gd name="connsiteX8" fmla="*/ 719137 w 719137"/>
+                <a:gd name="connsiteY8" fmla="*/ 223851 h 239902"/>
+                <a:gd name="connsiteX0" fmla="*/ 0 w 719137"/>
+                <a:gd name="connsiteY0" fmla="*/ 185751 h 225870"/>
+                <a:gd name="connsiteX1" fmla="*/ 90487 w 719137"/>
+                <a:gd name="connsiteY1" fmla="*/ 180989 h 225870"/>
+                <a:gd name="connsiteX2" fmla="*/ 180975 w 719137"/>
+                <a:gd name="connsiteY2" fmla="*/ 14 h 225870"/>
+                <a:gd name="connsiteX3" fmla="*/ 276225 w 719137"/>
+                <a:gd name="connsiteY3" fmla="*/ 190514 h 225870"/>
+                <a:gd name="connsiteX4" fmla="*/ 390525 w 719137"/>
+                <a:gd name="connsiteY4" fmla="*/ 14 h 225870"/>
+                <a:gd name="connsiteX5" fmla="*/ 485775 w 719137"/>
+                <a:gd name="connsiteY5" fmla="*/ 195276 h 225870"/>
+                <a:gd name="connsiteX6" fmla="*/ 573881 w 719137"/>
+                <a:gd name="connsiteY6" fmla="*/ 7158 h 225870"/>
+                <a:gd name="connsiteX7" fmla="*/ 659606 w 719137"/>
+                <a:gd name="connsiteY7" fmla="*/ 200038 h 225870"/>
+                <a:gd name="connsiteX8" fmla="*/ 719137 w 719137"/>
+                <a:gd name="connsiteY8" fmla="*/ 223851 h 225870"/>
+                <a:gd name="connsiteX0" fmla="*/ 0 w 719137"/>
+                <a:gd name="connsiteY0" fmla="*/ 185751 h 225870"/>
+                <a:gd name="connsiteX1" fmla="*/ 90487 w 719137"/>
+                <a:gd name="connsiteY1" fmla="*/ 180989 h 225870"/>
+                <a:gd name="connsiteX2" fmla="*/ 180975 w 719137"/>
+                <a:gd name="connsiteY2" fmla="*/ 14 h 225870"/>
+                <a:gd name="connsiteX3" fmla="*/ 276225 w 719137"/>
+                <a:gd name="connsiteY3" fmla="*/ 190514 h 225870"/>
+                <a:gd name="connsiteX4" fmla="*/ 390525 w 719137"/>
+                <a:gd name="connsiteY4" fmla="*/ 14 h 225870"/>
+                <a:gd name="connsiteX5" fmla="*/ 485775 w 719137"/>
+                <a:gd name="connsiteY5" fmla="*/ 195276 h 225870"/>
+                <a:gd name="connsiteX6" fmla="*/ 573881 w 719137"/>
+                <a:gd name="connsiteY6" fmla="*/ 7158 h 225870"/>
+                <a:gd name="connsiteX7" fmla="*/ 659606 w 719137"/>
+                <a:gd name="connsiteY7" fmla="*/ 200038 h 225870"/>
+                <a:gd name="connsiteX8" fmla="*/ 719137 w 719137"/>
+                <a:gd name="connsiteY8" fmla="*/ 223851 h 225870"/>
+                <a:gd name="connsiteX0" fmla="*/ 0 w 719137"/>
+                <a:gd name="connsiteY0" fmla="*/ 185751 h 225870"/>
+                <a:gd name="connsiteX1" fmla="*/ 90487 w 719137"/>
+                <a:gd name="connsiteY1" fmla="*/ 180989 h 225870"/>
+                <a:gd name="connsiteX2" fmla="*/ 180975 w 719137"/>
+                <a:gd name="connsiteY2" fmla="*/ 14 h 225870"/>
+                <a:gd name="connsiteX3" fmla="*/ 276225 w 719137"/>
+                <a:gd name="connsiteY3" fmla="*/ 190514 h 225870"/>
+                <a:gd name="connsiteX4" fmla="*/ 390525 w 719137"/>
+                <a:gd name="connsiteY4" fmla="*/ 14 h 225870"/>
+                <a:gd name="connsiteX5" fmla="*/ 485775 w 719137"/>
+                <a:gd name="connsiteY5" fmla="*/ 195276 h 225870"/>
+                <a:gd name="connsiteX6" fmla="*/ 573881 w 719137"/>
+                <a:gd name="connsiteY6" fmla="*/ 7158 h 225870"/>
+                <a:gd name="connsiteX7" fmla="*/ 659606 w 719137"/>
+                <a:gd name="connsiteY7" fmla="*/ 200038 h 225870"/>
+                <a:gd name="connsiteX8" fmla="*/ 719137 w 719137"/>
+                <a:gd name="connsiteY8" fmla="*/ 223851 h 225870"/>
+                <a:gd name="connsiteX0" fmla="*/ 0 w 719137"/>
+                <a:gd name="connsiteY0" fmla="*/ 185751 h 223851"/>
+                <a:gd name="connsiteX1" fmla="*/ 90487 w 719137"/>
+                <a:gd name="connsiteY1" fmla="*/ 180989 h 223851"/>
+                <a:gd name="connsiteX2" fmla="*/ 180975 w 719137"/>
+                <a:gd name="connsiteY2" fmla="*/ 14 h 223851"/>
+                <a:gd name="connsiteX3" fmla="*/ 276225 w 719137"/>
+                <a:gd name="connsiteY3" fmla="*/ 190514 h 223851"/>
+                <a:gd name="connsiteX4" fmla="*/ 390525 w 719137"/>
+                <a:gd name="connsiteY4" fmla="*/ 14 h 223851"/>
+                <a:gd name="connsiteX5" fmla="*/ 485775 w 719137"/>
+                <a:gd name="connsiteY5" fmla="*/ 195276 h 223851"/>
+                <a:gd name="connsiteX6" fmla="*/ 573881 w 719137"/>
+                <a:gd name="connsiteY6" fmla="*/ 7158 h 223851"/>
+                <a:gd name="connsiteX7" fmla="*/ 659606 w 719137"/>
+                <a:gd name="connsiteY7" fmla="*/ 200038 h 223851"/>
+                <a:gd name="connsiteX8" fmla="*/ 719137 w 719137"/>
+                <a:gd name="connsiteY8" fmla="*/ 223851 h 223851"/>
+                <a:gd name="connsiteX0" fmla="*/ 0 w 754856"/>
+                <a:gd name="connsiteY0" fmla="*/ 185751 h 200038"/>
+                <a:gd name="connsiteX1" fmla="*/ 90487 w 754856"/>
+                <a:gd name="connsiteY1" fmla="*/ 180989 h 200038"/>
+                <a:gd name="connsiteX2" fmla="*/ 180975 w 754856"/>
+                <a:gd name="connsiteY2" fmla="*/ 14 h 200038"/>
+                <a:gd name="connsiteX3" fmla="*/ 276225 w 754856"/>
+                <a:gd name="connsiteY3" fmla="*/ 190514 h 200038"/>
+                <a:gd name="connsiteX4" fmla="*/ 390525 w 754856"/>
+                <a:gd name="connsiteY4" fmla="*/ 14 h 200038"/>
+                <a:gd name="connsiteX5" fmla="*/ 485775 w 754856"/>
+                <a:gd name="connsiteY5" fmla="*/ 195276 h 200038"/>
+                <a:gd name="connsiteX6" fmla="*/ 573881 w 754856"/>
+                <a:gd name="connsiteY6" fmla="*/ 7158 h 200038"/>
+                <a:gd name="connsiteX7" fmla="*/ 659606 w 754856"/>
+                <a:gd name="connsiteY7" fmla="*/ 200038 h 200038"/>
+                <a:gd name="connsiteX8" fmla="*/ 754856 w 754856"/>
+                <a:gd name="connsiteY8" fmla="*/ 200038 h 200038"/>
+                <a:gd name="connsiteX0" fmla="*/ 0 w 754856"/>
+                <a:gd name="connsiteY0" fmla="*/ 185751 h 200038"/>
+                <a:gd name="connsiteX1" fmla="*/ 90487 w 754856"/>
+                <a:gd name="connsiteY1" fmla="*/ 180989 h 200038"/>
+                <a:gd name="connsiteX2" fmla="*/ 180975 w 754856"/>
+                <a:gd name="connsiteY2" fmla="*/ 14 h 200038"/>
+                <a:gd name="connsiteX3" fmla="*/ 276225 w 754856"/>
+                <a:gd name="connsiteY3" fmla="*/ 190514 h 200038"/>
+                <a:gd name="connsiteX4" fmla="*/ 390525 w 754856"/>
+                <a:gd name="connsiteY4" fmla="*/ 14 h 200038"/>
+                <a:gd name="connsiteX5" fmla="*/ 485775 w 754856"/>
+                <a:gd name="connsiteY5" fmla="*/ 195276 h 200038"/>
+                <a:gd name="connsiteX6" fmla="*/ 573881 w 754856"/>
+                <a:gd name="connsiteY6" fmla="*/ 7158 h 200038"/>
+                <a:gd name="connsiteX7" fmla="*/ 659606 w 754856"/>
+                <a:gd name="connsiteY7" fmla="*/ 200038 h 200038"/>
+                <a:gd name="connsiteX8" fmla="*/ 754856 w 754856"/>
+                <a:gd name="connsiteY8" fmla="*/ 200038 h 200038"/>
+                <a:gd name="connsiteX0" fmla="*/ 0 w 754856"/>
+                <a:gd name="connsiteY0" fmla="*/ 185751 h 200038"/>
+                <a:gd name="connsiteX1" fmla="*/ 90487 w 754856"/>
+                <a:gd name="connsiteY1" fmla="*/ 180989 h 200038"/>
+                <a:gd name="connsiteX2" fmla="*/ 180975 w 754856"/>
+                <a:gd name="connsiteY2" fmla="*/ 14 h 200038"/>
+                <a:gd name="connsiteX3" fmla="*/ 288132 w 754856"/>
+                <a:gd name="connsiteY3" fmla="*/ 190514 h 200038"/>
+                <a:gd name="connsiteX4" fmla="*/ 390525 w 754856"/>
+                <a:gd name="connsiteY4" fmla="*/ 14 h 200038"/>
+                <a:gd name="connsiteX5" fmla="*/ 485775 w 754856"/>
+                <a:gd name="connsiteY5" fmla="*/ 195276 h 200038"/>
+                <a:gd name="connsiteX6" fmla="*/ 573881 w 754856"/>
+                <a:gd name="connsiteY6" fmla="*/ 7158 h 200038"/>
+                <a:gd name="connsiteX7" fmla="*/ 659606 w 754856"/>
+                <a:gd name="connsiteY7" fmla="*/ 200038 h 200038"/>
+                <a:gd name="connsiteX8" fmla="*/ 754856 w 754856"/>
+                <a:gd name="connsiteY8" fmla="*/ 200038 h 200038"/>
+                <a:gd name="connsiteX0" fmla="*/ 0 w 754856"/>
+                <a:gd name="connsiteY0" fmla="*/ 185751 h 200038"/>
+                <a:gd name="connsiteX1" fmla="*/ 90487 w 754856"/>
+                <a:gd name="connsiteY1" fmla="*/ 180989 h 200038"/>
+                <a:gd name="connsiteX2" fmla="*/ 180975 w 754856"/>
+                <a:gd name="connsiteY2" fmla="*/ 14 h 200038"/>
+                <a:gd name="connsiteX3" fmla="*/ 288132 w 754856"/>
+                <a:gd name="connsiteY3" fmla="*/ 190514 h 200038"/>
+                <a:gd name="connsiteX4" fmla="*/ 390525 w 754856"/>
+                <a:gd name="connsiteY4" fmla="*/ 14 h 200038"/>
+                <a:gd name="connsiteX5" fmla="*/ 485775 w 754856"/>
+                <a:gd name="connsiteY5" fmla="*/ 195276 h 200038"/>
+                <a:gd name="connsiteX6" fmla="*/ 573881 w 754856"/>
+                <a:gd name="connsiteY6" fmla="*/ 7158 h 200038"/>
+                <a:gd name="connsiteX7" fmla="*/ 659606 w 754856"/>
+                <a:gd name="connsiteY7" fmla="*/ 200038 h 200038"/>
+                <a:gd name="connsiteX8" fmla="*/ 754856 w 754856"/>
+                <a:gd name="connsiteY8" fmla="*/ 200038 h 200038"/>
+                <a:gd name="connsiteX0" fmla="*/ 0 w 754856"/>
+                <a:gd name="connsiteY0" fmla="*/ 185759 h 200046"/>
+                <a:gd name="connsiteX1" fmla="*/ 90487 w 754856"/>
+                <a:gd name="connsiteY1" fmla="*/ 180997 h 200046"/>
+                <a:gd name="connsiteX2" fmla="*/ 180975 w 754856"/>
+                <a:gd name="connsiteY2" fmla="*/ 22 h 200046"/>
+                <a:gd name="connsiteX3" fmla="*/ 288132 w 754856"/>
+                <a:gd name="connsiteY3" fmla="*/ 190522 h 200046"/>
+                <a:gd name="connsiteX4" fmla="*/ 390525 w 754856"/>
+                <a:gd name="connsiteY4" fmla="*/ 22 h 200046"/>
+                <a:gd name="connsiteX5" fmla="*/ 485775 w 754856"/>
+                <a:gd name="connsiteY5" fmla="*/ 195284 h 200046"/>
+                <a:gd name="connsiteX6" fmla="*/ 573881 w 754856"/>
+                <a:gd name="connsiteY6" fmla="*/ 7166 h 200046"/>
+                <a:gd name="connsiteX7" fmla="*/ 659606 w 754856"/>
+                <a:gd name="connsiteY7" fmla="*/ 200046 h 200046"/>
+                <a:gd name="connsiteX8" fmla="*/ 754856 w 754856"/>
+                <a:gd name="connsiteY8" fmla="*/ 200046 h 200046"/>
+                <a:gd name="connsiteX0" fmla="*/ 0 w 754856"/>
+                <a:gd name="connsiteY0" fmla="*/ 185751 h 200038"/>
+                <a:gd name="connsiteX1" fmla="*/ 90487 w 754856"/>
+                <a:gd name="connsiteY1" fmla="*/ 180989 h 200038"/>
+                <a:gd name="connsiteX2" fmla="*/ 180975 w 754856"/>
+                <a:gd name="connsiteY2" fmla="*/ 14 h 200038"/>
+                <a:gd name="connsiteX3" fmla="*/ 288132 w 754856"/>
+                <a:gd name="connsiteY3" fmla="*/ 190514 h 200038"/>
+                <a:gd name="connsiteX4" fmla="*/ 390525 w 754856"/>
+                <a:gd name="connsiteY4" fmla="*/ 14 h 200038"/>
+                <a:gd name="connsiteX5" fmla="*/ 485775 w 754856"/>
+                <a:gd name="connsiteY5" fmla="*/ 185751 h 200038"/>
+                <a:gd name="connsiteX6" fmla="*/ 573881 w 754856"/>
+                <a:gd name="connsiteY6" fmla="*/ 7158 h 200038"/>
+                <a:gd name="connsiteX7" fmla="*/ 659606 w 754856"/>
+                <a:gd name="connsiteY7" fmla="*/ 200038 h 200038"/>
+                <a:gd name="connsiteX8" fmla="*/ 754856 w 754856"/>
+                <a:gd name="connsiteY8" fmla="*/ 200038 h 200038"/>
+                <a:gd name="connsiteX0" fmla="*/ 0 w 754856"/>
+                <a:gd name="connsiteY0" fmla="*/ 185751 h 200038"/>
+                <a:gd name="connsiteX1" fmla="*/ 90487 w 754856"/>
+                <a:gd name="connsiteY1" fmla="*/ 180989 h 200038"/>
+                <a:gd name="connsiteX2" fmla="*/ 180975 w 754856"/>
+                <a:gd name="connsiteY2" fmla="*/ 14 h 200038"/>
+                <a:gd name="connsiteX3" fmla="*/ 288132 w 754856"/>
+                <a:gd name="connsiteY3" fmla="*/ 190514 h 200038"/>
+                <a:gd name="connsiteX4" fmla="*/ 390525 w 754856"/>
+                <a:gd name="connsiteY4" fmla="*/ 14 h 200038"/>
+                <a:gd name="connsiteX5" fmla="*/ 485775 w 754856"/>
+                <a:gd name="connsiteY5" fmla="*/ 185751 h 200038"/>
+                <a:gd name="connsiteX6" fmla="*/ 573881 w 754856"/>
+                <a:gd name="connsiteY6" fmla="*/ 7158 h 200038"/>
+                <a:gd name="connsiteX7" fmla="*/ 659606 w 754856"/>
+                <a:gd name="connsiteY7" fmla="*/ 200038 h 200038"/>
+                <a:gd name="connsiteX8" fmla="*/ 754856 w 754856"/>
+                <a:gd name="connsiteY8" fmla="*/ 200038 h 200038"/>
+                <a:gd name="connsiteX0" fmla="*/ 0 w 754856"/>
+                <a:gd name="connsiteY0" fmla="*/ 185751 h 200038"/>
+                <a:gd name="connsiteX1" fmla="*/ 90487 w 754856"/>
+                <a:gd name="connsiteY1" fmla="*/ 180989 h 200038"/>
+                <a:gd name="connsiteX2" fmla="*/ 180975 w 754856"/>
+                <a:gd name="connsiteY2" fmla="*/ 14 h 200038"/>
+                <a:gd name="connsiteX3" fmla="*/ 288132 w 754856"/>
+                <a:gd name="connsiteY3" fmla="*/ 190514 h 200038"/>
+                <a:gd name="connsiteX4" fmla="*/ 390525 w 754856"/>
+                <a:gd name="connsiteY4" fmla="*/ 14 h 200038"/>
+                <a:gd name="connsiteX5" fmla="*/ 485775 w 754856"/>
+                <a:gd name="connsiteY5" fmla="*/ 185751 h 200038"/>
+                <a:gd name="connsiteX6" fmla="*/ 573881 w 754856"/>
+                <a:gd name="connsiteY6" fmla="*/ 7158 h 200038"/>
+                <a:gd name="connsiteX7" fmla="*/ 659606 w 754856"/>
+                <a:gd name="connsiteY7" fmla="*/ 200038 h 200038"/>
+                <a:gd name="connsiteX8" fmla="*/ 754856 w 754856"/>
+                <a:gd name="connsiteY8" fmla="*/ 200038 h 200038"/>
+                <a:gd name="connsiteX0" fmla="*/ 0 w 754856"/>
+                <a:gd name="connsiteY0" fmla="*/ 185751 h 200038"/>
+                <a:gd name="connsiteX1" fmla="*/ 90487 w 754856"/>
+                <a:gd name="connsiteY1" fmla="*/ 180989 h 200038"/>
+                <a:gd name="connsiteX2" fmla="*/ 180975 w 754856"/>
+                <a:gd name="connsiteY2" fmla="*/ 14 h 200038"/>
+                <a:gd name="connsiteX3" fmla="*/ 288132 w 754856"/>
+                <a:gd name="connsiteY3" fmla="*/ 190514 h 200038"/>
+                <a:gd name="connsiteX4" fmla="*/ 390525 w 754856"/>
+                <a:gd name="connsiteY4" fmla="*/ 14 h 200038"/>
+                <a:gd name="connsiteX5" fmla="*/ 485775 w 754856"/>
+                <a:gd name="connsiteY5" fmla="*/ 185751 h 200038"/>
+                <a:gd name="connsiteX6" fmla="*/ 573881 w 754856"/>
+                <a:gd name="connsiteY6" fmla="*/ 7158 h 200038"/>
+                <a:gd name="connsiteX7" fmla="*/ 664369 w 754856"/>
+                <a:gd name="connsiteY7" fmla="*/ 188131 h 200038"/>
+                <a:gd name="connsiteX8" fmla="*/ 754856 w 754856"/>
+                <a:gd name="connsiteY8" fmla="*/ 200038 h 200038"/>
+                <a:gd name="connsiteX0" fmla="*/ 0 w 757238"/>
+                <a:gd name="connsiteY0" fmla="*/ 185751 h 190514"/>
+                <a:gd name="connsiteX1" fmla="*/ 90487 w 757238"/>
+                <a:gd name="connsiteY1" fmla="*/ 180989 h 190514"/>
+                <a:gd name="connsiteX2" fmla="*/ 180975 w 757238"/>
+                <a:gd name="connsiteY2" fmla="*/ 14 h 190514"/>
+                <a:gd name="connsiteX3" fmla="*/ 288132 w 757238"/>
+                <a:gd name="connsiteY3" fmla="*/ 190514 h 190514"/>
+                <a:gd name="connsiteX4" fmla="*/ 390525 w 757238"/>
+                <a:gd name="connsiteY4" fmla="*/ 14 h 190514"/>
+                <a:gd name="connsiteX5" fmla="*/ 485775 w 757238"/>
+                <a:gd name="connsiteY5" fmla="*/ 185751 h 190514"/>
+                <a:gd name="connsiteX6" fmla="*/ 573881 w 757238"/>
+                <a:gd name="connsiteY6" fmla="*/ 7158 h 190514"/>
+                <a:gd name="connsiteX7" fmla="*/ 664369 w 757238"/>
+                <a:gd name="connsiteY7" fmla="*/ 188131 h 190514"/>
+                <a:gd name="connsiteX8" fmla="*/ 757238 w 757238"/>
+                <a:gd name="connsiteY8" fmla="*/ 185750 h 190514"/>
+                <a:gd name="connsiteX0" fmla="*/ 0 w 762001"/>
+                <a:gd name="connsiteY0" fmla="*/ 180988 h 190514"/>
+                <a:gd name="connsiteX1" fmla="*/ 95250 w 762001"/>
+                <a:gd name="connsiteY1" fmla="*/ 180989 h 190514"/>
+                <a:gd name="connsiteX2" fmla="*/ 185738 w 762001"/>
+                <a:gd name="connsiteY2" fmla="*/ 14 h 190514"/>
+                <a:gd name="connsiteX3" fmla="*/ 292895 w 762001"/>
+                <a:gd name="connsiteY3" fmla="*/ 190514 h 190514"/>
+                <a:gd name="connsiteX4" fmla="*/ 395288 w 762001"/>
+                <a:gd name="connsiteY4" fmla="*/ 14 h 190514"/>
+                <a:gd name="connsiteX5" fmla="*/ 490538 w 762001"/>
+                <a:gd name="connsiteY5" fmla="*/ 185751 h 190514"/>
+                <a:gd name="connsiteX6" fmla="*/ 578644 w 762001"/>
+                <a:gd name="connsiteY6" fmla="*/ 7158 h 190514"/>
+                <a:gd name="connsiteX7" fmla="*/ 669132 w 762001"/>
+                <a:gd name="connsiteY7" fmla="*/ 188131 h 190514"/>
+                <a:gd name="connsiteX8" fmla="*/ 762001 w 762001"/>
+                <a:gd name="connsiteY8" fmla="*/ 185750 h 190514"/>
+                <a:gd name="connsiteX0" fmla="*/ 0 w 762001"/>
+                <a:gd name="connsiteY0" fmla="*/ 180988 h 190514"/>
+                <a:gd name="connsiteX1" fmla="*/ 95250 w 762001"/>
+                <a:gd name="connsiteY1" fmla="*/ 180989 h 190514"/>
+                <a:gd name="connsiteX2" fmla="*/ 185738 w 762001"/>
+                <a:gd name="connsiteY2" fmla="*/ 14 h 190514"/>
+                <a:gd name="connsiteX3" fmla="*/ 292895 w 762001"/>
+                <a:gd name="connsiteY3" fmla="*/ 190514 h 190514"/>
+                <a:gd name="connsiteX4" fmla="*/ 395288 w 762001"/>
+                <a:gd name="connsiteY4" fmla="*/ 14 h 190514"/>
+                <a:gd name="connsiteX5" fmla="*/ 490538 w 762001"/>
+                <a:gd name="connsiteY5" fmla="*/ 185751 h 190514"/>
+                <a:gd name="connsiteX6" fmla="*/ 578644 w 762001"/>
+                <a:gd name="connsiteY6" fmla="*/ 7158 h 190514"/>
+                <a:gd name="connsiteX7" fmla="*/ 669132 w 762001"/>
+                <a:gd name="connsiteY7" fmla="*/ 188131 h 190514"/>
+                <a:gd name="connsiteX8" fmla="*/ 762001 w 762001"/>
+                <a:gd name="connsiteY8" fmla="*/ 185750 h 190514"/>
+                <a:gd name="connsiteX0" fmla="*/ 0 w 762001"/>
+                <a:gd name="connsiteY0" fmla="*/ 180988 h 190514"/>
+                <a:gd name="connsiteX1" fmla="*/ 95250 w 762001"/>
+                <a:gd name="connsiteY1" fmla="*/ 180989 h 190514"/>
+                <a:gd name="connsiteX2" fmla="*/ 185738 w 762001"/>
+                <a:gd name="connsiteY2" fmla="*/ 14 h 190514"/>
+                <a:gd name="connsiteX3" fmla="*/ 292895 w 762001"/>
+                <a:gd name="connsiteY3" fmla="*/ 190514 h 190514"/>
+                <a:gd name="connsiteX4" fmla="*/ 395288 w 762001"/>
+                <a:gd name="connsiteY4" fmla="*/ 14 h 190514"/>
+                <a:gd name="connsiteX5" fmla="*/ 490538 w 762001"/>
+                <a:gd name="connsiteY5" fmla="*/ 185751 h 190514"/>
+                <a:gd name="connsiteX6" fmla="*/ 578644 w 762001"/>
+                <a:gd name="connsiteY6" fmla="*/ 7158 h 190514"/>
+                <a:gd name="connsiteX7" fmla="*/ 669132 w 762001"/>
+                <a:gd name="connsiteY7" fmla="*/ 188131 h 190514"/>
+                <a:gd name="connsiteX8" fmla="*/ 762001 w 762001"/>
+                <a:gd name="connsiteY8" fmla="*/ 185750 h 190514"/>
+                <a:gd name="connsiteX0" fmla="*/ 0 w 762001"/>
+                <a:gd name="connsiteY0" fmla="*/ 180988 h 190514"/>
+                <a:gd name="connsiteX1" fmla="*/ 95250 w 762001"/>
+                <a:gd name="connsiteY1" fmla="*/ 180989 h 190514"/>
+                <a:gd name="connsiteX2" fmla="*/ 185738 w 762001"/>
+                <a:gd name="connsiteY2" fmla="*/ 14 h 190514"/>
+                <a:gd name="connsiteX3" fmla="*/ 292895 w 762001"/>
+                <a:gd name="connsiteY3" fmla="*/ 190514 h 190514"/>
+                <a:gd name="connsiteX4" fmla="*/ 395288 w 762001"/>
+                <a:gd name="connsiteY4" fmla="*/ 14 h 190514"/>
+                <a:gd name="connsiteX5" fmla="*/ 490538 w 762001"/>
+                <a:gd name="connsiteY5" fmla="*/ 185751 h 190514"/>
+                <a:gd name="connsiteX6" fmla="*/ 590550 w 762001"/>
+                <a:gd name="connsiteY6" fmla="*/ 4777 h 190514"/>
+                <a:gd name="connsiteX7" fmla="*/ 669132 w 762001"/>
+                <a:gd name="connsiteY7" fmla="*/ 188131 h 190514"/>
+                <a:gd name="connsiteX8" fmla="*/ 762001 w 762001"/>
+                <a:gd name="connsiteY8" fmla="*/ 185750 h 190514"/>
+              </a:gdLst>
+              <a:ahLst/>
+              <a:cxnLst>
+                <a:cxn ang="0">
+                  <a:pos x="connsiteX0" y="connsiteY0"/>
+                </a:cxn>
+                <a:cxn ang="0">
+                  <a:pos x="connsiteX1" y="connsiteY1"/>
+                </a:cxn>
+                <a:cxn ang="0">
+                  <a:pos x="connsiteX2" y="connsiteY2"/>
+                </a:cxn>
+                <a:cxn ang="0">
+                  <a:pos x="connsiteX3" y="connsiteY3"/>
+                </a:cxn>
+                <a:cxn ang="0">
+                  <a:pos x="connsiteX4" y="connsiteY4"/>
+                </a:cxn>
+                <a:cxn ang="0">
+                  <a:pos x="connsiteX5" y="connsiteY5"/>
+                </a:cxn>
+                <a:cxn ang="0">
+                  <a:pos x="connsiteX6" y="connsiteY6"/>
+                </a:cxn>
+                <a:cxn ang="0">
+                  <a:pos x="connsiteX7" y="connsiteY7"/>
+                </a:cxn>
+                <a:cxn ang="0">
+                  <a:pos x="connsiteX8" y="connsiteY8"/>
+                </a:cxn>
+              </a:cxnLst>
+              <a:rect l="l" t="t" r="r" b="b"/>
+              <a:pathLst>
+                <a:path w="762001" h="190514">
+                  <a:moveTo>
+                    <a:pt x="0" y="180988"/>
+                  </a:moveTo>
+                  <a:cubicBezTo>
+                    <a:pt x="82550" y="184164"/>
+                    <a:pt x="7938" y="178608"/>
+                    <a:pt x="95250" y="180989"/>
+                  </a:cubicBezTo>
+                  <a:cubicBezTo>
+                    <a:pt x="99219" y="133364"/>
+                    <a:pt x="111125" y="-1574"/>
+                    <a:pt x="185738" y="14"/>
+                  </a:cubicBezTo>
+                  <a:cubicBezTo>
+                    <a:pt x="269081" y="-780"/>
+                    <a:pt x="266702" y="119077"/>
+                    <a:pt x="292895" y="190514"/>
+                  </a:cubicBezTo>
+                  <a:cubicBezTo>
+                    <a:pt x="308494" y="121789"/>
+                    <a:pt x="295664" y="265"/>
+                    <a:pt x="395288" y="14"/>
+                  </a:cubicBezTo>
+                  <a:cubicBezTo>
+                    <a:pt x="499668" y="-249"/>
+                    <a:pt x="464344" y="133761"/>
+                    <a:pt x="490538" y="185751"/>
+                  </a:cubicBezTo>
+                  <a:cubicBezTo>
+                    <a:pt x="511969" y="140110"/>
+                    <a:pt x="506413" y="6364"/>
+                    <a:pt x="590550" y="4777"/>
+                  </a:cubicBezTo>
+                  <a:cubicBezTo>
+                    <a:pt x="684212" y="4777"/>
+                    <a:pt x="661592" y="132966"/>
+                    <a:pt x="669132" y="188131"/>
+                  </a:cubicBezTo>
+                  <a:lnTo>
+                    <a:pt x="762001" y="185750"/>
+                  </a:lnTo>
+                </a:path>
+              </a:pathLst>
+            </a:custGeom>
+            <a:noFill/>
+            <a:ln w="28575">
+              <a:solidFill>
+                <a:schemeClr val="tx1"/>
+              </a:solidFill>
+            </a:ln>
+          </p:spPr>
+          <p:style>
+            <a:lnRef idx="2">
+              <a:schemeClr val="accent1">
+                <a:shade val="50000"/>
+              </a:schemeClr>
+            </a:lnRef>
+            <a:fillRef idx="1">
+              <a:schemeClr val="accent1"/>
+            </a:fillRef>
+            <a:effectRef idx="0">
+              <a:schemeClr val="accent1"/>
+            </a:effectRef>
+            <a:fontRef idx="minor">
+              <a:schemeClr val="lt1"/>
+            </a:fontRef>
+          </p:style>
+          <p:txBody>
+            <a:bodyPr rtlCol="0" anchor="ctr"/>
+            <a:lstStyle/>
+            <a:p>
+              <a:pPr algn="ctr"/>
+              <a:endParaRPr lang="fr-FR"/>
+            </a:p>
+          </p:txBody>
+        </p:sp>
+        <p:cxnSp>
+          <p:nvCxnSpPr>
+            <p:cNvPr id="32" name="Connecteur droit 31"/>
+            <p:cNvCxnSpPr/>
+            <p:nvPr/>
+          </p:nvCxnSpPr>
+          <p:spPr>
+            <a:xfrm>
+              <a:off x="292199" y="2348880"/>
+              <a:ext cx="870478" cy="0"/>
+            </a:xfrm>
+            <a:prstGeom prst="line">
+              <a:avLst/>
+            </a:prstGeom>
+            <a:ln w="19050">
+              <a:solidFill>
+                <a:schemeClr val="tx1"/>
+              </a:solidFill>
+            </a:ln>
+          </p:spPr>
+          <p:style>
+            <a:lnRef idx="1">
+              <a:schemeClr val="accent1"/>
+            </a:lnRef>
+            <a:fillRef idx="0">
+              <a:schemeClr val="accent1"/>
+            </a:fillRef>
+            <a:effectRef idx="0">
+              <a:schemeClr val="accent1"/>
+            </a:effectRef>
+            <a:fontRef idx="minor">
+              <a:schemeClr val="tx1"/>
+            </a:fontRef>
+          </p:style>
+        </p:cxnSp>
+        <p:cxnSp>
+          <p:nvCxnSpPr>
+            <p:cNvPr id="118" name="Connecteur droit 117"/>
+            <p:cNvCxnSpPr/>
+            <p:nvPr/>
+          </p:nvCxnSpPr>
+          <p:spPr>
+            <a:xfrm>
+              <a:off x="292199" y="2410187"/>
+              <a:ext cx="870478" cy="0"/>
+            </a:xfrm>
+            <a:prstGeom prst="line">
+              <a:avLst/>
+            </a:prstGeom>
+            <a:ln w="19050">
+              <a:solidFill>
+                <a:schemeClr val="tx1"/>
+              </a:solidFill>
+            </a:ln>
+          </p:spPr>
+          <p:style>
+            <a:lnRef idx="1">
+              <a:schemeClr val="accent1"/>
+            </a:lnRef>
+            <a:fillRef idx="0">
+              <a:schemeClr val="accent1"/>
+            </a:fillRef>
+            <a:effectRef idx="0">
+              <a:schemeClr val="accent1"/>
+            </a:effectRef>
+            <a:fontRef idx="minor">
+              <a:schemeClr val="tx1"/>
+            </a:fontRef>
+          </p:style>
+        </p:cxnSp>
+        <p:sp>
+          <p:nvSpPr>
+            <p:cNvPr id="33" name="Ellipse 32"/>
+            <p:cNvSpPr/>
+            <p:nvPr/>
+          </p:nvSpPr>
+          <p:spPr>
+            <a:xfrm>
+              <a:off x="292199" y="2151048"/>
+              <a:ext cx="72000" cy="72000"/>
+            </a:xfrm>
+            <a:prstGeom prst="ellipse">
+              <a:avLst/>
+            </a:prstGeom>
+            <a:solidFill>
+              <a:schemeClr val="tx1"/>
+            </a:solidFill>
+            <a:ln>
+              <a:solidFill>
+                <a:schemeClr val="tx1"/>
+              </a:solidFill>
+            </a:ln>
+          </p:spPr>
+          <p:style>
+            <a:lnRef idx="2">
+              <a:schemeClr val="accent1">
+                <a:shade val="50000"/>
+              </a:schemeClr>
+            </a:lnRef>
+            <a:fillRef idx="1">
+              <a:schemeClr val="accent1"/>
+            </a:fillRef>
+            <a:effectRef idx="0">
+              <a:schemeClr val="accent1"/>
+            </a:effectRef>
+            <a:fontRef idx="minor">
+              <a:schemeClr val="lt1"/>
+            </a:fontRef>
+          </p:style>
+          <p:txBody>
+            <a:bodyPr rtlCol="0" anchor="ctr"/>
+            <a:lstStyle/>
+            <a:p>
+              <a:pPr algn="ctr"/>
+              <a:endParaRPr lang="fr-FR"/>
+            </a:p>
+          </p:txBody>
+        </p:sp>
+        <p:sp>
+          <p:nvSpPr>
+            <p:cNvPr id="130" name="Ellipse 129"/>
+            <p:cNvSpPr/>
+            <p:nvPr/>
+          </p:nvSpPr>
+          <p:spPr>
+            <a:xfrm>
+              <a:off x="292199" y="2541027"/>
+              <a:ext cx="72000" cy="72000"/>
+            </a:xfrm>
+            <a:prstGeom prst="ellipse">
+              <a:avLst/>
+            </a:prstGeom>
+            <a:solidFill>
+              <a:schemeClr val="tx1"/>
+            </a:solidFill>
+            <a:ln>
+              <a:solidFill>
+                <a:schemeClr val="tx1"/>
+              </a:solidFill>
+            </a:ln>
+          </p:spPr>
+          <p:style>
+            <a:lnRef idx="2">
+              <a:schemeClr val="accent1">
+                <a:shade val="50000"/>
+              </a:schemeClr>
+            </a:lnRef>
+            <a:fillRef idx="1">
+              <a:schemeClr val="accent1"/>
+            </a:fillRef>
+            <a:effectRef idx="0">
+              <a:schemeClr val="accent1"/>
+            </a:effectRef>
+            <a:fontRef idx="minor">
+              <a:schemeClr val="lt1"/>
+            </a:fontRef>
+          </p:style>
+          <p:txBody>
+            <a:bodyPr rtlCol="0" anchor="ctr"/>
+            <a:lstStyle/>
+            <a:p>
+              <a:pPr algn="ctr"/>
+              <a:endParaRPr lang="fr-FR"/>
+            </a:p>
+          </p:txBody>
+        </p:sp>
+      </p:grpSp>
+      <p:cxnSp>
+        <p:nvCxnSpPr>
+          <p:cNvPr id="131" name="Connecteur droit 130"/>
+          <p:cNvCxnSpPr/>
+          <p:nvPr/>
+        </p:nvCxnSpPr>
+        <p:spPr>
+          <a:xfrm flipV="1">
+            <a:off x="2889307" y="5842663"/>
+            <a:ext cx="672784" cy="0"/>
+          </a:xfrm>
+          <a:prstGeom prst="line">
+            <a:avLst/>
+          </a:prstGeom>
+          <a:ln w="28575">
             <a:solidFill>
               <a:schemeClr val="tx1"/>
             </a:solidFill>
           </a:ln>
         </p:spPr>
         <p:style>
-          <a:lnRef idx="2">
-            <a:schemeClr val="accent1">
-              <a:shade val="50000"/>
-            </a:schemeClr>
-          </a:lnRef>
-          <a:fillRef idx="1">
-            <a:schemeClr val="accent1"/>
-          </a:fillRef>
-          <a:effectRef idx="0">
-            <a:schemeClr val="accent1"/>
-          </a:effectRef>
-          <a:fontRef idx="minor">
-            <a:schemeClr val="lt1"/>
-          </a:fontRef>
-        </p:style>
-        <p:txBody>
-          <a:bodyPr rtlCol="0" anchor="ctr"/>
-          <a:lstStyle/>
-          <a:p>
-            <a:pPr algn="ctr"/>
-            <a:endParaRPr lang="fr-FR"/>
-          </a:p>
-        </p:txBody>
-      </p:sp>
-      <p:sp>
-        <p:nvSpPr>
-          <p:cNvPr id="123" name="ZoneTexte 122"/>
+          <a:lnRef idx="1">
+            <a:schemeClr val="accent1"/>
+          </a:lnRef>
+          <a:fillRef idx="0">
+            <a:schemeClr val="accent1"/>
+          </a:fillRef>
+          <a:effectRef idx="0">
+            <a:schemeClr val="accent1"/>
+          </a:effectRef>
+          <a:fontRef idx="minor">
+            <a:schemeClr val="tx1"/>
+          </a:fontRef>
+        </p:style>
+      </p:cxnSp>
+      <p:cxnSp>
+        <p:nvCxnSpPr>
+          <p:cNvPr id="135" name="Connecteur droit 134"/>
+          <p:cNvCxnSpPr/>
+          <p:nvPr/>
+        </p:nvCxnSpPr>
+        <p:spPr>
+          <a:xfrm>
+            <a:off x="2896765" y="4425464"/>
+            <a:ext cx="684000" cy="1551"/>
+          </a:xfrm>
+          <a:prstGeom prst="line">
+            <a:avLst/>
+          </a:prstGeom>
+          <a:ln w="28575">
+            <a:solidFill>
+              <a:schemeClr val="tx1"/>
+            </a:solidFill>
+          </a:ln>
+        </p:spPr>
+        <p:style>
+          <a:lnRef idx="1">
+            <a:schemeClr val="accent1"/>
+          </a:lnRef>
+          <a:fillRef idx="0">
+            <a:schemeClr val="accent1"/>
+          </a:fillRef>
+          <a:effectRef idx="0">
+            <a:schemeClr val="accent1"/>
+          </a:effectRef>
+          <a:fontRef idx="minor">
+            <a:schemeClr val="tx1"/>
+          </a:fontRef>
+        </p:style>
+      </p:cxnSp>
+      <p:cxnSp>
+        <p:nvCxnSpPr>
+          <p:cNvPr id="136" name="Connecteur droit 135"/>
+          <p:cNvCxnSpPr>
+            <a:endCxn id="105" idx="8"/>
+          </p:cNvCxnSpPr>
+          <p:nvPr/>
+        </p:nvCxnSpPr>
+        <p:spPr>
+          <a:xfrm flipV="1">
+            <a:off x="2902007" y="5403876"/>
+            <a:ext cx="0" cy="438011"/>
+          </a:xfrm>
+          <a:prstGeom prst="line">
+            <a:avLst/>
+          </a:prstGeom>
+          <a:ln w="28575">
+            <a:solidFill>
+              <a:schemeClr val="tx1"/>
+            </a:solidFill>
+          </a:ln>
+        </p:spPr>
+        <p:style>
+          <a:lnRef idx="1">
+            <a:schemeClr val="accent1"/>
+          </a:lnRef>
+          <a:fillRef idx="0">
+            <a:schemeClr val="accent1"/>
+          </a:fillRef>
+          <a:effectRef idx="0">
+            <a:schemeClr val="accent1"/>
+          </a:effectRef>
+          <a:fontRef idx="minor">
+            <a:schemeClr val="tx1"/>
+          </a:fontRef>
+        </p:style>
+      </p:cxnSp>
+      <p:cxnSp>
+        <p:nvCxnSpPr>
+          <p:cNvPr id="137" name="Connecteur droit 136"/>
+          <p:cNvCxnSpPr/>
+          <p:nvPr/>
+        </p:nvCxnSpPr>
+        <p:spPr>
+          <a:xfrm flipV="1">
+            <a:off x="2160090" y="5400657"/>
+            <a:ext cx="0" cy="438011"/>
+          </a:xfrm>
+          <a:prstGeom prst="line">
+            <a:avLst/>
+          </a:prstGeom>
+          <a:ln w="28575">
+            <a:solidFill>
+              <a:schemeClr val="tx1"/>
+            </a:solidFill>
+          </a:ln>
+        </p:spPr>
+        <p:style>
+          <a:lnRef idx="1">
+            <a:schemeClr val="accent1"/>
+          </a:lnRef>
+          <a:fillRef idx="0">
+            <a:schemeClr val="accent1"/>
+          </a:fillRef>
+          <a:effectRef idx="0">
+            <a:schemeClr val="accent1"/>
+          </a:effectRef>
+          <a:fontRef idx="minor">
+            <a:schemeClr val="tx1"/>
+          </a:fontRef>
+        </p:style>
+      </p:cxnSp>
+      <p:cxnSp>
+        <p:nvCxnSpPr>
+          <p:cNvPr id="139" name="Connecteur droit 138"/>
+          <p:cNvCxnSpPr/>
+          <p:nvPr/>
+        </p:nvCxnSpPr>
+        <p:spPr>
+          <a:xfrm flipV="1">
+            <a:off x="2162469" y="4421696"/>
+            <a:ext cx="0" cy="360000"/>
+          </a:xfrm>
+          <a:prstGeom prst="line">
+            <a:avLst/>
+          </a:prstGeom>
+          <a:ln w="28575">
+            <a:solidFill>
+              <a:schemeClr val="tx1"/>
+            </a:solidFill>
+          </a:ln>
+        </p:spPr>
+        <p:style>
+          <a:lnRef idx="1">
+            <a:schemeClr val="accent1"/>
+          </a:lnRef>
+          <a:fillRef idx="0">
+            <a:schemeClr val="accent1"/>
+          </a:fillRef>
+          <a:effectRef idx="0">
+            <a:schemeClr val="accent1"/>
+          </a:effectRef>
+          <a:fontRef idx="minor">
+            <a:schemeClr val="tx1"/>
+          </a:fontRef>
+        </p:style>
+      </p:cxnSp>
+      <p:cxnSp>
+        <p:nvCxnSpPr>
+          <p:cNvPr id="140" name="Connecteur droit 139"/>
+          <p:cNvCxnSpPr/>
+          <p:nvPr/>
+        </p:nvCxnSpPr>
+        <p:spPr>
+          <a:xfrm flipV="1">
+            <a:off x="2897980" y="4418521"/>
+            <a:ext cx="0" cy="360000"/>
+          </a:xfrm>
+          <a:prstGeom prst="line">
+            <a:avLst/>
+          </a:prstGeom>
+          <a:ln w="28575">
+            <a:solidFill>
+              <a:schemeClr val="tx1"/>
+            </a:solidFill>
+          </a:ln>
+        </p:spPr>
+        <p:style>
+          <a:lnRef idx="1">
+            <a:schemeClr val="accent1"/>
+          </a:lnRef>
+          <a:fillRef idx="0">
+            <a:schemeClr val="accent1"/>
+          </a:fillRef>
+          <a:effectRef idx="0">
+            <a:schemeClr val="accent1"/>
+          </a:effectRef>
+          <a:fontRef idx="minor">
+            <a:schemeClr val="tx1"/>
+          </a:fontRef>
+        </p:style>
+      </p:cxnSp>
+      <p:sp>
+        <p:nvSpPr>
+          <p:cNvPr id="141" name="ZoneTexte 140"/>
           <p:cNvSpPr txBox="1"/>
           <p:nvPr/>
         </p:nvSpPr>
         <p:spPr>
           <a:xfrm>
-            <a:off x="2627784" y="6021288"/>
-            <a:ext cx="431528" cy="369332"/>
+            <a:off x="2313915" y="4241573"/>
+            <a:ext cx="399468" cy="369332"/>
           </a:xfrm>
           <a:prstGeom prst="rect">
             <a:avLst/>
@@ -7798,23 +12895,63 @@
           <a:lstStyle/>
           <a:p>
             <a:r>
+              <a:rPr lang="fr-FR" b="1" dirty="0"/>
+              <a:t>L</a:t>
+            </a:r>
+            <a:r>
               <a:rPr lang="fr-FR" b="1" dirty="0" smtClean="0"/>
-              <a:t>R3</a:t>
+              <a:t>1</a:t>
             </a:r>
             <a:endParaRPr lang="fr-FR" b="1" dirty="0"/>
           </a:p>
         </p:txBody>
       </p:sp>
-      <p:sp>
-        <p:nvSpPr>
-          <p:cNvPr id="124" name="ZoneTexte 123"/>
+      <p:cxnSp>
+        <p:nvCxnSpPr>
+          <p:cNvPr id="54" name="Connecteur droit avec flèche 53"/>
+          <p:cNvCxnSpPr/>
+          <p:nvPr/>
+        </p:nvCxnSpPr>
+        <p:spPr>
+          <a:xfrm>
+            <a:off x="565540" y="4435261"/>
+            <a:ext cx="197240" cy="0"/>
+          </a:xfrm>
+          <a:prstGeom prst="straightConnector1">
+            <a:avLst/>
+          </a:prstGeom>
+          <a:ln w="28575">
+            <a:solidFill>
+              <a:schemeClr val="tx1"/>
+            </a:solidFill>
+            <a:tailEnd type="triangle" w="lg" len="lg"/>
+          </a:ln>
+        </p:spPr>
+        <p:style>
+          <a:lnRef idx="1">
+            <a:schemeClr val="accent1"/>
+          </a:lnRef>
+          <a:fillRef idx="0">
+            <a:schemeClr val="accent1"/>
+          </a:fillRef>
+          <a:effectRef idx="0">
+            <a:schemeClr val="accent1"/>
+          </a:effectRef>
+          <a:fontRef idx="minor">
+            <a:schemeClr val="tx1"/>
+          </a:fontRef>
+        </p:style>
+      </p:cxnSp>
+      <p:sp>
+        <p:nvSpPr>
+          <p:cNvPr id="142" name="ZoneTexte 141"/>
           <p:cNvSpPr txBox="1"/>
           <p:nvPr/>
         </p:nvSpPr>
         <p:spPr>
           <a:xfrm>
-            <a:off x="2843808" y="4941168"/>
-            <a:ext cx="431528" cy="369332"/>
+            <a:off x="304812" y="4014356"/>
+            <a:ext cx="381836" cy="369332"/>
           </a:xfrm>
           <a:prstGeom prst="rect">
             <a:avLst/>
@@ -7828,250 +12965,14 @@
           <a:lstStyle/>
           <a:p>
             <a:r>
-              <a:rPr lang="fr-FR" b="1" dirty="0" smtClean="0"/>
-              <a:t>R2</a:t>
-            </a:r>
-            <a:endParaRPr lang="fr-FR" b="1" dirty="0"/>
-          </a:p>
-        </p:txBody>
-      </p:sp>
-      <p:sp>
-        <p:nvSpPr>
-          <p:cNvPr id="125" name="ZoneTexte 124"/>
-          <p:cNvSpPr txBox="1"/>
-          <p:nvPr/>
-        </p:nvSpPr>
-        <p:spPr>
-          <a:xfrm>
-            <a:off x="3707904" y="3851755"/>
-            <a:ext cx="460382" cy="369332"/>
-          </a:xfrm>
-          <a:prstGeom prst="rect">
-            <a:avLst/>
-          </a:prstGeom>
-          <a:noFill/>
-        </p:spPr>
-        <p:txBody>
-          <a:bodyPr wrap="none" rtlCol="0">
-            <a:spAutoFit/>
-          </a:bodyPr>
-          <a:lstStyle/>
-          <a:p>
-            <a:r>
-              <a:rPr lang="fr-FR" b="1" dirty="0" smtClean="0"/>
-              <a:t>Q1</a:t>
-            </a:r>
-            <a:endParaRPr lang="fr-FR" b="1" dirty="0"/>
-          </a:p>
-        </p:txBody>
-      </p:sp>
-      <p:sp>
-        <p:nvSpPr>
-          <p:cNvPr id="126" name="ZoneTexte 125"/>
-          <p:cNvSpPr txBox="1"/>
-          <p:nvPr/>
-        </p:nvSpPr>
-        <p:spPr>
-          <a:xfrm>
-            <a:off x="5004048" y="3645024"/>
-            <a:ext cx="431528" cy="369332"/>
-          </a:xfrm>
-          <a:prstGeom prst="rect">
-            <a:avLst/>
-          </a:prstGeom>
-          <a:noFill/>
-        </p:spPr>
-        <p:txBody>
-          <a:bodyPr wrap="none" rtlCol="0">
-            <a:spAutoFit/>
-          </a:bodyPr>
-          <a:lstStyle/>
-          <a:p>
-            <a:r>
-              <a:rPr lang="fr-FR" b="1" dirty="0" smtClean="0"/>
-              <a:t>R4</a:t>
-            </a:r>
-            <a:endParaRPr lang="fr-FR" b="1" dirty="0"/>
-          </a:p>
-        </p:txBody>
-      </p:sp>
-      <p:sp>
-        <p:nvSpPr>
-          <p:cNvPr id="127" name="ZoneTexte 126"/>
-          <p:cNvSpPr txBox="1"/>
-          <p:nvPr/>
-        </p:nvSpPr>
-        <p:spPr>
-          <a:xfrm>
-            <a:off x="5946223" y="3861048"/>
-            <a:ext cx="431528" cy="369332"/>
-          </a:xfrm>
-          <a:prstGeom prst="rect">
-            <a:avLst/>
-          </a:prstGeom>
-          <a:noFill/>
-        </p:spPr>
-        <p:txBody>
-          <a:bodyPr wrap="none" rtlCol="0">
-            <a:spAutoFit/>
-          </a:bodyPr>
-          <a:lstStyle/>
-          <a:p>
-            <a:r>
-              <a:rPr lang="fr-FR" b="1" dirty="0" smtClean="0"/>
-              <a:t>R5</a:t>
-            </a:r>
-            <a:endParaRPr lang="fr-FR" b="1" dirty="0"/>
-          </a:p>
-        </p:txBody>
-      </p:sp>
-      <p:sp>
-        <p:nvSpPr>
-          <p:cNvPr id="128" name="ZoneTexte 127"/>
-          <p:cNvSpPr txBox="1"/>
-          <p:nvPr/>
-        </p:nvSpPr>
-        <p:spPr>
-          <a:xfrm>
-            <a:off x="6175225" y="5301208"/>
-            <a:ext cx="423514" cy="369332"/>
-          </a:xfrm>
-          <a:prstGeom prst="rect">
-            <a:avLst/>
-          </a:prstGeom>
-          <a:noFill/>
-        </p:spPr>
-        <p:txBody>
-          <a:bodyPr wrap="none" rtlCol="0">
-            <a:spAutoFit/>
-          </a:bodyPr>
-          <a:lstStyle/>
-          <a:p>
-            <a:r>
-              <a:rPr lang="fr-FR" b="1" dirty="0" smtClean="0"/>
-              <a:t>C2</a:t>
-            </a:r>
-            <a:endParaRPr lang="fr-FR" b="1" dirty="0"/>
-          </a:p>
-        </p:txBody>
-      </p:sp>
-      <p:sp>
-        <p:nvSpPr>
-          <p:cNvPr id="129" name="ZoneTexte 128"/>
-          <p:cNvSpPr txBox="1"/>
-          <p:nvPr/>
-        </p:nvSpPr>
-        <p:spPr>
-          <a:xfrm>
-            <a:off x="6372200" y="2233439"/>
-            <a:ext cx="423514" cy="369332"/>
-          </a:xfrm>
-          <a:prstGeom prst="rect">
-            <a:avLst/>
-          </a:prstGeom>
-          <a:noFill/>
-        </p:spPr>
-        <p:txBody>
-          <a:bodyPr wrap="none" rtlCol="0">
-            <a:spAutoFit/>
-          </a:bodyPr>
-          <a:lstStyle/>
-          <a:p>
-            <a:r>
-              <a:rPr lang="fr-FR" b="1" dirty="0" smtClean="0"/>
-              <a:t>C1</a:t>
-            </a:r>
-            <a:endParaRPr lang="fr-FR" b="1" dirty="0"/>
-          </a:p>
-        </p:txBody>
-      </p:sp>
-      <p:sp>
-        <p:nvSpPr>
-          <p:cNvPr id="132" name="ZoneTexte 131"/>
-          <p:cNvSpPr txBox="1"/>
-          <p:nvPr/>
-        </p:nvSpPr>
-        <p:spPr>
-          <a:xfrm>
-            <a:off x="1993184" y="5507940"/>
-            <a:ext cx="490584" cy="369332"/>
-          </a:xfrm>
-          <a:prstGeom prst="rect">
-            <a:avLst/>
-          </a:prstGeom>
-          <a:noFill/>
-        </p:spPr>
-        <p:txBody>
-          <a:bodyPr wrap="none" rtlCol="0">
-            <a:spAutoFit/>
-          </a:bodyPr>
-          <a:lstStyle/>
-          <a:p>
-            <a:r>
-              <a:rPr lang="fr-FR" dirty="0" smtClean="0"/>
-              <a:t>Ve-</a:t>
-            </a:r>
-            <a:endParaRPr lang="fr-FR" dirty="0"/>
-          </a:p>
-        </p:txBody>
-      </p:sp>
-      <p:sp>
-        <p:nvSpPr>
-          <p:cNvPr id="133" name="ZoneTexte 132"/>
-          <p:cNvSpPr txBox="1"/>
-          <p:nvPr/>
-        </p:nvSpPr>
-        <p:spPr>
-          <a:xfrm>
-            <a:off x="1907704" y="4139788"/>
-            <a:ext cx="535468" cy="369332"/>
-          </a:xfrm>
-          <a:prstGeom prst="rect">
-            <a:avLst/>
-          </a:prstGeom>
-          <a:noFill/>
-        </p:spPr>
-        <p:txBody>
-          <a:bodyPr wrap="none" rtlCol="0">
-            <a:spAutoFit/>
-          </a:bodyPr>
-          <a:lstStyle/>
-          <a:p>
-            <a:r>
-              <a:rPr lang="fr-FR" dirty="0" smtClean="0"/>
-              <a:t>Ve+</a:t>
-            </a:r>
-            <a:endParaRPr lang="fr-FR" dirty="0"/>
-          </a:p>
-        </p:txBody>
-      </p:sp>
-      <p:sp>
-        <p:nvSpPr>
-          <p:cNvPr id="134" name="ZoneTexte 133"/>
-          <p:cNvSpPr txBox="1"/>
-          <p:nvPr/>
-        </p:nvSpPr>
-        <p:spPr>
-          <a:xfrm>
-            <a:off x="6895308" y="4096355"/>
-            <a:ext cx="395749" cy="369332"/>
-          </a:xfrm>
-          <a:prstGeom prst="rect">
-            <a:avLst/>
-          </a:prstGeom>
-          <a:noFill/>
-        </p:spPr>
-        <p:txBody>
-          <a:bodyPr wrap="none" rtlCol="0">
-            <a:spAutoFit/>
-          </a:bodyPr>
-          <a:lstStyle/>
-          <a:p>
-            <a:r>
-              <a:rPr lang="fr-FR" dirty="0" smtClean="0"/>
-              <a:t>Vs</a:t>
-            </a:r>
-            <a:endParaRPr lang="fr-FR" dirty="0"/>
+              <a:rPr lang="fr-FR" dirty="0" err="1" smtClean="0"/>
+              <a:t>I</a:t>
+            </a:r>
+            <a:r>
+              <a:rPr lang="fr-FR" baseline="-25000" dirty="0" err="1" smtClean="0"/>
+              <a:t>ac</a:t>
+            </a:r>
+            <a:endParaRPr lang="fr-FR" baseline="-25000" dirty="0"/>
           </a:p>
         </p:txBody>
       </p:sp>
@@ -13691,7 +18592,7 @@
         <p:spPr>
           <a:xfrm flipH="1">
             <a:off x="2735848" y="2780928"/>
-            <a:ext cx="0" cy="4680000"/>
+            <a:ext cx="0" cy="5472000"/>
           </a:xfrm>
           <a:prstGeom prst="straightConnector1">
             <a:avLst/>
@@ -15358,15 +20259,7 @@
                   <a:schemeClr val="tx1"/>
                 </a:solidFill>
               </a:rPr>
-              <a:t>ET </a:t>
-            </a:r>
-            <a:r>
-              <a:rPr lang="fr-FR" sz="1100" dirty="0" smtClean="0">
-                <a:solidFill>
-                  <a:schemeClr val="tx1"/>
-                </a:solidFill>
-              </a:rPr>
-              <a:t>Papp</a:t>
+              <a:t>ET Papp</a:t>
             </a:r>
             <a:endParaRPr lang="fr-FR" sz="1100" dirty="0">
               <a:solidFill>
@@ -16142,23 +21035,7 @@
                             <a:schemeClr val="bg1"/>
                           </a:solidFill>
                         </a:rPr>
-                        <a:t>[</a:t>
-                      </a:r>
-                      <a:r>
-                        <a:rPr lang="fr-FR" b="1" dirty="0" smtClean="0">
-                          <a:solidFill>
-                            <a:schemeClr val="bg1"/>
-                          </a:solidFill>
-                        </a:rPr>
-                        <a:t>Nom Index</a:t>
-                      </a:r>
-                      <a:r>
-                        <a:rPr lang="fr-FR" b="1" dirty="0" smtClean="0">
-                          <a:solidFill>
-                            <a:schemeClr val="bg1"/>
-                          </a:solidFill>
-                        </a:rPr>
-                        <a:t>]</a:t>
+                        <a:t>[Nom Index]</a:t>
                       </a:r>
                       <a:endParaRPr lang="fr-FR" b="1" dirty="0">
                         <a:solidFill>
